--- a/ppt/2.3 方法.pptx
+++ b/ppt/2.3 方法.pptx
@@ -5,25 +5,39 @@
     <p:sldMasterId id="2147483648" r:id="rId1"/>
   </p:sldMasterIdLst>
   <p:notesMasterIdLst>
-    <p:notesMasterId r:id="rId18"/>
+    <p:notesMasterId r:id="rId32"/>
   </p:notesMasterIdLst>
   <p:sldIdLst>
     <p:sldId id="258" r:id="rId2"/>
     <p:sldId id="266" r:id="rId3"/>
-    <p:sldId id="288" r:id="rId4"/>
-    <p:sldId id="270" r:id="rId5"/>
-    <p:sldId id="289" r:id="rId6"/>
-    <p:sldId id="282" r:id="rId7"/>
-    <p:sldId id="292" r:id="rId8"/>
-    <p:sldId id="283" r:id="rId9"/>
-    <p:sldId id="290" r:id="rId10"/>
-    <p:sldId id="291" r:id="rId11"/>
-    <p:sldId id="286" r:id="rId12"/>
-    <p:sldId id="268" r:id="rId13"/>
-    <p:sldId id="293" r:id="rId14"/>
-    <p:sldId id="294" r:id="rId15"/>
-    <p:sldId id="279" r:id="rId16"/>
-    <p:sldId id="295" r:id="rId17"/>
+    <p:sldId id="304" r:id="rId4"/>
+    <p:sldId id="303" r:id="rId5"/>
+    <p:sldId id="305" r:id="rId6"/>
+    <p:sldId id="308" r:id="rId7"/>
+    <p:sldId id="306" r:id="rId8"/>
+    <p:sldId id="307" r:id="rId9"/>
+    <p:sldId id="288" r:id="rId10"/>
+    <p:sldId id="309" r:id="rId11"/>
+    <p:sldId id="270" r:id="rId12"/>
+    <p:sldId id="296" r:id="rId13"/>
+    <p:sldId id="297" r:id="rId14"/>
+    <p:sldId id="298" r:id="rId15"/>
+    <p:sldId id="299" r:id="rId16"/>
+    <p:sldId id="300" r:id="rId17"/>
+    <p:sldId id="301" r:id="rId18"/>
+    <p:sldId id="302" r:id="rId19"/>
+    <p:sldId id="289" r:id="rId20"/>
+    <p:sldId id="282" r:id="rId21"/>
+    <p:sldId id="292" r:id="rId22"/>
+    <p:sldId id="283" r:id="rId23"/>
+    <p:sldId id="290" r:id="rId24"/>
+    <p:sldId id="291" r:id="rId25"/>
+    <p:sldId id="286" r:id="rId26"/>
+    <p:sldId id="268" r:id="rId27"/>
+    <p:sldId id="293" r:id="rId28"/>
+    <p:sldId id="294" r:id="rId29"/>
+    <p:sldId id="279" r:id="rId30"/>
+    <p:sldId id="295" r:id="rId31"/>
   </p:sldIdLst>
   <p:sldSz cx="12192000" cy="6858000"/>
   <p:notesSz cx="6858000" cy="9144000"/>
@@ -133,8 +147,22 @@
         <p14:section name="无标题节" id="{7F9DBBA9-7A2A-E140-81C6-6683700F6D2B}">
           <p14:sldIdLst>
             <p14:sldId id="266"/>
+            <p14:sldId id="304"/>
+            <p14:sldId id="303"/>
+            <p14:sldId id="305"/>
+            <p14:sldId id="308"/>
+            <p14:sldId id="306"/>
+            <p14:sldId id="307"/>
             <p14:sldId id="288"/>
+            <p14:sldId id="309"/>
             <p14:sldId id="270"/>
+            <p14:sldId id="296"/>
+            <p14:sldId id="297"/>
+            <p14:sldId id="298"/>
+            <p14:sldId id="299"/>
+            <p14:sldId id="300"/>
+            <p14:sldId id="301"/>
+            <p14:sldId id="302"/>
             <p14:sldId id="289"/>
             <p14:sldId id="282"/>
             <p14:sldId id="292"/>
@@ -635,10 +663,7 @@
           <a:bodyPr/>
           <a:lstStyle/>
           <a:p>
-            <a:r>
-              <a:rPr kumimoji="1" lang="zh-CN" altLang="en-US" dirty="0"/>
-              <a:t>有例子</a:t>
-            </a:r>
+            <a:endParaRPr kumimoji="1" lang="zh-CN" altLang="en-US" dirty="0"/>
           </a:p>
         </p:txBody>
       </p:sp>
@@ -668,7 +693,7 @@
     </p:spTree>
     <p:extLst>
       <p:ext uri="{BB962C8B-B14F-4D97-AF65-F5344CB8AC3E}">
-        <p14:creationId xmlns:p14="http://schemas.microsoft.com/office/powerpoint/2010/main" val="3991650673"/>
+        <p14:creationId xmlns:p14="http://schemas.microsoft.com/office/powerpoint/2010/main" val="3274922708"/>
       </p:ext>
     </p:extLst>
   </p:cSld>
@@ -722,10 +747,7 @@
           <a:bodyPr/>
           <a:lstStyle/>
           <a:p>
-            <a:r>
-              <a:rPr kumimoji="1" lang="zh-CN" altLang="en-US" dirty="0"/>
-              <a:t>在数据结构中，我们谈论的最多的是 数据元素，然后再往下谈数据项</a:t>
-            </a:r>
+            <a:endParaRPr kumimoji="1" lang="zh-CN" altLang="en-US" dirty="0"/>
           </a:p>
         </p:txBody>
       </p:sp>
@@ -755,7 +777,7 @@
     </p:spTree>
     <p:extLst>
       <p:ext uri="{BB962C8B-B14F-4D97-AF65-F5344CB8AC3E}">
-        <p14:creationId xmlns:p14="http://schemas.microsoft.com/office/powerpoint/2010/main" val="1568470300"/>
+        <p14:creationId xmlns:p14="http://schemas.microsoft.com/office/powerpoint/2010/main" val="484585094"/>
       </p:ext>
     </p:extLst>
   </p:cSld>
@@ -809,10 +831,7 @@
           <a:bodyPr/>
           <a:lstStyle/>
           <a:p>
-            <a:r>
-              <a:rPr kumimoji="1" lang="zh-CN" altLang="en-US" dirty="0"/>
-              <a:t>在数据结构中，我们谈论的最多的是 数据元素，然后再往下谈数据项</a:t>
-            </a:r>
+            <a:endParaRPr kumimoji="1" lang="zh-CN" altLang="en-US" dirty="0"/>
           </a:p>
         </p:txBody>
       </p:sp>
@@ -842,7 +861,7 @@
     </p:spTree>
     <p:extLst>
       <p:ext uri="{BB962C8B-B14F-4D97-AF65-F5344CB8AC3E}">
-        <p14:creationId xmlns:p14="http://schemas.microsoft.com/office/powerpoint/2010/main" val="428244954"/>
+        <p14:creationId xmlns:p14="http://schemas.microsoft.com/office/powerpoint/2010/main" val="694500134"/>
       </p:ext>
     </p:extLst>
   </p:cSld>
@@ -896,61 +915,7 @@
           <a:bodyPr/>
           <a:lstStyle/>
           <a:p>
-            <a:r>
-              <a:rPr lang="en-US" altLang="zh-CN" sz="1200" dirty="0">
-                <a:effectLst/>
-              </a:rPr>
-              <a:t>a</a:t>
-            </a:r>
-            <a:r>
-              <a:rPr lang="zh-CN" altLang="en-US" sz="1200" dirty="0">
-                <a:effectLst/>
-              </a:rPr>
-              <a:t>例子：当两个操作数是整数时，</a:t>
-            </a:r>
-            <a:r>
-              <a:rPr lang="en-US" altLang="zh-CN" sz="1200" kern="1200" dirty="0">
-                <a:solidFill>
-                  <a:schemeClr val="tx1"/>
-                </a:solidFill>
-                <a:effectLst/>
-                <a:latin typeface="+mn-lt"/>
-                <a:ea typeface="+mn-ea"/>
-                <a:cs typeface="+mn-cs"/>
-              </a:rPr>
-              <a:t>/ </a:t>
-            </a:r>
-            <a:r>
-              <a:rPr lang="zh-CN" altLang="en-US" sz="1200" dirty="0">
-                <a:effectLst/>
-              </a:rPr>
-              <a:t>操作符执行一个整数除法，操作的结果是整数，小数部分被截去。</a:t>
-            </a:r>
-            <a:endParaRPr lang="en-US" altLang="zh-CN" sz="1200" dirty="0">
-              <a:effectLst/>
-            </a:endParaRPr>
-          </a:p>
-          <a:p>
-            <a:r>
-              <a:rPr lang="en-US" altLang="zh-CN" sz="1200" dirty="0">
-                <a:effectLst/>
-              </a:rPr>
-              <a:t>b</a:t>
-            </a:r>
-            <a:r>
-              <a:rPr lang="zh-CN" altLang="en-US" sz="1200" dirty="0">
-                <a:effectLst/>
-              </a:rPr>
-              <a:t>例子：要强制两个整数执行一个浮点数除法时，将其中一个整数转换为浮点数值。</a:t>
-            </a:r>
-            <a:endParaRPr lang="en-US" altLang="zh-CN" sz="1200" dirty="0">
-              <a:effectLst/>
-            </a:endParaRPr>
-          </a:p>
-          <a:p>
-            <a:endParaRPr lang="en-US" altLang="zh-CN" sz="1200" dirty="0">
-              <a:effectLst/>
-            </a:endParaRPr>
+            <a:endParaRPr kumimoji="1" lang="zh-CN" altLang="en-US" dirty="0"/>
           </a:p>
         </p:txBody>
       </p:sp>
@@ -980,7 +945,7 @@
     </p:spTree>
     <p:extLst>
       <p:ext uri="{BB962C8B-B14F-4D97-AF65-F5344CB8AC3E}">
-        <p14:creationId xmlns:p14="http://schemas.microsoft.com/office/powerpoint/2010/main" val="2623026475"/>
+        <p14:creationId xmlns:p14="http://schemas.microsoft.com/office/powerpoint/2010/main" val="2509766632"/>
       </p:ext>
     </p:extLst>
   </p:cSld>
@@ -1034,30 +999,6 @@
           <a:bodyPr/>
           <a:lstStyle/>
           <a:p>
-            <a:pPr marL="0" marR="0" lvl="0" indent="0" algn="l" defTabSz="914400" rtl="0" eaLnBrk="1" fontAlgn="auto" latinLnBrk="0" hangingPunct="1">
-              <a:lnSpc>
-                <a:spcPct val="100000"/>
-              </a:lnSpc>
-              <a:spcBef>
-                <a:spcPts val="0"/>
-              </a:spcBef>
-              <a:spcAft>
-                <a:spcPts val="0"/>
-              </a:spcAft>
-              <a:buClrTx/>
-              <a:buSzTx/>
-              <a:buFontTx/>
-              <a:buNone/>
-              <a:tabLst/>
-              <a:defRPr/>
-            </a:pPr>
-            <a:r>
-              <a:rPr kumimoji="1" lang="zh-CN" altLang="en-US" dirty="0"/>
-              <a:t>另一个例子：狗会叫，猫会叫，鸭子也会叫，那他们可以抽象成 一个动物对象，这个动物对象有叫这个动作，但至于具体如何叫，就不是抽象数据模型的职责了，而是具体数据类型的职责</a:t>
-            </a:r>
-            <a:endParaRPr kumimoji="1" lang="en-US" altLang="zh-CN" dirty="0"/>
-          </a:p>
-          <a:p>
             <a:endParaRPr kumimoji="1" lang="zh-CN" altLang="en-US" dirty="0"/>
           </a:p>
         </p:txBody>
@@ -1088,7 +1029,7 @@
     </p:spTree>
     <p:extLst>
       <p:ext uri="{BB962C8B-B14F-4D97-AF65-F5344CB8AC3E}">
-        <p14:creationId xmlns:p14="http://schemas.microsoft.com/office/powerpoint/2010/main" val="4167110842"/>
+        <p14:creationId xmlns:p14="http://schemas.microsoft.com/office/powerpoint/2010/main" val="3400119256"/>
       </p:ext>
     </p:extLst>
   </p:cSld>
@@ -1142,6 +1083,342 @@
           <a:bodyPr/>
           <a:lstStyle/>
           <a:p>
+            <a:endParaRPr kumimoji="1" lang="zh-CN" altLang="en-US" dirty="0"/>
+          </a:p>
+        </p:txBody>
+      </p:sp>
+      <p:sp>
+        <p:nvSpPr>
+          <p:cNvPr id="4" name="灯片编号占位符 3"/>
+          <p:cNvSpPr>
+            <a:spLocks noGrp="1"/>
+          </p:cNvSpPr>
+          <p:nvPr>
+            <p:ph type="sldNum" sz="quarter" idx="5"/>
+          </p:nvPr>
+        </p:nvSpPr>
+        <p:spPr/>
+        <p:txBody>
+          <a:bodyPr/>
+          <a:lstStyle/>
+          <a:p>
+            <a:fld id="{0F8E57A1-C481-6944-857F-EAC8E932B5ED}" type="slidenum">
+              <a:rPr kumimoji="1" lang="zh-CN" altLang="en-US" smtClean="0"/>
+              <a:t>16</a:t>
+            </a:fld>
+            <a:endParaRPr kumimoji="1" lang="zh-CN" altLang="en-US"/>
+          </a:p>
+        </p:txBody>
+      </p:sp>
+    </p:spTree>
+    <p:extLst>
+      <p:ext uri="{BB962C8B-B14F-4D97-AF65-F5344CB8AC3E}">
+        <p14:creationId xmlns:p14="http://schemas.microsoft.com/office/powerpoint/2010/main" val="1740711311"/>
+      </p:ext>
+    </p:extLst>
+  </p:cSld>
+  <p:clrMapOvr>
+    <a:masterClrMapping/>
+  </p:clrMapOvr>
+</p:notes>
+</file>
+
+<file path=ppt/notesSlides/notesSlide16.xml><?xml version="1.0" encoding="utf-8"?>
+<p:notes xmlns:a="http://schemas.openxmlformats.org/drawingml/2006/main" xmlns:r="http://schemas.openxmlformats.org/officeDocument/2006/relationships" xmlns:p="http://schemas.openxmlformats.org/presentationml/2006/main">
+  <p:cSld>
+    <p:spTree>
+      <p:nvGrpSpPr>
+        <p:cNvPr id="1" name=""/>
+        <p:cNvGrpSpPr/>
+        <p:nvPr/>
+      </p:nvGrpSpPr>
+      <p:grpSpPr>
+        <a:xfrm>
+          <a:off x="0" y="0"/>
+          <a:ext cx="0" cy="0"/>
+          <a:chOff x="0" y="0"/>
+          <a:chExt cx="0" cy="0"/>
+        </a:xfrm>
+      </p:grpSpPr>
+      <p:sp>
+        <p:nvSpPr>
+          <p:cNvPr id="2" name="幻灯片图像占位符 1"/>
+          <p:cNvSpPr>
+            <a:spLocks noGrp="1" noRot="1" noChangeAspect="1"/>
+          </p:cNvSpPr>
+          <p:nvPr>
+            <p:ph type="sldImg"/>
+          </p:nvPr>
+        </p:nvSpPr>
+        <p:spPr/>
+      </p:sp>
+      <p:sp>
+        <p:nvSpPr>
+          <p:cNvPr id="3" name="备注占位符 2"/>
+          <p:cNvSpPr>
+            <a:spLocks noGrp="1"/>
+          </p:cNvSpPr>
+          <p:nvPr>
+            <p:ph type="body" idx="1"/>
+          </p:nvPr>
+        </p:nvSpPr>
+        <p:spPr/>
+        <p:txBody>
+          <a:bodyPr/>
+          <a:lstStyle/>
+          <a:p>
+            <a:endParaRPr kumimoji="1" lang="zh-CN" altLang="en-US" dirty="0"/>
+          </a:p>
+        </p:txBody>
+      </p:sp>
+      <p:sp>
+        <p:nvSpPr>
+          <p:cNvPr id="4" name="灯片编号占位符 3"/>
+          <p:cNvSpPr>
+            <a:spLocks noGrp="1"/>
+          </p:cNvSpPr>
+          <p:nvPr>
+            <p:ph type="sldNum" sz="quarter" idx="5"/>
+          </p:nvPr>
+        </p:nvSpPr>
+        <p:spPr/>
+        <p:txBody>
+          <a:bodyPr/>
+          <a:lstStyle/>
+          <a:p>
+            <a:fld id="{0F8E57A1-C481-6944-857F-EAC8E932B5ED}" type="slidenum">
+              <a:rPr kumimoji="1" lang="zh-CN" altLang="en-US" smtClean="0"/>
+              <a:t>17</a:t>
+            </a:fld>
+            <a:endParaRPr kumimoji="1" lang="zh-CN" altLang="en-US"/>
+          </a:p>
+        </p:txBody>
+      </p:sp>
+    </p:spTree>
+    <p:extLst>
+      <p:ext uri="{BB962C8B-B14F-4D97-AF65-F5344CB8AC3E}">
+        <p14:creationId xmlns:p14="http://schemas.microsoft.com/office/powerpoint/2010/main" val="1252116166"/>
+      </p:ext>
+    </p:extLst>
+  </p:cSld>
+  <p:clrMapOvr>
+    <a:masterClrMapping/>
+  </p:clrMapOvr>
+</p:notes>
+</file>
+
+<file path=ppt/notesSlides/notesSlide17.xml><?xml version="1.0" encoding="utf-8"?>
+<p:notes xmlns:a="http://schemas.openxmlformats.org/drawingml/2006/main" xmlns:r="http://schemas.openxmlformats.org/officeDocument/2006/relationships" xmlns:p="http://schemas.openxmlformats.org/presentationml/2006/main">
+  <p:cSld>
+    <p:spTree>
+      <p:nvGrpSpPr>
+        <p:cNvPr id="1" name=""/>
+        <p:cNvGrpSpPr/>
+        <p:nvPr/>
+      </p:nvGrpSpPr>
+      <p:grpSpPr>
+        <a:xfrm>
+          <a:off x="0" y="0"/>
+          <a:ext cx="0" cy="0"/>
+          <a:chOff x="0" y="0"/>
+          <a:chExt cx="0" cy="0"/>
+        </a:xfrm>
+      </p:grpSpPr>
+      <p:sp>
+        <p:nvSpPr>
+          <p:cNvPr id="2" name="幻灯片图像占位符 1"/>
+          <p:cNvSpPr>
+            <a:spLocks noGrp="1" noRot="1" noChangeAspect="1"/>
+          </p:cNvSpPr>
+          <p:nvPr>
+            <p:ph type="sldImg"/>
+          </p:nvPr>
+        </p:nvSpPr>
+        <p:spPr/>
+      </p:sp>
+      <p:sp>
+        <p:nvSpPr>
+          <p:cNvPr id="3" name="备注占位符 2"/>
+          <p:cNvSpPr>
+            <a:spLocks noGrp="1"/>
+          </p:cNvSpPr>
+          <p:nvPr>
+            <p:ph type="body" idx="1"/>
+          </p:nvPr>
+        </p:nvSpPr>
+        <p:spPr/>
+        <p:txBody>
+          <a:bodyPr/>
+          <a:lstStyle/>
+          <a:p>
+            <a:endParaRPr kumimoji="1" lang="zh-CN" altLang="en-US" dirty="0"/>
+          </a:p>
+        </p:txBody>
+      </p:sp>
+      <p:sp>
+        <p:nvSpPr>
+          <p:cNvPr id="4" name="灯片编号占位符 3"/>
+          <p:cNvSpPr>
+            <a:spLocks noGrp="1"/>
+          </p:cNvSpPr>
+          <p:nvPr>
+            <p:ph type="sldNum" sz="quarter" idx="5"/>
+          </p:nvPr>
+        </p:nvSpPr>
+        <p:spPr/>
+        <p:txBody>
+          <a:bodyPr/>
+          <a:lstStyle/>
+          <a:p>
+            <a:fld id="{0F8E57A1-C481-6944-857F-EAC8E932B5ED}" type="slidenum">
+              <a:rPr kumimoji="1" lang="zh-CN" altLang="en-US" smtClean="0"/>
+              <a:t>18</a:t>
+            </a:fld>
+            <a:endParaRPr kumimoji="1" lang="zh-CN" altLang="en-US"/>
+          </a:p>
+        </p:txBody>
+      </p:sp>
+    </p:spTree>
+    <p:extLst>
+      <p:ext uri="{BB962C8B-B14F-4D97-AF65-F5344CB8AC3E}">
+        <p14:creationId xmlns:p14="http://schemas.microsoft.com/office/powerpoint/2010/main" val="35050927"/>
+      </p:ext>
+    </p:extLst>
+  </p:cSld>
+  <p:clrMapOvr>
+    <a:masterClrMapping/>
+  </p:clrMapOvr>
+</p:notes>
+</file>
+
+<file path=ppt/notesSlides/notesSlide18.xml><?xml version="1.0" encoding="utf-8"?>
+<p:notes xmlns:a="http://schemas.openxmlformats.org/drawingml/2006/main" xmlns:r="http://schemas.openxmlformats.org/officeDocument/2006/relationships" xmlns:p="http://schemas.openxmlformats.org/presentationml/2006/main">
+  <p:cSld>
+    <p:spTree>
+      <p:nvGrpSpPr>
+        <p:cNvPr id="1" name=""/>
+        <p:cNvGrpSpPr/>
+        <p:nvPr/>
+      </p:nvGrpSpPr>
+      <p:grpSpPr>
+        <a:xfrm>
+          <a:off x="0" y="0"/>
+          <a:ext cx="0" cy="0"/>
+          <a:chOff x="0" y="0"/>
+          <a:chExt cx="0" cy="0"/>
+        </a:xfrm>
+      </p:grpSpPr>
+      <p:sp>
+        <p:nvSpPr>
+          <p:cNvPr id="2" name="幻灯片图像占位符 1"/>
+          <p:cNvSpPr>
+            <a:spLocks noGrp="1" noRot="1" noChangeAspect="1"/>
+          </p:cNvSpPr>
+          <p:nvPr>
+            <p:ph type="sldImg"/>
+          </p:nvPr>
+        </p:nvSpPr>
+        <p:spPr/>
+      </p:sp>
+      <p:sp>
+        <p:nvSpPr>
+          <p:cNvPr id="3" name="备注占位符 2"/>
+          <p:cNvSpPr>
+            <a:spLocks noGrp="1"/>
+          </p:cNvSpPr>
+          <p:nvPr>
+            <p:ph type="body" idx="1"/>
+          </p:nvPr>
+        </p:nvSpPr>
+        <p:spPr/>
+        <p:txBody>
+          <a:bodyPr/>
+          <a:lstStyle/>
+          <a:p>
+            <a:endParaRPr kumimoji="1" lang="zh-CN" altLang="en-US" dirty="0"/>
+          </a:p>
+        </p:txBody>
+      </p:sp>
+      <p:sp>
+        <p:nvSpPr>
+          <p:cNvPr id="4" name="灯片编号占位符 3"/>
+          <p:cNvSpPr>
+            <a:spLocks noGrp="1"/>
+          </p:cNvSpPr>
+          <p:nvPr>
+            <p:ph type="sldNum" sz="quarter" idx="5"/>
+          </p:nvPr>
+        </p:nvSpPr>
+        <p:spPr/>
+        <p:txBody>
+          <a:bodyPr/>
+          <a:lstStyle/>
+          <a:p>
+            <a:fld id="{0F8E57A1-C481-6944-857F-EAC8E932B5ED}" type="slidenum">
+              <a:rPr kumimoji="1" lang="zh-CN" altLang="en-US" smtClean="0"/>
+              <a:t>19</a:t>
+            </a:fld>
+            <a:endParaRPr kumimoji="1" lang="zh-CN" altLang="en-US"/>
+          </a:p>
+        </p:txBody>
+      </p:sp>
+    </p:spTree>
+    <p:extLst>
+      <p:ext uri="{BB962C8B-B14F-4D97-AF65-F5344CB8AC3E}">
+        <p14:creationId xmlns:p14="http://schemas.microsoft.com/office/powerpoint/2010/main" val="1320749688"/>
+      </p:ext>
+    </p:extLst>
+  </p:cSld>
+  <p:clrMapOvr>
+    <a:masterClrMapping/>
+  </p:clrMapOvr>
+</p:notes>
+</file>
+
+<file path=ppt/notesSlides/notesSlide19.xml><?xml version="1.0" encoding="utf-8"?>
+<p:notes xmlns:a="http://schemas.openxmlformats.org/drawingml/2006/main" xmlns:r="http://schemas.openxmlformats.org/officeDocument/2006/relationships" xmlns:p="http://schemas.openxmlformats.org/presentationml/2006/main">
+  <p:cSld>
+    <p:spTree>
+      <p:nvGrpSpPr>
+        <p:cNvPr id="1" name=""/>
+        <p:cNvGrpSpPr/>
+        <p:nvPr/>
+      </p:nvGrpSpPr>
+      <p:grpSpPr>
+        <a:xfrm>
+          <a:off x="0" y="0"/>
+          <a:ext cx="0" cy="0"/>
+          <a:chOff x="0" y="0"/>
+          <a:chExt cx="0" cy="0"/>
+        </a:xfrm>
+      </p:grpSpPr>
+      <p:sp>
+        <p:nvSpPr>
+          <p:cNvPr id="2" name="幻灯片图像占位符 1"/>
+          <p:cNvSpPr>
+            <a:spLocks noGrp="1" noRot="1" noChangeAspect="1"/>
+          </p:cNvSpPr>
+          <p:nvPr>
+            <p:ph type="sldImg"/>
+          </p:nvPr>
+        </p:nvSpPr>
+        <p:spPr/>
+      </p:sp>
+      <p:sp>
+        <p:nvSpPr>
+          <p:cNvPr id="3" name="备注占位符 2"/>
+          <p:cNvSpPr>
+            <a:spLocks noGrp="1"/>
+          </p:cNvSpPr>
+          <p:nvPr>
+            <p:ph type="body" idx="1"/>
+          </p:nvPr>
+        </p:nvSpPr>
+        <p:spPr/>
+        <p:txBody>
+          <a:bodyPr/>
+          <a:lstStyle/>
+          <a:p>
             <a:pPr marL="0" marR="0" lvl="0" indent="0" algn="l" defTabSz="914400" rtl="0" eaLnBrk="1" fontAlgn="auto" latinLnBrk="0" hangingPunct="1">
               <a:lnSpc>
                 <a:spcPct val="100000"/>
@@ -1160,13 +1437,51 @@
               <a:defRPr/>
             </a:pPr>
             <a:r>
+              <a:rPr lang="zh-CN" altLang="en-US" dirty="0">
+                <a:hlinkClick r:id="rId3"/>
+              </a:rPr>
+              <a:t>如何从机器语言变成物理电平信号</a:t>
+            </a:r>
+          </a:p>
+          <a:p>
+            <a:pPr marL="0" marR="0" lvl="0" indent="0" algn="l" defTabSz="914400" rtl="0" eaLnBrk="1" fontAlgn="auto" latinLnBrk="0" hangingPunct="1">
+              <a:lnSpc>
+                <a:spcPct val="100000"/>
+              </a:lnSpc>
+              <a:spcBef>
+                <a:spcPts val="0"/>
+              </a:spcBef>
+              <a:spcAft>
+                <a:spcPts val="0"/>
+              </a:spcAft>
+              <a:buClrTx/>
+              <a:buSzTx/>
+              <a:buFontTx/>
+              <a:buNone/>
+              <a:tabLst/>
+              <a:defRPr/>
+            </a:pPr>
+            <a:endParaRPr lang="en-US" altLang="zh-CN" dirty="0">
+              <a:hlinkClick r:id="rId3"/>
+            </a:endParaRPr>
+          </a:p>
+          <a:p>
+            <a:r>
+              <a:rPr lang="en-US" altLang="zh-CN" dirty="0">
+                <a:hlinkClick r:id="rId3"/>
+              </a:rPr>
+              <a:t>https://www.zhihu.com/question/38339241</a:t>
+            </a:r>
+            <a:endParaRPr lang="en-US" altLang="zh-CN" dirty="0"/>
+          </a:p>
+          <a:p>
+            <a:endParaRPr kumimoji="1" lang="en-US" altLang="zh-CN" dirty="0"/>
+          </a:p>
+          <a:p>
+            <a:r>
               <a:rPr kumimoji="1" lang="zh-CN" altLang="en-US" dirty="0"/>
-              <a:t>另一个例子：狗会叫，猫会叫，鸭子也会叫，那他们可以抽象成 一个动物对象，这个动物对象有叫这个动作，但至于具体如何叫，就不是抽象数据模型的职责了，而是具体数据类型的职责</a:t>
-            </a:r>
-            <a:endParaRPr kumimoji="1" lang="en-US" altLang="zh-CN" dirty="0"/>
-          </a:p>
-          <a:p>
-            <a:endParaRPr kumimoji="1" lang="zh-CN" altLang="en-US" dirty="0"/>
+              <a:t>也就是 软件最重要硬件实现，而硬件都是电气电路，只认识，高，低电平</a:t>
+            </a:r>
           </a:p>
         </p:txBody>
       </p:sp>
@@ -1187,7 +1502,7 @@
           <a:p>
             <a:fld id="{0F8E57A1-C481-6944-857F-EAC8E932B5ED}" type="slidenum">
               <a:rPr kumimoji="1" lang="zh-CN" altLang="en-US" smtClean="0"/>
-              <a:t>16</a:t>
+              <a:t>20</a:t>
             </a:fld>
             <a:endParaRPr kumimoji="1" lang="zh-CN" altLang="en-US"/>
           </a:p>
@@ -1196,7 +1511,7 @@
     </p:spTree>
     <p:extLst>
       <p:ext uri="{BB962C8B-B14F-4D97-AF65-F5344CB8AC3E}">
-        <p14:creationId xmlns:p14="http://schemas.microsoft.com/office/powerpoint/2010/main" val="3161374593"/>
+        <p14:creationId xmlns:p14="http://schemas.microsoft.com/office/powerpoint/2010/main" val="2112939307"/>
       </p:ext>
     </p:extLst>
   </p:cSld>
@@ -1283,7 +1598,1037 @@
     </p:spTree>
     <p:extLst>
       <p:ext uri="{BB962C8B-B14F-4D97-AF65-F5344CB8AC3E}">
-        <p14:creationId xmlns:p14="http://schemas.microsoft.com/office/powerpoint/2010/main" val="1239165598"/>
+        <p14:creationId xmlns:p14="http://schemas.microsoft.com/office/powerpoint/2010/main" val="1217010426"/>
+      </p:ext>
+    </p:extLst>
+  </p:cSld>
+  <p:clrMapOvr>
+    <a:masterClrMapping/>
+  </p:clrMapOvr>
+</p:notes>
+</file>
+
+<file path=ppt/notesSlides/notesSlide20.xml><?xml version="1.0" encoding="utf-8"?>
+<p:notes xmlns:a="http://schemas.openxmlformats.org/drawingml/2006/main" xmlns:r="http://schemas.openxmlformats.org/officeDocument/2006/relationships" xmlns:p="http://schemas.openxmlformats.org/presentationml/2006/main">
+  <p:cSld>
+    <p:spTree>
+      <p:nvGrpSpPr>
+        <p:cNvPr id="1" name=""/>
+        <p:cNvGrpSpPr/>
+        <p:nvPr/>
+      </p:nvGrpSpPr>
+      <p:grpSpPr>
+        <a:xfrm>
+          <a:off x="0" y="0"/>
+          <a:ext cx="0" cy="0"/>
+          <a:chOff x="0" y="0"/>
+          <a:chExt cx="0" cy="0"/>
+        </a:xfrm>
+      </p:grpSpPr>
+      <p:sp>
+        <p:nvSpPr>
+          <p:cNvPr id="2" name="幻灯片图像占位符 1"/>
+          <p:cNvSpPr>
+            <a:spLocks noGrp="1" noRot="1" noChangeAspect="1"/>
+          </p:cNvSpPr>
+          <p:nvPr>
+            <p:ph type="sldImg"/>
+          </p:nvPr>
+        </p:nvSpPr>
+        <p:spPr/>
+      </p:sp>
+      <p:sp>
+        <p:nvSpPr>
+          <p:cNvPr id="3" name="备注占位符 2"/>
+          <p:cNvSpPr>
+            <a:spLocks noGrp="1"/>
+          </p:cNvSpPr>
+          <p:nvPr>
+            <p:ph type="body" idx="1"/>
+          </p:nvPr>
+        </p:nvSpPr>
+        <p:spPr/>
+        <p:txBody>
+          <a:bodyPr/>
+          <a:lstStyle/>
+          <a:p>
+            <a:pPr marL="0" marR="0" lvl="0" indent="0" algn="l" defTabSz="914400" rtl="0" eaLnBrk="1" fontAlgn="auto" latinLnBrk="0" hangingPunct="1">
+              <a:lnSpc>
+                <a:spcPct val="100000"/>
+              </a:lnSpc>
+              <a:spcBef>
+                <a:spcPts val="0"/>
+              </a:spcBef>
+              <a:spcAft>
+                <a:spcPts val="0"/>
+              </a:spcAft>
+              <a:buClrTx/>
+              <a:buSzTx/>
+              <a:buFontTx/>
+              <a:buNone/>
+              <a:tabLst/>
+              <a:defRPr/>
+            </a:pPr>
+            <a:r>
+              <a:rPr lang="zh-CN" altLang="en-US" dirty="0">
+                <a:hlinkClick r:id="rId3"/>
+              </a:rPr>
+              <a:t>如何从机器语言变成物理电平信号</a:t>
+            </a:r>
+          </a:p>
+          <a:p>
+            <a:pPr marL="0" marR="0" lvl="0" indent="0" algn="l" defTabSz="914400" rtl="0" eaLnBrk="1" fontAlgn="auto" latinLnBrk="0" hangingPunct="1">
+              <a:lnSpc>
+                <a:spcPct val="100000"/>
+              </a:lnSpc>
+              <a:spcBef>
+                <a:spcPts val="0"/>
+              </a:spcBef>
+              <a:spcAft>
+                <a:spcPts val="0"/>
+              </a:spcAft>
+              <a:buClrTx/>
+              <a:buSzTx/>
+              <a:buFontTx/>
+              <a:buNone/>
+              <a:tabLst/>
+              <a:defRPr/>
+            </a:pPr>
+            <a:endParaRPr lang="en-US" altLang="zh-CN" dirty="0">
+              <a:hlinkClick r:id="rId3"/>
+            </a:endParaRPr>
+          </a:p>
+          <a:p>
+            <a:r>
+              <a:rPr lang="en-US" altLang="zh-CN" dirty="0">
+                <a:hlinkClick r:id="rId3"/>
+              </a:rPr>
+              <a:t>https://www.zhihu.com/question/38339241</a:t>
+            </a:r>
+            <a:endParaRPr lang="en-US" altLang="zh-CN" dirty="0"/>
+          </a:p>
+          <a:p>
+            <a:endParaRPr kumimoji="1" lang="en-US" altLang="zh-CN" dirty="0"/>
+          </a:p>
+          <a:p>
+            <a:r>
+              <a:rPr kumimoji="1" lang="zh-CN" altLang="en-US" dirty="0"/>
+              <a:t>也就是 软件最重要硬件实现，而硬件都是电气电路，只认识，高，低电平</a:t>
+            </a:r>
+          </a:p>
+        </p:txBody>
+      </p:sp>
+      <p:sp>
+        <p:nvSpPr>
+          <p:cNvPr id="4" name="灯片编号占位符 3"/>
+          <p:cNvSpPr>
+            <a:spLocks noGrp="1"/>
+          </p:cNvSpPr>
+          <p:nvPr>
+            <p:ph type="sldNum" sz="quarter" idx="5"/>
+          </p:nvPr>
+        </p:nvSpPr>
+        <p:spPr/>
+        <p:txBody>
+          <a:bodyPr/>
+          <a:lstStyle/>
+          <a:p>
+            <a:fld id="{0F8E57A1-C481-6944-857F-EAC8E932B5ED}" type="slidenum">
+              <a:rPr kumimoji="1" lang="zh-CN" altLang="en-US" smtClean="0"/>
+              <a:t>21</a:t>
+            </a:fld>
+            <a:endParaRPr kumimoji="1" lang="zh-CN" altLang="en-US"/>
+          </a:p>
+        </p:txBody>
+      </p:sp>
+    </p:spTree>
+    <p:extLst>
+      <p:ext uri="{BB962C8B-B14F-4D97-AF65-F5344CB8AC3E}">
+        <p14:creationId xmlns:p14="http://schemas.microsoft.com/office/powerpoint/2010/main" val="2832086500"/>
+      </p:ext>
+    </p:extLst>
+  </p:cSld>
+  <p:clrMapOvr>
+    <a:masterClrMapping/>
+  </p:clrMapOvr>
+</p:notes>
+</file>
+
+<file path=ppt/notesSlides/notesSlide21.xml><?xml version="1.0" encoding="utf-8"?>
+<p:notes xmlns:a="http://schemas.openxmlformats.org/drawingml/2006/main" xmlns:r="http://schemas.openxmlformats.org/officeDocument/2006/relationships" xmlns:p="http://schemas.openxmlformats.org/presentationml/2006/main">
+  <p:cSld>
+    <p:spTree>
+      <p:nvGrpSpPr>
+        <p:cNvPr id="1" name=""/>
+        <p:cNvGrpSpPr/>
+        <p:nvPr/>
+      </p:nvGrpSpPr>
+      <p:grpSpPr>
+        <a:xfrm>
+          <a:off x="0" y="0"/>
+          <a:ext cx="0" cy="0"/>
+          <a:chOff x="0" y="0"/>
+          <a:chExt cx="0" cy="0"/>
+        </a:xfrm>
+      </p:grpSpPr>
+      <p:sp>
+        <p:nvSpPr>
+          <p:cNvPr id="2" name="幻灯片图像占位符 1"/>
+          <p:cNvSpPr>
+            <a:spLocks noGrp="1" noRot="1" noChangeAspect="1"/>
+          </p:cNvSpPr>
+          <p:nvPr>
+            <p:ph type="sldImg"/>
+          </p:nvPr>
+        </p:nvSpPr>
+        <p:spPr/>
+      </p:sp>
+      <p:sp>
+        <p:nvSpPr>
+          <p:cNvPr id="3" name="备注占位符 2"/>
+          <p:cNvSpPr>
+            <a:spLocks noGrp="1"/>
+          </p:cNvSpPr>
+          <p:nvPr>
+            <p:ph type="body" idx="1"/>
+          </p:nvPr>
+        </p:nvSpPr>
+        <p:spPr/>
+        <p:txBody>
+          <a:bodyPr/>
+          <a:lstStyle/>
+          <a:p>
+            <a:endParaRPr kumimoji="1" lang="zh-CN" altLang="en-US" dirty="0"/>
+          </a:p>
+        </p:txBody>
+      </p:sp>
+      <p:sp>
+        <p:nvSpPr>
+          <p:cNvPr id="4" name="灯片编号占位符 3"/>
+          <p:cNvSpPr>
+            <a:spLocks noGrp="1"/>
+          </p:cNvSpPr>
+          <p:nvPr>
+            <p:ph type="sldNum" sz="quarter" idx="5"/>
+          </p:nvPr>
+        </p:nvSpPr>
+        <p:spPr/>
+        <p:txBody>
+          <a:bodyPr/>
+          <a:lstStyle/>
+          <a:p>
+            <a:fld id="{0F8E57A1-C481-6944-857F-EAC8E932B5ED}" type="slidenum">
+              <a:rPr kumimoji="1" lang="zh-CN" altLang="en-US" smtClean="0"/>
+              <a:t>22</a:t>
+            </a:fld>
+            <a:endParaRPr kumimoji="1" lang="zh-CN" altLang="en-US"/>
+          </a:p>
+        </p:txBody>
+      </p:sp>
+    </p:spTree>
+    <p:extLst>
+      <p:ext uri="{BB962C8B-B14F-4D97-AF65-F5344CB8AC3E}">
+        <p14:creationId xmlns:p14="http://schemas.microsoft.com/office/powerpoint/2010/main" val="3404415977"/>
+      </p:ext>
+    </p:extLst>
+  </p:cSld>
+  <p:clrMapOvr>
+    <a:masterClrMapping/>
+  </p:clrMapOvr>
+</p:notes>
+</file>
+
+<file path=ppt/notesSlides/notesSlide22.xml><?xml version="1.0" encoding="utf-8"?>
+<p:notes xmlns:a="http://schemas.openxmlformats.org/drawingml/2006/main" xmlns:r="http://schemas.openxmlformats.org/officeDocument/2006/relationships" xmlns:p="http://schemas.openxmlformats.org/presentationml/2006/main">
+  <p:cSld>
+    <p:spTree>
+      <p:nvGrpSpPr>
+        <p:cNvPr id="1" name=""/>
+        <p:cNvGrpSpPr/>
+        <p:nvPr/>
+      </p:nvGrpSpPr>
+      <p:grpSpPr>
+        <a:xfrm>
+          <a:off x="0" y="0"/>
+          <a:ext cx="0" cy="0"/>
+          <a:chOff x="0" y="0"/>
+          <a:chExt cx="0" cy="0"/>
+        </a:xfrm>
+      </p:grpSpPr>
+      <p:sp>
+        <p:nvSpPr>
+          <p:cNvPr id="2" name="幻灯片图像占位符 1"/>
+          <p:cNvSpPr>
+            <a:spLocks noGrp="1" noRot="1" noChangeAspect="1"/>
+          </p:cNvSpPr>
+          <p:nvPr>
+            <p:ph type="sldImg"/>
+          </p:nvPr>
+        </p:nvSpPr>
+        <p:spPr/>
+      </p:sp>
+      <p:sp>
+        <p:nvSpPr>
+          <p:cNvPr id="3" name="备注占位符 2"/>
+          <p:cNvSpPr>
+            <a:spLocks noGrp="1"/>
+          </p:cNvSpPr>
+          <p:nvPr>
+            <p:ph type="body" idx="1"/>
+          </p:nvPr>
+        </p:nvSpPr>
+        <p:spPr/>
+        <p:txBody>
+          <a:bodyPr/>
+          <a:lstStyle/>
+          <a:p>
+            <a:endParaRPr kumimoji="1" lang="zh-CN" altLang="en-US" dirty="0"/>
+          </a:p>
+        </p:txBody>
+      </p:sp>
+      <p:sp>
+        <p:nvSpPr>
+          <p:cNvPr id="4" name="灯片编号占位符 3"/>
+          <p:cNvSpPr>
+            <a:spLocks noGrp="1"/>
+          </p:cNvSpPr>
+          <p:nvPr>
+            <p:ph type="sldNum" sz="quarter" idx="5"/>
+          </p:nvPr>
+        </p:nvSpPr>
+        <p:spPr/>
+        <p:txBody>
+          <a:bodyPr/>
+          <a:lstStyle/>
+          <a:p>
+            <a:fld id="{0F8E57A1-C481-6944-857F-EAC8E932B5ED}" type="slidenum">
+              <a:rPr kumimoji="1" lang="zh-CN" altLang="en-US" smtClean="0"/>
+              <a:t>23</a:t>
+            </a:fld>
+            <a:endParaRPr kumimoji="1" lang="zh-CN" altLang="en-US"/>
+          </a:p>
+        </p:txBody>
+      </p:sp>
+    </p:spTree>
+    <p:extLst>
+      <p:ext uri="{BB962C8B-B14F-4D97-AF65-F5344CB8AC3E}">
+        <p14:creationId xmlns:p14="http://schemas.microsoft.com/office/powerpoint/2010/main" val="1659880490"/>
+      </p:ext>
+    </p:extLst>
+  </p:cSld>
+  <p:clrMapOvr>
+    <a:masterClrMapping/>
+  </p:clrMapOvr>
+</p:notes>
+</file>
+
+<file path=ppt/notesSlides/notesSlide23.xml><?xml version="1.0" encoding="utf-8"?>
+<p:notes xmlns:a="http://schemas.openxmlformats.org/drawingml/2006/main" xmlns:r="http://schemas.openxmlformats.org/officeDocument/2006/relationships" xmlns:p="http://schemas.openxmlformats.org/presentationml/2006/main">
+  <p:cSld>
+    <p:spTree>
+      <p:nvGrpSpPr>
+        <p:cNvPr id="1" name=""/>
+        <p:cNvGrpSpPr/>
+        <p:nvPr/>
+      </p:nvGrpSpPr>
+      <p:grpSpPr>
+        <a:xfrm>
+          <a:off x="0" y="0"/>
+          <a:ext cx="0" cy="0"/>
+          <a:chOff x="0" y="0"/>
+          <a:chExt cx="0" cy="0"/>
+        </a:xfrm>
+      </p:grpSpPr>
+      <p:sp>
+        <p:nvSpPr>
+          <p:cNvPr id="2" name="幻灯片图像占位符 1"/>
+          <p:cNvSpPr>
+            <a:spLocks noGrp="1" noRot="1" noChangeAspect="1"/>
+          </p:cNvSpPr>
+          <p:nvPr>
+            <p:ph type="sldImg"/>
+          </p:nvPr>
+        </p:nvSpPr>
+        <p:spPr/>
+      </p:sp>
+      <p:sp>
+        <p:nvSpPr>
+          <p:cNvPr id="3" name="备注占位符 2"/>
+          <p:cNvSpPr>
+            <a:spLocks noGrp="1"/>
+          </p:cNvSpPr>
+          <p:nvPr>
+            <p:ph type="body" idx="1"/>
+          </p:nvPr>
+        </p:nvSpPr>
+        <p:spPr/>
+        <p:txBody>
+          <a:bodyPr/>
+          <a:lstStyle/>
+          <a:p>
+            <a:pPr marL="0" marR="0" lvl="0" indent="0" algn="l" defTabSz="914400" rtl="0" eaLnBrk="1" fontAlgn="auto" latinLnBrk="0" hangingPunct="1">
+              <a:lnSpc>
+                <a:spcPct val="100000"/>
+              </a:lnSpc>
+              <a:spcBef>
+                <a:spcPts val="0"/>
+              </a:spcBef>
+              <a:spcAft>
+                <a:spcPts val="0"/>
+              </a:spcAft>
+              <a:buClrTx/>
+              <a:buSzTx/>
+              <a:buFontTx/>
+              <a:buNone/>
+              <a:tabLst/>
+              <a:defRPr/>
+            </a:pPr>
+            <a:endParaRPr kumimoji="1" lang="zh-CN" altLang="en-US" dirty="0"/>
+          </a:p>
+        </p:txBody>
+      </p:sp>
+      <p:sp>
+        <p:nvSpPr>
+          <p:cNvPr id="4" name="灯片编号占位符 3"/>
+          <p:cNvSpPr>
+            <a:spLocks noGrp="1"/>
+          </p:cNvSpPr>
+          <p:nvPr>
+            <p:ph type="sldNum" sz="quarter" idx="5"/>
+          </p:nvPr>
+        </p:nvSpPr>
+        <p:spPr/>
+        <p:txBody>
+          <a:bodyPr/>
+          <a:lstStyle/>
+          <a:p>
+            <a:fld id="{0F8E57A1-C481-6944-857F-EAC8E932B5ED}" type="slidenum">
+              <a:rPr kumimoji="1" lang="zh-CN" altLang="en-US" smtClean="0"/>
+              <a:t>24</a:t>
+            </a:fld>
+            <a:endParaRPr kumimoji="1" lang="zh-CN" altLang="en-US"/>
+          </a:p>
+        </p:txBody>
+      </p:sp>
+    </p:spTree>
+    <p:extLst>
+      <p:ext uri="{BB962C8B-B14F-4D97-AF65-F5344CB8AC3E}">
+        <p14:creationId xmlns:p14="http://schemas.microsoft.com/office/powerpoint/2010/main" val="3634524704"/>
+      </p:ext>
+    </p:extLst>
+  </p:cSld>
+  <p:clrMapOvr>
+    <a:masterClrMapping/>
+  </p:clrMapOvr>
+</p:notes>
+</file>
+
+<file path=ppt/notesSlides/notesSlide24.xml><?xml version="1.0" encoding="utf-8"?>
+<p:notes xmlns:a="http://schemas.openxmlformats.org/drawingml/2006/main" xmlns:r="http://schemas.openxmlformats.org/officeDocument/2006/relationships" xmlns:p="http://schemas.openxmlformats.org/presentationml/2006/main">
+  <p:cSld>
+    <p:spTree>
+      <p:nvGrpSpPr>
+        <p:cNvPr id="1" name=""/>
+        <p:cNvGrpSpPr/>
+        <p:nvPr/>
+      </p:nvGrpSpPr>
+      <p:grpSpPr>
+        <a:xfrm>
+          <a:off x="0" y="0"/>
+          <a:ext cx="0" cy="0"/>
+          <a:chOff x="0" y="0"/>
+          <a:chExt cx="0" cy="0"/>
+        </a:xfrm>
+      </p:grpSpPr>
+      <p:sp>
+        <p:nvSpPr>
+          <p:cNvPr id="2" name="幻灯片图像占位符 1"/>
+          <p:cNvSpPr>
+            <a:spLocks noGrp="1" noRot="1" noChangeAspect="1"/>
+          </p:cNvSpPr>
+          <p:nvPr>
+            <p:ph type="sldImg"/>
+          </p:nvPr>
+        </p:nvSpPr>
+        <p:spPr/>
+      </p:sp>
+      <p:sp>
+        <p:nvSpPr>
+          <p:cNvPr id="3" name="备注占位符 2"/>
+          <p:cNvSpPr>
+            <a:spLocks noGrp="1"/>
+          </p:cNvSpPr>
+          <p:nvPr>
+            <p:ph type="body" idx="1"/>
+          </p:nvPr>
+        </p:nvSpPr>
+        <p:spPr/>
+        <p:txBody>
+          <a:bodyPr/>
+          <a:lstStyle/>
+          <a:p>
+            <a:r>
+              <a:rPr kumimoji="1" lang="zh-CN" altLang="en-US" dirty="0"/>
+              <a:t>有例子</a:t>
+            </a:r>
+          </a:p>
+        </p:txBody>
+      </p:sp>
+      <p:sp>
+        <p:nvSpPr>
+          <p:cNvPr id="4" name="灯片编号占位符 3"/>
+          <p:cNvSpPr>
+            <a:spLocks noGrp="1"/>
+          </p:cNvSpPr>
+          <p:nvPr>
+            <p:ph type="sldNum" sz="quarter" idx="5"/>
+          </p:nvPr>
+        </p:nvSpPr>
+        <p:spPr/>
+        <p:txBody>
+          <a:bodyPr/>
+          <a:lstStyle/>
+          <a:p>
+            <a:fld id="{0F8E57A1-C481-6944-857F-EAC8E932B5ED}" type="slidenum">
+              <a:rPr kumimoji="1" lang="zh-CN" altLang="en-US" smtClean="0"/>
+              <a:t>25</a:t>
+            </a:fld>
+            <a:endParaRPr kumimoji="1" lang="zh-CN" altLang="en-US"/>
+          </a:p>
+        </p:txBody>
+      </p:sp>
+    </p:spTree>
+    <p:extLst>
+      <p:ext uri="{BB962C8B-B14F-4D97-AF65-F5344CB8AC3E}">
+        <p14:creationId xmlns:p14="http://schemas.microsoft.com/office/powerpoint/2010/main" val="3991650673"/>
+      </p:ext>
+    </p:extLst>
+  </p:cSld>
+  <p:clrMapOvr>
+    <a:masterClrMapping/>
+  </p:clrMapOvr>
+</p:notes>
+</file>
+
+<file path=ppt/notesSlides/notesSlide25.xml><?xml version="1.0" encoding="utf-8"?>
+<p:notes xmlns:a="http://schemas.openxmlformats.org/drawingml/2006/main" xmlns:r="http://schemas.openxmlformats.org/officeDocument/2006/relationships" xmlns:p="http://schemas.openxmlformats.org/presentationml/2006/main">
+  <p:cSld>
+    <p:spTree>
+      <p:nvGrpSpPr>
+        <p:cNvPr id="1" name=""/>
+        <p:cNvGrpSpPr/>
+        <p:nvPr/>
+      </p:nvGrpSpPr>
+      <p:grpSpPr>
+        <a:xfrm>
+          <a:off x="0" y="0"/>
+          <a:ext cx="0" cy="0"/>
+          <a:chOff x="0" y="0"/>
+          <a:chExt cx="0" cy="0"/>
+        </a:xfrm>
+      </p:grpSpPr>
+      <p:sp>
+        <p:nvSpPr>
+          <p:cNvPr id="2" name="幻灯片图像占位符 1"/>
+          <p:cNvSpPr>
+            <a:spLocks noGrp="1" noRot="1" noChangeAspect="1"/>
+          </p:cNvSpPr>
+          <p:nvPr>
+            <p:ph type="sldImg"/>
+          </p:nvPr>
+        </p:nvSpPr>
+        <p:spPr/>
+      </p:sp>
+      <p:sp>
+        <p:nvSpPr>
+          <p:cNvPr id="3" name="备注占位符 2"/>
+          <p:cNvSpPr>
+            <a:spLocks noGrp="1"/>
+          </p:cNvSpPr>
+          <p:nvPr>
+            <p:ph type="body" idx="1"/>
+          </p:nvPr>
+        </p:nvSpPr>
+        <p:spPr/>
+        <p:txBody>
+          <a:bodyPr/>
+          <a:lstStyle/>
+          <a:p>
+            <a:r>
+              <a:rPr kumimoji="1" lang="zh-CN" altLang="en-US" dirty="0"/>
+              <a:t>在数据结构中，我们谈论的最多的是 数据元素，然后再往下谈数据项</a:t>
+            </a:r>
+          </a:p>
+        </p:txBody>
+      </p:sp>
+      <p:sp>
+        <p:nvSpPr>
+          <p:cNvPr id="4" name="灯片编号占位符 3"/>
+          <p:cNvSpPr>
+            <a:spLocks noGrp="1"/>
+          </p:cNvSpPr>
+          <p:nvPr>
+            <p:ph type="sldNum" sz="quarter" idx="5"/>
+          </p:nvPr>
+        </p:nvSpPr>
+        <p:spPr/>
+        <p:txBody>
+          <a:bodyPr/>
+          <a:lstStyle/>
+          <a:p>
+            <a:fld id="{0F8E57A1-C481-6944-857F-EAC8E932B5ED}" type="slidenum">
+              <a:rPr kumimoji="1" lang="zh-CN" altLang="en-US" smtClean="0"/>
+              <a:t>26</a:t>
+            </a:fld>
+            <a:endParaRPr kumimoji="1" lang="zh-CN" altLang="en-US"/>
+          </a:p>
+        </p:txBody>
+      </p:sp>
+    </p:spTree>
+    <p:extLst>
+      <p:ext uri="{BB962C8B-B14F-4D97-AF65-F5344CB8AC3E}">
+        <p14:creationId xmlns:p14="http://schemas.microsoft.com/office/powerpoint/2010/main" val="1568470300"/>
+      </p:ext>
+    </p:extLst>
+  </p:cSld>
+  <p:clrMapOvr>
+    <a:masterClrMapping/>
+  </p:clrMapOvr>
+</p:notes>
+</file>
+
+<file path=ppt/notesSlides/notesSlide26.xml><?xml version="1.0" encoding="utf-8"?>
+<p:notes xmlns:a="http://schemas.openxmlformats.org/drawingml/2006/main" xmlns:r="http://schemas.openxmlformats.org/officeDocument/2006/relationships" xmlns:p="http://schemas.openxmlformats.org/presentationml/2006/main">
+  <p:cSld>
+    <p:spTree>
+      <p:nvGrpSpPr>
+        <p:cNvPr id="1" name=""/>
+        <p:cNvGrpSpPr/>
+        <p:nvPr/>
+      </p:nvGrpSpPr>
+      <p:grpSpPr>
+        <a:xfrm>
+          <a:off x="0" y="0"/>
+          <a:ext cx="0" cy="0"/>
+          <a:chOff x="0" y="0"/>
+          <a:chExt cx="0" cy="0"/>
+        </a:xfrm>
+      </p:grpSpPr>
+      <p:sp>
+        <p:nvSpPr>
+          <p:cNvPr id="2" name="幻灯片图像占位符 1"/>
+          <p:cNvSpPr>
+            <a:spLocks noGrp="1" noRot="1" noChangeAspect="1"/>
+          </p:cNvSpPr>
+          <p:nvPr>
+            <p:ph type="sldImg"/>
+          </p:nvPr>
+        </p:nvSpPr>
+        <p:spPr/>
+      </p:sp>
+      <p:sp>
+        <p:nvSpPr>
+          <p:cNvPr id="3" name="备注占位符 2"/>
+          <p:cNvSpPr>
+            <a:spLocks noGrp="1"/>
+          </p:cNvSpPr>
+          <p:nvPr>
+            <p:ph type="body" idx="1"/>
+          </p:nvPr>
+        </p:nvSpPr>
+        <p:spPr/>
+        <p:txBody>
+          <a:bodyPr/>
+          <a:lstStyle/>
+          <a:p>
+            <a:r>
+              <a:rPr kumimoji="1" lang="zh-CN" altLang="en-US" dirty="0"/>
+              <a:t>在数据结构中，我们谈论的最多的是 数据元素，然后再往下谈数据项</a:t>
+            </a:r>
+          </a:p>
+        </p:txBody>
+      </p:sp>
+      <p:sp>
+        <p:nvSpPr>
+          <p:cNvPr id="4" name="灯片编号占位符 3"/>
+          <p:cNvSpPr>
+            <a:spLocks noGrp="1"/>
+          </p:cNvSpPr>
+          <p:nvPr>
+            <p:ph type="sldNum" sz="quarter" idx="5"/>
+          </p:nvPr>
+        </p:nvSpPr>
+        <p:spPr/>
+        <p:txBody>
+          <a:bodyPr/>
+          <a:lstStyle/>
+          <a:p>
+            <a:fld id="{0F8E57A1-C481-6944-857F-EAC8E932B5ED}" type="slidenum">
+              <a:rPr kumimoji="1" lang="zh-CN" altLang="en-US" smtClean="0"/>
+              <a:t>27</a:t>
+            </a:fld>
+            <a:endParaRPr kumimoji="1" lang="zh-CN" altLang="en-US"/>
+          </a:p>
+        </p:txBody>
+      </p:sp>
+    </p:spTree>
+    <p:extLst>
+      <p:ext uri="{BB962C8B-B14F-4D97-AF65-F5344CB8AC3E}">
+        <p14:creationId xmlns:p14="http://schemas.microsoft.com/office/powerpoint/2010/main" val="428244954"/>
+      </p:ext>
+    </p:extLst>
+  </p:cSld>
+  <p:clrMapOvr>
+    <a:masterClrMapping/>
+  </p:clrMapOvr>
+</p:notes>
+</file>
+
+<file path=ppt/notesSlides/notesSlide27.xml><?xml version="1.0" encoding="utf-8"?>
+<p:notes xmlns:a="http://schemas.openxmlformats.org/drawingml/2006/main" xmlns:r="http://schemas.openxmlformats.org/officeDocument/2006/relationships" xmlns:p="http://schemas.openxmlformats.org/presentationml/2006/main">
+  <p:cSld>
+    <p:spTree>
+      <p:nvGrpSpPr>
+        <p:cNvPr id="1" name=""/>
+        <p:cNvGrpSpPr/>
+        <p:nvPr/>
+      </p:nvGrpSpPr>
+      <p:grpSpPr>
+        <a:xfrm>
+          <a:off x="0" y="0"/>
+          <a:ext cx="0" cy="0"/>
+          <a:chOff x="0" y="0"/>
+          <a:chExt cx="0" cy="0"/>
+        </a:xfrm>
+      </p:grpSpPr>
+      <p:sp>
+        <p:nvSpPr>
+          <p:cNvPr id="2" name="幻灯片图像占位符 1"/>
+          <p:cNvSpPr>
+            <a:spLocks noGrp="1" noRot="1" noChangeAspect="1"/>
+          </p:cNvSpPr>
+          <p:nvPr>
+            <p:ph type="sldImg"/>
+          </p:nvPr>
+        </p:nvSpPr>
+        <p:spPr/>
+      </p:sp>
+      <p:sp>
+        <p:nvSpPr>
+          <p:cNvPr id="3" name="备注占位符 2"/>
+          <p:cNvSpPr>
+            <a:spLocks noGrp="1"/>
+          </p:cNvSpPr>
+          <p:nvPr>
+            <p:ph type="body" idx="1"/>
+          </p:nvPr>
+        </p:nvSpPr>
+        <p:spPr/>
+        <p:txBody>
+          <a:bodyPr/>
+          <a:lstStyle/>
+          <a:p>
+            <a:r>
+              <a:rPr lang="en-US" altLang="zh-CN" sz="1200" dirty="0">
+                <a:effectLst/>
+              </a:rPr>
+              <a:t>a</a:t>
+            </a:r>
+            <a:r>
+              <a:rPr lang="zh-CN" altLang="en-US" sz="1200" dirty="0">
+                <a:effectLst/>
+              </a:rPr>
+              <a:t>例子：当两个操作数是整数时，</a:t>
+            </a:r>
+            <a:r>
+              <a:rPr lang="en-US" altLang="zh-CN" sz="1200" kern="1200" dirty="0">
+                <a:solidFill>
+                  <a:schemeClr val="tx1"/>
+                </a:solidFill>
+                <a:effectLst/>
+                <a:latin typeface="+mn-lt"/>
+                <a:ea typeface="+mn-ea"/>
+                <a:cs typeface="+mn-cs"/>
+              </a:rPr>
+              <a:t>/ </a:t>
+            </a:r>
+            <a:r>
+              <a:rPr lang="zh-CN" altLang="en-US" sz="1200" dirty="0">
+                <a:effectLst/>
+              </a:rPr>
+              <a:t>操作符执行一个整数除法，操作的结果是整数，小数部分被截去。</a:t>
+            </a:r>
+            <a:endParaRPr lang="en-US" altLang="zh-CN" sz="1200" dirty="0">
+              <a:effectLst/>
+            </a:endParaRPr>
+          </a:p>
+          <a:p>
+            <a:r>
+              <a:rPr lang="en-US" altLang="zh-CN" sz="1200" dirty="0">
+                <a:effectLst/>
+              </a:rPr>
+              <a:t>b</a:t>
+            </a:r>
+            <a:r>
+              <a:rPr lang="zh-CN" altLang="en-US" sz="1200" dirty="0">
+                <a:effectLst/>
+              </a:rPr>
+              <a:t>例子：要强制两个整数执行一个浮点数除法时，将其中一个整数转换为浮点数值。</a:t>
+            </a:r>
+            <a:endParaRPr lang="en-US" altLang="zh-CN" sz="1200" dirty="0">
+              <a:effectLst/>
+            </a:endParaRPr>
+          </a:p>
+          <a:p>
+            <a:endParaRPr lang="en-US" altLang="zh-CN" sz="1200" dirty="0">
+              <a:effectLst/>
+            </a:endParaRPr>
+          </a:p>
+        </p:txBody>
+      </p:sp>
+      <p:sp>
+        <p:nvSpPr>
+          <p:cNvPr id="4" name="灯片编号占位符 3"/>
+          <p:cNvSpPr>
+            <a:spLocks noGrp="1"/>
+          </p:cNvSpPr>
+          <p:nvPr>
+            <p:ph type="sldNum" sz="quarter" idx="5"/>
+          </p:nvPr>
+        </p:nvSpPr>
+        <p:spPr/>
+        <p:txBody>
+          <a:bodyPr/>
+          <a:lstStyle/>
+          <a:p>
+            <a:fld id="{0F8E57A1-C481-6944-857F-EAC8E932B5ED}" type="slidenum">
+              <a:rPr kumimoji="1" lang="zh-CN" altLang="en-US" smtClean="0"/>
+              <a:t>28</a:t>
+            </a:fld>
+            <a:endParaRPr kumimoji="1" lang="zh-CN" altLang="en-US"/>
+          </a:p>
+        </p:txBody>
+      </p:sp>
+    </p:spTree>
+    <p:extLst>
+      <p:ext uri="{BB962C8B-B14F-4D97-AF65-F5344CB8AC3E}">
+        <p14:creationId xmlns:p14="http://schemas.microsoft.com/office/powerpoint/2010/main" val="2623026475"/>
+      </p:ext>
+    </p:extLst>
+  </p:cSld>
+  <p:clrMapOvr>
+    <a:masterClrMapping/>
+  </p:clrMapOvr>
+</p:notes>
+</file>
+
+<file path=ppt/notesSlides/notesSlide28.xml><?xml version="1.0" encoding="utf-8"?>
+<p:notes xmlns:a="http://schemas.openxmlformats.org/drawingml/2006/main" xmlns:r="http://schemas.openxmlformats.org/officeDocument/2006/relationships" xmlns:p="http://schemas.openxmlformats.org/presentationml/2006/main">
+  <p:cSld>
+    <p:spTree>
+      <p:nvGrpSpPr>
+        <p:cNvPr id="1" name=""/>
+        <p:cNvGrpSpPr/>
+        <p:nvPr/>
+      </p:nvGrpSpPr>
+      <p:grpSpPr>
+        <a:xfrm>
+          <a:off x="0" y="0"/>
+          <a:ext cx="0" cy="0"/>
+          <a:chOff x="0" y="0"/>
+          <a:chExt cx="0" cy="0"/>
+        </a:xfrm>
+      </p:grpSpPr>
+      <p:sp>
+        <p:nvSpPr>
+          <p:cNvPr id="2" name="幻灯片图像占位符 1"/>
+          <p:cNvSpPr>
+            <a:spLocks noGrp="1" noRot="1" noChangeAspect="1"/>
+          </p:cNvSpPr>
+          <p:nvPr>
+            <p:ph type="sldImg"/>
+          </p:nvPr>
+        </p:nvSpPr>
+        <p:spPr/>
+      </p:sp>
+      <p:sp>
+        <p:nvSpPr>
+          <p:cNvPr id="3" name="备注占位符 2"/>
+          <p:cNvSpPr>
+            <a:spLocks noGrp="1"/>
+          </p:cNvSpPr>
+          <p:nvPr>
+            <p:ph type="body" idx="1"/>
+          </p:nvPr>
+        </p:nvSpPr>
+        <p:spPr/>
+        <p:txBody>
+          <a:bodyPr/>
+          <a:lstStyle/>
+          <a:p>
+            <a:pPr marL="0" marR="0" lvl="0" indent="0" algn="l" defTabSz="914400" rtl="0" eaLnBrk="1" fontAlgn="auto" latinLnBrk="0" hangingPunct="1">
+              <a:lnSpc>
+                <a:spcPct val="100000"/>
+              </a:lnSpc>
+              <a:spcBef>
+                <a:spcPts val="0"/>
+              </a:spcBef>
+              <a:spcAft>
+                <a:spcPts val="0"/>
+              </a:spcAft>
+              <a:buClrTx/>
+              <a:buSzTx/>
+              <a:buFontTx/>
+              <a:buNone/>
+              <a:tabLst/>
+              <a:defRPr/>
+            </a:pPr>
+            <a:r>
+              <a:rPr kumimoji="1" lang="zh-CN" altLang="en-US" dirty="0"/>
+              <a:t>另一个例子：狗会叫，猫会叫，鸭子也会叫，那他们可以抽象成 一个动物对象，这个动物对象有叫这个动作，但至于具体如何叫，就不是抽象数据模型的职责了，而是具体数据类型的职责</a:t>
+            </a:r>
+            <a:endParaRPr kumimoji="1" lang="en-US" altLang="zh-CN" dirty="0"/>
+          </a:p>
+          <a:p>
+            <a:endParaRPr kumimoji="1" lang="zh-CN" altLang="en-US" dirty="0"/>
+          </a:p>
+        </p:txBody>
+      </p:sp>
+      <p:sp>
+        <p:nvSpPr>
+          <p:cNvPr id="4" name="灯片编号占位符 3"/>
+          <p:cNvSpPr>
+            <a:spLocks noGrp="1"/>
+          </p:cNvSpPr>
+          <p:nvPr>
+            <p:ph type="sldNum" sz="quarter" idx="5"/>
+          </p:nvPr>
+        </p:nvSpPr>
+        <p:spPr/>
+        <p:txBody>
+          <a:bodyPr/>
+          <a:lstStyle/>
+          <a:p>
+            <a:fld id="{0F8E57A1-C481-6944-857F-EAC8E932B5ED}" type="slidenum">
+              <a:rPr kumimoji="1" lang="zh-CN" altLang="en-US" smtClean="0"/>
+              <a:t>29</a:t>
+            </a:fld>
+            <a:endParaRPr kumimoji="1" lang="zh-CN" altLang="en-US"/>
+          </a:p>
+        </p:txBody>
+      </p:sp>
+    </p:spTree>
+    <p:extLst>
+      <p:ext uri="{BB962C8B-B14F-4D97-AF65-F5344CB8AC3E}">
+        <p14:creationId xmlns:p14="http://schemas.microsoft.com/office/powerpoint/2010/main" val="4167110842"/>
+      </p:ext>
+    </p:extLst>
+  </p:cSld>
+  <p:clrMapOvr>
+    <a:masterClrMapping/>
+  </p:clrMapOvr>
+</p:notes>
+</file>
+
+<file path=ppt/notesSlides/notesSlide29.xml><?xml version="1.0" encoding="utf-8"?>
+<p:notes xmlns:a="http://schemas.openxmlformats.org/drawingml/2006/main" xmlns:r="http://schemas.openxmlformats.org/officeDocument/2006/relationships" xmlns:p="http://schemas.openxmlformats.org/presentationml/2006/main">
+  <p:cSld>
+    <p:spTree>
+      <p:nvGrpSpPr>
+        <p:cNvPr id="1" name=""/>
+        <p:cNvGrpSpPr/>
+        <p:nvPr/>
+      </p:nvGrpSpPr>
+      <p:grpSpPr>
+        <a:xfrm>
+          <a:off x="0" y="0"/>
+          <a:ext cx="0" cy="0"/>
+          <a:chOff x="0" y="0"/>
+          <a:chExt cx="0" cy="0"/>
+        </a:xfrm>
+      </p:grpSpPr>
+      <p:sp>
+        <p:nvSpPr>
+          <p:cNvPr id="2" name="幻灯片图像占位符 1"/>
+          <p:cNvSpPr>
+            <a:spLocks noGrp="1" noRot="1" noChangeAspect="1"/>
+          </p:cNvSpPr>
+          <p:nvPr>
+            <p:ph type="sldImg"/>
+          </p:nvPr>
+        </p:nvSpPr>
+        <p:spPr/>
+      </p:sp>
+      <p:sp>
+        <p:nvSpPr>
+          <p:cNvPr id="3" name="备注占位符 2"/>
+          <p:cNvSpPr>
+            <a:spLocks noGrp="1"/>
+          </p:cNvSpPr>
+          <p:nvPr>
+            <p:ph type="body" idx="1"/>
+          </p:nvPr>
+        </p:nvSpPr>
+        <p:spPr/>
+        <p:txBody>
+          <a:bodyPr/>
+          <a:lstStyle/>
+          <a:p>
+            <a:pPr marL="0" marR="0" lvl="0" indent="0" algn="l" defTabSz="914400" rtl="0" eaLnBrk="1" fontAlgn="auto" latinLnBrk="0" hangingPunct="1">
+              <a:lnSpc>
+                <a:spcPct val="100000"/>
+              </a:lnSpc>
+              <a:spcBef>
+                <a:spcPts val="0"/>
+              </a:spcBef>
+              <a:spcAft>
+                <a:spcPts val="0"/>
+              </a:spcAft>
+              <a:buClrTx/>
+              <a:buSzTx/>
+              <a:buFontTx/>
+              <a:buNone/>
+              <a:tabLst/>
+              <a:defRPr/>
+            </a:pPr>
+            <a:r>
+              <a:rPr kumimoji="1" lang="zh-CN" altLang="en-US" dirty="0"/>
+              <a:t>另一个例子：狗会叫，猫会叫，鸭子也会叫，那他们可以抽象成 一个动物对象，这个动物对象有叫这个动作，但至于具体如何叫，就不是抽象数据模型的职责了，而是具体数据类型的职责</a:t>
+            </a:r>
+            <a:endParaRPr kumimoji="1" lang="en-US" altLang="zh-CN" dirty="0"/>
+          </a:p>
+          <a:p>
+            <a:endParaRPr kumimoji="1" lang="zh-CN" altLang="en-US" dirty="0"/>
+          </a:p>
+        </p:txBody>
+      </p:sp>
+      <p:sp>
+        <p:nvSpPr>
+          <p:cNvPr id="4" name="灯片编号占位符 3"/>
+          <p:cNvSpPr>
+            <a:spLocks noGrp="1"/>
+          </p:cNvSpPr>
+          <p:nvPr>
+            <p:ph type="sldNum" sz="quarter" idx="5"/>
+          </p:nvPr>
+        </p:nvSpPr>
+        <p:spPr/>
+        <p:txBody>
+          <a:bodyPr/>
+          <a:lstStyle/>
+          <a:p>
+            <a:fld id="{0F8E57A1-C481-6944-857F-EAC8E932B5ED}" type="slidenum">
+              <a:rPr kumimoji="1" lang="zh-CN" altLang="en-US" smtClean="0"/>
+              <a:t>30</a:t>
+            </a:fld>
+            <a:endParaRPr kumimoji="1" lang="zh-CN" altLang="en-US"/>
+          </a:p>
+        </p:txBody>
+      </p:sp>
+    </p:spTree>
+    <p:extLst>
+      <p:ext uri="{BB962C8B-B14F-4D97-AF65-F5344CB8AC3E}">
+        <p14:creationId xmlns:p14="http://schemas.microsoft.com/office/powerpoint/2010/main" val="3161374593"/>
       </p:ext>
     </p:extLst>
   </p:cSld>
@@ -1337,7 +2682,10 @@
           <a:bodyPr/>
           <a:lstStyle/>
           <a:p>
-            <a:endParaRPr kumimoji="1" lang="zh-CN" altLang="en-US" dirty="0"/>
+            <a:r>
+              <a:rPr kumimoji="1" lang="zh-CN" altLang="en-US" dirty="0"/>
+              <a:t>切换到代码演示</a:t>
+            </a:r>
           </a:p>
         </p:txBody>
       </p:sp>
@@ -1367,7 +2715,7 @@
     </p:spTree>
     <p:extLst>
       <p:ext uri="{BB962C8B-B14F-4D97-AF65-F5344CB8AC3E}">
-        <p14:creationId xmlns:p14="http://schemas.microsoft.com/office/powerpoint/2010/main" val="3274922708"/>
+        <p14:creationId xmlns:p14="http://schemas.microsoft.com/office/powerpoint/2010/main" val="129824259"/>
       </p:ext>
     </p:extLst>
   </p:cSld>
@@ -1421,7 +2769,10 @@
           <a:bodyPr/>
           <a:lstStyle/>
           <a:p>
-            <a:endParaRPr kumimoji="1" lang="zh-CN" altLang="en-US" dirty="0"/>
+            <a:r>
+              <a:rPr kumimoji="1" lang="zh-CN" altLang="en-US" dirty="0"/>
+              <a:t>切换到代码演示</a:t>
+            </a:r>
           </a:p>
         </p:txBody>
       </p:sp>
@@ -1451,7 +2802,7 @@
     </p:spTree>
     <p:extLst>
       <p:ext uri="{BB962C8B-B14F-4D97-AF65-F5344CB8AC3E}">
-        <p14:creationId xmlns:p14="http://schemas.microsoft.com/office/powerpoint/2010/main" val="1320749688"/>
+        <p14:creationId xmlns:p14="http://schemas.microsoft.com/office/powerpoint/2010/main" val="1410130597"/>
       </p:ext>
     </p:extLst>
   </p:cSld>
@@ -1505,68 +2856,9 @@
           <a:bodyPr/>
           <a:lstStyle/>
           <a:p>
-            <a:pPr marL="0" marR="0" lvl="0" indent="0" algn="l" defTabSz="914400" rtl="0" eaLnBrk="1" fontAlgn="auto" latinLnBrk="0" hangingPunct="1">
-              <a:lnSpc>
-                <a:spcPct val="100000"/>
-              </a:lnSpc>
-              <a:spcBef>
-                <a:spcPts val="0"/>
-              </a:spcBef>
-              <a:spcAft>
-                <a:spcPts val="0"/>
-              </a:spcAft>
-              <a:buClrTx/>
-              <a:buSzTx/>
-              <a:buFontTx/>
-              <a:buNone/>
-              <a:tabLst/>
-              <a:defRPr/>
-            </a:pPr>
-            <a:r>
-              <a:rPr lang="zh-CN" altLang="en-US" dirty="0">
-                <a:hlinkClick r:id="rId3"/>
-              </a:rPr>
-              <a:t>如何从机器语言变成物理电平信号</a:t>
-            </a:r>
-          </a:p>
-          <a:p>
-            <a:pPr marL="0" marR="0" lvl="0" indent="0" algn="l" defTabSz="914400" rtl="0" eaLnBrk="1" fontAlgn="auto" latinLnBrk="0" hangingPunct="1">
-              <a:lnSpc>
-                <a:spcPct val="100000"/>
-              </a:lnSpc>
-              <a:spcBef>
-                <a:spcPts val="0"/>
-              </a:spcBef>
-              <a:spcAft>
-                <a:spcPts val="0"/>
-              </a:spcAft>
-              <a:buClrTx/>
-              <a:buSzTx/>
-              <a:buFontTx/>
-              <a:buNone/>
-              <a:tabLst/>
-              <a:defRPr/>
-            </a:pPr>
-            <a:endParaRPr lang="en-US" altLang="zh-CN" dirty="0">
-              <a:hlinkClick r:id="rId3"/>
-            </a:endParaRPr>
-          </a:p>
-          <a:p>
-            <a:r>
-              <a:rPr lang="en-US" altLang="zh-CN" dirty="0">
-                <a:hlinkClick r:id="rId3"/>
-              </a:rPr>
-              <a:t>https://www.zhihu.com/question/38339241</a:t>
-            </a:r>
-            <a:endParaRPr lang="en-US" altLang="zh-CN" dirty="0"/>
-          </a:p>
-          <a:p>
-            <a:endParaRPr kumimoji="1" lang="en-US" altLang="zh-CN" dirty="0"/>
-          </a:p>
-          <a:p>
             <a:r>
               <a:rPr kumimoji="1" lang="zh-CN" altLang="en-US" dirty="0"/>
-              <a:t>也就是 软件最重要硬件实现，而硬件都是电气电路，只认识，高，低电平</a:t>
+              <a:t>切换到代码演示</a:t>
             </a:r>
           </a:p>
         </p:txBody>
@@ -1597,7 +2889,7 @@
     </p:spTree>
     <p:extLst>
       <p:ext uri="{BB962C8B-B14F-4D97-AF65-F5344CB8AC3E}">
-        <p14:creationId xmlns:p14="http://schemas.microsoft.com/office/powerpoint/2010/main" val="2112939307"/>
+        <p14:creationId xmlns:p14="http://schemas.microsoft.com/office/powerpoint/2010/main" val="2658545412"/>
       </p:ext>
     </p:extLst>
   </p:cSld>
@@ -1651,68 +2943,9 @@
           <a:bodyPr/>
           <a:lstStyle/>
           <a:p>
-            <a:pPr marL="0" marR="0" lvl="0" indent="0" algn="l" defTabSz="914400" rtl="0" eaLnBrk="1" fontAlgn="auto" latinLnBrk="0" hangingPunct="1">
-              <a:lnSpc>
-                <a:spcPct val="100000"/>
-              </a:lnSpc>
-              <a:spcBef>
-                <a:spcPts val="0"/>
-              </a:spcBef>
-              <a:spcAft>
-                <a:spcPts val="0"/>
-              </a:spcAft>
-              <a:buClrTx/>
-              <a:buSzTx/>
-              <a:buFontTx/>
-              <a:buNone/>
-              <a:tabLst/>
-              <a:defRPr/>
-            </a:pPr>
-            <a:r>
-              <a:rPr lang="zh-CN" altLang="en-US" dirty="0">
-                <a:hlinkClick r:id="rId3"/>
-              </a:rPr>
-              <a:t>如何从机器语言变成物理电平信号</a:t>
-            </a:r>
-          </a:p>
-          <a:p>
-            <a:pPr marL="0" marR="0" lvl="0" indent="0" algn="l" defTabSz="914400" rtl="0" eaLnBrk="1" fontAlgn="auto" latinLnBrk="0" hangingPunct="1">
-              <a:lnSpc>
-                <a:spcPct val="100000"/>
-              </a:lnSpc>
-              <a:spcBef>
-                <a:spcPts val="0"/>
-              </a:spcBef>
-              <a:spcAft>
-                <a:spcPts val="0"/>
-              </a:spcAft>
-              <a:buClrTx/>
-              <a:buSzTx/>
-              <a:buFontTx/>
-              <a:buNone/>
-              <a:tabLst/>
-              <a:defRPr/>
-            </a:pPr>
-            <a:endParaRPr lang="en-US" altLang="zh-CN" dirty="0">
-              <a:hlinkClick r:id="rId3"/>
-            </a:endParaRPr>
-          </a:p>
-          <a:p>
-            <a:r>
-              <a:rPr lang="en-US" altLang="zh-CN" dirty="0">
-                <a:hlinkClick r:id="rId3"/>
-              </a:rPr>
-              <a:t>https://www.zhihu.com/question/38339241</a:t>
-            </a:r>
-            <a:endParaRPr lang="en-US" altLang="zh-CN" dirty="0"/>
-          </a:p>
-          <a:p>
-            <a:endParaRPr kumimoji="1" lang="en-US" altLang="zh-CN" dirty="0"/>
-          </a:p>
-          <a:p>
             <a:r>
               <a:rPr kumimoji="1" lang="zh-CN" altLang="en-US" dirty="0"/>
-              <a:t>也就是 软件最重要硬件实现，而硬件都是电气电路，只认识，高，低电平</a:t>
+              <a:t>切换到代码演示</a:t>
             </a:r>
           </a:p>
         </p:txBody>
@@ -1743,7 +2976,7 @@
     </p:spTree>
     <p:extLst>
       <p:ext uri="{BB962C8B-B14F-4D97-AF65-F5344CB8AC3E}">
-        <p14:creationId xmlns:p14="http://schemas.microsoft.com/office/powerpoint/2010/main" val="2832086500"/>
+        <p14:creationId xmlns:p14="http://schemas.microsoft.com/office/powerpoint/2010/main" val="3585398970"/>
       </p:ext>
     </p:extLst>
   </p:cSld>
@@ -1797,7 +3030,10 @@
           <a:bodyPr/>
           <a:lstStyle/>
           <a:p>
-            <a:endParaRPr kumimoji="1" lang="zh-CN" altLang="en-US" dirty="0"/>
+            <a:r>
+              <a:rPr kumimoji="1" lang="zh-CN" altLang="en-US" dirty="0"/>
+              <a:t>切换到代码演示</a:t>
+            </a:r>
           </a:p>
         </p:txBody>
       </p:sp>
@@ -1827,7 +3063,7 @@
     </p:spTree>
     <p:extLst>
       <p:ext uri="{BB962C8B-B14F-4D97-AF65-F5344CB8AC3E}">
-        <p14:creationId xmlns:p14="http://schemas.microsoft.com/office/powerpoint/2010/main" val="3404415977"/>
+        <p14:creationId xmlns:p14="http://schemas.microsoft.com/office/powerpoint/2010/main" val="1566632699"/>
       </p:ext>
     </p:extLst>
   </p:cSld>
@@ -1881,7 +3117,10 @@
           <a:bodyPr/>
           <a:lstStyle/>
           <a:p>
-            <a:endParaRPr kumimoji="1" lang="zh-CN" altLang="en-US" dirty="0"/>
+            <a:r>
+              <a:rPr kumimoji="1" lang="zh-CN" altLang="en-US" dirty="0"/>
+              <a:t>切换到代码演示</a:t>
+            </a:r>
           </a:p>
         </p:txBody>
       </p:sp>
@@ -1911,7 +3150,7 @@
     </p:spTree>
     <p:extLst>
       <p:ext uri="{BB962C8B-B14F-4D97-AF65-F5344CB8AC3E}">
-        <p14:creationId xmlns:p14="http://schemas.microsoft.com/office/powerpoint/2010/main" val="1659880490"/>
+        <p14:creationId xmlns:p14="http://schemas.microsoft.com/office/powerpoint/2010/main" val="1239165598"/>
       </p:ext>
     </p:extLst>
   </p:cSld>
@@ -1965,24 +3204,10 @@
           <a:bodyPr/>
           <a:lstStyle/>
           <a:p>
-            <a:pPr marL="0" marR="0" lvl="0" indent="0" algn="l" defTabSz="914400" rtl="0" eaLnBrk="1" fontAlgn="auto" latinLnBrk="0" hangingPunct="1">
-              <a:lnSpc>
-                <a:spcPct val="100000"/>
-              </a:lnSpc>
-              <a:spcBef>
-                <a:spcPts val="0"/>
-              </a:spcBef>
-              <a:spcAft>
-                <a:spcPts val="0"/>
-              </a:spcAft>
-              <a:buClrTx/>
-              <a:buSzTx/>
-              <a:buFontTx/>
-              <a:buNone/>
-              <a:tabLst/>
-              <a:defRPr/>
-            </a:pPr>
-            <a:endParaRPr kumimoji="1" lang="zh-CN" altLang="en-US" dirty="0"/>
+            <a:r>
+              <a:rPr kumimoji="1" lang="zh-CN" altLang="en-US" dirty="0"/>
+              <a:t>切换到代码演示</a:t>
+            </a:r>
           </a:p>
         </p:txBody>
       </p:sp>
@@ -2012,7 +3237,7 @@
     </p:spTree>
     <p:extLst>
       <p:ext uri="{BB962C8B-B14F-4D97-AF65-F5344CB8AC3E}">
-        <p14:creationId xmlns:p14="http://schemas.microsoft.com/office/powerpoint/2010/main" val="3634524704"/>
+        <p14:creationId xmlns:p14="http://schemas.microsoft.com/office/powerpoint/2010/main" val="1356409568"/>
       </p:ext>
     </p:extLst>
   </p:cSld>
@@ -5345,6 +6570,31 @@
               </a:rPr>
               <a:t>节 方法</a:t>
             </a:r>
+            <a:r>
+              <a:rPr kumimoji="1" lang="en-US" altLang="zh-CN" sz="4000" dirty="0">
+                <a:latin typeface="Microsoft YaHei" panose="020B0503020204020204" pitchFamily="34" charset="-122"/>
+                <a:ea typeface="Microsoft YaHei" panose="020B0503020204020204" pitchFamily="34" charset="-122"/>
+              </a:rPr>
+              <a:t>(</a:t>
+            </a:r>
+            <a:r>
+              <a:rPr kumimoji="1" lang="zh-CN" altLang="en-US" sz="4000" dirty="0">
+                <a:latin typeface="Microsoft YaHei" panose="020B0503020204020204" pitchFamily="34" charset="-122"/>
+                <a:ea typeface="Microsoft YaHei" panose="020B0503020204020204" pitchFamily="34" charset="-122"/>
+              </a:rPr>
+              <a:t>函数</a:t>
+            </a:r>
+            <a:r>
+              <a:rPr kumimoji="1" lang="en-US" altLang="zh-CN" sz="4000" dirty="0">
+                <a:latin typeface="Microsoft YaHei" panose="020B0503020204020204" pitchFamily="34" charset="-122"/>
+                <a:ea typeface="Microsoft YaHei" panose="020B0503020204020204" pitchFamily="34" charset="-122"/>
+              </a:rPr>
+              <a:t>)</a:t>
+            </a:r>
+            <a:endParaRPr kumimoji="1" lang="zh-CN" altLang="en-US" sz="4000" dirty="0">
+              <a:latin typeface="Microsoft YaHei" panose="020B0503020204020204" pitchFamily="34" charset="-122"/>
+              <a:ea typeface="Microsoft YaHei" panose="020B0503020204020204" pitchFamily="34" charset="-122"/>
+            </a:endParaRPr>
           </a:p>
         </p:txBody>
       </p:sp>
@@ -5444,8 +6694,8 @@
         </p:nvSpPr>
         <p:spPr>
           <a:xfrm>
-            <a:off x="2234234" y="597430"/>
-            <a:ext cx="9132000" cy="830997"/>
+            <a:off x="2520000" y="720000"/>
+            <a:ext cx="7735824" cy="830997"/>
           </a:xfrm>
           <a:prstGeom prst="rect">
             <a:avLst/>
@@ -5460,58 +6710,21 @@
           <a:p>
             <a:pPr algn="ctr"/>
             <a:r>
-              <a:rPr kumimoji="1" lang="en-US" altLang="zh-CN" sz="4800" dirty="0">
-                <a:latin typeface="Microsoft YaHei" panose="020B0503020204020204" pitchFamily="34" charset="-122"/>
-                <a:ea typeface="Microsoft YaHei" panose="020B0503020204020204" pitchFamily="34" charset="-122"/>
-              </a:rPr>
-              <a:t>4.3.</a:t>
-            </a:r>
-            <a:r>
               <a:rPr kumimoji="1" lang="zh-CN" altLang="en-US" sz="4800" dirty="0">
                 <a:latin typeface="Microsoft YaHei" panose="020B0503020204020204" pitchFamily="34" charset="-122"/>
                 <a:ea typeface="Microsoft YaHei" panose="020B0503020204020204" pitchFamily="34" charset="-122"/>
               </a:rPr>
-              <a:t>表达式计算优先级</a:t>
-            </a:r>
-          </a:p>
-        </p:txBody>
-      </p:sp>
-      <p:pic>
-        <p:nvPicPr>
-          <p:cNvPr id="4" name="图片 3">
+              <a:t>方法存在的意义</a:t>
+            </a:r>
+          </a:p>
+        </p:txBody>
+      </p:sp>
+      <p:sp>
+        <p:nvSpPr>
+          <p:cNvPr id="8" name="文本框 7">
             <a:extLst>
               <a:ext uri="{FF2B5EF4-FFF2-40B4-BE49-F238E27FC236}">
-                <a16:creationId xmlns:a16="http://schemas.microsoft.com/office/drawing/2014/main" id="{5C77ACF7-A5A8-CA4B-9CC5-87D9281D3BEF}"/>
-              </a:ext>
-            </a:extLst>
-          </p:cNvPr>
-          <p:cNvPicPr>
-            <a:picLocks noChangeAspect="1"/>
-          </p:cNvPicPr>
-          <p:nvPr/>
-        </p:nvPicPr>
-        <p:blipFill>
-          <a:blip r:embed="rId4"/>
-          <a:stretch>
-            <a:fillRect/>
-          </a:stretch>
-        </p:blipFill>
-        <p:spPr>
-          <a:xfrm>
-            <a:off x="2824018" y="1747982"/>
-            <a:ext cx="6943438" cy="3698136"/>
-          </a:xfrm>
-          <a:prstGeom prst="rect">
-            <a:avLst/>
-          </a:prstGeom>
-        </p:spPr>
-      </p:pic>
-      <p:sp>
-        <p:nvSpPr>
-          <p:cNvPr id="6" name="文本框 5">
-            <a:extLst>
-              <a:ext uri="{FF2B5EF4-FFF2-40B4-BE49-F238E27FC236}">
-                <a16:creationId xmlns:a16="http://schemas.microsoft.com/office/drawing/2014/main" id="{1ABE12F4-A033-504C-896E-240405C72F08}"/>
+                <a16:creationId xmlns:a16="http://schemas.microsoft.com/office/drawing/2014/main" id="{B294230C-E86E-7247-BAC6-5F43DED3D0AF}"/>
               </a:ext>
             </a:extLst>
           </p:cNvPr>
@@ -5520,187 +6733,78 @@
         </p:nvSpPr>
         <p:spPr>
           <a:xfrm>
-            <a:off x="2618182" y="5922818"/>
-            <a:ext cx="7149274" cy="523220"/>
+            <a:off x="2520000" y="2025295"/>
+            <a:ext cx="7443216" cy="3890718"/>
           </a:xfrm>
           <a:prstGeom prst="rect">
             <a:avLst/>
           </a:prstGeom>
-          <a:solidFill>
-            <a:schemeClr val="accent2"/>
-          </a:solidFill>
+          <a:noFill/>
         </p:spPr>
         <p:txBody>
-          <a:bodyPr wrap="square" rtlCol="0">
+          <a:bodyPr wrap="square" tIns="360000" bIns="360000" rtlCol="0">
             <a:spAutoFit/>
           </a:bodyPr>
           <a:lstStyle/>
           <a:p>
+            <a:pPr>
+              <a:lnSpc>
+                <a:spcPct val="150000"/>
+              </a:lnSpc>
+            </a:pPr>
             <a:r>
               <a:rPr kumimoji="1" lang="zh-CN" altLang="en-US" sz="2800" dirty="0">
+                <a:ea typeface="Microsoft YaHei" panose="020B0503020204020204" pitchFamily="34" charset="-122"/>
+              </a:rPr>
+              <a:t>回顾刚才的例子：</a:t>
+            </a:r>
+            <a:endParaRPr kumimoji="1" lang="en-US" altLang="zh-CN" sz="2800" dirty="0">
+              <a:ea typeface="Microsoft YaHei" panose="020B0503020204020204" pitchFamily="34" charset="-122"/>
+            </a:endParaRPr>
+          </a:p>
+          <a:p>
+            <a:pPr>
+              <a:lnSpc>
+                <a:spcPct val="150000"/>
+              </a:lnSpc>
+            </a:pPr>
+            <a:r>
+              <a:rPr kumimoji="1" lang="zh-CN" altLang="en-US" sz="2800" u="sng" dirty="0">
                 <a:solidFill>
-                  <a:schemeClr val="bg1"/>
+                  <a:srgbClr val="00B050"/>
                 </a:solidFill>
-                <a:latin typeface="Microsoft YaHei" panose="020B0503020204020204" pitchFamily="34" charset="-122"/>
-                <a:ea typeface="Microsoft YaHei" panose="020B0503020204020204" pitchFamily="34" charset="-122"/>
-              </a:rPr>
-              <a:t>优先级： </a:t>
-            </a:r>
-            <a:r>
-              <a:rPr kumimoji="1" lang="en-US" altLang="zh-CN" sz="2800" dirty="0">
+                <a:ea typeface="Microsoft YaHei" panose="020B0503020204020204" pitchFamily="34" charset="-122"/>
+              </a:rPr>
+              <a:t>当相同逻辑功能</a:t>
+            </a:r>
+            <a:r>
+              <a:rPr kumimoji="1" lang="zh-CN" altLang="en-US" sz="2800" u="sng" dirty="0">
+                <a:ea typeface="Microsoft YaHei" panose="020B0503020204020204" pitchFamily="34" charset="-122"/>
+              </a:rPr>
+              <a:t>在</a:t>
+            </a:r>
+            <a:r>
+              <a:rPr kumimoji="1" lang="zh-CN" altLang="en-US" sz="2800" u="sng" dirty="0">
                 <a:solidFill>
-                  <a:schemeClr val="bg1"/>
+                  <a:srgbClr val="00B050"/>
                 </a:solidFill>
-                <a:latin typeface="Microsoft YaHei" panose="020B0503020204020204" pitchFamily="34" charset="-122"/>
-                <a:ea typeface="Microsoft YaHei" panose="020B0503020204020204" pitchFamily="34" charset="-122"/>
-              </a:rPr>
-              <a:t>+</a:t>
+                <a:ea typeface="Microsoft YaHei" panose="020B0503020204020204" pitchFamily="34" charset="-122"/>
+              </a:rPr>
+              <a:t>不同地方被调用</a:t>
+            </a:r>
+            <a:r>
+              <a:rPr kumimoji="1" lang="zh-CN" altLang="en-US" sz="2800" u="sng" dirty="0">
+                <a:ea typeface="Microsoft YaHei" panose="020B0503020204020204" pitchFamily="34" charset="-122"/>
+              </a:rPr>
+              <a:t>的时候，为了避免重复代码，我们把这部分相同的逻辑统一写到一个方法里，然后它可以被反复调用而不用重复写，还利于后期维护</a:t>
             </a:r>
             <a:r>
               <a:rPr kumimoji="1" lang="zh-CN" altLang="en-US" sz="2800" dirty="0">
-                <a:solidFill>
-                  <a:schemeClr val="bg1"/>
-                </a:solidFill>
-                <a:latin typeface="Microsoft YaHei" panose="020B0503020204020204" pitchFamily="34" charset="-122"/>
-                <a:ea typeface="Microsoft YaHei" panose="020B0503020204020204" pitchFamily="34" charset="-122"/>
-              </a:rPr>
-              <a:t>或</a:t>
-            </a:r>
-            <a:r>
-              <a:rPr kumimoji="1" lang="en-US" altLang="zh-CN" sz="2800" dirty="0">
-                <a:solidFill>
-                  <a:schemeClr val="bg1"/>
-                </a:solidFill>
-                <a:latin typeface="Microsoft YaHei" panose="020B0503020204020204" pitchFamily="34" charset="-122"/>
-                <a:ea typeface="Microsoft YaHei" panose="020B0503020204020204" pitchFamily="34" charset="-122"/>
-              </a:rPr>
-              <a:t>-</a:t>
-            </a:r>
-            <a:r>
-              <a:rPr kumimoji="1" lang="zh-CN" altLang="en-US" sz="2800" dirty="0">
-                <a:solidFill>
-                  <a:schemeClr val="bg1"/>
-                </a:solidFill>
-                <a:latin typeface="Microsoft YaHei" panose="020B0503020204020204" pitchFamily="34" charset="-122"/>
-                <a:ea typeface="Microsoft YaHei" panose="020B0503020204020204" pitchFamily="34" charset="-122"/>
-              </a:rPr>
-              <a:t>  </a:t>
-            </a:r>
-            <a:r>
-              <a:rPr kumimoji="1" lang="en-US" altLang="zh-CN" sz="2800" dirty="0">
-                <a:solidFill>
-                  <a:schemeClr val="bg1"/>
-                </a:solidFill>
-                <a:latin typeface="Microsoft YaHei" panose="020B0503020204020204" pitchFamily="34" charset="-122"/>
-                <a:ea typeface="Microsoft YaHei" panose="020B0503020204020204" pitchFamily="34" charset="-122"/>
-              </a:rPr>
-              <a:t>&lt;</a:t>
-            </a:r>
-            <a:r>
-              <a:rPr kumimoji="1" lang="zh-CN" altLang="en-US" sz="2800" dirty="0">
-                <a:solidFill>
-                  <a:schemeClr val="bg1"/>
-                </a:solidFill>
-                <a:latin typeface="Microsoft YaHei" panose="020B0503020204020204" pitchFamily="34" charset="-122"/>
-                <a:ea typeface="Microsoft YaHei" panose="020B0503020204020204" pitchFamily="34" charset="-122"/>
-              </a:rPr>
-              <a:t>  </a:t>
-            </a:r>
-            <a:r>
-              <a:rPr kumimoji="1" lang="en-US" altLang="zh-CN" sz="2800" dirty="0">
-                <a:solidFill>
-                  <a:schemeClr val="bg1"/>
-                </a:solidFill>
-                <a:latin typeface="Microsoft YaHei" panose="020B0503020204020204" pitchFamily="34" charset="-122"/>
-                <a:ea typeface="Microsoft YaHei" panose="020B0503020204020204" pitchFamily="34" charset="-122"/>
-              </a:rPr>
-              <a:t>×</a:t>
-            </a:r>
-            <a:r>
-              <a:rPr kumimoji="1" lang="zh-CN" altLang="en-US" sz="2800" dirty="0">
-                <a:solidFill>
-                  <a:schemeClr val="bg1"/>
-                </a:solidFill>
-                <a:latin typeface="Microsoft YaHei" panose="020B0503020204020204" pitchFamily="34" charset="-122"/>
-                <a:ea typeface="Microsoft YaHei" panose="020B0503020204020204" pitchFamily="34" charset="-122"/>
-              </a:rPr>
-              <a:t> </a:t>
-            </a:r>
-            <a:r>
-              <a:rPr kumimoji="1" lang="en-US" altLang="zh-CN" sz="2800" dirty="0">
-                <a:solidFill>
-                  <a:schemeClr val="bg1"/>
-                </a:solidFill>
-                <a:latin typeface="Microsoft YaHei" panose="020B0503020204020204" pitchFamily="34" charset="-122"/>
-                <a:ea typeface="Microsoft YaHei" panose="020B0503020204020204" pitchFamily="34" charset="-122"/>
-              </a:rPr>
-              <a:t>/(</a:t>
-            </a:r>
-            <a:r>
-              <a:rPr kumimoji="1" lang="zh-CN" altLang="en-US" sz="2800" dirty="0">
-                <a:solidFill>
-                  <a:schemeClr val="bg1"/>
-                </a:solidFill>
-                <a:latin typeface="Microsoft YaHei" panose="020B0503020204020204" pitchFamily="34" charset="-122"/>
-                <a:ea typeface="Microsoft YaHei" panose="020B0503020204020204" pitchFamily="34" charset="-122"/>
-              </a:rPr>
-              <a:t>除法标识</a:t>
-            </a:r>
-            <a:r>
-              <a:rPr kumimoji="1" lang="en-US" altLang="zh-CN" sz="2800" dirty="0">
-                <a:solidFill>
-                  <a:schemeClr val="bg1"/>
-                </a:solidFill>
-                <a:latin typeface="Microsoft YaHei" panose="020B0503020204020204" pitchFamily="34" charset="-122"/>
-                <a:ea typeface="Microsoft YaHei" panose="020B0503020204020204" pitchFamily="34" charset="-122"/>
-              </a:rPr>
-              <a:t>)</a:t>
-            </a:r>
-            <a:r>
-              <a:rPr kumimoji="1" lang="zh-CN" altLang="en-US" sz="2800" dirty="0">
-                <a:solidFill>
-                  <a:schemeClr val="bg1"/>
-                </a:solidFill>
-                <a:latin typeface="Microsoft YaHei" panose="020B0503020204020204" pitchFamily="34" charset="-122"/>
-                <a:ea typeface="Microsoft YaHei" panose="020B0503020204020204" pitchFamily="34" charset="-122"/>
-              </a:rPr>
-              <a:t> </a:t>
-            </a:r>
-            <a:r>
-              <a:rPr kumimoji="1" lang="en-US" altLang="zh-CN" sz="2800" dirty="0">
-                <a:solidFill>
-                  <a:schemeClr val="bg1"/>
-                </a:solidFill>
-                <a:latin typeface="Microsoft YaHei" panose="020B0503020204020204" pitchFamily="34" charset="-122"/>
-                <a:ea typeface="Microsoft YaHei" panose="020B0503020204020204" pitchFamily="34" charset="-122"/>
-              </a:rPr>
-              <a:t>&lt;</a:t>
-            </a:r>
-            <a:r>
-              <a:rPr kumimoji="1" lang="zh-CN" altLang="en-US" sz="2800" dirty="0">
-                <a:solidFill>
-                  <a:schemeClr val="bg1"/>
-                </a:solidFill>
-                <a:latin typeface="Microsoft YaHei" panose="020B0503020204020204" pitchFamily="34" charset="-122"/>
-                <a:ea typeface="Microsoft YaHei" panose="020B0503020204020204" pitchFamily="34" charset="-122"/>
-              </a:rPr>
-              <a:t> </a:t>
-            </a:r>
-            <a:r>
-              <a:rPr kumimoji="1" lang="en-US" altLang="zh-CN" sz="2800" dirty="0">
-                <a:solidFill>
-                  <a:schemeClr val="bg1"/>
-                </a:solidFill>
-                <a:latin typeface="Microsoft YaHei" panose="020B0503020204020204" pitchFamily="34" charset="-122"/>
-                <a:ea typeface="Microsoft YaHei" panose="020B0503020204020204" pitchFamily="34" charset="-122"/>
-              </a:rPr>
-              <a:t>()</a:t>
-            </a:r>
-            <a:endParaRPr kumimoji="1" lang="zh-CN" altLang="en-US" sz="2800" dirty="0">
-              <a:solidFill>
-                <a:schemeClr val="bg1"/>
-              </a:solidFill>
-              <a:latin typeface="Microsoft YaHei" panose="020B0503020204020204" pitchFamily="34" charset="-122"/>
+                <a:ea typeface="Microsoft YaHei" panose="020B0503020204020204" pitchFamily="34" charset="-122"/>
+              </a:rPr>
+              <a:t>。</a:t>
+            </a:r>
+            <a:endParaRPr kumimoji="1" lang="en-US" altLang="zh-CN" sz="2800" dirty="0">
               <a:ea typeface="Microsoft YaHei" panose="020B0503020204020204" pitchFamily="34" charset="-122"/>
             </a:endParaRPr>
           </a:p>
@@ -5709,7 +6813,7 @@
     </p:spTree>
     <p:extLst>
       <p:ext uri="{BB962C8B-B14F-4D97-AF65-F5344CB8AC3E}">
-        <p14:creationId xmlns:p14="http://schemas.microsoft.com/office/powerpoint/2010/main" val="2682132560"/>
+        <p14:creationId xmlns:p14="http://schemas.microsoft.com/office/powerpoint/2010/main" val="427992593"/>
       </p:ext>
     </p:extLst>
   </p:cSld>
@@ -5779,183 +6883,56 @@
                 <a:latin typeface="Microsoft YaHei" panose="020B0503020204020204" pitchFamily="34" charset="-122"/>
                 <a:ea typeface="Microsoft YaHei" panose="020B0503020204020204" pitchFamily="34" charset="-122"/>
               </a:rPr>
-              <a:t>5.</a:t>
+              <a:t>2.</a:t>
             </a:r>
             <a:r>
               <a:rPr kumimoji="1" lang="zh-CN" altLang="en-US" sz="4800" dirty="0">
                 <a:latin typeface="Microsoft YaHei" panose="020B0503020204020204" pitchFamily="34" charset="-122"/>
                 <a:ea typeface="Microsoft YaHei" panose="020B0503020204020204" pitchFamily="34" charset="-122"/>
               </a:rPr>
-              <a:t>数值类型转换</a:t>
-            </a:r>
-          </a:p>
-        </p:txBody>
-      </p:sp>
-      <p:sp>
-        <p:nvSpPr>
-          <p:cNvPr id="3" name="文本框 2">
+              <a:t>如何定义方法</a:t>
+            </a:r>
+            <a:endParaRPr kumimoji="1" lang="en-US" altLang="zh-CN" sz="4800" dirty="0">
+              <a:latin typeface="Microsoft YaHei" panose="020B0503020204020204" pitchFamily="34" charset="-122"/>
+              <a:ea typeface="Microsoft YaHei" panose="020B0503020204020204" pitchFamily="34" charset="-122"/>
+            </a:endParaRPr>
+          </a:p>
+        </p:txBody>
+      </p:sp>
+      <p:pic>
+        <p:nvPicPr>
+          <p:cNvPr id="5" name="图片 4">
             <a:extLst>
               <a:ext uri="{FF2B5EF4-FFF2-40B4-BE49-F238E27FC236}">
-                <a16:creationId xmlns:a16="http://schemas.microsoft.com/office/drawing/2014/main" id="{C0CFBE9F-84F2-FE48-AC8E-D41196C42DBA}"/>
+                <a16:creationId xmlns:a16="http://schemas.microsoft.com/office/drawing/2014/main" id="{C284D264-8863-EA43-88F5-E716400845B5}"/>
               </a:ext>
             </a:extLst>
           </p:cNvPr>
-          <p:cNvSpPr txBox="1"/>
+          <p:cNvPicPr>
+            <a:picLocks noChangeAspect="1"/>
+          </p:cNvPicPr>
           <p:nvPr/>
-        </p:nvSpPr>
+        </p:nvPicPr>
+        <p:blipFill>
+          <a:blip r:embed="rId4"/>
+          <a:stretch>
+            <a:fillRect/>
+          </a:stretch>
+        </p:blipFill>
         <p:spPr>
           <a:xfrm>
-            <a:off x="1080655" y="2576945"/>
-            <a:ext cx="10868890" cy="3108543"/>
+            <a:off x="2021648" y="2666365"/>
+            <a:ext cx="8148703" cy="1525270"/>
           </a:xfrm>
           <a:prstGeom prst="rect">
             <a:avLst/>
           </a:prstGeom>
-          <a:noFill/>
         </p:spPr>
-        <p:txBody>
-          <a:bodyPr wrap="square" rtlCol="0">
-            <a:spAutoFit/>
-          </a:bodyPr>
-          <a:lstStyle/>
-          <a:p>
-            <a:r>
-              <a:rPr lang="zh-CN" altLang="en-US" sz="2800" dirty="0"/>
-              <a:t>一种将一种数据类型的值转换成另一种数据类型的操作。</a:t>
-            </a:r>
-            <a:endParaRPr lang="en-US" altLang="zh-CN" sz="2800" dirty="0"/>
-          </a:p>
-          <a:p>
-            <a:pPr marL="514350" indent="-514350">
-              <a:buFont typeface="+mj-lt"/>
-              <a:buAutoNum type="arabicPeriod"/>
-            </a:pPr>
-            <a:r>
-              <a:rPr lang="zh-CN" altLang="en-US" sz="2800" dirty="0"/>
-              <a:t>将一个小范围类型的变 量转换为大范围类型的变量称为拓宽类型</a:t>
-            </a:r>
-            <a:r>
-              <a:rPr lang="en-US" altLang="zh-CN" sz="2800" dirty="0"/>
-              <a:t>(widening a type)</a:t>
-            </a:r>
-            <a:r>
-              <a:rPr lang="zh-CN" altLang="en-US" sz="2800" dirty="0"/>
-              <a:t>   </a:t>
-            </a:r>
-            <a:r>
-              <a:rPr lang="en-US" altLang="zh-CN" sz="2800" dirty="0"/>
-              <a:t>//</a:t>
-            </a:r>
-            <a:r>
-              <a:rPr lang="zh-CN" altLang="en-US" sz="2800" dirty="0"/>
-              <a:t> </a:t>
-            </a:r>
-            <a:r>
-              <a:rPr lang="en-US" altLang="zh-CN" sz="2800" dirty="0"/>
-              <a:t>java</a:t>
-            </a:r>
-            <a:r>
-              <a:rPr lang="zh-CN" altLang="en-US" sz="2800" dirty="0"/>
-              <a:t>会自动，比如把</a:t>
-            </a:r>
-            <a:r>
-              <a:rPr lang="en-US" altLang="zh-CN" sz="2800" dirty="0"/>
-              <a:t>int</a:t>
-            </a:r>
-            <a:r>
-              <a:rPr lang="zh-CN" altLang="en-US" sz="2800" dirty="0"/>
-              <a:t> 变量赋值给</a:t>
-            </a:r>
-            <a:r>
-              <a:rPr lang="en-US" altLang="zh-CN" sz="2800" dirty="0"/>
-              <a:t>double.</a:t>
-            </a:r>
-          </a:p>
-          <a:p>
-            <a:pPr marL="514350" indent="-514350">
-              <a:buFont typeface="+mj-lt"/>
-              <a:buAutoNum type="arabicPeriod"/>
-            </a:pPr>
-            <a:r>
-              <a:rPr lang="zh-CN" altLang="en-US" sz="2800" dirty="0"/>
-              <a:t>把大范围类型的变量转换为小 范围类型的变量称为缩窄类型</a:t>
-            </a:r>
-            <a:r>
-              <a:rPr lang="en-US" altLang="zh-CN" sz="2800" dirty="0"/>
-              <a:t>( narrowing a type)</a:t>
-            </a:r>
-            <a:r>
-              <a:rPr lang="zh-CN" altLang="en-US" sz="2800" dirty="0"/>
-              <a:t>。 </a:t>
-            </a:r>
-            <a:r>
-              <a:rPr lang="en-US" altLang="zh-CN" sz="2800" dirty="0"/>
-              <a:t>//</a:t>
-            </a:r>
-            <a:r>
-              <a:rPr lang="zh-CN" altLang="en-US" sz="2800" dirty="0"/>
-              <a:t> 需要手动，会被“截断”</a:t>
-            </a:r>
-            <a:endParaRPr lang="en-US" altLang="zh-CN" sz="2800" dirty="0"/>
-          </a:p>
-          <a:p>
-            <a:endParaRPr lang="en-US" altLang="zh-CN" sz="2800" dirty="0"/>
-          </a:p>
-          <a:p>
-            <a:r>
-              <a:rPr lang="zh-CN" altLang="en-US" sz="2800" dirty="0"/>
-              <a:t> 代码举例</a:t>
-            </a:r>
-          </a:p>
-        </p:txBody>
-      </p:sp>
-      <p:sp>
-        <p:nvSpPr>
-          <p:cNvPr id="4" name="文本框 3">
-            <a:extLst>
-              <a:ext uri="{FF2B5EF4-FFF2-40B4-BE49-F238E27FC236}">
-                <a16:creationId xmlns:a16="http://schemas.microsoft.com/office/drawing/2014/main" id="{DDC745ED-DF34-D342-B366-1489B28F4142}"/>
-              </a:ext>
-            </a:extLst>
-          </p:cNvPr>
-          <p:cNvSpPr txBox="1"/>
-          <p:nvPr/>
-        </p:nvSpPr>
-        <p:spPr>
-          <a:xfrm>
-            <a:off x="540000" y="1800000"/>
-            <a:ext cx="1070042" cy="542675"/>
-          </a:xfrm>
-          <a:prstGeom prst="rect">
-            <a:avLst/>
-          </a:prstGeom>
-          <a:solidFill>
-            <a:schemeClr val="accent2"/>
-          </a:solidFill>
-        </p:spPr>
-        <p:txBody>
-          <a:bodyPr wrap="square" rtlCol="0">
-            <a:spAutoFit/>
-          </a:bodyPr>
-          <a:lstStyle/>
-          <a:p>
-            <a:r>
-              <a:rPr kumimoji="1" lang="zh-CN" altLang="en-US" sz="2800" dirty="0">
-                <a:solidFill>
-                  <a:schemeClr val="bg1"/>
-                </a:solidFill>
-                <a:latin typeface="Microsoft YaHei" panose="020B0503020204020204" pitchFamily="34" charset="-122"/>
-                <a:ea typeface="Microsoft YaHei" panose="020B0503020204020204" pitchFamily="34" charset="-122"/>
-              </a:rPr>
-              <a:t>定义</a:t>
-            </a:r>
-          </a:p>
-        </p:txBody>
-      </p:sp>
+      </p:pic>
     </p:spTree>
     <p:extLst>
       <p:ext uri="{BB962C8B-B14F-4D97-AF65-F5344CB8AC3E}">
-        <p14:creationId xmlns:p14="http://schemas.microsoft.com/office/powerpoint/2010/main" val="2429563177"/>
+        <p14:creationId xmlns:p14="http://schemas.microsoft.com/office/powerpoint/2010/main" val="24070890"/>
       </p:ext>
     </p:extLst>
   </p:cSld>
@@ -6005,8 +6982,8 @@
         </p:nvSpPr>
         <p:spPr>
           <a:xfrm>
-            <a:off x="2520000" y="720000"/>
-            <a:ext cx="7735824" cy="830997"/>
+            <a:off x="2234234" y="597430"/>
+            <a:ext cx="9132000" cy="830997"/>
           </a:xfrm>
           <a:prstGeom prst="rect">
             <a:avLst/>
@@ -6025,142 +7002,56 @@
                 <a:latin typeface="Microsoft YaHei" panose="020B0503020204020204" pitchFamily="34" charset="-122"/>
                 <a:ea typeface="Microsoft YaHei" panose="020B0503020204020204" pitchFamily="34" charset="-122"/>
               </a:rPr>
-              <a:t>6.</a:t>
+              <a:t>3.</a:t>
             </a:r>
             <a:r>
               <a:rPr kumimoji="1" lang="zh-CN" altLang="en-US" sz="4800" dirty="0">
                 <a:latin typeface="Microsoft YaHei" panose="020B0503020204020204" pitchFamily="34" charset="-122"/>
                 <a:ea typeface="Microsoft YaHei" panose="020B0503020204020204" pitchFamily="34" charset="-122"/>
               </a:rPr>
-              <a:t> 常见错误 </a:t>
-            </a:r>
-            <a:r>
-              <a:rPr kumimoji="1" lang="en-US" altLang="zh-CN" sz="4800" dirty="0">
-                <a:latin typeface="Microsoft YaHei" panose="020B0503020204020204" pitchFamily="34" charset="-122"/>
-                <a:ea typeface="Microsoft YaHei" panose="020B0503020204020204" pitchFamily="34" charset="-122"/>
-              </a:rPr>
-              <a:t>1</a:t>
-            </a:r>
-            <a:endParaRPr kumimoji="1" lang="zh-CN" altLang="en-US" sz="4800" dirty="0">
+              <a:t>如何定义并调用方法</a:t>
+            </a:r>
+            <a:endParaRPr kumimoji="1" lang="en-US" altLang="zh-CN" sz="4800" dirty="0">
               <a:latin typeface="Microsoft YaHei" panose="020B0503020204020204" pitchFamily="34" charset="-122"/>
               <a:ea typeface="Microsoft YaHei" panose="020B0503020204020204" pitchFamily="34" charset="-122"/>
             </a:endParaRPr>
           </a:p>
         </p:txBody>
       </p:sp>
-      <p:sp>
-        <p:nvSpPr>
-          <p:cNvPr id="4" name="文本框 3">
+      <p:pic>
+        <p:nvPicPr>
+          <p:cNvPr id="4" name="图片 3">
             <a:extLst>
               <a:ext uri="{FF2B5EF4-FFF2-40B4-BE49-F238E27FC236}">
-                <a16:creationId xmlns:a16="http://schemas.microsoft.com/office/drawing/2014/main" id="{437DA9EE-0AE3-E849-9D47-C012AF08BB7C}"/>
+                <a16:creationId xmlns:a16="http://schemas.microsoft.com/office/drawing/2014/main" id="{E3E40931-2A65-D049-AFF8-1A724DC281C2}"/>
               </a:ext>
             </a:extLst>
           </p:cNvPr>
-          <p:cNvSpPr txBox="1"/>
+          <p:cNvPicPr>
+            <a:picLocks noChangeAspect="1"/>
+          </p:cNvPicPr>
           <p:nvPr/>
-        </p:nvSpPr>
+        </p:nvPicPr>
+        <p:blipFill>
+          <a:blip r:embed="rId4"/>
+          <a:stretch>
+            <a:fillRect/>
+          </a:stretch>
+        </p:blipFill>
         <p:spPr>
           <a:xfrm>
-            <a:off x="875778" y="2599627"/>
-            <a:ext cx="10601640" cy="2601481"/>
+            <a:off x="722166" y="1888490"/>
+            <a:ext cx="10747667" cy="4065270"/>
           </a:xfrm>
           <a:prstGeom prst="rect">
             <a:avLst/>
           </a:prstGeom>
-          <a:noFill/>
         </p:spPr>
-        <p:txBody>
-          <a:bodyPr wrap="square" rtlCol="0">
-            <a:spAutoFit/>
-          </a:bodyPr>
-          <a:lstStyle/>
-          <a:p>
-            <a:pPr>
-              <a:lnSpc>
-                <a:spcPct val="150000"/>
-              </a:lnSpc>
-            </a:pPr>
-            <a:r>
-              <a:rPr kumimoji="1" lang="zh-CN" altLang="en-US" sz="2800" dirty="0">
-                <a:highlight>
-                  <a:srgbClr val="FF0000"/>
-                </a:highlight>
-                <a:latin typeface="Microsoft YaHei" panose="020B0503020204020204" pitchFamily="34" charset="-122"/>
-                <a:ea typeface="Microsoft YaHei" panose="020B0503020204020204" pitchFamily="34" charset="-122"/>
-              </a:rPr>
-              <a:t>未声明、未初始化的变量和未使用的变量 </a:t>
-            </a:r>
-            <a:endParaRPr kumimoji="1" lang="en-US" altLang="zh-CN" sz="2800" dirty="0">
-              <a:highlight>
-                <a:srgbClr val="FF0000"/>
-              </a:highlight>
-              <a:latin typeface="Microsoft YaHei" panose="020B0503020204020204" pitchFamily="34" charset="-122"/>
-              <a:ea typeface="Microsoft YaHei" panose="020B0503020204020204" pitchFamily="34" charset="-122"/>
-            </a:endParaRPr>
-          </a:p>
-          <a:p>
-            <a:pPr marL="514350" indent="-514350">
-              <a:lnSpc>
-                <a:spcPct val="150000"/>
-              </a:lnSpc>
-              <a:buFont typeface="+mj-lt"/>
-              <a:buAutoNum type="arabicPeriod"/>
-            </a:pPr>
-            <a:r>
-              <a:rPr kumimoji="1" lang="zh-CN" altLang="en-US" sz="2800" dirty="0">
-                <a:latin typeface="Microsoft YaHei" panose="020B0503020204020204" pitchFamily="34" charset="-122"/>
-                <a:ea typeface="Microsoft YaHei" panose="020B0503020204020204" pitchFamily="34" charset="-122"/>
-              </a:rPr>
-              <a:t>使用未声明的变量会出错</a:t>
-            </a:r>
-            <a:endParaRPr kumimoji="1" lang="en-US" altLang="zh-CN" sz="2800" dirty="0">
-              <a:latin typeface="Microsoft YaHei" panose="020B0503020204020204" pitchFamily="34" charset="-122"/>
-              <a:ea typeface="Microsoft YaHei" panose="020B0503020204020204" pitchFamily="34" charset="-122"/>
-            </a:endParaRPr>
-          </a:p>
-          <a:p>
-            <a:pPr marL="514350" indent="-514350">
-              <a:lnSpc>
-                <a:spcPct val="150000"/>
-              </a:lnSpc>
-              <a:buFont typeface="+mj-lt"/>
-              <a:buAutoNum type="arabicPeriod"/>
-            </a:pPr>
-            <a:r>
-              <a:rPr kumimoji="1" lang="zh-CN" altLang="en-US" sz="2800" dirty="0">
-                <a:latin typeface="Microsoft YaHei" panose="020B0503020204020204" pitchFamily="34" charset="-122"/>
-                <a:ea typeface="Microsoft YaHei" panose="020B0503020204020204" pitchFamily="34" charset="-122"/>
-              </a:rPr>
-              <a:t>使用未初始化的变量有可能会产生错误</a:t>
-            </a:r>
-            <a:endParaRPr kumimoji="1" lang="en-US" altLang="zh-CN" sz="2800" dirty="0">
-              <a:latin typeface="Microsoft YaHei" panose="020B0503020204020204" pitchFamily="34" charset="-122"/>
-              <a:ea typeface="Microsoft YaHei" panose="020B0503020204020204" pitchFamily="34" charset="-122"/>
-            </a:endParaRPr>
-          </a:p>
-          <a:p>
-            <a:pPr marL="514350" indent="-514350">
-              <a:lnSpc>
-                <a:spcPct val="150000"/>
-              </a:lnSpc>
-              <a:buFont typeface="+mj-lt"/>
-              <a:buAutoNum type="arabicPeriod"/>
-            </a:pPr>
-            <a:r>
-              <a:rPr kumimoji="1" lang="zh-CN" altLang="en-US" sz="2800" dirty="0">
-                <a:latin typeface="Microsoft YaHei" panose="020B0503020204020204" pitchFamily="34" charset="-122"/>
-                <a:ea typeface="Microsoft YaHei" panose="020B0503020204020204" pitchFamily="34" charset="-122"/>
-              </a:rPr>
-              <a:t>声明变量，但不使用，一般的编译器会提示，需要删除</a:t>
-            </a:r>
-          </a:p>
-        </p:txBody>
-      </p:sp>
+      </p:pic>
     </p:spTree>
     <p:extLst>
       <p:ext uri="{BB962C8B-B14F-4D97-AF65-F5344CB8AC3E}">
-        <p14:creationId xmlns:p14="http://schemas.microsoft.com/office/powerpoint/2010/main" val="76332531"/>
+        <p14:creationId xmlns:p14="http://schemas.microsoft.com/office/powerpoint/2010/main" val="3610289145"/>
       </p:ext>
     </p:extLst>
   </p:cSld>
@@ -6210,8 +7101,8 @@
         </p:nvSpPr>
         <p:spPr>
           <a:xfrm>
-            <a:off x="2520000" y="720000"/>
-            <a:ext cx="7735824" cy="830997"/>
+            <a:off x="2234234" y="597430"/>
+            <a:ext cx="9132000" cy="830997"/>
           </a:xfrm>
           <a:prstGeom prst="rect">
             <a:avLst/>
@@ -6230,23 +7121,16 @@
                 <a:latin typeface="Microsoft YaHei" panose="020B0503020204020204" pitchFamily="34" charset="-122"/>
                 <a:ea typeface="Microsoft YaHei" panose="020B0503020204020204" pitchFamily="34" charset="-122"/>
               </a:rPr>
-              <a:t>6.</a:t>
+              <a:t>4.Void</a:t>
             </a:r>
             <a:r>
               <a:rPr kumimoji="1" lang="zh-CN" altLang="en-US" sz="4800" dirty="0">
                 <a:latin typeface="Microsoft YaHei" panose="020B0503020204020204" pitchFamily="34" charset="-122"/>
                 <a:ea typeface="Microsoft YaHei" panose="020B0503020204020204" pitchFamily="34" charset="-122"/>
               </a:rPr>
-              <a:t> 常见错误 </a:t>
-            </a:r>
-            <a:r>
-              <a:rPr kumimoji="1" lang="en-US" altLang="zh-CN" sz="4800" dirty="0">
-                <a:latin typeface="Microsoft YaHei" panose="020B0503020204020204" pitchFamily="34" charset="-122"/>
-                <a:ea typeface="Microsoft YaHei" panose="020B0503020204020204" pitchFamily="34" charset="-122"/>
-              </a:rPr>
-              <a:t>2</a:t>
-            </a:r>
-            <a:endParaRPr kumimoji="1" lang="zh-CN" altLang="en-US" sz="4800" dirty="0">
+              <a:t>方法</a:t>
+            </a:r>
+            <a:endParaRPr kumimoji="1" lang="en-US" altLang="zh-CN" sz="4800" dirty="0">
               <a:latin typeface="Microsoft YaHei" panose="020B0503020204020204" pitchFamily="34" charset="-122"/>
               <a:ea typeface="Microsoft YaHei" panose="020B0503020204020204" pitchFamily="34" charset="-122"/>
             </a:endParaRPr>
@@ -6255,10 +7139,10 @@
       </p:sp>
       <p:sp>
         <p:nvSpPr>
-          <p:cNvPr id="4" name="文本框 3">
+          <p:cNvPr id="3" name="文本框 2">
             <a:extLst>
               <a:ext uri="{FF2B5EF4-FFF2-40B4-BE49-F238E27FC236}">
-                <a16:creationId xmlns:a16="http://schemas.microsoft.com/office/drawing/2014/main" id="{437DA9EE-0AE3-E849-9D47-C012AF08BB7C}"/>
+                <a16:creationId xmlns:a16="http://schemas.microsoft.com/office/drawing/2014/main" id="{C0CFBE9F-84F2-FE48-AC8E-D41196C42DBA}"/>
               </a:ext>
             </a:extLst>
           </p:cNvPr>
@@ -6267,8 +7151,8 @@
         </p:nvSpPr>
         <p:spPr>
           <a:xfrm>
-            <a:off x="875778" y="2599627"/>
-            <a:ext cx="10601640" cy="3323987"/>
+            <a:off x="1731818" y="2015173"/>
+            <a:ext cx="8728364" cy="1308820"/>
           </a:xfrm>
           <a:prstGeom prst="rect">
             <a:avLst/>
@@ -6281,130 +7165,43 @@
           </a:bodyPr>
           <a:lstStyle/>
           <a:p>
-            <a:pPr>
+            <a:pPr marL="571500" indent="-571500" algn="ctr">
               <a:lnSpc>
                 <a:spcPct val="150000"/>
               </a:lnSpc>
+              <a:buFont typeface="Wingdings" pitchFamily="2" charset="2"/>
+              <a:buChar char="Ø"/>
             </a:pPr>
             <a:r>
+              <a:rPr kumimoji="1" lang="en-US" altLang="zh-CN" sz="2800" dirty="0">
+                <a:latin typeface="Microsoft YaHei" panose="020B0503020204020204" pitchFamily="34" charset="-122"/>
+                <a:ea typeface="Microsoft YaHei" panose="020B0503020204020204" pitchFamily="34" charset="-122"/>
+              </a:rPr>
+              <a:t>Void</a:t>
+            </a:r>
+            <a:r>
               <a:rPr kumimoji="1" lang="zh-CN" altLang="en-US" sz="2800" dirty="0">
-                <a:highlight>
-                  <a:srgbClr val="FF0000"/>
-                </a:highlight>
                 <a:latin typeface="Microsoft YaHei" panose="020B0503020204020204" pitchFamily="34" charset="-122"/>
                 <a:ea typeface="Microsoft YaHei" panose="020B0503020204020204" pitchFamily="34" charset="-122"/>
               </a:rPr>
-              <a:t>整数溢出 </a:t>
+              <a:t>方法是所有方法中的其中一类</a:t>
             </a:r>
             <a:endParaRPr kumimoji="1" lang="en-US" altLang="zh-CN" sz="2800" dirty="0">
-              <a:highlight>
-                <a:srgbClr val="FF0000"/>
-              </a:highlight>
               <a:latin typeface="Microsoft YaHei" panose="020B0503020204020204" pitchFamily="34" charset="-122"/>
               <a:ea typeface="Microsoft YaHei" panose="020B0503020204020204" pitchFamily="34" charset="-122"/>
             </a:endParaRPr>
           </a:p>
           <a:p>
-            <a:r>
-              <a:rPr lang="zh-CN" altLang="en-US" sz="2800" dirty="0"/>
-              <a:t>数字以有限的位数存储。当一个变量被陚予一个过大</a:t>
-            </a:r>
-            <a:r>
-              <a:rPr lang="en-US" altLang="zh-CN" sz="2800" dirty="0"/>
-              <a:t>(</a:t>
-            </a:r>
-            <a:r>
-              <a:rPr lang="zh-CN" altLang="en-US" sz="2800" dirty="0"/>
-              <a:t>以存储大小而言</a:t>
-            </a:r>
-            <a:r>
-              <a:rPr lang="en-US" altLang="zh-CN" sz="2800" dirty="0"/>
-              <a:t>)</a:t>
-            </a:r>
-            <a:r>
-              <a:rPr lang="zh-CN" altLang="en-US" sz="2800" dirty="0"/>
-              <a:t>的值，以至无 法存储该值，这称为溢出。</a:t>
-            </a:r>
-            <a:endParaRPr lang="en-US" altLang="zh-CN" sz="2800" dirty="0"/>
-          </a:p>
-          <a:p>
-            <a:r>
-              <a:rPr lang="en-US" altLang="zh-CN" sz="2800" dirty="0"/>
-              <a:t>int</a:t>
-            </a:r>
-            <a:r>
-              <a:rPr lang="zh-CN" altLang="en-US" sz="2800" dirty="0"/>
-              <a:t>类型变量中可以存储的最大值是 </a:t>
-            </a:r>
-            <a:r>
-              <a:rPr lang="en-US" altLang="zh-CN" sz="2800" dirty="0"/>
-              <a:t>2147483647</a:t>
-            </a:r>
-            <a:r>
-              <a:rPr lang="zh-CN" altLang="en-US" sz="2800" dirty="0"/>
-              <a:t>。</a:t>
-            </a:r>
-            <a:r>
-              <a:rPr lang="en-US" altLang="zh-CN" sz="2800" dirty="0"/>
-              <a:t>2147483648 </a:t>
-            </a:r>
-            <a:r>
-              <a:rPr lang="zh-CN" altLang="en-US" sz="2800" dirty="0"/>
-              <a:t>将超出 </a:t>
-            </a:r>
-            <a:r>
-              <a:rPr lang="en-US" altLang="zh-CN" sz="2800" dirty="0"/>
-              <a:t>int </a:t>
-            </a:r>
-            <a:r>
-              <a:rPr lang="zh-CN" altLang="en-US" sz="2800" dirty="0"/>
-              <a:t>值的范围。 </a:t>
-            </a:r>
-          </a:p>
-          <a:p>
-            <a:r>
-              <a:rPr lang="en-US" altLang="zh-CN" sz="2800" dirty="0" err="1"/>
-              <a:t>Intvalue</a:t>
-            </a:r>
-            <a:r>
-              <a:rPr lang="en-US" altLang="zh-CN" sz="2800" dirty="0"/>
-              <a:t>= 2147483647+1; </a:t>
-            </a:r>
-            <a:r>
-              <a:rPr lang="zh-CN" altLang="en-US" sz="2800" dirty="0"/>
-              <a:t> </a:t>
-            </a:r>
-            <a:endParaRPr lang="en-US" altLang="zh-CN" sz="2800" dirty="0"/>
-          </a:p>
-          <a:p>
-            <a:r>
-              <a:rPr lang="zh-CN" altLang="en-US" sz="2800" dirty="0">
-                <a:highlight>
-                  <a:srgbClr val="00FFFF"/>
-                </a:highlight>
-              </a:rPr>
-              <a:t>思考：那</a:t>
-            </a:r>
-            <a:r>
-              <a:rPr lang="en-US" altLang="zh-CN" sz="2800" dirty="0">
-                <a:highlight>
-                  <a:srgbClr val="00FFFF"/>
-                </a:highlight>
-              </a:rPr>
-              <a:t>int</a:t>
-            </a:r>
-            <a:r>
-              <a:rPr lang="zh-CN" altLang="en-US" sz="2800" dirty="0">
-                <a:highlight>
-                  <a:srgbClr val="00FFFF"/>
-                </a:highlight>
-              </a:rPr>
-              <a:t>的最小值是多少？</a:t>
-            </a:r>
-            <a:endParaRPr lang="en-US" altLang="zh-CN" sz="2800" dirty="0">
-              <a:highlight>
-                <a:srgbClr val="00FFFF"/>
-              </a:highlight>
+            <a:pPr marL="1028700" lvl="1" indent="-571500">
+              <a:lnSpc>
+                <a:spcPct val="150000"/>
+              </a:lnSpc>
+              <a:buFont typeface="Wingdings" pitchFamily="2" charset="2"/>
+              <a:buChar char="Ø"/>
+            </a:pPr>
+            <a:endParaRPr kumimoji="1" lang="en-US" altLang="zh-CN" sz="2800" dirty="0">
+              <a:latin typeface="Microsoft YaHei" panose="020B0503020204020204" pitchFamily="34" charset="-122"/>
+              <a:ea typeface="Microsoft YaHei" panose="020B0503020204020204" pitchFamily="34" charset="-122"/>
             </a:endParaRPr>
           </a:p>
         </p:txBody>
@@ -6412,7 +7209,7 @@
     </p:spTree>
     <p:extLst>
       <p:ext uri="{BB962C8B-B14F-4D97-AF65-F5344CB8AC3E}">
-        <p14:creationId xmlns:p14="http://schemas.microsoft.com/office/powerpoint/2010/main" val="829273768"/>
+        <p14:creationId xmlns:p14="http://schemas.microsoft.com/office/powerpoint/2010/main" val="401505725"/>
       </p:ext>
     </p:extLst>
   </p:cSld>
@@ -6462,8 +7259,8 @@
         </p:nvSpPr>
         <p:spPr>
           <a:xfrm>
-            <a:off x="2520000" y="720000"/>
-            <a:ext cx="7735824" cy="830997"/>
+            <a:off x="2234234" y="597430"/>
+            <a:ext cx="9132000" cy="830997"/>
           </a:xfrm>
           <a:prstGeom prst="rect">
             <a:avLst/>
@@ -6482,23 +7279,16 @@
                 <a:latin typeface="Microsoft YaHei" panose="020B0503020204020204" pitchFamily="34" charset="-122"/>
                 <a:ea typeface="Microsoft YaHei" panose="020B0503020204020204" pitchFamily="34" charset="-122"/>
               </a:rPr>
-              <a:t>6.</a:t>
+              <a:t>5.</a:t>
             </a:r>
             <a:r>
               <a:rPr kumimoji="1" lang="zh-CN" altLang="en-US" sz="4800" dirty="0">
                 <a:latin typeface="Microsoft YaHei" panose="020B0503020204020204" pitchFamily="34" charset="-122"/>
                 <a:ea typeface="Microsoft YaHei" panose="020B0503020204020204" pitchFamily="34" charset="-122"/>
               </a:rPr>
-              <a:t> 常见错误 </a:t>
-            </a:r>
-            <a:r>
-              <a:rPr kumimoji="1" lang="en-US" altLang="zh-CN" sz="4800" dirty="0">
-                <a:latin typeface="Microsoft YaHei" panose="020B0503020204020204" pitchFamily="34" charset="-122"/>
-                <a:ea typeface="Microsoft YaHei" panose="020B0503020204020204" pitchFamily="34" charset="-122"/>
-              </a:rPr>
-              <a:t>3</a:t>
-            </a:r>
-            <a:endParaRPr kumimoji="1" lang="zh-CN" altLang="en-US" sz="4800" dirty="0">
+              <a:t>按值作为参数</a:t>
+            </a:r>
+            <a:endParaRPr kumimoji="1" lang="en-US" altLang="zh-CN" sz="4800" dirty="0">
               <a:latin typeface="Microsoft YaHei" panose="020B0503020204020204" pitchFamily="34" charset="-122"/>
               <a:ea typeface="Microsoft YaHei" panose="020B0503020204020204" pitchFamily="34" charset="-122"/>
             </a:endParaRPr>
@@ -6507,10 +7297,10 @@
       </p:sp>
       <p:sp>
         <p:nvSpPr>
-          <p:cNvPr id="4" name="文本框 3">
+          <p:cNvPr id="3" name="文本框 2">
             <a:extLst>
               <a:ext uri="{FF2B5EF4-FFF2-40B4-BE49-F238E27FC236}">
-                <a16:creationId xmlns:a16="http://schemas.microsoft.com/office/drawing/2014/main" id="{437DA9EE-0AE3-E849-9D47-C012AF08BB7C}"/>
+                <a16:creationId xmlns:a16="http://schemas.microsoft.com/office/drawing/2014/main" id="{C0CFBE9F-84F2-FE48-AC8E-D41196C42DBA}"/>
               </a:ext>
             </a:extLst>
           </p:cNvPr>
@@ -6519,8 +7309,8 @@
         </p:nvSpPr>
         <p:spPr>
           <a:xfrm>
-            <a:off x="875778" y="2599627"/>
-            <a:ext cx="10601640" cy="523220"/>
+            <a:off x="1731818" y="2015173"/>
+            <a:ext cx="8728364" cy="4109587"/>
           </a:xfrm>
           <a:prstGeom prst="rect">
             <a:avLst/>
@@ -6533,148 +7323,160 @@
           </a:bodyPr>
           <a:lstStyle/>
           <a:p>
-            <a:r>
-              <a:rPr lang="zh-CN" altLang="en-US" sz="2800" dirty="0">
-                <a:highlight>
-                  <a:srgbClr val="FF0000"/>
-                </a:highlight>
-              </a:rPr>
-              <a:t>超出预期的整数除法 </a:t>
-            </a:r>
-            <a:r>
-              <a:rPr kumimoji="1" lang="zh-CN" altLang="en-US" sz="2800" dirty="0">
-                <a:highlight>
-                  <a:srgbClr val="FF0000"/>
-                </a:highlight>
-                <a:latin typeface="Microsoft YaHei" panose="020B0503020204020204" pitchFamily="34" charset="-122"/>
-                <a:ea typeface="Microsoft YaHei" panose="020B0503020204020204" pitchFamily="34" charset="-122"/>
-              </a:rPr>
-              <a:t> </a:t>
-            </a:r>
-            <a:endParaRPr kumimoji="1" lang="en-US" altLang="zh-CN" sz="2800" dirty="0">
-              <a:highlight>
-                <a:srgbClr val="FF0000"/>
-              </a:highlight>
+            <a:pPr marL="457200" indent="-457200">
+              <a:buFont typeface="Arial" panose="020B0604020202020204" pitchFamily="34" charset="0"/>
+              <a:buChar char="•"/>
+            </a:pPr>
+            <a:r>
+              <a:rPr lang="zh-CN" altLang="en-US" sz="2800" dirty="0"/>
+              <a:t>标识符</a:t>
+            </a:r>
+            <a:r>
+              <a:rPr lang="en-US" altLang="zh-CN" sz="2800" dirty="0"/>
+              <a:t>:</a:t>
+            </a:r>
+            <a:r>
+              <a:rPr lang="zh-CN" altLang="en-US" sz="2800" dirty="0"/>
+              <a:t>  为了标识程序中的变量，函数，类而采用的命名。是由字母、数字、下划线</a:t>
+            </a:r>
+            <a:r>
+              <a:rPr lang="en-US" altLang="zh-CN" sz="2800" dirty="0"/>
+              <a:t>(_)</a:t>
+            </a:r>
+            <a:r>
+              <a:rPr lang="zh-CN" altLang="en-US" sz="2800" dirty="0"/>
+              <a:t>和美元符号</a:t>
+            </a:r>
+            <a:r>
+              <a:rPr lang="en-US" altLang="zh-CN" sz="2800" dirty="0"/>
+              <a:t>($)</a:t>
+            </a:r>
+            <a:r>
+              <a:rPr lang="zh-CN" altLang="en-US" sz="2800" dirty="0"/>
+              <a:t>构成的字符序列。 </a:t>
+            </a:r>
+          </a:p>
+          <a:p>
+            <a:pPr marL="457200" indent="-457200">
+              <a:buFont typeface="Arial" panose="020B0604020202020204" pitchFamily="34" charset="0"/>
+              <a:buChar char="•"/>
+            </a:pPr>
+            <a:r>
+              <a:rPr lang="zh-CN" altLang="en-US" sz="2800" dirty="0"/>
+              <a:t>标识符必须以字母、下划线</a:t>
+            </a:r>
+            <a:r>
+              <a:rPr lang="en-US" altLang="zh-CN" sz="2800" dirty="0"/>
+              <a:t>(_)</a:t>
+            </a:r>
+            <a:r>
+              <a:rPr lang="zh-CN" altLang="en-US" sz="2800" dirty="0"/>
+              <a:t>或美元符号</a:t>
+            </a:r>
+            <a:r>
+              <a:rPr lang="en-US" altLang="zh-CN" sz="2800" dirty="0"/>
+              <a:t>($)</a:t>
+            </a:r>
+            <a:r>
+              <a:rPr lang="zh-CN" altLang="en-US" sz="2800" dirty="0"/>
+              <a:t>开头，不能以数字开头。 </a:t>
+            </a:r>
+            <a:endParaRPr lang="en-US" altLang="zh-CN" sz="2800" dirty="0"/>
+          </a:p>
+          <a:p>
+            <a:pPr marL="457200" indent="-457200">
+              <a:buFont typeface="Arial" panose="020B0604020202020204" pitchFamily="34" charset="0"/>
+              <a:buChar char="•"/>
+            </a:pPr>
+            <a:r>
+              <a:rPr lang="zh-CN" altLang="en-US" sz="2800" dirty="0"/>
+              <a:t>标识符不能是保留字</a:t>
+            </a:r>
+            <a:r>
+              <a:rPr lang="en-US" altLang="zh-CN" sz="2800" dirty="0"/>
+              <a:t>(</a:t>
+            </a:r>
+            <a:r>
+              <a:rPr lang="zh-CN" altLang="en-US" sz="2800" dirty="0"/>
+              <a:t>参见附录</a:t>
+            </a:r>
+            <a:r>
+              <a:rPr lang="en-US" altLang="zh-CN" sz="2800" dirty="0"/>
+              <a:t>A</a:t>
+            </a:r>
+            <a:r>
+              <a:rPr lang="zh-CN" altLang="en-US" sz="2800" dirty="0"/>
+              <a:t>中的保留字列表</a:t>
+            </a:r>
+            <a:r>
+              <a:rPr lang="en-US" altLang="zh-CN" sz="2800" dirty="0"/>
+              <a:t>)</a:t>
+            </a:r>
+          </a:p>
+          <a:p>
+            <a:pPr marL="457200" indent="-457200">
+              <a:buFont typeface="Arial" panose="020B0604020202020204" pitchFamily="34" charset="0"/>
+              <a:buChar char="•"/>
+            </a:pPr>
+            <a:r>
+              <a:rPr lang="zh-CN" altLang="en-US" sz="2800" dirty="0"/>
+              <a:t>标识符不能是</a:t>
+            </a:r>
+            <a:r>
+              <a:rPr lang="en-US" altLang="zh-CN" sz="2800" dirty="0"/>
+              <a:t>true</a:t>
+            </a:r>
+            <a:r>
+              <a:rPr lang="zh-CN" altLang="en-US" sz="2800" dirty="0"/>
+              <a:t>、</a:t>
+            </a:r>
+            <a:r>
+              <a:rPr lang="en-US" altLang="zh-CN" sz="2800" dirty="0"/>
+              <a:t>false</a:t>
+            </a:r>
+            <a:r>
+              <a:rPr lang="zh-CN" altLang="en-US" sz="2800" dirty="0"/>
+              <a:t>或</a:t>
+            </a:r>
+            <a:r>
+              <a:rPr lang="en-US" altLang="zh-CN" sz="2800" dirty="0"/>
+              <a:t>null</a:t>
+            </a:r>
+            <a:r>
+              <a:rPr lang="zh-CN" altLang="en-US" sz="2800" dirty="0"/>
+              <a:t>。</a:t>
+            </a:r>
+            <a:endParaRPr lang="en-US" altLang="zh-CN" sz="2800" dirty="0"/>
+          </a:p>
+          <a:p>
+            <a:pPr marL="457200" indent="-457200">
+              <a:buFont typeface="Arial" panose="020B0604020202020204" pitchFamily="34" charset="0"/>
+              <a:buChar char="•"/>
+            </a:pPr>
+            <a:r>
+              <a:rPr lang="zh-CN" altLang="en-US" sz="2800" dirty="0"/>
+              <a:t>标识符可以为任意长度。 </a:t>
+            </a:r>
+          </a:p>
+          <a:p>
+            <a:pPr marL="571500" indent="-571500" algn="ctr">
+              <a:lnSpc>
+                <a:spcPct val="150000"/>
+              </a:lnSpc>
+              <a:buFont typeface="Wingdings" pitchFamily="2" charset="2"/>
+              <a:buChar char="Ø"/>
+            </a:pPr>
+            <a:endParaRPr kumimoji="1" lang="zh-CN" altLang="en-US" sz="2800" dirty="0">
               <a:latin typeface="Microsoft YaHei" panose="020B0503020204020204" pitchFamily="34" charset="-122"/>
               <a:ea typeface="Microsoft YaHei" panose="020B0503020204020204" pitchFamily="34" charset="-122"/>
             </a:endParaRPr>
           </a:p>
         </p:txBody>
       </p:sp>
-      <p:pic>
-        <p:nvPicPr>
-          <p:cNvPr id="3" name="图片 2">
-            <a:extLst>
-              <a:ext uri="{FF2B5EF4-FFF2-40B4-BE49-F238E27FC236}">
-                <a16:creationId xmlns:a16="http://schemas.microsoft.com/office/drawing/2014/main" id="{11CB5C24-8959-BE48-ADA3-7A48DDADF719}"/>
-              </a:ext>
-            </a:extLst>
-          </p:cNvPr>
-          <p:cNvPicPr>
-            <a:picLocks noChangeAspect="1"/>
-          </p:cNvPicPr>
-          <p:nvPr/>
-        </p:nvPicPr>
-        <p:blipFill>
-          <a:blip r:embed="rId4"/>
-          <a:stretch>
-            <a:fillRect/>
-          </a:stretch>
-        </p:blipFill>
-        <p:spPr>
-          <a:xfrm>
-            <a:off x="554182" y="3429000"/>
-            <a:ext cx="11637818" cy="1926120"/>
-          </a:xfrm>
-          <a:prstGeom prst="rect">
-            <a:avLst/>
-          </a:prstGeom>
-        </p:spPr>
-      </p:pic>
-      <p:sp>
-        <p:nvSpPr>
-          <p:cNvPr id="5" name="文本框 4">
-            <a:extLst>
-              <a:ext uri="{FF2B5EF4-FFF2-40B4-BE49-F238E27FC236}">
-                <a16:creationId xmlns:a16="http://schemas.microsoft.com/office/drawing/2014/main" id="{9172D58E-42F2-7841-B8A5-7E368BC93EB3}"/>
-              </a:ext>
-            </a:extLst>
-          </p:cNvPr>
-          <p:cNvSpPr txBox="1"/>
-          <p:nvPr/>
-        </p:nvSpPr>
-        <p:spPr>
-          <a:xfrm>
-            <a:off x="1641764" y="5652655"/>
-            <a:ext cx="2888672" cy="523220"/>
-          </a:xfrm>
-          <a:prstGeom prst="rect">
-            <a:avLst/>
-          </a:prstGeom>
-          <a:noFill/>
-        </p:spPr>
-        <p:txBody>
-          <a:bodyPr wrap="square" rtlCol="0">
-            <a:spAutoFit/>
-          </a:bodyPr>
-          <a:lstStyle/>
-          <a:p>
-            <a:r>
-              <a:rPr kumimoji="1" lang="zh-CN" altLang="en-US" sz="2800" dirty="0"/>
-              <a:t>结果是：</a:t>
-            </a:r>
-            <a:r>
-              <a:rPr kumimoji="1" lang="en-US" altLang="zh-CN" sz="2800" dirty="0"/>
-              <a:t>1</a:t>
-            </a:r>
-            <a:endParaRPr kumimoji="1" lang="zh-CN" altLang="en-US" sz="2800" dirty="0"/>
-          </a:p>
-        </p:txBody>
-      </p:sp>
-      <p:sp>
-        <p:nvSpPr>
-          <p:cNvPr id="6" name="文本框 5">
-            <a:extLst>
-              <a:ext uri="{FF2B5EF4-FFF2-40B4-BE49-F238E27FC236}">
-                <a16:creationId xmlns:a16="http://schemas.microsoft.com/office/drawing/2014/main" id="{8E4A7340-2E87-4148-A773-47E538E66983}"/>
-              </a:ext>
-            </a:extLst>
-          </p:cNvPr>
-          <p:cNvSpPr txBox="1"/>
-          <p:nvPr/>
-        </p:nvSpPr>
-        <p:spPr>
-          <a:xfrm>
-            <a:off x="7512624" y="5647915"/>
-            <a:ext cx="2888672" cy="523220"/>
-          </a:xfrm>
-          <a:prstGeom prst="rect">
-            <a:avLst/>
-          </a:prstGeom>
-          <a:noFill/>
-        </p:spPr>
-        <p:txBody>
-          <a:bodyPr wrap="square" rtlCol="0">
-            <a:spAutoFit/>
-          </a:bodyPr>
-          <a:lstStyle/>
-          <a:p>
-            <a:r>
-              <a:rPr kumimoji="1" lang="zh-CN" altLang="en-US" sz="2800" dirty="0"/>
-              <a:t>结果是：</a:t>
-            </a:r>
-            <a:r>
-              <a:rPr kumimoji="1" lang="en-US" altLang="zh-CN" sz="2800" dirty="0"/>
-              <a:t>1.5</a:t>
-            </a:r>
-            <a:endParaRPr kumimoji="1" lang="zh-CN" altLang="en-US" sz="2800" dirty="0"/>
-          </a:p>
-        </p:txBody>
-      </p:sp>
     </p:spTree>
     <p:extLst>
       <p:ext uri="{BB962C8B-B14F-4D97-AF65-F5344CB8AC3E}">
-        <p14:creationId xmlns:p14="http://schemas.microsoft.com/office/powerpoint/2010/main" val="354188742"/>
+        <p14:creationId xmlns:p14="http://schemas.microsoft.com/office/powerpoint/2010/main" val="2532579333"/>
       </p:ext>
     </p:extLst>
   </p:cSld>
@@ -6724,6 +7526,3784 @@
         </p:nvSpPr>
         <p:spPr>
           <a:xfrm>
+            <a:off x="2234234" y="597430"/>
+            <a:ext cx="9132000" cy="830997"/>
+          </a:xfrm>
+          <a:prstGeom prst="rect">
+            <a:avLst/>
+          </a:prstGeom>
+          <a:noFill/>
+        </p:spPr>
+        <p:txBody>
+          <a:bodyPr wrap="square" rtlCol="0">
+            <a:spAutoFit/>
+          </a:bodyPr>
+          <a:lstStyle/>
+          <a:p>
+            <a:pPr algn="ctr"/>
+            <a:r>
+              <a:rPr kumimoji="1" lang="en-US" altLang="zh-CN" sz="4800" dirty="0">
+                <a:latin typeface="Microsoft YaHei" panose="020B0503020204020204" pitchFamily="34" charset="-122"/>
+                <a:ea typeface="Microsoft YaHei" panose="020B0503020204020204" pitchFamily="34" charset="-122"/>
+              </a:rPr>
+              <a:t>6.</a:t>
+            </a:r>
+            <a:r>
+              <a:rPr kumimoji="1" lang="zh-CN" altLang="en-US" sz="4800" dirty="0">
+                <a:latin typeface="Microsoft YaHei" panose="020B0503020204020204" pitchFamily="34" charset="-122"/>
+                <a:ea typeface="Microsoft YaHei" panose="020B0503020204020204" pitchFamily="34" charset="-122"/>
+              </a:rPr>
+              <a:t>按值作为参数</a:t>
+            </a:r>
+            <a:endParaRPr kumimoji="1" lang="en-US" altLang="zh-CN" sz="4800" dirty="0">
+              <a:latin typeface="Microsoft YaHei" panose="020B0503020204020204" pitchFamily="34" charset="-122"/>
+              <a:ea typeface="Microsoft YaHei" panose="020B0503020204020204" pitchFamily="34" charset="-122"/>
+            </a:endParaRPr>
+          </a:p>
+        </p:txBody>
+      </p:sp>
+      <p:sp>
+        <p:nvSpPr>
+          <p:cNvPr id="3" name="文本框 2">
+            <a:extLst>
+              <a:ext uri="{FF2B5EF4-FFF2-40B4-BE49-F238E27FC236}">
+                <a16:creationId xmlns:a16="http://schemas.microsoft.com/office/drawing/2014/main" id="{C0CFBE9F-84F2-FE48-AC8E-D41196C42DBA}"/>
+              </a:ext>
+            </a:extLst>
+          </p:cNvPr>
+          <p:cNvSpPr txBox="1"/>
+          <p:nvPr/>
+        </p:nvSpPr>
+        <p:spPr>
+          <a:xfrm>
+            <a:off x="1731818" y="2015173"/>
+            <a:ext cx="8728364" cy="4109587"/>
+          </a:xfrm>
+          <a:prstGeom prst="rect">
+            <a:avLst/>
+          </a:prstGeom>
+          <a:noFill/>
+        </p:spPr>
+        <p:txBody>
+          <a:bodyPr wrap="square" rtlCol="0">
+            <a:spAutoFit/>
+          </a:bodyPr>
+          <a:lstStyle/>
+          <a:p>
+            <a:pPr marL="457200" indent="-457200">
+              <a:buFont typeface="Arial" panose="020B0604020202020204" pitchFamily="34" charset="0"/>
+              <a:buChar char="•"/>
+            </a:pPr>
+            <a:r>
+              <a:rPr lang="zh-CN" altLang="en-US" sz="2800" dirty="0"/>
+              <a:t>标识符</a:t>
+            </a:r>
+            <a:r>
+              <a:rPr lang="en-US" altLang="zh-CN" sz="2800" dirty="0"/>
+              <a:t>:</a:t>
+            </a:r>
+            <a:r>
+              <a:rPr lang="zh-CN" altLang="en-US" sz="2800" dirty="0"/>
+              <a:t>  为了标识程序中的变量，函数，类而采用的命名。是由字母、数字、下划线</a:t>
+            </a:r>
+            <a:r>
+              <a:rPr lang="en-US" altLang="zh-CN" sz="2800" dirty="0"/>
+              <a:t>(_)</a:t>
+            </a:r>
+            <a:r>
+              <a:rPr lang="zh-CN" altLang="en-US" sz="2800" dirty="0"/>
+              <a:t>和美元符号</a:t>
+            </a:r>
+            <a:r>
+              <a:rPr lang="en-US" altLang="zh-CN" sz="2800" dirty="0"/>
+              <a:t>($)</a:t>
+            </a:r>
+            <a:r>
+              <a:rPr lang="zh-CN" altLang="en-US" sz="2800" dirty="0"/>
+              <a:t>构成的字符序列。 </a:t>
+            </a:r>
+          </a:p>
+          <a:p>
+            <a:pPr marL="457200" indent="-457200">
+              <a:buFont typeface="Arial" panose="020B0604020202020204" pitchFamily="34" charset="0"/>
+              <a:buChar char="•"/>
+            </a:pPr>
+            <a:r>
+              <a:rPr lang="zh-CN" altLang="en-US" sz="2800" dirty="0"/>
+              <a:t>标识符必须以字母、下划线</a:t>
+            </a:r>
+            <a:r>
+              <a:rPr lang="en-US" altLang="zh-CN" sz="2800" dirty="0"/>
+              <a:t>(_)</a:t>
+            </a:r>
+            <a:r>
+              <a:rPr lang="zh-CN" altLang="en-US" sz="2800" dirty="0"/>
+              <a:t>或美元符号</a:t>
+            </a:r>
+            <a:r>
+              <a:rPr lang="en-US" altLang="zh-CN" sz="2800" dirty="0"/>
+              <a:t>($)</a:t>
+            </a:r>
+            <a:r>
+              <a:rPr lang="zh-CN" altLang="en-US" sz="2800" dirty="0"/>
+              <a:t>开头，不能以数字开头。 </a:t>
+            </a:r>
+            <a:endParaRPr lang="en-US" altLang="zh-CN" sz="2800" dirty="0"/>
+          </a:p>
+          <a:p>
+            <a:pPr marL="457200" indent="-457200">
+              <a:buFont typeface="Arial" panose="020B0604020202020204" pitchFamily="34" charset="0"/>
+              <a:buChar char="•"/>
+            </a:pPr>
+            <a:r>
+              <a:rPr lang="zh-CN" altLang="en-US" sz="2800" dirty="0"/>
+              <a:t>标识符不能是保留字</a:t>
+            </a:r>
+            <a:r>
+              <a:rPr lang="en-US" altLang="zh-CN" sz="2800" dirty="0"/>
+              <a:t>(</a:t>
+            </a:r>
+            <a:r>
+              <a:rPr lang="zh-CN" altLang="en-US" sz="2800" dirty="0"/>
+              <a:t>参见附录</a:t>
+            </a:r>
+            <a:r>
+              <a:rPr lang="en-US" altLang="zh-CN" sz="2800" dirty="0"/>
+              <a:t>A</a:t>
+            </a:r>
+            <a:r>
+              <a:rPr lang="zh-CN" altLang="en-US" sz="2800" dirty="0"/>
+              <a:t>中的保留字列表</a:t>
+            </a:r>
+            <a:r>
+              <a:rPr lang="en-US" altLang="zh-CN" sz="2800" dirty="0"/>
+              <a:t>)</a:t>
+            </a:r>
+          </a:p>
+          <a:p>
+            <a:pPr marL="457200" indent="-457200">
+              <a:buFont typeface="Arial" panose="020B0604020202020204" pitchFamily="34" charset="0"/>
+              <a:buChar char="•"/>
+            </a:pPr>
+            <a:r>
+              <a:rPr lang="zh-CN" altLang="en-US" sz="2800" dirty="0"/>
+              <a:t>标识符不能是</a:t>
+            </a:r>
+            <a:r>
+              <a:rPr lang="en-US" altLang="zh-CN" sz="2800" dirty="0"/>
+              <a:t>true</a:t>
+            </a:r>
+            <a:r>
+              <a:rPr lang="zh-CN" altLang="en-US" sz="2800" dirty="0"/>
+              <a:t>、</a:t>
+            </a:r>
+            <a:r>
+              <a:rPr lang="en-US" altLang="zh-CN" sz="2800" dirty="0"/>
+              <a:t>false</a:t>
+            </a:r>
+            <a:r>
+              <a:rPr lang="zh-CN" altLang="en-US" sz="2800" dirty="0"/>
+              <a:t>或</a:t>
+            </a:r>
+            <a:r>
+              <a:rPr lang="en-US" altLang="zh-CN" sz="2800" dirty="0"/>
+              <a:t>null</a:t>
+            </a:r>
+            <a:r>
+              <a:rPr lang="zh-CN" altLang="en-US" sz="2800" dirty="0"/>
+              <a:t>。</a:t>
+            </a:r>
+            <a:endParaRPr lang="en-US" altLang="zh-CN" sz="2800" dirty="0"/>
+          </a:p>
+          <a:p>
+            <a:pPr marL="457200" indent="-457200">
+              <a:buFont typeface="Arial" panose="020B0604020202020204" pitchFamily="34" charset="0"/>
+              <a:buChar char="•"/>
+            </a:pPr>
+            <a:r>
+              <a:rPr lang="zh-CN" altLang="en-US" sz="2800" dirty="0"/>
+              <a:t>标识符可以为任意长度。 </a:t>
+            </a:r>
+          </a:p>
+          <a:p>
+            <a:pPr marL="571500" indent="-571500" algn="ctr">
+              <a:lnSpc>
+                <a:spcPct val="150000"/>
+              </a:lnSpc>
+              <a:buFont typeface="Wingdings" pitchFamily="2" charset="2"/>
+              <a:buChar char="Ø"/>
+            </a:pPr>
+            <a:endParaRPr kumimoji="1" lang="zh-CN" altLang="en-US" sz="2800" dirty="0">
+              <a:latin typeface="Microsoft YaHei" panose="020B0503020204020204" pitchFamily="34" charset="-122"/>
+              <a:ea typeface="Microsoft YaHei" panose="020B0503020204020204" pitchFamily="34" charset="-122"/>
+            </a:endParaRPr>
+          </a:p>
+        </p:txBody>
+      </p:sp>
+    </p:spTree>
+    <p:extLst>
+      <p:ext uri="{BB962C8B-B14F-4D97-AF65-F5344CB8AC3E}">
+        <p14:creationId xmlns:p14="http://schemas.microsoft.com/office/powerpoint/2010/main" val="1753380635"/>
+      </p:ext>
+    </p:extLst>
+  </p:cSld>
+  <p:clrMapOvr>
+    <a:masterClrMapping/>
+  </p:clrMapOvr>
+</p:sld>
+</file>
+
+<file path=ppt/slides/slide16.xml><?xml version="1.0" encoding="utf-8"?>
+<p:sld xmlns:a="http://schemas.openxmlformats.org/drawingml/2006/main" xmlns:r="http://schemas.openxmlformats.org/officeDocument/2006/relationships" xmlns:p="http://schemas.openxmlformats.org/presentationml/2006/main">
+  <p:cSld>
+    <p:bg>
+      <p:bgPr>
+        <a:blipFill>
+          <a:blip r:embed="rId3"/>
+          <a:tile tx="0" ty="0" sx="100000" sy="100000" flip="none" algn="tl"/>
+        </a:blipFill>
+        <a:effectLst/>
+      </p:bgPr>
+    </p:bg>
+    <p:spTree>
+      <p:nvGrpSpPr>
+        <p:cNvPr id="1" name=""/>
+        <p:cNvGrpSpPr/>
+        <p:nvPr/>
+      </p:nvGrpSpPr>
+      <p:grpSpPr>
+        <a:xfrm>
+          <a:off x="0" y="0"/>
+          <a:ext cx="0" cy="0"/>
+          <a:chOff x="0" y="0"/>
+          <a:chExt cx="0" cy="0"/>
+        </a:xfrm>
+      </p:grpSpPr>
+      <p:sp>
+        <p:nvSpPr>
+          <p:cNvPr id="2" name="文本框 1">
+            <a:extLst>
+              <a:ext uri="{FF2B5EF4-FFF2-40B4-BE49-F238E27FC236}">
+                <a16:creationId xmlns:a16="http://schemas.microsoft.com/office/drawing/2014/main" id="{12AA8BCC-7B15-4842-80C2-48C079429338}"/>
+              </a:ext>
+            </a:extLst>
+          </p:cNvPr>
+          <p:cNvSpPr txBox="1"/>
+          <p:nvPr/>
+        </p:nvSpPr>
+        <p:spPr>
+          <a:xfrm>
+            <a:off x="2234234" y="597430"/>
+            <a:ext cx="9132000" cy="830997"/>
+          </a:xfrm>
+          <a:prstGeom prst="rect">
+            <a:avLst/>
+          </a:prstGeom>
+          <a:noFill/>
+        </p:spPr>
+        <p:txBody>
+          <a:bodyPr wrap="square" rtlCol="0">
+            <a:spAutoFit/>
+          </a:bodyPr>
+          <a:lstStyle/>
+          <a:p>
+            <a:pPr algn="ctr"/>
+            <a:r>
+              <a:rPr kumimoji="1" lang="en-US" altLang="zh-CN" sz="4800" dirty="0">
+                <a:latin typeface="Microsoft YaHei" panose="020B0503020204020204" pitchFamily="34" charset="-122"/>
+                <a:ea typeface="Microsoft YaHei" panose="020B0503020204020204" pitchFamily="34" charset="-122"/>
+              </a:rPr>
+              <a:t>7.</a:t>
+            </a:r>
+            <a:r>
+              <a:rPr kumimoji="1" lang="zh-CN" altLang="en-US" sz="4800" dirty="0">
+                <a:latin typeface="Microsoft YaHei" panose="020B0503020204020204" pitchFamily="34" charset="-122"/>
+                <a:ea typeface="Microsoft YaHei" panose="020B0503020204020204" pitchFamily="34" charset="-122"/>
+              </a:rPr>
+              <a:t>模块化</a:t>
+            </a:r>
+            <a:endParaRPr kumimoji="1" lang="en-US" altLang="zh-CN" sz="4800" dirty="0">
+              <a:latin typeface="Microsoft YaHei" panose="020B0503020204020204" pitchFamily="34" charset="-122"/>
+              <a:ea typeface="Microsoft YaHei" panose="020B0503020204020204" pitchFamily="34" charset="-122"/>
+            </a:endParaRPr>
+          </a:p>
+        </p:txBody>
+      </p:sp>
+      <p:sp>
+        <p:nvSpPr>
+          <p:cNvPr id="3" name="文本框 2">
+            <a:extLst>
+              <a:ext uri="{FF2B5EF4-FFF2-40B4-BE49-F238E27FC236}">
+                <a16:creationId xmlns:a16="http://schemas.microsoft.com/office/drawing/2014/main" id="{C0CFBE9F-84F2-FE48-AC8E-D41196C42DBA}"/>
+              </a:ext>
+            </a:extLst>
+          </p:cNvPr>
+          <p:cNvSpPr txBox="1"/>
+          <p:nvPr/>
+        </p:nvSpPr>
+        <p:spPr>
+          <a:xfrm>
+            <a:off x="1731818" y="2015173"/>
+            <a:ext cx="8728364" cy="4109587"/>
+          </a:xfrm>
+          <a:prstGeom prst="rect">
+            <a:avLst/>
+          </a:prstGeom>
+          <a:noFill/>
+        </p:spPr>
+        <p:txBody>
+          <a:bodyPr wrap="square" rtlCol="0">
+            <a:spAutoFit/>
+          </a:bodyPr>
+          <a:lstStyle/>
+          <a:p>
+            <a:pPr marL="457200" indent="-457200">
+              <a:buFont typeface="Arial" panose="020B0604020202020204" pitchFamily="34" charset="0"/>
+              <a:buChar char="•"/>
+            </a:pPr>
+            <a:r>
+              <a:rPr lang="zh-CN" altLang="en-US" sz="2800" dirty="0"/>
+              <a:t>标识符</a:t>
+            </a:r>
+            <a:r>
+              <a:rPr lang="en-US" altLang="zh-CN" sz="2800" dirty="0"/>
+              <a:t>:</a:t>
+            </a:r>
+            <a:r>
+              <a:rPr lang="zh-CN" altLang="en-US" sz="2800" dirty="0"/>
+              <a:t>  为了标识程序中的变量，函数，类而采用的命名。是由字母、数字、下划线</a:t>
+            </a:r>
+            <a:r>
+              <a:rPr lang="en-US" altLang="zh-CN" sz="2800" dirty="0"/>
+              <a:t>(_)</a:t>
+            </a:r>
+            <a:r>
+              <a:rPr lang="zh-CN" altLang="en-US" sz="2800" dirty="0"/>
+              <a:t>和美元符号</a:t>
+            </a:r>
+            <a:r>
+              <a:rPr lang="en-US" altLang="zh-CN" sz="2800" dirty="0"/>
+              <a:t>($)</a:t>
+            </a:r>
+            <a:r>
+              <a:rPr lang="zh-CN" altLang="en-US" sz="2800" dirty="0"/>
+              <a:t>构成的字符序列。 </a:t>
+            </a:r>
+          </a:p>
+          <a:p>
+            <a:pPr marL="457200" indent="-457200">
+              <a:buFont typeface="Arial" panose="020B0604020202020204" pitchFamily="34" charset="0"/>
+              <a:buChar char="•"/>
+            </a:pPr>
+            <a:r>
+              <a:rPr lang="zh-CN" altLang="en-US" sz="2800" dirty="0"/>
+              <a:t>标识符必须以字母、下划线</a:t>
+            </a:r>
+            <a:r>
+              <a:rPr lang="en-US" altLang="zh-CN" sz="2800" dirty="0"/>
+              <a:t>(_)</a:t>
+            </a:r>
+            <a:r>
+              <a:rPr lang="zh-CN" altLang="en-US" sz="2800" dirty="0"/>
+              <a:t>或美元符号</a:t>
+            </a:r>
+            <a:r>
+              <a:rPr lang="en-US" altLang="zh-CN" sz="2800" dirty="0"/>
+              <a:t>($)</a:t>
+            </a:r>
+            <a:r>
+              <a:rPr lang="zh-CN" altLang="en-US" sz="2800" dirty="0"/>
+              <a:t>开头，不能以数字开头。 </a:t>
+            </a:r>
+            <a:endParaRPr lang="en-US" altLang="zh-CN" sz="2800" dirty="0"/>
+          </a:p>
+          <a:p>
+            <a:pPr marL="457200" indent="-457200">
+              <a:buFont typeface="Arial" panose="020B0604020202020204" pitchFamily="34" charset="0"/>
+              <a:buChar char="•"/>
+            </a:pPr>
+            <a:r>
+              <a:rPr lang="zh-CN" altLang="en-US" sz="2800" dirty="0"/>
+              <a:t>标识符不能是保留字</a:t>
+            </a:r>
+            <a:r>
+              <a:rPr lang="en-US" altLang="zh-CN" sz="2800" dirty="0"/>
+              <a:t>(</a:t>
+            </a:r>
+            <a:r>
+              <a:rPr lang="zh-CN" altLang="en-US" sz="2800" dirty="0"/>
+              <a:t>参见附录</a:t>
+            </a:r>
+            <a:r>
+              <a:rPr lang="en-US" altLang="zh-CN" sz="2800" dirty="0"/>
+              <a:t>A</a:t>
+            </a:r>
+            <a:r>
+              <a:rPr lang="zh-CN" altLang="en-US" sz="2800" dirty="0"/>
+              <a:t>中的保留字列表</a:t>
+            </a:r>
+            <a:r>
+              <a:rPr lang="en-US" altLang="zh-CN" sz="2800" dirty="0"/>
+              <a:t>)</a:t>
+            </a:r>
+          </a:p>
+          <a:p>
+            <a:pPr marL="457200" indent="-457200">
+              <a:buFont typeface="Arial" panose="020B0604020202020204" pitchFamily="34" charset="0"/>
+              <a:buChar char="•"/>
+            </a:pPr>
+            <a:r>
+              <a:rPr lang="zh-CN" altLang="en-US" sz="2800" dirty="0"/>
+              <a:t>标识符不能是</a:t>
+            </a:r>
+            <a:r>
+              <a:rPr lang="en-US" altLang="zh-CN" sz="2800" dirty="0"/>
+              <a:t>true</a:t>
+            </a:r>
+            <a:r>
+              <a:rPr lang="zh-CN" altLang="en-US" sz="2800" dirty="0"/>
+              <a:t>、</a:t>
+            </a:r>
+            <a:r>
+              <a:rPr lang="en-US" altLang="zh-CN" sz="2800" dirty="0"/>
+              <a:t>false</a:t>
+            </a:r>
+            <a:r>
+              <a:rPr lang="zh-CN" altLang="en-US" sz="2800" dirty="0"/>
+              <a:t>或</a:t>
+            </a:r>
+            <a:r>
+              <a:rPr lang="en-US" altLang="zh-CN" sz="2800" dirty="0"/>
+              <a:t>null</a:t>
+            </a:r>
+            <a:r>
+              <a:rPr lang="zh-CN" altLang="en-US" sz="2800" dirty="0"/>
+              <a:t>。</a:t>
+            </a:r>
+            <a:endParaRPr lang="en-US" altLang="zh-CN" sz="2800" dirty="0"/>
+          </a:p>
+          <a:p>
+            <a:pPr marL="457200" indent="-457200">
+              <a:buFont typeface="Arial" panose="020B0604020202020204" pitchFamily="34" charset="0"/>
+              <a:buChar char="•"/>
+            </a:pPr>
+            <a:r>
+              <a:rPr lang="zh-CN" altLang="en-US" sz="2800" dirty="0"/>
+              <a:t>标识符可以为任意长度。 </a:t>
+            </a:r>
+          </a:p>
+          <a:p>
+            <a:pPr marL="571500" indent="-571500" algn="ctr">
+              <a:lnSpc>
+                <a:spcPct val="150000"/>
+              </a:lnSpc>
+              <a:buFont typeface="Wingdings" pitchFamily="2" charset="2"/>
+              <a:buChar char="Ø"/>
+            </a:pPr>
+            <a:endParaRPr kumimoji="1" lang="zh-CN" altLang="en-US" sz="2800" dirty="0">
+              <a:latin typeface="Microsoft YaHei" panose="020B0503020204020204" pitchFamily="34" charset="-122"/>
+              <a:ea typeface="Microsoft YaHei" panose="020B0503020204020204" pitchFamily="34" charset="-122"/>
+            </a:endParaRPr>
+          </a:p>
+        </p:txBody>
+      </p:sp>
+    </p:spTree>
+    <p:extLst>
+      <p:ext uri="{BB962C8B-B14F-4D97-AF65-F5344CB8AC3E}">
+        <p14:creationId xmlns:p14="http://schemas.microsoft.com/office/powerpoint/2010/main" val="3191610149"/>
+      </p:ext>
+    </p:extLst>
+  </p:cSld>
+  <p:clrMapOvr>
+    <a:masterClrMapping/>
+  </p:clrMapOvr>
+</p:sld>
+</file>
+
+<file path=ppt/slides/slide17.xml><?xml version="1.0" encoding="utf-8"?>
+<p:sld xmlns:a="http://schemas.openxmlformats.org/drawingml/2006/main" xmlns:r="http://schemas.openxmlformats.org/officeDocument/2006/relationships" xmlns:p="http://schemas.openxmlformats.org/presentationml/2006/main">
+  <p:cSld>
+    <p:bg>
+      <p:bgPr>
+        <a:blipFill>
+          <a:blip r:embed="rId3"/>
+          <a:tile tx="0" ty="0" sx="100000" sy="100000" flip="none" algn="tl"/>
+        </a:blipFill>
+        <a:effectLst/>
+      </p:bgPr>
+    </p:bg>
+    <p:spTree>
+      <p:nvGrpSpPr>
+        <p:cNvPr id="1" name=""/>
+        <p:cNvGrpSpPr/>
+        <p:nvPr/>
+      </p:nvGrpSpPr>
+      <p:grpSpPr>
+        <a:xfrm>
+          <a:off x="0" y="0"/>
+          <a:ext cx="0" cy="0"/>
+          <a:chOff x="0" y="0"/>
+          <a:chExt cx="0" cy="0"/>
+        </a:xfrm>
+      </p:grpSpPr>
+      <p:sp>
+        <p:nvSpPr>
+          <p:cNvPr id="2" name="文本框 1">
+            <a:extLst>
+              <a:ext uri="{FF2B5EF4-FFF2-40B4-BE49-F238E27FC236}">
+                <a16:creationId xmlns:a16="http://schemas.microsoft.com/office/drawing/2014/main" id="{12AA8BCC-7B15-4842-80C2-48C079429338}"/>
+              </a:ext>
+            </a:extLst>
+          </p:cNvPr>
+          <p:cNvSpPr txBox="1"/>
+          <p:nvPr/>
+        </p:nvSpPr>
+        <p:spPr>
+          <a:xfrm>
+            <a:off x="2234234" y="597430"/>
+            <a:ext cx="9132000" cy="830997"/>
+          </a:xfrm>
+          <a:prstGeom prst="rect">
+            <a:avLst/>
+          </a:prstGeom>
+          <a:noFill/>
+        </p:spPr>
+        <p:txBody>
+          <a:bodyPr wrap="square" rtlCol="0">
+            <a:spAutoFit/>
+          </a:bodyPr>
+          <a:lstStyle/>
+          <a:p>
+            <a:pPr algn="ctr"/>
+            <a:r>
+              <a:rPr kumimoji="1" lang="en-US" altLang="zh-CN" sz="4800" dirty="0">
+                <a:latin typeface="Microsoft YaHei" panose="020B0503020204020204" pitchFamily="34" charset="-122"/>
+                <a:ea typeface="Microsoft YaHei" panose="020B0503020204020204" pitchFamily="34" charset="-122"/>
+              </a:rPr>
+              <a:t>8.</a:t>
+            </a:r>
+            <a:r>
+              <a:rPr kumimoji="1" lang="zh-CN" altLang="en-US" sz="4800" dirty="0">
+                <a:latin typeface="Microsoft YaHei" panose="020B0503020204020204" pitchFamily="34" charset="-122"/>
+                <a:ea typeface="Microsoft YaHei" panose="020B0503020204020204" pitchFamily="34" charset="-122"/>
+              </a:rPr>
+              <a:t> 重载方法</a:t>
+            </a:r>
+            <a:endParaRPr kumimoji="1" lang="en-US" altLang="zh-CN" sz="4800" dirty="0">
+              <a:latin typeface="Microsoft YaHei" panose="020B0503020204020204" pitchFamily="34" charset="-122"/>
+              <a:ea typeface="Microsoft YaHei" panose="020B0503020204020204" pitchFamily="34" charset="-122"/>
+            </a:endParaRPr>
+          </a:p>
+        </p:txBody>
+      </p:sp>
+      <p:sp>
+        <p:nvSpPr>
+          <p:cNvPr id="3" name="文本框 2">
+            <a:extLst>
+              <a:ext uri="{FF2B5EF4-FFF2-40B4-BE49-F238E27FC236}">
+                <a16:creationId xmlns:a16="http://schemas.microsoft.com/office/drawing/2014/main" id="{C0CFBE9F-84F2-FE48-AC8E-D41196C42DBA}"/>
+              </a:ext>
+            </a:extLst>
+          </p:cNvPr>
+          <p:cNvSpPr txBox="1"/>
+          <p:nvPr/>
+        </p:nvSpPr>
+        <p:spPr>
+          <a:xfrm>
+            <a:off x="1731818" y="2015173"/>
+            <a:ext cx="8728364" cy="4109587"/>
+          </a:xfrm>
+          <a:prstGeom prst="rect">
+            <a:avLst/>
+          </a:prstGeom>
+          <a:noFill/>
+        </p:spPr>
+        <p:txBody>
+          <a:bodyPr wrap="square" rtlCol="0">
+            <a:spAutoFit/>
+          </a:bodyPr>
+          <a:lstStyle/>
+          <a:p>
+            <a:pPr marL="457200" indent="-457200">
+              <a:buFont typeface="Arial" panose="020B0604020202020204" pitchFamily="34" charset="0"/>
+              <a:buChar char="•"/>
+            </a:pPr>
+            <a:r>
+              <a:rPr lang="zh-CN" altLang="en-US" sz="2800" dirty="0"/>
+              <a:t>标识符</a:t>
+            </a:r>
+            <a:r>
+              <a:rPr lang="en-US" altLang="zh-CN" sz="2800" dirty="0"/>
+              <a:t>:</a:t>
+            </a:r>
+            <a:r>
+              <a:rPr lang="zh-CN" altLang="en-US" sz="2800" dirty="0"/>
+              <a:t>  为了标识程序中的变量，函数，类而采用的命名。是由字母、数字、下划线</a:t>
+            </a:r>
+            <a:r>
+              <a:rPr lang="en-US" altLang="zh-CN" sz="2800" dirty="0"/>
+              <a:t>(_)</a:t>
+            </a:r>
+            <a:r>
+              <a:rPr lang="zh-CN" altLang="en-US" sz="2800" dirty="0"/>
+              <a:t>和美元符号</a:t>
+            </a:r>
+            <a:r>
+              <a:rPr lang="en-US" altLang="zh-CN" sz="2800" dirty="0"/>
+              <a:t>($)</a:t>
+            </a:r>
+            <a:r>
+              <a:rPr lang="zh-CN" altLang="en-US" sz="2800" dirty="0"/>
+              <a:t>构成的字符序列。 </a:t>
+            </a:r>
+          </a:p>
+          <a:p>
+            <a:pPr marL="457200" indent="-457200">
+              <a:buFont typeface="Arial" panose="020B0604020202020204" pitchFamily="34" charset="0"/>
+              <a:buChar char="•"/>
+            </a:pPr>
+            <a:r>
+              <a:rPr lang="zh-CN" altLang="en-US" sz="2800" dirty="0"/>
+              <a:t>标识符必须以字母、下划线</a:t>
+            </a:r>
+            <a:r>
+              <a:rPr lang="en-US" altLang="zh-CN" sz="2800" dirty="0"/>
+              <a:t>(_)</a:t>
+            </a:r>
+            <a:r>
+              <a:rPr lang="zh-CN" altLang="en-US" sz="2800" dirty="0"/>
+              <a:t>或美元符号</a:t>
+            </a:r>
+            <a:r>
+              <a:rPr lang="en-US" altLang="zh-CN" sz="2800" dirty="0"/>
+              <a:t>($)</a:t>
+            </a:r>
+            <a:r>
+              <a:rPr lang="zh-CN" altLang="en-US" sz="2800" dirty="0"/>
+              <a:t>开头，不能以数字开头。 </a:t>
+            </a:r>
+            <a:endParaRPr lang="en-US" altLang="zh-CN" sz="2800" dirty="0"/>
+          </a:p>
+          <a:p>
+            <a:pPr marL="457200" indent="-457200">
+              <a:buFont typeface="Arial" panose="020B0604020202020204" pitchFamily="34" charset="0"/>
+              <a:buChar char="•"/>
+            </a:pPr>
+            <a:r>
+              <a:rPr lang="zh-CN" altLang="en-US" sz="2800" dirty="0"/>
+              <a:t>标识符不能是保留字</a:t>
+            </a:r>
+            <a:r>
+              <a:rPr lang="en-US" altLang="zh-CN" sz="2800" dirty="0"/>
+              <a:t>(</a:t>
+            </a:r>
+            <a:r>
+              <a:rPr lang="zh-CN" altLang="en-US" sz="2800" dirty="0"/>
+              <a:t>参见附录</a:t>
+            </a:r>
+            <a:r>
+              <a:rPr lang="en-US" altLang="zh-CN" sz="2800" dirty="0"/>
+              <a:t>A</a:t>
+            </a:r>
+            <a:r>
+              <a:rPr lang="zh-CN" altLang="en-US" sz="2800" dirty="0"/>
+              <a:t>中的保留字列表</a:t>
+            </a:r>
+            <a:r>
+              <a:rPr lang="en-US" altLang="zh-CN" sz="2800" dirty="0"/>
+              <a:t>)</a:t>
+            </a:r>
+          </a:p>
+          <a:p>
+            <a:pPr marL="457200" indent="-457200">
+              <a:buFont typeface="Arial" panose="020B0604020202020204" pitchFamily="34" charset="0"/>
+              <a:buChar char="•"/>
+            </a:pPr>
+            <a:r>
+              <a:rPr lang="zh-CN" altLang="en-US" sz="2800" dirty="0"/>
+              <a:t>标识符不能是</a:t>
+            </a:r>
+            <a:r>
+              <a:rPr lang="en-US" altLang="zh-CN" sz="2800" dirty="0"/>
+              <a:t>true</a:t>
+            </a:r>
+            <a:r>
+              <a:rPr lang="zh-CN" altLang="en-US" sz="2800" dirty="0"/>
+              <a:t>、</a:t>
+            </a:r>
+            <a:r>
+              <a:rPr lang="en-US" altLang="zh-CN" sz="2800" dirty="0"/>
+              <a:t>false</a:t>
+            </a:r>
+            <a:r>
+              <a:rPr lang="zh-CN" altLang="en-US" sz="2800" dirty="0"/>
+              <a:t>或</a:t>
+            </a:r>
+            <a:r>
+              <a:rPr lang="en-US" altLang="zh-CN" sz="2800" dirty="0"/>
+              <a:t>null</a:t>
+            </a:r>
+            <a:r>
+              <a:rPr lang="zh-CN" altLang="en-US" sz="2800" dirty="0"/>
+              <a:t>。</a:t>
+            </a:r>
+            <a:endParaRPr lang="en-US" altLang="zh-CN" sz="2800" dirty="0"/>
+          </a:p>
+          <a:p>
+            <a:pPr marL="457200" indent="-457200">
+              <a:buFont typeface="Arial" panose="020B0604020202020204" pitchFamily="34" charset="0"/>
+              <a:buChar char="•"/>
+            </a:pPr>
+            <a:r>
+              <a:rPr lang="zh-CN" altLang="en-US" sz="2800" dirty="0"/>
+              <a:t>标识符可以为任意长度。 </a:t>
+            </a:r>
+          </a:p>
+          <a:p>
+            <a:pPr marL="571500" indent="-571500" algn="ctr">
+              <a:lnSpc>
+                <a:spcPct val="150000"/>
+              </a:lnSpc>
+              <a:buFont typeface="Wingdings" pitchFamily="2" charset="2"/>
+              <a:buChar char="Ø"/>
+            </a:pPr>
+            <a:endParaRPr kumimoji="1" lang="zh-CN" altLang="en-US" sz="2800" dirty="0">
+              <a:latin typeface="Microsoft YaHei" panose="020B0503020204020204" pitchFamily="34" charset="-122"/>
+              <a:ea typeface="Microsoft YaHei" panose="020B0503020204020204" pitchFamily="34" charset="-122"/>
+            </a:endParaRPr>
+          </a:p>
+        </p:txBody>
+      </p:sp>
+    </p:spTree>
+    <p:extLst>
+      <p:ext uri="{BB962C8B-B14F-4D97-AF65-F5344CB8AC3E}">
+        <p14:creationId xmlns:p14="http://schemas.microsoft.com/office/powerpoint/2010/main" val="405832132"/>
+      </p:ext>
+    </p:extLst>
+  </p:cSld>
+  <p:clrMapOvr>
+    <a:masterClrMapping/>
+  </p:clrMapOvr>
+</p:sld>
+</file>
+
+<file path=ppt/slides/slide18.xml><?xml version="1.0" encoding="utf-8"?>
+<p:sld xmlns:a="http://schemas.openxmlformats.org/drawingml/2006/main" xmlns:r="http://schemas.openxmlformats.org/officeDocument/2006/relationships" xmlns:p="http://schemas.openxmlformats.org/presentationml/2006/main">
+  <p:cSld>
+    <p:bg>
+      <p:bgPr>
+        <a:blipFill>
+          <a:blip r:embed="rId3"/>
+          <a:tile tx="0" ty="0" sx="100000" sy="100000" flip="none" algn="tl"/>
+        </a:blipFill>
+        <a:effectLst/>
+      </p:bgPr>
+    </p:bg>
+    <p:spTree>
+      <p:nvGrpSpPr>
+        <p:cNvPr id="1" name=""/>
+        <p:cNvGrpSpPr/>
+        <p:nvPr/>
+      </p:nvGrpSpPr>
+      <p:grpSpPr>
+        <a:xfrm>
+          <a:off x="0" y="0"/>
+          <a:ext cx="0" cy="0"/>
+          <a:chOff x="0" y="0"/>
+          <a:chExt cx="0" cy="0"/>
+        </a:xfrm>
+      </p:grpSpPr>
+      <p:sp>
+        <p:nvSpPr>
+          <p:cNvPr id="2" name="文本框 1">
+            <a:extLst>
+              <a:ext uri="{FF2B5EF4-FFF2-40B4-BE49-F238E27FC236}">
+                <a16:creationId xmlns:a16="http://schemas.microsoft.com/office/drawing/2014/main" id="{12AA8BCC-7B15-4842-80C2-48C079429338}"/>
+              </a:ext>
+            </a:extLst>
+          </p:cNvPr>
+          <p:cNvSpPr txBox="1"/>
+          <p:nvPr/>
+        </p:nvSpPr>
+        <p:spPr>
+          <a:xfrm>
+            <a:off x="2234234" y="597430"/>
+            <a:ext cx="9132000" cy="830997"/>
+          </a:xfrm>
+          <a:prstGeom prst="rect">
+            <a:avLst/>
+          </a:prstGeom>
+          <a:noFill/>
+        </p:spPr>
+        <p:txBody>
+          <a:bodyPr wrap="square" rtlCol="0">
+            <a:spAutoFit/>
+          </a:bodyPr>
+          <a:lstStyle/>
+          <a:p>
+            <a:pPr algn="ctr"/>
+            <a:r>
+              <a:rPr kumimoji="1" lang="en-US" altLang="zh-CN" sz="4800" dirty="0">
+                <a:latin typeface="Microsoft YaHei" panose="020B0503020204020204" pitchFamily="34" charset="-122"/>
+                <a:ea typeface="Microsoft YaHei" panose="020B0503020204020204" pitchFamily="34" charset="-122"/>
+              </a:rPr>
+              <a:t>9.</a:t>
+            </a:r>
+            <a:r>
+              <a:rPr kumimoji="1" lang="zh-CN" altLang="en-US" sz="4800" dirty="0">
+                <a:latin typeface="Microsoft YaHei" panose="020B0503020204020204" pitchFamily="34" charset="-122"/>
+                <a:ea typeface="Microsoft YaHei" panose="020B0503020204020204" pitchFamily="34" charset="-122"/>
+              </a:rPr>
+              <a:t> 如何自顶向下地设计方法 </a:t>
+            </a:r>
+            <a:endParaRPr kumimoji="1" lang="en-US" altLang="zh-CN" sz="4800" dirty="0">
+              <a:latin typeface="Microsoft YaHei" panose="020B0503020204020204" pitchFamily="34" charset="-122"/>
+              <a:ea typeface="Microsoft YaHei" panose="020B0503020204020204" pitchFamily="34" charset="-122"/>
+            </a:endParaRPr>
+          </a:p>
+        </p:txBody>
+      </p:sp>
+      <p:sp>
+        <p:nvSpPr>
+          <p:cNvPr id="3" name="文本框 2">
+            <a:extLst>
+              <a:ext uri="{FF2B5EF4-FFF2-40B4-BE49-F238E27FC236}">
+                <a16:creationId xmlns:a16="http://schemas.microsoft.com/office/drawing/2014/main" id="{C0CFBE9F-84F2-FE48-AC8E-D41196C42DBA}"/>
+              </a:ext>
+            </a:extLst>
+          </p:cNvPr>
+          <p:cNvSpPr txBox="1"/>
+          <p:nvPr/>
+        </p:nvSpPr>
+        <p:spPr>
+          <a:xfrm>
+            <a:off x="1731818" y="2015173"/>
+            <a:ext cx="8728364" cy="4109587"/>
+          </a:xfrm>
+          <a:prstGeom prst="rect">
+            <a:avLst/>
+          </a:prstGeom>
+          <a:noFill/>
+        </p:spPr>
+        <p:txBody>
+          <a:bodyPr wrap="square" rtlCol="0">
+            <a:spAutoFit/>
+          </a:bodyPr>
+          <a:lstStyle/>
+          <a:p>
+            <a:pPr marL="457200" indent="-457200">
+              <a:buFont typeface="Arial" panose="020B0604020202020204" pitchFamily="34" charset="0"/>
+              <a:buChar char="•"/>
+            </a:pPr>
+            <a:r>
+              <a:rPr lang="zh-CN" altLang="en-US" sz="2800" dirty="0"/>
+              <a:t>标识符</a:t>
+            </a:r>
+            <a:r>
+              <a:rPr lang="en-US" altLang="zh-CN" sz="2800" dirty="0"/>
+              <a:t>:</a:t>
+            </a:r>
+            <a:r>
+              <a:rPr lang="zh-CN" altLang="en-US" sz="2800" dirty="0"/>
+              <a:t>  为了标识程序中的变量，函数，类而采用的命名。是由字母、数字、下划线</a:t>
+            </a:r>
+            <a:r>
+              <a:rPr lang="en-US" altLang="zh-CN" sz="2800" dirty="0"/>
+              <a:t>(_)</a:t>
+            </a:r>
+            <a:r>
+              <a:rPr lang="zh-CN" altLang="en-US" sz="2800" dirty="0"/>
+              <a:t>和美元符号</a:t>
+            </a:r>
+            <a:r>
+              <a:rPr lang="en-US" altLang="zh-CN" sz="2800" dirty="0"/>
+              <a:t>($)</a:t>
+            </a:r>
+            <a:r>
+              <a:rPr lang="zh-CN" altLang="en-US" sz="2800" dirty="0"/>
+              <a:t>构成的字符序列。 </a:t>
+            </a:r>
+          </a:p>
+          <a:p>
+            <a:pPr marL="457200" indent="-457200">
+              <a:buFont typeface="Arial" panose="020B0604020202020204" pitchFamily="34" charset="0"/>
+              <a:buChar char="•"/>
+            </a:pPr>
+            <a:r>
+              <a:rPr lang="zh-CN" altLang="en-US" sz="2800" dirty="0"/>
+              <a:t>标识符必须以字母、下划线</a:t>
+            </a:r>
+            <a:r>
+              <a:rPr lang="en-US" altLang="zh-CN" sz="2800" dirty="0"/>
+              <a:t>(_)</a:t>
+            </a:r>
+            <a:r>
+              <a:rPr lang="zh-CN" altLang="en-US" sz="2800" dirty="0"/>
+              <a:t>或美元符号</a:t>
+            </a:r>
+            <a:r>
+              <a:rPr lang="en-US" altLang="zh-CN" sz="2800" dirty="0"/>
+              <a:t>($)</a:t>
+            </a:r>
+            <a:r>
+              <a:rPr lang="zh-CN" altLang="en-US" sz="2800" dirty="0"/>
+              <a:t>开头，不能以数字开头。 </a:t>
+            </a:r>
+            <a:endParaRPr lang="en-US" altLang="zh-CN" sz="2800" dirty="0"/>
+          </a:p>
+          <a:p>
+            <a:pPr marL="457200" indent="-457200">
+              <a:buFont typeface="Arial" panose="020B0604020202020204" pitchFamily="34" charset="0"/>
+              <a:buChar char="•"/>
+            </a:pPr>
+            <a:r>
+              <a:rPr lang="zh-CN" altLang="en-US" sz="2800" dirty="0"/>
+              <a:t>标识符不能是保留字</a:t>
+            </a:r>
+            <a:r>
+              <a:rPr lang="en-US" altLang="zh-CN" sz="2800" dirty="0"/>
+              <a:t>(</a:t>
+            </a:r>
+            <a:r>
+              <a:rPr lang="zh-CN" altLang="en-US" sz="2800" dirty="0"/>
+              <a:t>参见附录</a:t>
+            </a:r>
+            <a:r>
+              <a:rPr lang="en-US" altLang="zh-CN" sz="2800" dirty="0"/>
+              <a:t>A</a:t>
+            </a:r>
+            <a:r>
+              <a:rPr lang="zh-CN" altLang="en-US" sz="2800" dirty="0"/>
+              <a:t>中的保留字列表</a:t>
+            </a:r>
+            <a:r>
+              <a:rPr lang="en-US" altLang="zh-CN" sz="2800" dirty="0"/>
+              <a:t>)</a:t>
+            </a:r>
+          </a:p>
+          <a:p>
+            <a:pPr marL="457200" indent="-457200">
+              <a:buFont typeface="Arial" panose="020B0604020202020204" pitchFamily="34" charset="0"/>
+              <a:buChar char="•"/>
+            </a:pPr>
+            <a:r>
+              <a:rPr lang="zh-CN" altLang="en-US" sz="2800" dirty="0"/>
+              <a:t>标识符不能是</a:t>
+            </a:r>
+            <a:r>
+              <a:rPr lang="en-US" altLang="zh-CN" sz="2800" dirty="0"/>
+              <a:t>true</a:t>
+            </a:r>
+            <a:r>
+              <a:rPr lang="zh-CN" altLang="en-US" sz="2800" dirty="0"/>
+              <a:t>、</a:t>
+            </a:r>
+            <a:r>
+              <a:rPr lang="en-US" altLang="zh-CN" sz="2800" dirty="0"/>
+              <a:t>false</a:t>
+            </a:r>
+            <a:r>
+              <a:rPr lang="zh-CN" altLang="en-US" sz="2800" dirty="0"/>
+              <a:t>或</a:t>
+            </a:r>
+            <a:r>
+              <a:rPr lang="en-US" altLang="zh-CN" sz="2800" dirty="0"/>
+              <a:t>null</a:t>
+            </a:r>
+            <a:r>
+              <a:rPr lang="zh-CN" altLang="en-US" sz="2800" dirty="0"/>
+              <a:t>。</a:t>
+            </a:r>
+            <a:endParaRPr lang="en-US" altLang="zh-CN" sz="2800" dirty="0"/>
+          </a:p>
+          <a:p>
+            <a:pPr marL="457200" indent="-457200">
+              <a:buFont typeface="Arial" panose="020B0604020202020204" pitchFamily="34" charset="0"/>
+              <a:buChar char="•"/>
+            </a:pPr>
+            <a:r>
+              <a:rPr lang="zh-CN" altLang="en-US" sz="2800" dirty="0"/>
+              <a:t>标识符可以为任意长度。 </a:t>
+            </a:r>
+          </a:p>
+          <a:p>
+            <a:pPr marL="571500" indent="-571500" algn="ctr">
+              <a:lnSpc>
+                <a:spcPct val="150000"/>
+              </a:lnSpc>
+              <a:buFont typeface="Wingdings" pitchFamily="2" charset="2"/>
+              <a:buChar char="Ø"/>
+            </a:pPr>
+            <a:endParaRPr kumimoji="1" lang="zh-CN" altLang="en-US" sz="2800" dirty="0">
+              <a:latin typeface="Microsoft YaHei" panose="020B0503020204020204" pitchFamily="34" charset="-122"/>
+              <a:ea typeface="Microsoft YaHei" panose="020B0503020204020204" pitchFamily="34" charset="-122"/>
+            </a:endParaRPr>
+          </a:p>
+        </p:txBody>
+      </p:sp>
+    </p:spTree>
+    <p:extLst>
+      <p:ext uri="{BB962C8B-B14F-4D97-AF65-F5344CB8AC3E}">
+        <p14:creationId xmlns:p14="http://schemas.microsoft.com/office/powerpoint/2010/main" val="780049352"/>
+      </p:ext>
+    </p:extLst>
+  </p:cSld>
+  <p:clrMapOvr>
+    <a:masterClrMapping/>
+  </p:clrMapOvr>
+</p:sld>
+</file>
+
+<file path=ppt/slides/slide19.xml><?xml version="1.0" encoding="utf-8"?>
+<p:sld xmlns:a="http://schemas.openxmlformats.org/drawingml/2006/main" xmlns:r="http://schemas.openxmlformats.org/officeDocument/2006/relationships" xmlns:p="http://schemas.openxmlformats.org/presentationml/2006/main">
+  <p:cSld>
+    <p:bg>
+      <p:bgPr>
+        <a:blipFill>
+          <a:blip r:embed="rId3"/>
+          <a:tile tx="0" ty="0" sx="100000" sy="100000" flip="none" algn="tl"/>
+        </a:blipFill>
+        <a:effectLst/>
+      </p:bgPr>
+    </p:bg>
+    <p:spTree>
+      <p:nvGrpSpPr>
+        <p:cNvPr id="1" name=""/>
+        <p:cNvGrpSpPr/>
+        <p:nvPr/>
+      </p:nvGrpSpPr>
+      <p:grpSpPr>
+        <a:xfrm>
+          <a:off x="0" y="0"/>
+          <a:ext cx="0" cy="0"/>
+          <a:chOff x="0" y="0"/>
+          <a:chExt cx="0" cy="0"/>
+        </a:xfrm>
+      </p:grpSpPr>
+      <p:sp>
+        <p:nvSpPr>
+          <p:cNvPr id="2" name="文本框 1">
+            <a:extLst>
+              <a:ext uri="{FF2B5EF4-FFF2-40B4-BE49-F238E27FC236}">
+                <a16:creationId xmlns:a16="http://schemas.microsoft.com/office/drawing/2014/main" id="{12AA8BCC-7B15-4842-80C2-48C079429338}"/>
+              </a:ext>
+            </a:extLst>
+          </p:cNvPr>
+          <p:cNvSpPr txBox="1"/>
+          <p:nvPr/>
+        </p:nvSpPr>
+        <p:spPr>
+          <a:xfrm>
+            <a:off x="2234234" y="597430"/>
+            <a:ext cx="9132000" cy="830997"/>
+          </a:xfrm>
+          <a:prstGeom prst="rect">
+            <a:avLst/>
+          </a:prstGeom>
+          <a:noFill/>
+        </p:spPr>
+        <p:txBody>
+          <a:bodyPr wrap="square" rtlCol="0">
+            <a:spAutoFit/>
+          </a:bodyPr>
+          <a:lstStyle/>
+          <a:p>
+            <a:pPr algn="ctr"/>
+            <a:r>
+              <a:rPr kumimoji="1" lang="en-US" altLang="zh-CN" sz="4800" dirty="0">
+                <a:latin typeface="Microsoft YaHei" panose="020B0503020204020204" pitchFamily="34" charset="-122"/>
+                <a:ea typeface="Microsoft YaHei" panose="020B0503020204020204" pitchFamily="34" charset="-122"/>
+              </a:rPr>
+              <a:t>Java</a:t>
+            </a:r>
+            <a:r>
+              <a:rPr kumimoji="1" lang="zh-CN" altLang="en-US" sz="4800" dirty="0">
+                <a:latin typeface="Microsoft YaHei" panose="020B0503020204020204" pitchFamily="34" charset="-122"/>
+                <a:ea typeface="Microsoft YaHei" panose="020B0503020204020204" pitchFamily="34" charset="-122"/>
+              </a:rPr>
+              <a:t>命名的规则</a:t>
+            </a:r>
+          </a:p>
+        </p:txBody>
+      </p:sp>
+      <p:sp>
+        <p:nvSpPr>
+          <p:cNvPr id="3" name="文本框 2">
+            <a:extLst>
+              <a:ext uri="{FF2B5EF4-FFF2-40B4-BE49-F238E27FC236}">
+                <a16:creationId xmlns:a16="http://schemas.microsoft.com/office/drawing/2014/main" id="{C0CFBE9F-84F2-FE48-AC8E-D41196C42DBA}"/>
+              </a:ext>
+            </a:extLst>
+          </p:cNvPr>
+          <p:cNvSpPr txBox="1"/>
+          <p:nvPr/>
+        </p:nvSpPr>
+        <p:spPr>
+          <a:xfrm>
+            <a:off x="1731818" y="1953491"/>
+            <a:ext cx="10460182" cy="3309494"/>
+          </a:xfrm>
+          <a:prstGeom prst="rect">
+            <a:avLst/>
+          </a:prstGeom>
+          <a:noFill/>
+        </p:spPr>
+        <p:txBody>
+          <a:bodyPr wrap="square" rtlCol="0">
+            <a:spAutoFit/>
+          </a:bodyPr>
+          <a:lstStyle/>
+          <a:p>
+            <a:pPr marL="457200" indent="-457200">
+              <a:lnSpc>
+                <a:spcPct val="150000"/>
+              </a:lnSpc>
+              <a:buFont typeface="Arial" panose="020B0604020202020204" pitchFamily="34" charset="0"/>
+              <a:buChar char="•"/>
+            </a:pPr>
+            <a:r>
+              <a:rPr kumimoji="1" lang="zh-CN" altLang="en-US" sz="2800" dirty="0">
+                <a:latin typeface="Microsoft YaHei" panose="020B0503020204020204" pitchFamily="34" charset="-122"/>
+                <a:ea typeface="Microsoft YaHei" panose="020B0503020204020204" pitchFamily="34" charset="-122"/>
+              </a:rPr>
+              <a:t>包名：</a:t>
+            </a:r>
+            <a:r>
+              <a:rPr kumimoji="1" lang="en-US" altLang="zh-CN" sz="2800" dirty="0" err="1">
+                <a:latin typeface="Microsoft YaHei" panose="020B0503020204020204" pitchFamily="34" charset="-122"/>
+                <a:ea typeface="Microsoft YaHei" panose="020B0503020204020204" pitchFamily="34" charset="-122"/>
+              </a:rPr>
+              <a:t>xxxyyyzzz</a:t>
+            </a:r>
+            <a:r>
+              <a:rPr kumimoji="1" lang="zh-CN" altLang="en-US" sz="2800" dirty="0">
+                <a:latin typeface="Microsoft YaHei" panose="020B0503020204020204" pitchFamily="34" charset="-122"/>
+                <a:ea typeface="Microsoft YaHei" panose="020B0503020204020204" pitchFamily="34" charset="-122"/>
+              </a:rPr>
+              <a:t> ， 比如 </a:t>
+            </a:r>
+            <a:r>
+              <a:rPr kumimoji="1" lang="en-US" altLang="zh-CN" sz="2800" dirty="0" err="1">
+                <a:latin typeface="Microsoft YaHei" panose="020B0503020204020204" pitchFamily="34" charset="-122"/>
+                <a:ea typeface="Microsoft YaHei" panose="020B0503020204020204" pitchFamily="34" charset="-122"/>
+              </a:rPr>
+              <a:t>com.hmc.jianyan.me</a:t>
+            </a:r>
+            <a:endParaRPr kumimoji="1" lang="en-US" altLang="zh-CN" sz="2800" dirty="0">
+              <a:latin typeface="Microsoft YaHei" panose="020B0503020204020204" pitchFamily="34" charset="-122"/>
+              <a:ea typeface="Microsoft YaHei" panose="020B0503020204020204" pitchFamily="34" charset="-122"/>
+            </a:endParaRPr>
+          </a:p>
+          <a:p>
+            <a:pPr marL="457200" indent="-457200">
+              <a:lnSpc>
+                <a:spcPct val="150000"/>
+              </a:lnSpc>
+              <a:buFont typeface="Arial" panose="020B0604020202020204" pitchFamily="34" charset="0"/>
+              <a:buChar char="•"/>
+            </a:pPr>
+            <a:r>
+              <a:rPr kumimoji="1" lang="zh-CN" altLang="en-US" sz="2800" dirty="0">
+                <a:latin typeface="Microsoft YaHei" panose="020B0503020204020204" pitchFamily="34" charset="-122"/>
+                <a:ea typeface="Microsoft YaHei" panose="020B0503020204020204" pitchFamily="34" charset="-122"/>
+              </a:rPr>
+              <a:t>类名、接口名：</a:t>
+            </a:r>
+            <a:r>
+              <a:rPr kumimoji="1" lang="en-US" altLang="zh-CN" sz="2800" dirty="0" err="1">
+                <a:latin typeface="Microsoft YaHei" panose="020B0503020204020204" pitchFamily="34" charset="-122"/>
+                <a:ea typeface="Microsoft YaHei" panose="020B0503020204020204" pitchFamily="34" charset="-122"/>
+              </a:rPr>
+              <a:t>XxxYyyZzz</a:t>
+            </a:r>
+            <a:r>
+              <a:rPr kumimoji="1" lang="zh-CN" altLang="en-US" sz="2800" dirty="0">
+                <a:latin typeface="Microsoft YaHei" panose="020B0503020204020204" pitchFamily="34" charset="-122"/>
+                <a:ea typeface="Microsoft YaHei" panose="020B0503020204020204" pitchFamily="34" charset="-122"/>
+              </a:rPr>
+              <a:t>  比如：</a:t>
+            </a:r>
+            <a:r>
+              <a:rPr kumimoji="1" lang="en-US" altLang="zh-CN" sz="2800" dirty="0" err="1">
+                <a:latin typeface="Microsoft YaHei" panose="020B0503020204020204" pitchFamily="34" charset="-122"/>
+                <a:ea typeface="Microsoft YaHei" panose="020B0503020204020204" pitchFamily="34" charset="-122"/>
+              </a:rPr>
+              <a:t>HmcStudent</a:t>
+            </a:r>
+            <a:endParaRPr kumimoji="1" lang="en-US" altLang="zh-CN" sz="2800" dirty="0">
+              <a:latin typeface="Microsoft YaHei" panose="020B0503020204020204" pitchFamily="34" charset="-122"/>
+              <a:ea typeface="Microsoft YaHei" panose="020B0503020204020204" pitchFamily="34" charset="-122"/>
+            </a:endParaRPr>
+          </a:p>
+          <a:p>
+            <a:pPr marL="457200" indent="-457200">
+              <a:lnSpc>
+                <a:spcPct val="150000"/>
+              </a:lnSpc>
+              <a:buFont typeface="Arial" panose="020B0604020202020204" pitchFamily="34" charset="0"/>
+              <a:buChar char="•"/>
+            </a:pPr>
+            <a:r>
+              <a:rPr kumimoji="1" lang="zh-CN" altLang="en-US" sz="2800" dirty="0">
+                <a:latin typeface="Microsoft YaHei" panose="020B0503020204020204" pitchFamily="34" charset="-122"/>
+                <a:ea typeface="Microsoft YaHei" panose="020B0503020204020204" pitchFamily="34" charset="-122"/>
+              </a:rPr>
+              <a:t>变量名、方法名</a:t>
+            </a:r>
+            <a:r>
+              <a:rPr kumimoji="1" lang="en-US" altLang="zh-CN" sz="2800" dirty="0">
+                <a:latin typeface="Microsoft YaHei" panose="020B0503020204020204" pitchFamily="34" charset="-122"/>
+                <a:ea typeface="Microsoft YaHei" panose="020B0503020204020204" pitchFamily="34" charset="-122"/>
+              </a:rPr>
+              <a:t>(</a:t>
+            </a:r>
+            <a:r>
+              <a:rPr kumimoji="1" lang="zh-CN" altLang="en-US" sz="2800" dirty="0">
+                <a:latin typeface="Microsoft YaHei" panose="020B0503020204020204" pitchFamily="34" charset="-122"/>
+                <a:ea typeface="Microsoft YaHei" panose="020B0503020204020204" pitchFamily="34" charset="-122"/>
+              </a:rPr>
+              <a:t>驼峰法</a:t>
+            </a:r>
+            <a:r>
+              <a:rPr kumimoji="1" lang="en-US" altLang="zh-CN" sz="2800" dirty="0">
+                <a:latin typeface="Microsoft YaHei" panose="020B0503020204020204" pitchFamily="34" charset="-122"/>
+                <a:ea typeface="Microsoft YaHei" panose="020B0503020204020204" pitchFamily="34" charset="-122"/>
+              </a:rPr>
+              <a:t>)</a:t>
+            </a:r>
+            <a:r>
+              <a:rPr kumimoji="1" lang="zh-CN" altLang="en-US" sz="2800" dirty="0">
+                <a:latin typeface="Microsoft YaHei" panose="020B0503020204020204" pitchFamily="34" charset="-122"/>
+                <a:ea typeface="Microsoft YaHei" panose="020B0503020204020204" pitchFamily="34" charset="-122"/>
+              </a:rPr>
+              <a:t>：</a:t>
+            </a:r>
+            <a:r>
+              <a:rPr kumimoji="1" lang="en-US" altLang="zh-CN" sz="2800" dirty="0" err="1">
+                <a:latin typeface="Microsoft YaHei" panose="020B0503020204020204" pitchFamily="34" charset="-122"/>
+                <a:ea typeface="Microsoft YaHei" panose="020B0503020204020204" pitchFamily="34" charset="-122"/>
+              </a:rPr>
+              <a:t>xxxYyyZzz</a:t>
+            </a:r>
+            <a:r>
+              <a:rPr kumimoji="1" lang="zh-CN" altLang="en-US" sz="2800" dirty="0">
+                <a:latin typeface="Microsoft YaHei" panose="020B0503020204020204" pitchFamily="34" charset="-122"/>
+                <a:ea typeface="Microsoft YaHei" panose="020B0503020204020204" pitchFamily="34" charset="-122"/>
+              </a:rPr>
+              <a:t>    比如：  </a:t>
+            </a:r>
+            <a:r>
+              <a:rPr kumimoji="1" lang="en-US" altLang="zh-CN" sz="2800" dirty="0" err="1">
+                <a:latin typeface="Microsoft YaHei" panose="020B0503020204020204" pitchFamily="34" charset="-122"/>
+                <a:ea typeface="Microsoft YaHei" panose="020B0503020204020204" pitchFamily="34" charset="-122"/>
+              </a:rPr>
+              <a:t>lastYear</a:t>
+            </a:r>
+            <a:endParaRPr kumimoji="1" lang="en-US" altLang="zh-CN" sz="2800" dirty="0">
+              <a:latin typeface="Microsoft YaHei" panose="020B0503020204020204" pitchFamily="34" charset="-122"/>
+              <a:ea typeface="Microsoft YaHei" panose="020B0503020204020204" pitchFamily="34" charset="-122"/>
+            </a:endParaRPr>
+          </a:p>
+          <a:p>
+            <a:pPr marL="457200" indent="-457200">
+              <a:lnSpc>
+                <a:spcPct val="150000"/>
+              </a:lnSpc>
+              <a:buFont typeface="Arial" panose="020B0604020202020204" pitchFamily="34" charset="0"/>
+              <a:buChar char="•"/>
+            </a:pPr>
+            <a:r>
+              <a:rPr kumimoji="1" lang="zh-CN" altLang="en-US" sz="2800" dirty="0">
+                <a:latin typeface="Microsoft YaHei" panose="020B0503020204020204" pitchFamily="34" charset="-122"/>
+                <a:ea typeface="Microsoft YaHei" panose="020B0503020204020204" pitchFamily="34" charset="-122"/>
+              </a:rPr>
+              <a:t>常量名：</a:t>
+            </a:r>
+            <a:r>
+              <a:rPr kumimoji="1" lang="en-US" altLang="zh-CN" sz="2800" dirty="0">
+                <a:latin typeface="Microsoft YaHei" panose="020B0503020204020204" pitchFamily="34" charset="-122"/>
+                <a:ea typeface="Microsoft YaHei" panose="020B0503020204020204" pitchFamily="34" charset="-122"/>
+              </a:rPr>
+              <a:t>XXX_YYY_ZZZ,</a:t>
+            </a:r>
+            <a:r>
+              <a:rPr kumimoji="1" lang="zh-CN" altLang="en-US" sz="2800" dirty="0">
+                <a:latin typeface="Microsoft YaHei" panose="020B0503020204020204" pitchFamily="34" charset="-122"/>
+                <a:ea typeface="Microsoft YaHei" panose="020B0503020204020204" pitchFamily="34" charset="-122"/>
+              </a:rPr>
+              <a:t>  比如 </a:t>
+            </a:r>
+            <a:r>
+              <a:rPr kumimoji="1" lang="en-US" altLang="zh-CN" sz="2800" dirty="0">
+                <a:latin typeface="Microsoft YaHei" panose="020B0503020204020204" pitchFamily="34" charset="-122"/>
+                <a:ea typeface="Microsoft YaHei" panose="020B0503020204020204" pitchFamily="34" charset="-122"/>
+              </a:rPr>
+              <a:t>NUMER_OF_STUDENTS</a:t>
+            </a:r>
+          </a:p>
+          <a:p>
+            <a:pPr algn="ctr">
+              <a:lnSpc>
+                <a:spcPct val="150000"/>
+              </a:lnSpc>
+            </a:pPr>
+            <a:endParaRPr kumimoji="1" lang="zh-CN" altLang="en-US" sz="2800" dirty="0">
+              <a:latin typeface="Microsoft YaHei" panose="020B0503020204020204" pitchFamily="34" charset="-122"/>
+              <a:ea typeface="Microsoft YaHei" panose="020B0503020204020204" pitchFamily="34" charset="-122"/>
+            </a:endParaRPr>
+          </a:p>
+        </p:txBody>
+      </p:sp>
+    </p:spTree>
+    <p:extLst>
+      <p:ext uri="{BB962C8B-B14F-4D97-AF65-F5344CB8AC3E}">
+        <p14:creationId xmlns:p14="http://schemas.microsoft.com/office/powerpoint/2010/main" val="3325809806"/>
+      </p:ext>
+    </p:extLst>
+  </p:cSld>
+  <p:clrMapOvr>
+    <a:masterClrMapping/>
+  </p:clrMapOvr>
+</p:sld>
+</file>
+
+<file path=ppt/slides/slide2.xml><?xml version="1.0" encoding="utf-8"?>
+<p:sld xmlns:a="http://schemas.openxmlformats.org/drawingml/2006/main" xmlns:r="http://schemas.openxmlformats.org/officeDocument/2006/relationships" xmlns:p="http://schemas.openxmlformats.org/presentationml/2006/main">
+  <p:cSld>
+    <p:bg>
+      <p:bgPr>
+        <a:blipFill>
+          <a:blip r:embed="rId3"/>
+          <a:tile tx="0" ty="0" sx="100000" sy="100000" flip="none" algn="tl"/>
+        </a:blipFill>
+        <a:effectLst/>
+      </p:bgPr>
+    </p:bg>
+    <p:spTree>
+      <p:nvGrpSpPr>
+        <p:cNvPr id="1" name=""/>
+        <p:cNvGrpSpPr/>
+        <p:nvPr/>
+      </p:nvGrpSpPr>
+      <p:grpSpPr>
+        <a:xfrm>
+          <a:off x="0" y="0"/>
+          <a:ext cx="0" cy="0"/>
+          <a:chOff x="0" y="0"/>
+          <a:chExt cx="0" cy="0"/>
+        </a:xfrm>
+      </p:grpSpPr>
+      <p:sp>
+        <p:nvSpPr>
+          <p:cNvPr id="2" name="文本框 1">
+            <a:extLst>
+              <a:ext uri="{FF2B5EF4-FFF2-40B4-BE49-F238E27FC236}">
+                <a16:creationId xmlns:a16="http://schemas.microsoft.com/office/drawing/2014/main" id="{12AA8BCC-7B15-4842-80C2-48C079429338}"/>
+              </a:ext>
+            </a:extLst>
+          </p:cNvPr>
+          <p:cNvSpPr txBox="1"/>
+          <p:nvPr/>
+        </p:nvSpPr>
+        <p:spPr>
+          <a:xfrm>
+            <a:off x="2520000" y="720000"/>
+            <a:ext cx="7735824" cy="830997"/>
+          </a:xfrm>
+          <a:prstGeom prst="rect">
+            <a:avLst/>
+          </a:prstGeom>
+          <a:noFill/>
+        </p:spPr>
+        <p:txBody>
+          <a:bodyPr wrap="square" rtlCol="0">
+            <a:spAutoFit/>
+          </a:bodyPr>
+          <a:lstStyle/>
+          <a:p>
+            <a:pPr algn="ctr"/>
+            <a:r>
+              <a:rPr kumimoji="1" lang="zh-CN" altLang="en-US" sz="4800" dirty="0">
+                <a:latin typeface="Microsoft YaHei" panose="020B0503020204020204" pitchFamily="34" charset="-122"/>
+                <a:ea typeface="Microsoft YaHei" panose="020B0503020204020204" pitchFamily="34" charset="-122"/>
+              </a:rPr>
+              <a:t>这节课讲啥？</a:t>
+            </a:r>
+          </a:p>
+        </p:txBody>
+      </p:sp>
+      <p:sp>
+        <p:nvSpPr>
+          <p:cNvPr id="8" name="文本框 7">
+            <a:extLst>
+              <a:ext uri="{FF2B5EF4-FFF2-40B4-BE49-F238E27FC236}">
+                <a16:creationId xmlns:a16="http://schemas.microsoft.com/office/drawing/2014/main" id="{B294230C-E86E-7247-BAC6-5F43DED3D0AF}"/>
+              </a:ext>
+            </a:extLst>
+          </p:cNvPr>
+          <p:cNvSpPr txBox="1"/>
+          <p:nvPr/>
+        </p:nvSpPr>
+        <p:spPr>
+          <a:xfrm>
+            <a:off x="2982729" y="1135498"/>
+            <a:ext cx="7443216" cy="8926712"/>
+          </a:xfrm>
+          <a:prstGeom prst="rect">
+            <a:avLst/>
+          </a:prstGeom>
+          <a:noFill/>
+        </p:spPr>
+        <p:txBody>
+          <a:bodyPr wrap="square" tIns="360000" bIns="360000" rtlCol="0">
+            <a:spAutoFit/>
+          </a:bodyPr>
+          <a:lstStyle/>
+          <a:p>
+            <a:pPr marL="571500" indent="-571500">
+              <a:buFont typeface="Wingdings" pitchFamily="2" charset="2"/>
+              <a:buChar char="Ø"/>
+            </a:pPr>
+            <a:endParaRPr kumimoji="1" lang="en-US" altLang="zh-CN" sz="2800" dirty="0">
+              <a:latin typeface="Microsoft YaHei" panose="020B0503020204020204" pitchFamily="34" charset="-122"/>
+              <a:ea typeface="Microsoft YaHei" panose="020B0503020204020204" pitchFamily="34" charset="-122"/>
+            </a:endParaRPr>
+          </a:p>
+          <a:p>
+            <a:pPr marL="571500" indent="-571500">
+              <a:buFont typeface="Wingdings" pitchFamily="2" charset="2"/>
+              <a:buChar char="Ø"/>
+            </a:pPr>
+            <a:r>
+              <a:rPr kumimoji="1" lang="zh-CN" altLang="en-US" sz="2800" dirty="0">
+                <a:latin typeface="Microsoft YaHei" panose="020B0503020204020204" pitchFamily="34" charset="-122"/>
+                <a:ea typeface="Microsoft YaHei" panose="020B0503020204020204" pitchFamily="34" charset="-122"/>
+              </a:rPr>
+              <a:t>方法的存在意义</a:t>
+            </a:r>
+            <a:endParaRPr kumimoji="1" lang="en-US" altLang="zh-CN" sz="2800" dirty="0">
+              <a:latin typeface="Microsoft YaHei" panose="020B0503020204020204" pitchFamily="34" charset="-122"/>
+              <a:ea typeface="Microsoft YaHei" panose="020B0503020204020204" pitchFamily="34" charset="-122"/>
+            </a:endParaRPr>
+          </a:p>
+          <a:p>
+            <a:pPr marL="571500" indent="-571500">
+              <a:buFont typeface="Wingdings" pitchFamily="2" charset="2"/>
+              <a:buChar char="Ø"/>
+            </a:pPr>
+            <a:r>
+              <a:rPr kumimoji="1" lang="zh-CN" altLang="en-US" sz="2800" dirty="0">
+                <a:latin typeface="Microsoft YaHei" panose="020B0503020204020204" pitchFamily="34" charset="-122"/>
+                <a:ea typeface="Microsoft YaHei" panose="020B0503020204020204" pitchFamily="34" charset="-122"/>
+              </a:rPr>
+              <a:t>如何定义方法</a:t>
+            </a:r>
+            <a:endParaRPr kumimoji="1" lang="en-US" altLang="zh-CN" sz="2800" dirty="0">
+              <a:latin typeface="Microsoft YaHei" panose="020B0503020204020204" pitchFamily="34" charset="-122"/>
+              <a:ea typeface="Microsoft YaHei" panose="020B0503020204020204" pitchFamily="34" charset="-122"/>
+            </a:endParaRPr>
+          </a:p>
+          <a:p>
+            <a:pPr marL="571500" indent="-571500">
+              <a:lnSpc>
+                <a:spcPct val="150000"/>
+              </a:lnSpc>
+              <a:spcBef>
+                <a:spcPts val="100"/>
+              </a:spcBef>
+              <a:buFont typeface="Wingdings" pitchFamily="2" charset="2"/>
+              <a:buChar char="Ø"/>
+            </a:pPr>
+            <a:r>
+              <a:rPr kumimoji="1" lang="zh-CN" altLang="en-US" sz="2800" dirty="0">
+                <a:latin typeface="Microsoft YaHei" panose="020B0503020204020204" pitchFamily="34" charset="-122"/>
+                <a:ea typeface="Microsoft YaHei" panose="020B0503020204020204" pitchFamily="34" charset="-122"/>
+              </a:rPr>
+              <a:t>如何调用方法</a:t>
+            </a:r>
+          </a:p>
+          <a:p>
+            <a:pPr marL="571500" indent="-571500">
+              <a:lnSpc>
+                <a:spcPct val="150000"/>
+              </a:lnSpc>
+              <a:buFont typeface="Wingdings" pitchFamily="2" charset="2"/>
+              <a:buChar char="Ø"/>
+            </a:pPr>
+            <a:r>
+              <a:rPr kumimoji="1" lang="en-US" altLang="zh-CN" sz="2800" dirty="0">
+                <a:latin typeface="Microsoft YaHei" panose="020B0503020204020204" pitchFamily="34" charset="-122"/>
+                <a:ea typeface="Microsoft YaHei" panose="020B0503020204020204" pitchFamily="34" charset="-122"/>
+              </a:rPr>
+              <a:t>Void</a:t>
+            </a:r>
+            <a:r>
+              <a:rPr kumimoji="1" lang="zh-CN" altLang="en-US" sz="2800" dirty="0">
+                <a:latin typeface="Microsoft YaHei" panose="020B0503020204020204" pitchFamily="34" charset="-122"/>
+                <a:ea typeface="Microsoft YaHei" panose="020B0503020204020204" pitchFamily="34" charset="-122"/>
+              </a:rPr>
+              <a:t> 方法</a:t>
+            </a:r>
+            <a:endParaRPr kumimoji="1" lang="en-US" altLang="zh-CN" sz="2800" dirty="0">
+              <a:latin typeface="Microsoft YaHei" panose="020B0503020204020204" pitchFamily="34" charset="-122"/>
+              <a:ea typeface="Microsoft YaHei" panose="020B0503020204020204" pitchFamily="34" charset="-122"/>
+            </a:endParaRPr>
+          </a:p>
+          <a:p>
+            <a:pPr marL="571500" indent="-571500">
+              <a:lnSpc>
+                <a:spcPct val="150000"/>
+              </a:lnSpc>
+              <a:buFont typeface="Wingdings" pitchFamily="2" charset="2"/>
+              <a:buChar char="Ø"/>
+            </a:pPr>
+            <a:r>
+              <a:rPr kumimoji="1" lang="zh-CN" altLang="en-US" sz="2800" dirty="0">
+                <a:latin typeface="Microsoft YaHei" panose="020B0503020204020204" pitchFamily="34" charset="-122"/>
+                <a:ea typeface="Microsoft YaHei" panose="020B0503020204020204" pitchFamily="34" charset="-122"/>
+              </a:rPr>
+              <a:t>按值作为参数</a:t>
+            </a:r>
+            <a:endParaRPr kumimoji="1" lang="en-US" altLang="zh-CN" sz="2800" dirty="0">
+              <a:latin typeface="Microsoft YaHei" panose="020B0503020204020204" pitchFamily="34" charset="-122"/>
+              <a:ea typeface="Microsoft YaHei" panose="020B0503020204020204" pitchFamily="34" charset="-122"/>
+            </a:endParaRPr>
+          </a:p>
+          <a:p>
+            <a:pPr marL="571500" indent="-571500">
+              <a:lnSpc>
+                <a:spcPct val="150000"/>
+              </a:lnSpc>
+              <a:buFont typeface="Wingdings" pitchFamily="2" charset="2"/>
+              <a:buChar char="Ø"/>
+            </a:pPr>
+            <a:r>
+              <a:rPr kumimoji="1" lang="zh-CN" altLang="en-US" sz="2800" dirty="0">
+                <a:latin typeface="Microsoft YaHei" panose="020B0503020204020204" pitchFamily="34" charset="-122"/>
+                <a:ea typeface="Microsoft YaHei" panose="020B0503020204020204" pitchFamily="34" charset="-122"/>
+              </a:rPr>
+              <a:t>模块化代码</a:t>
+            </a:r>
+            <a:endParaRPr kumimoji="1" lang="en-US" altLang="zh-CN" sz="2800" dirty="0">
+              <a:latin typeface="Microsoft YaHei" panose="020B0503020204020204" pitchFamily="34" charset="-122"/>
+              <a:ea typeface="Microsoft YaHei" panose="020B0503020204020204" pitchFamily="34" charset="-122"/>
+            </a:endParaRPr>
+          </a:p>
+          <a:p>
+            <a:pPr marL="571500" indent="-571500">
+              <a:lnSpc>
+                <a:spcPct val="150000"/>
+              </a:lnSpc>
+              <a:buFont typeface="Wingdings" pitchFamily="2" charset="2"/>
+              <a:buChar char="Ø"/>
+            </a:pPr>
+            <a:r>
+              <a:rPr kumimoji="1" lang="zh-CN" altLang="en-US" sz="2800" dirty="0">
+                <a:latin typeface="Microsoft YaHei" panose="020B0503020204020204" pitchFamily="34" charset="-122"/>
+                <a:ea typeface="Microsoft YaHei" panose="020B0503020204020204" pitchFamily="34" charset="-122"/>
+              </a:rPr>
+              <a:t>重载方法</a:t>
+            </a:r>
+            <a:endParaRPr kumimoji="1" lang="en-US" altLang="zh-CN" sz="2800" dirty="0">
+              <a:latin typeface="Microsoft YaHei" panose="020B0503020204020204" pitchFamily="34" charset="-122"/>
+              <a:ea typeface="Microsoft YaHei" panose="020B0503020204020204" pitchFamily="34" charset="-122"/>
+            </a:endParaRPr>
+          </a:p>
+          <a:p>
+            <a:pPr marL="571500" indent="-571500">
+              <a:lnSpc>
+                <a:spcPct val="150000"/>
+              </a:lnSpc>
+              <a:buFont typeface="Wingdings" pitchFamily="2" charset="2"/>
+              <a:buChar char="Ø"/>
+            </a:pPr>
+            <a:r>
+              <a:rPr kumimoji="1" lang="zh-CN" altLang="en-US" sz="2800" dirty="0">
+                <a:latin typeface="Microsoft YaHei" panose="020B0503020204020204" pitchFamily="34" charset="-122"/>
+                <a:ea typeface="Microsoft YaHei" panose="020B0503020204020204" pitchFamily="34" charset="-122"/>
+              </a:rPr>
+              <a:t>如何自顶向下地设计方法</a:t>
+            </a:r>
+            <a:endParaRPr kumimoji="1" lang="en-US" altLang="zh-CN" sz="2800" dirty="0">
+              <a:latin typeface="Microsoft YaHei" panose="020B0503020204020204" pitchFamily="34" charset="-122"/>
+              <a:ea typeface="Microsoft YaHei" panose="020B0503020204020204" pitchFamily="34" charset="-122"/>
+            </a:endParaRPr>
+          </a:p>
+          <a:p>
+            <a:pPr>
+              <a:lnSpc>
+                <a:spcPct val="150000"/>
+              </a:lnSpc>
+            </a:pPr>
+            <a:endParaRPr kumimoji="1" lang="en-US" altLang="zh-CN" sz="2800" dirty="0">
+              <a:ea typeface="Microsoft YaHei" panose="020B0503020204020204" pitchFamily="34" charset="-122"/>
+            </a:endParaRPr>
+          </a:p>
+          <a:p>
+            <a:pPr>
+              <a:lnSpc>
+                <a:spcPct val="150000"/>
+              </a:lnSpc>
+            </a:pPr>
+            <a:endParaRPr kumimoji="1" lang="en-US" altLang="zh-CN" sz="2800" dirty="0">
+              <a:latin typeface="Microsoft YaHei" panose="020B0503020204020204" pitchFamily="34" charset="-122"/>
+              <a:ea typeface="Microsoft YaHei" panose="020B0503020204020204" pitchFamily="34" charset="-122"/>
+            </a:endParaRPr>
+          </a:p>
+          <a:p>
+            <a:endParaRPr kumimoji="1" lang="zh-CN" altLang="en-US" sz="2800" dirty="0">
+              <a:latin typeface="Microsoft YaHei" panose="020B0503020204020204" pitchFamily="34" charset="-122"/>
+              <a:ea typeface="Microsoft YaHei" panose="020B0503020204020204" pitchFamily="34" charset="-122"/>
+            </a:endParaRPr>
+          </a:p>
+          <a:p>
+            <a:endParaRPr kumimoji="1" lang="zh-CN" altLang="en-US" sz="2800" dirty="0"/>
+          </a:p>
+          <a:p>
+            <a:endParaRPr kumimoji="1" lang="en-US" altLang="zh-CN" sz="2800" dirty="0"/>
+          </a:p>
+          <a:p>
+            <a:r>
+              <a:rPr kumimoji="1" lang="en-US" altLang="zh-CN" sz="2800" dirty="0"/>
+              <a:t>	</a:t>
+            </a:r>
+            <a:endParaRPr kumimoji="1" lang="zh-CN" altLang="en-US" sz="2800" dirty="0"/>
+          </a:p>
+        </p:txBody>
+      </p:sp>
+    </p:spTree>
+    <p:extLst>
+      <p:ext uri="{BB962C8B-B14F-4D97-AF65-F5344CB8AC3E}">
+        <p14:creationId xmlns:p14="http://schemas.microsoft.com/office/powerpoint/2010/main" val="4038558307"/>
+      </p:ext>
+    </p:extLst>
+  </p:cSld>
+  <p:clrMapOvr>
+    <a:masterClrMapping/>
+  </p:clrMapOvr>
+</p:sld>
+</file>
+
+<file path=ppt/slides/slide20.xml><?xml version="1.0" encoding="utf-8"?>
+<p:sld xmlns:a="http://schemas.openxmlformats.org/drawingml/2006/main" xmlns:r="http://schemas.openxmlformats.org/officeDocument/2006/relationships" xmlns:p="http://schemas.openxmlformats.org/presentationml/2006/main">
+  <p:cSld>
+    <p:bg>
+      <p:bgPr>
+        <a:blipFill>
+          <a:blip r:embed="rId3"/>
+          <a:tile tx="0" ty="0" sx="100000" sy="100000" flip="none" algn="tl"/>
+        </a:blipFill>
+        <a:effectLst/>
+      </p:bgPr>
+    </p:bg>
+    <p:spTree>
+      <p:nvGrpSpPr>
+        <p:cNvPr id="1" name=""/>
+        <p:cNvGrpSpPr/>
+        <p:nvPr/>
+      </p:nvGrpSpPr>
+      <p:grpSpPr>
+        <a:xfrm>
+          <a:off x="0" y="0"/>
+          <a:ext cx="0" cy="0"/>
+          <a:chOff x="0" y="0"/>
+          <a:chExt cx="0" cy="0"/>
+        </a:xfrm>
+      </p:grpSpPr>
+      <p:sp>
+        <p:nvSpPr>
+          <p:cNvPr id="2" name="文本框 1">
+            <a:extLst>
+              <a:ext uri="{FF2B5EF4-FFF2-40B4-BE49-F238E27FC236}">
+                <a16:creationId xmlns:a16="http://schemas.microsoft.com/office/drawing/2014/main" id="{12AA8BCC-7B15-4842-80C2-48C079429338}"/>
+              </a:ext>
+            </a:extLst>
+          </p:cNvPr>
+          <p:cNvSpPr txBox="1"/>
+          <p:nvPr/>
+        </p:nvSpPr>
+        <p:spPr>
+          <a:xfrm>
+            <a:off x="2234234" y="597430"/>
+            <a:ext cx="9132000" cy="830997"/>
+          </a:xfrm>
+          <a:prstGeom prst="rect">
+            <a:avLst/>
+          </a:prstGeom>
+          <a:noFill/>
+        </p:spPr>
+        <p:txBody>
+          <a:bodyPr wrap="square" rtlCol="0">
+            <a:spAutoFit/>
+          </a:bodyPr>
+          <a:lstStyle/>
+          <a:p>
+            <a:pPr algn="ctr"/>
+            <a:r>
+              <a:rPr kumimoji="1" lang="en-US" altLang="zh-CN" sz="4800" dirty="0">
+                <a:latin typeface="Microsoft YaHei" panose="020B0503020204020204" pitchFamily="34" charset="-122"/>
+                <a:ea typeface="Microsoft YaHei" panose="020B0503020204020204" pitchFamily="34" charset="-122"/>
+              </a:rPr>
+              <a:t>3.1</a:t>
+            </a:r>
+            <a:r>
+              <a:rPr kumimoji="1" lang="zh-CN" altLang="en-US" sz="4800" dirty="0">
+                <a:latin typeface="Microsoft YaHei" panose="020B0503020204020204" pitchFamily="34" charset="-122"/>
+                <a:ea typeface="Microsoft YaHei" panose="020B0503020204020204" pitchFamily="34" charset="-122"/>
+              </a:rPr>
+              <a:t> 赋值语句和表达式</a:t>
+            </a:r>
+          </a:p>
+        </p:txBody>
+      </p:sp>
+      <p:sp>
+        <p:nvSpPr>
+          <p:cNvPr id="3" name="文本框 2">
+            <a:extLst>
+              <a:ext uri="{FF2B5EF4-FFF2-40B4-BE49-F238E27FC236}">
+                <a16:creationId xmlns:a16="http://schemas.microsoft.com/office/drawing/2014/main" id="{C0CFBE9F-84F2-FE48-AC8E-D41196C42DBA}"/>
+              </a:ext>
+            </a:extLst>
+          </p:cNvPr>
+          <p:cNvSpPr txBox="1"/>
+          <p:nvPr/>
+        </p:nvSpPr>
+        <p:spPr>
+          <a:xfrm>
+            <a:off x="1246430" y="2630417"/>
+            <a:ext cx="11107608" cy="1955151"/>
+          </a:xfrm>
+          <a:prstGeom prst="rect">
+            <a:avLst/>
+          </a:prstGeom>
+          <a:noFill/>
+        </p:spPr>
+        <p:txBody>
+          <a:bodyPr wrap="square" rtlCol="0">
+            <a:spAutoFit/>
+          </a:bodyPr>
+          <a:lstStyle/>
+          <a:p>
+            <a:pPr>
+              <a:lnSpc>
+                <a:spcPct val="150000"/>
+              </a:lnSpc>
+            </a:pPr>
+            <a:r>
+              <a:rPr lang="zh-CN" altLang="en-US" sz="2800" dirty="0"/>
+              <a:t>简单赋值语句格式：</a:t>
+            </a:r>
+            <a:endParaRPr lang="en-US" altLang="zh-CN" sz="2800" dirty="0"/>
+          </a:p>
+          <a:p>
+            <a:pPr>
+              <a:lnSpc>
+                <a:spcPct val="150000"/>
+              </a:lnSpc>
+            </a:pPr>
+            <a:r>
+              <a:rPr lang="en-US" altLang="zh-CN" sz="2800" dirty="0"/>
+              <a:t>	variable </a:t>
+            </a:r>
+            <a:r>
+              <a:rPr lang="zh-CN" altLang="en-US" sz="2800" dirty="0"/>
+              <a:t> </a:t>
+            </a:r>
+            <a:r>
+              <a:rPr lang="en-US" altLang="zh-CN" sz="2800" dirty="0"/>
+              <a:t>=</a:t>
+            </a:r>
+            <a:r>
+              <a:rPr lang="zh-CN" altLang="en-US" sz="2800" dirty="0"/>
+              <a:t> </a:t>
+            </a:r>
+            <a:r>
+              <a:rPr lang="en-US" altLang="zh-CN" sz="2800" dirty="0"/>
+              <a:t>expression; </a:t>
+            </a:r>
+            <a:endParaRPr lang="zh-CN" altLang="en-US" sz="2800" dirty="0"/>
+          </a:p>
+          <a:p>
+            <a:pPr>
+              <a:lnSpc>
+                <a:spcPct val="150000"/>
+              </a:lnSpc>
+            </a:pPr>
+            <a:endParaRPr kumimoji="1" lang="en-US" altLang="zh-CN" sz="2800" dirty="0">
+              <a:latin typeface="Microsoft YaHei" panose="020B0503020204020204" pitchFamily="34" charset="-122"/>
+              <a:ea typeface="Microsoft YaHei" panose="020B0503020204020204" pitchFamily="34" charset="-122"/>
+            </a:endParaRPr>
+          </a:p>
+        </p:txBody>
+      </p:sp>
+      <p:pic>
+        <p:nvPicPr>
+          <p:cNvPr id="7" name="图片 6">
+            <a:extLst>
+              <a:ext uri="{FF2B5EF4-FFF2-40B4-BE49-F238E27FC236}">
+                <a16:creationId xmlns:a16="http://schemas.microsoft.com/office/drawing/2014/main" id="{335AF768-7A27-EE49-BBA8-FBA0E73DDC94}"/>
+              </a:ext>
+            </a:extLst>
+          </p:cNvPr>
+          <p:cNvPicPr>
+            <a:picLocks noChangeAspect="1"/>
+          </p:cNvPicPr>
+          <p:nvPr/>
+        </p:nvPicPr>
+        <p:blipFill>
+          <a:blip r:embed="rId4"/>
+          <a:stretch>
+            <a:fillRect/>
+          </a:stretch>
+        </p:blipFill>
+        <p:spPr>
+          <a:xfrm>
+            <a:off x="1599721" y="4515326"/>
+            <a:ext cx="6414078" cy="2036517"/>
+          </a:xfrm>
+          <a:prstGeom prst="rect">
+            <a:avLst/>
+          </a:prstGeom>
+        </p:spPr>
+      </p:pic>
+    </p:spTree>
+    <p:extLst>
+      <p:ext uri="{BB962C8B-B14F-4D97-AF65-F5344CB8AC3E}">
+        <p14:creationId xmlns:p14="http://schemas.microsoft.com/office/powerpoint/2010/main" val="976537066"/>
+      </p:ext>
+    </p:extLst>
+  </p:cSld>
+  <p:clrMapOvr>
+    <a:masterClrMapping/>
+  </p:clrMapOvr>
+</p:sld>
+</file>
+
+<file path=ppt/slides/slide21.xml><?xml version="1.0" encoding="utf-8"?>
+<p:sld xmlns:a="http://schemas.openxmlformats.org/drawingml/2006/main" xmlns:r="http://schemas.openxmlformats.org/officeDocument/2006/relationships" xmlns:p="http://schemas.openxmlformats.org/presentationml/2006/main">
+  <p:cSld>
+    <p:bg>
+      <p:bgPr>
+        <a:blipFill>
+          <a:blip r:embed="rId3"/>
+          <a:tile tx="0" ty="0" sx="100000" sy="100000" flip="none" algn="tl"/>
+        </a:blipFill>
+        <a:effectLst/>
+      </p:bgPr>
+    </p:bg>
+    <p:spTree>
+      <p:nvGrpSpPr>
+        <p:cNvPr id="1" name=""/>
+        <p:cNvGrpSpPr/>
+        <p:nvPr/>
+      </p:nvGrpSpPr>
+      <p:grpSpPr>
+        <a:xfrm>
+          <a:off x="0" y="0"/>
+          <a:ext cx="0" cy="0"/>
+          <a:chOff x="0" y="0"/>
+          <a:chExt cx="0" cy="0"/>
+        </a:xfrm>
+      </p:grpSpPr>
+      <p:sp>
+        <p:nvSpPr>
+          <p:cNvPr id="2" name="文本框 1">
+            <a:extLst>
+              <a:ext uri="{FF2B5EF4-FFF2-40B4-BE49-F238E27FC236}">
+                <a16:creationId xmlns:a16="http://schemas.microsoft.com/office/drawing/2014/main" id="{12AA8BCC-7B15-4842-80C2-48C079429338}"/>
+              </a:ext>
+            </a:extLst>
+          </p:cNvPr>
+          <p:cNvSpPr txBox="1"/>
+          <p:nvPr/>
+        </p:nvSpPr>
+        <p:spPr>
+          <a:xfrm>
+            <a:off x="2234234" y="597430"/>
+            <a:ext cx="9132000" cy="830997"/>
+          </a:xfrm>
+          <a:prstGeom prst="rect">
+            <a:avLst/>
+          </a:prstGeom>
+          <a:noFill/>
+        </p:spPr>
+        <p:txBody>
+          <a:bodyPr wrap="square" rtlCol="0">
+            <a:spAutoFit/>
+          </a:bodyPr>
+          <a:lstStyle/>
+          <a:p>
+            <a:pPr algn="ctr"/>
+            <a:r>
+              <a:rPr kumimoji="1" lang="en-US" altLang="zh-CN" sz="4800" dirty="0">
+                <a:latin typeface="Microsoft YaHei" panose="020B0503020204020204" pitchFamily="34" charset="-122"/>
+                <a:ea typeface="Microsoft YaHei" panose="020B0503020204020204" pitchFamily="34" charset="-122"/>
+              </a:rPr>
+              <a:t>3.1</a:t>
+            </a:r>
+            <a:r>
+              <a:rPr kumimoji="1" lang="zh-CN" altLang="en-US" sz="4800" dirty="0">
+                <a:latin typeface="Microsoft YaHei" panose="020B0503020204020204" pitchFamily="34" charset="-122"/>
+                <a:ea typeface="Microsoft YaHei" panose="020B0503020204020204" pitchFamily="34" charset="-122"/>
+              </a:rPr>
+              <a:t> 快捷赋值操作</a:t>
+            </a:r>
+          </a:p>
+        </p:txBody>
+      </p:sp>
+      <p:pic>
+        <p:nvPicPr>
+          <p:cNvPr id="5" name="图片 4">
+            <a:extLst>
+              <a:ext uri="{FF2B5EF4-FFF2-40B4-BE49-F238E27FC236}">
+                <a16:creationId xmlns:a16="http://schemas.microsoft.com/office/drawing/2014/main" id="{9B084D0A-4BA3-1448-B6DC-D8BFB9A98346}"/>
+              </a:ext>
+            </a:extLst>
+          </p:cNvPr>
+          <p:cNvPicPr>
+            <a:picLocks noChangeAspect="1"/>
+          </p:cNvPicPr>
+          <p:nvPr/>
+        </p:nvPicPr>
+        <p:blipFill>
+          <a:blip r:embed="rId4"/>
+          <a:stretch>
+            <a:fillRect/>
+          </a:stretch>
+        </p:blipFill>
+        <p:spPr>
+          <a:xfrm>
+            <a:off x="1" y="2805544"/>
+            <a:ext cx="12136564" cy="2494973"/>
+          </a:xfrm>
+          <a:prstGeom prst="rect">
+            <a:avLst/>
+          </a:prstGeom>
+        </p:spPr>
+      </p:pic>
+      <p:sp>
+        <p:nvSpPr>
+          <p:cNvPr id="8" name="文本框 7">
+            <a:extLst>
+              <a:ext uri="{FF2B5EF4-FFF2-40B4-BE49-F238E27FC236}">
+                <a16:creationId xmlns:a16="http://schemas.microsoft.com/office/drawing/2014/main" id="{466C8B27-F65E-6246-BBE8-97C9A509BA4E}"/>
+              </a:ext>
+            </a:extLst>
+          </p:cNvPr>
+          <p:cNvSpPr txBox="1"/>
+          <p:nvPr/>
+        </p:nvSpPr>
+        <p:spPr>
+          <a:xfrm>
+            <a:off x="2618182" y="5922818"/>
+            <a:ext cx="7149274" cy="523220"/>
+          </a:xfrm>
+          <a:prstGeom prst="rect">
+            <a:avLst/>
+          </a:prstGeom>
+          <a:solidFill>
+            <a:schemeClr val="accent2"/>
+          </a:solidFill>
+        </p:spPr>
+        <p:txBody>
+          <a:bodyPr wrap="square" rtlCol="0">
+            <a:spAutoFit/>
+          </a:bodyPr>
+          <a:lstStyle/>
+          <a:p>
+            <a:r>
+              <a:rPr kumimoji="1" lang="zh-CN" altLang="en-US" sz="2800" dirty="0">
+                <a:solidFill>
+                  <a:schemeClr val="bg1"/>
+                </a:solidFill>
+                <a:latin typeface="Microsoft YaHei" panose="020B0503020204020204" pitchFamily="34" charset="-122"/>
+                <a:ea typeface="Microsoft YaHei" panose="020B0503020204020204" pitchFamily="34" charset="-122"/>
+              </a:rPr>
+              <a:t>还有 自增</a:t>
+            </a:r>
+            <a:r>
+              <a:rPr kumimoji="1" lang="en-US" altLang="zh-CN" sz="2800" dirty="0">
+                <a:solidFill>
+                  <a:schemeClr val="bg1"/>
+                </a:solidFill>
+                <a:latin typeface="Microsoft YaHei" panose="020B0503020204020204" pitchFamily="34" charset="-122"/>
+                <a:ea typeface="Microsoft YaHei" panose="020B0503020204020204" pitchFamily="34" charset="-122"/>
+              </a:rPr>
+              <a:t>/</a:t>
+            </a:r>
+            <a:r>
+              <a:rPr kumimoji="1" lang="zh-CN" altLang="en-US" sz="2800" dirty="0">
+                <a:solidFill>
+                  <a:schemeClr val="bg1"/>
+                </a:solidFill>
+                <a:latin typeface="Microsoft YaHei" panose="020B0503020204020204" pitchFamily="34" charset="-122"/>
+                <a:ea typeface="Microsoft YaHei" panose="020B0503020204020204" pitchFamily="34" charset="-122"/>
+              </a:rPr>
+              <a:t>自减 ：  </a:t>
+            </a:r>
+            <a:r>
+              <a:rPr kumimoji="1" lang="en-US" altLang="zh-CN" sz="2800" dirty="0" err="1">
+                <a:solidFill>
+                  <a:schemeClr val="bg1"/>
+                </a:solidFill>
+                <a:latin typeface="Microsoft YaHei" panose="020B0503020204020204" pitchFamily="34" charset="-122"/>
+                <a:ea typeface="Microsoft YaHei" panose="020B0503020204020204" pitchFamily="34" charset="-122"/>
+              </a:rPr>
+              <a:t>i</a:t>
+            </a:r>
+            <a:r>
+              <a:rPr kumimoji="1" lang="en-US" altLang="zh-CN" sz="2800" dirty="0">
+                <a:solidFill>
+                  <a:schemeClr val="bg1"/>
+                </a:solidFill>
+                <a:latin typeface="Microsoft YaHei" panose="020B0503020204020204" pitchFamily="34" charset="-122"/>
+                <a:ea typeface="Microsoft YaHei" panose="020B0503020204020204" pitchFamily="34" charset="-122"/>
+              </a:rPr>
+              <a:t>++,</a:t>
+            </a:r>
+            <a:r>
+              <a:rPr kumimoji="1" lang="zh-CN" altLang="en-US" sz="2800" dirty="0">
+                <a:solidFill>
+                  <a:schemeClr val="bg1"/>
+                </a:solidFill>
+                <a:latin typeface="Microsoft YaHei" panose="020B0503020204020204" pitchFamily="34" charset="-122"/>
+                <a:ea typeface="Microsoft YaHei" panose="020B0503020204020204" pitchFamily="34" charset="-122"/>
+              </a:rPr>
+              <a:t> </a:t>
+            </a:r>
+            <a:r>
+              <a:rPr kumimoji="1" lang="en-US" altLang="zh-CN" sz="2800" dirty="0">
+                <a:solidFill>
+                  <a:schemeClr val="bg1"/>
+                </a:solidFill>
+                <a:latin typeface="Microsoft YaHei" panose="020B0503020204020204" pitchFamily="34" charset="-122"/>
+                <a:ea typeface="Microsoft YaHei" panose="020B0503020204020204" pitchFamily="34" charset="-122"/>
+              </a:rPr>
+              <a:t>++</a:t>
+            </a:r>
+            <a:r>
+              <a:rPr kumimoji="1" lang="en-US" altLang="zh-CN" sz="2800" dirty="0" err="1">
+                <a:solidFill>
+                  <a:schemeClr val="bg1"/>
+                </a:solidFill>
+                <a:latin typeface="Microsoft YaHei" panose="020B0503020204020204" pitchFamily="34" charset="-122"/>
+                <a:ea typeface="Microsoft YaHei" panose="020B0503020204020204" pitchFamily="34" charset="-122"/>
+              </a:rPr>
+              <a:t>i</a:t>
+            </a:r>
+            <a:r>
+              <a:rPr kumimoji="1" lang="en-US" altLang="zh-CN" sz="2800" dirty="0">
+                <a:solidFill>
+                  <a:schemeClr val="bg1"/>
+                </a:solidFill>
+                <a:latin typeface="Microsoft YaHei" panose="020B0503020204020204" pitchFamily="34" charset="-122"/>
+                <a:ea typeface="Microsoft YaHei" panose="020B0503020204020204" pitchFamily="34" charset="-122"/>
+              </a:rPr>
+              <a:t>,</a:t>
+            </a:r>
+            <a:r>
+              <a:rPr kumimoji="1" lang="zh-CN" altLang="en-US" sz="2800" dirty="0">
+                <a:solidFill>
+                  <a:schemeClr val="bg1"/>
+                </a:solidFill>
+                <a:latin typeface="Microsoft YaHei" panose="020B0503020204020204" pitchFamily="34" charset="-122"/>
+                <a:ea typeface="Microsoft YaHei" panose="020B0503020204020204" pitchFamily="34" charset="-122"/>
+              </a:rPr>
+              <a:t> </a:t>
+            </a:r>
+            <a:r>
+              <a:rPr kumimoji="1" lang="en-US" altLang="zh-CN" sz="2800" dirty="0" err="1">
+                <a:solidFill>
+                  <a:schemeClr val="bg1"/>
+                </a:solidFill>
+                <a:latin typeface="Microsoft YaHei" panose="020B0503020204020204" pitchFamily="34" charset="-122"/>
+                <a:ea typeface="Microsoft YaHei" panose="020B0503020204020204" pitchFamily="34" charset="-122"/>
+              </a:rPr>
+              <a:t>i</a:t>
+            </a:r>
+            <a:r>
+              <a:rPr kumimoji="1" lang="en-US" altLang="zh-CN" sz="2800" dirty="0">
+                <a:solidFill>
+                  <a:schemeClr val="bg1"/>
+                </a:solidFill>
+                <a:latin typeface="Microsoft YaHei" panose="020B0503020204020204" pitchFamily="34" charset="-122"/>
+                <a:ea typeface="Microsoft YaHei" panose="020B0503020204020204" pitchFamily="34" charset="-122"/>
+              </a:rPr>
+              <a:t>--,</a:t>
+            </a:r>
+            <a:r>
+              <a:rPr kumimoji="1" lang="zh-CN" altLang="en-US" sz="2800" dirty="0">
+                <a:solidFill>
+                  <a:schemeClr val="bg1"/>
+                </a:solidFill>
+                <a:latin typeface="Microsoft YaHei" panose="020B0503020204020204" pitchFamily="34" charset="-122"/>
+                <a:ea typeface="Microsoft YaHei" panose="020B0503020204020204" pitchFamily="34" charset="-122"/>
+              </a:rPr>
+              <a:t> </a:t>
+            </a:r>
+            <a:r>
+              <a:rPr kumimoji="1" lang="en-US" altLang="zh-CN" sz="2800" dirty="0">
+                <a:solidFill>
+                  <a:schemeClr val="bg1"/>
+                </a:solidFill>
+                <a:latin typeface="Microsoft YaHei" panose="020B0503020204020204" pitchFamily="34" charset="-122"/>
+                <a:ea typeface="Microsoft YaHei" panose="020B0503020204020204" pitchFamily="34" charset="-122"/>
+              </a:rPr>
+              <a:t>--</a:t>
+            </a:r>
+            <a:r>
+              <a:rPr kumimoji="1" lang="en-US" altLang="zh-CN" sz="2800" dirty="0" err="1">
+                <a:solidFill>
+                  <a:schemeClr val="bg1"/>
+                </a:solidFill>
+                <a:latin typeface="Microsoft YaHei" panose="020B0503020204020204" pitchFamily="34" charset="-122"/>
+                <a:ea typeface="Microsoft YaHei" panose="020B0503020204020204" pitchFamily="34" charset="-122"/>
+              </a:rPr>
+              <a:t>i</a:t>
+            </a:r>
+            <a:endParaRPr kumimoji="1" lang="zh-CN" altLang="en-US" sz="2800" dirty="0">
+              <a:solidFill>
+                <a:schemeClr val="bg1"/>
+              </a:solidFill>
+              <a:latin typeface="Microsoft YaHei" panose="020B0503020204020204" pitchFamily="34" charset="-122"/>
+              <a:ea typeface="Microsoft YaHei" panose="020B0503020204020204" pitchFamily="34" charset="-122"/>
+            </a:endParaRPr>
+          </a:p>
+        </p:txBody>
+      </p:sp>
+    </p:spTree>
+    <p:extLst>
+      <p:ext uri="{BB962C8B-B14F-4D97-AF65-F5344CB8AC3E}">
+        <p14:creationId xmlns:p14="http://schemas.microsoft.com/office/powerpoint/2010/main" val="2768989737"/>
+      </p:ext>
+    </p:extLst>
+  </p:cSld>
+  <p:clrMapOvr>
+    <a:masterClrMapping/>
+  </p:clrMapOvr>
+</p:sld>
+</file>
+
+<file path=ppt/slides/slide22.xml><?xml version="1.0" encoding="utf-8"?>
+<p:sld xmlns:a="http://schemas.openxmlformats.org/drawingml/2006/main" xmlns:r="http://schemas.openxmlformats.org/officeDocument/2006/relationships" xmlns:p="http://schemas.openxmlformats.org/presentationml/2006/main">
+  <p:cSld>
+    <p:bg>
+      <p:bgPr>
+        <a:blipFill>
+          <a:blip r:embed="rId3"/>
+          <a:tile tx="0" ty="0" sx="100000" sy="100000" flip="none" algn="tl"/>
+        </a:blipFill>
+        <a:effectLst/>
+      </p:bgPr>
+    </p:bg>
+    <p:spTree>
+      <p:nvGrpSpPr>
+        <p:cNvPr id="1" name=""/>
+        <p:cNvGrpSpPr/>
+        <p:nvPr/>
+      </p:nvGrpSpPr>
+      <p:grpSpPr>
+        <a:xfrm>
+          <a:off x="0" y="0"/>
+          <a:ext cx="0" cy="0"/>
+          <a:chOff x="0" y="0"/>
+          <a:chExt cx="0" cy="0"/>
+        </a:xfrm>
+      </p:grpSpPr>
+      <p:sp>
+        <p:nvSpPr>
+          <p:cNvPr id="2" name="文本框 1">
+            <a:extLst>
+              <a:ext uri="{FF2B5EF4-FFF2-40B4-BE49-F238E27FC236}">
+                <a16:creationId xmlns:a16="http://schemas.microsoft.com/office/drawing/2014/main" id="{12AA8BCC-7B15-4842-80C2-48C079429338}"/>
+              </a:ext>
+            </a:extLst>
+          </p:cNvPr>
+          <p:cNvSpPr txBox="1"/>
+          <p:nvPr/>
+        </p:nvSpPr>
+        <p:spPr>
+          <a:xfrm>
+            <a:off x="2234234" y="597430"/>
+            <a:ext cx="9132000" cy="830997"/>
+          </a:xfrm>
+          <a:prstGeom prst="rect">
+            <a:avLst/>
+          </a:prstGeom>
+          <a:noFill/>
+        </p:spPr>
+        <p:txBody>
+          <a:bodyPr wrap="square" rtlCol="0">
+            <a:spAutoFit/>
+          </a:bodyPr>
+          <a:lstStyle/>
+          <a:p>
+            <a:pPr algn="ctr"/>
+            <a:r>
+              <a:rPr kumimoji="1" lang="en-US" altLang="zh-CN" sz="4800" dirty="0">
+                <a:latin typeface="Microsoft YaHei" panose="020B0503020204020204" pitchFamily="34" charset="-122"/>
+                <a:ea typeface="Microsoft YaHei" panose="020B0503020204020204" pitchFamily="34" charset="-122"/>
+              </a:rPr>
+              <a:t>4.1</a:t>
+            </a:r>
+            <a:r>
+              <a:rPr kumimoji="1" lang="zh-CN" altLang="en-US" sz="4800" dirty="0">
+                <a:latin typeface="Microsoft YaHei" panose="020B0503020204020204" pitchFamily="34" charset="-122"/>
+                <a:ea typeface="Microsoft YaHei" panose="020B0503020204020204" pitchFamily="34" charset="-122"/>
+              </a:rPr>
+              <a:t> 数值类型</a:t>
+            </a:r>
+          </a:p>
+        </p:txBody>
+      </p:sp>
+      <p:pic>
+        <p:nvPicPr>
+          <p:cNvPr id="5" name="图片 4">
+            <a:extLst>
+              <a:ext uri="{FF2B5EF4-FFF2-40B4-BE49-F238E27FC236}">
+                <a16:creationId xmlns:a16="http://schemas.microsoft.com/office/drawing/2014/main" id="{79EF5976-0DD8-3A46-B211-E7A4AB2173D2}"/>
+              </a:ext>
+            </a:extLst>
+          </p:cNvPr>
+          <p:cNvPicPr>
+            <a:picLocks noChangeAspect="1"/>
+          </p:cNvPicPr>
+          <p:nvPr/>
+        </p:nvPicPr>
+        <p:blipFill>
+          <a:blip r:embed="rId4"/>
+          <a:stretch>
+            <a:fillRect/>
+          </a:stretch>
+        </p:blipFill>
+        <p:spPr>
+          <a:xfrm>
+            <a:off x="674254" y="3021236"/>
+            <a:ext cx="11294687" cy="3052618"/>
+          </a:xfrm>
+          <a:prstGeom prst="rect">
+            <a:avLst/>
+          </a:prstGeom>
+        </p:spPr>
+      </p:pic>
+      <p:sp>
+        <p:nvSpPr>
+          <p:cNvPr id="6" name="文本框 5">
+            <a:extLst>
+              <a:ext uri="{FF2B5EF4-FFF2-40B4-BE49-F238E27FC236}">
+                <a16:creationId xmlns:a16="http://schemas.microsoft.com/office/drawing/2014/main" id="{3BA08025-CDA1-7A46-B64A-463E93D860B9}"/>
+              </a:ext>
+            </a:extLst>
+          </p:cNvPr>
+          <p:cNvSpPr txBox="1"/>
+          <p:nvPr/>
+        </p:nvSpPr>
+        <p:spPr>
+          <a:xfrm>
+            <a:off x="1069108" y="1787236"/>
+            <a:ext cx="3502892" cy="523220"/>
+          </a:xfrm>
+          <a:prstGeom prst="rect">
+            <a:avLst/>
+          </a:prstGeom>
+          <a:noFill/>
+        </p:spPr>
+        <p:txBody>
+          <a:bodyPr wrap="square" rtlCol="0">
+            <a:spAutoFit/>
+          </a:bodyPr>
+          <a:lstStyle/>
+          <a:p>
+            <a:r>
+              <a:rPr kumimoji="1" lang="zh-CN" altLang="en-US" sz="2800" dirty="0"/>
+              <a:t>常用数据类型</a:t>
+            </a:r>
+          </a:p>
+        </p:txBody>
+      </p:sp>
+    </p:spTree>
+    <p:extLst>
+      <p:ext uri="{BB962C8B-B14F-4D97-AF65-F5344CB8AC3E}">
+        <p14:creationId xmlns:p14="http://schemas.microsoft.com/office/powerpoint/2010/main" val="1542873552"/>
+      </p:ext>
+    </p:extLst>
+  </p:cSld>
+  <p:clrMapOvr>
+    <a:masterClrMapping/>
+  </p:clrMapOvr>
+</p:sld>
+</file>
+
+<file path=ppt/slides/slide23.xml><?xml version="1.0" encoding="utf-8"?>
+<p:sld xmlns:a="http://schemas.openxmlformats.org/drawingml/2006/main" xmlns:r="http://schemas.openxmlformats.org/officeDocument/2006/relationships" xmlns:p="http://schemas.openxmlformats.org/presentationml/2006/main">
+  <p:cSld>
+    <p:bg>
+      <p:bgPr>
+        <a:blipFill>
+          <a:blip r:embed="rId3"/>
+          <a:tile tx="0" ty="0" sx="100000" sy="100000" flip="none" algn="tl"/>
+        </a:blipFill>
+        <a:effectLst/>
+      </p:bgPr>
+    </p:bg>
+    <p:spTree>
+      <p:nvGrpSpPr>
+        <p:cNvPr id="1" name=""/>
+        <p:cNvGrpSpPr/>
+        <p:nvPr/>
+      </p:nvGrpSpPr>
+      <p:grpSpPr>
+        <a:xfrm>
+          <a:off x="0" y="0"/>
+          <a:ext cx="0" cy="0"/>
+          <a:chOff x="0" y="0"/>
+          <a:chExt cx="0" cy="0"/>
+        </a:xfrm>
+      </p:grpSpPr>
+      <p:sp>
+        <p:nvSpPr>
+          <p:cNvPr id="2" name="文本框 1">
+            <a:extLst>
+              <a:ext uri="{FF2B5EF4-FFF2-40B4-BE49-F238E27FC236}">
+                <a16:creationId xmlns:a16="http://schemas.microsoft.com/office/drawing/2014/main" id="{12AA8BCC-7B15-4842-80C2-48C079429338}"/>
+              </a:ext>
+            </a:extLst>
+          </p:cNvPr>
+          <p:cNvSpPr txBox="1"/>
+          <p:nvPr/>
+        </p:nvSpPr>
+        <p:spPr>
+          <a:xfrm>
+            <a:off x="2234234" y="597430"/>
+            <a:ext cx="9132000" cy="830997"/>
+          </a:xfrm>
+          <a:prstGeom prst="rect">
+            <a:avLst/>
+          </a:prstGeom>
+          <a:noFill/>
+        </p:spPr>
+        <p:txBody>
+          <a:bodyPr wrap="square" rtlCol="0">
+            <a:spAutoFit/>
+          </a:bodyPr>
+          <a:lstStyle/>
+          <a:p>
+            <a:pPr algn="ctr"/>
+            <a:r>
+              <a:rPr kumimoji="1" lang="en-US" altLang="zh-CN" sz="4800" dirty="0">
+                <a:latin typeface="Microsoft YaHei" panose="020B0503020204020204" pitchFamily="34" charset="-122"/>
+                <a:ea typeface="Microsoft YaHei" panose="020B0503020204020204" pitchFamily="34" charset="-122"/>
+              </a:rPr>
+              <a:t>4.2</a:t>
+            </a:r>
+            <a:r>
+              <a:rPr kumimoji="1" lang="zh-CN" altLang="en-US" sz="4800" dirty="0">
+                <a:latin typeface="Microsoft YaHei" panose="020B0503020204020204" pitchFamily="34" charset="-122"/>
+                <a:ea typeface="Microsoft YaHei" panose="020B0503020204020204" pitchFamily="34" charset="-122"/>
+              </a:rPr>
+              <a:t> 数据操作</a:t>
+            </a:r>
+          </a:p>
+        </p:txBody>
+      </p:sp>
+      <p:sp>
+        <p:nvSpPr>
+          <p:cNvPr id="6" name="文本框 5">
+            <a:extLst>
+              <a:ext uri="{FF2B5EF4-FFF2-40B4-BE49-F238E27FC236}">
+                <a16:creationId xmlns:a16="http://schemas.microsoft.com/office/drawing/2014/main" id="{3BA08025-CDA1-7A46-B64A-463E93D860B9}"/>
+              </a:ext>
+            </a:extLst>
+          </p:cNvPr>
+          <p:cNvSpPr txBox="1"/>
+          <p:nvPr/>
+        </p:nvSpPr>
+        <p:spPr>
+          <a:xfrm>
+            <a:off x="1069108" y="1787236"/>
+            <a:ext cx="3502892" cy="523220"/>
+          </a:xfrm>
+          <a:prstGeom prst="rect">
+            <a:avLst/>
+          </a:prstGeom>
+          <a:noFill/>
+        </p:spPr>
+        <p:txBody>
+          <a:bodyPr wrap="square" rtlCol="0">
+            <a:spAutoFit/>
+          </a:bodyPr>
+          <a:lstStyle/>
+          <a:p>
+            <a:r>
+              <a:rPr kumimoji="1" lang="zh-CN" altLang="en-US" sz="2800" dirty="0"/>
+              <a:t>常用数据类型</a:t>
+            </a:r>
+          </a:p>
+        </p:txBody>
+      </p:sp>
+      <p:pic>
+        <p:nvPicPr>
+          <p:cNvPr id="4" name="图片 3">
+            <a:extLst>
+              <a:ext uri="{FF2B5EF4-FFF2-40B4-BE49-F238E27FC236}">
+                <a16:creationId xmlns:a16="http://schemas.microsoft.com/office/drawing/2014/main" id="{01744057-0653-7A4B-A5E8-09B3124F82BD}"/>
+              </a:ext>
+            </a:extLst>
+          </p:cNvPr>
+          <p:cNvPicPr>
+            <a:picLocks noChangeAspect="1"/>
+          </p:cNvPicPr>
+          <p:nvPr/>
+        </p:nvPicPr>
+        <p:blipFill>
+          <a:blip r:embed="rId4"/>
+          <a:stretch>
+            <a:fillRect/>
+          </a:stretch>
+        </p:blipFill>
+        <p:spPr>
+          <a:xfrm>
+            <a:off x="0" y="2995439"/>
+            <a:ext cx="12192000" cy="1839495"/>
+          </a:xfrm>
+          <a:prstGeom prst="rect">
+            <a:avLst/>
+          </a:prstGeom>
+        </p:spPr>
+      </p:pic>
+    </p:spTree>
+    <p:extLst>
+      <p:ext uri="{BB962C8B-B14F-4D97-AF65-F5344CB8AC3E}">
+        <p14:creationId xmlns:p14="http://schemas.microsoft.com/office/powerpoint/2010/main" val="3554362694"/>
+      </p:ext>
+    </p:extLst>
+  </p:cSld>
+  <p:clrMapOvr>
+    <a:masterClrMapping/>
+  </p:clrMapOvr>
+</p:sld>
+</file>
+
+<file path=ppt/slides/slide24.xml><?xml version="1.0" encoding="utf-8"?>
+<p:sld xmlns:a="http://schemas.openxmlformats.org/drawingml/2006/main" xmlns:r="http://schemas.openxmlformats.org/officeDocument/2006/relationships" xmlns:p="http://schemas.openxmlformats.org/presentationml/2006/main">
+  <p:cSld>
+    <p:bg>
+      <p:bgPr>
+        <a:blipFill>
+          <a:blip r:embed="rId3"/>
+          <a:tile tx="0" ty="0" sx="100000" sy="100000" flip="none" algn="tl"/>
+        </a:blipFill>
+        <a:effectLst/>
+      </p:bgPr>
+    </p:bg>
+    <p:spTree>
+      <p:nvGrpSpPr>
+        <p:cNvPr id="1" name=""/>
+        <p:cNvGrpSpPr/>
+        <p:nvPr/>
+      </p:nvGrpSpPr>
+      <p:grpSpPr>
+        <a:xfrm>
+          <a:off x="0" y="0"/>
+          <a:ext cx="0" cy="0"/>
+          <a:chOff x="0" y="0"/>
+          <a:chExt cx="0" cy="0"/>
+        </a:xfrm>
+      </p:grpSpPr>
+      <p:sp>
+        <p:nvSpPr>
+          <p:cNvPr id="2" name="文本框 1">
+            <a:extLst>
+              <a:ext uri="{FF2B5EF4-FFF2-40B4-BE49-F238E27FC236}">
+                <a16:creationId xmlns:a16="http://schemas.microsoft.com/office/drawing/2014/main" id="{12AA8BCC-7B15-4842-80C2-48C079429338}"/>
+              </a:ext>
+            </a:extLst>
+          </p:cNvPr>
+          <p:cNvSpPr txBox="1"/>
+          <p:nvPr/>
+        </p:nvSpPr>
+        <p:spPr>
+          <a:xfrm>
+            <a:off x="2234234" y="597430"/>
+            <a:ext cx="9132000" cy="830997"/>
+          </a:xfrm>
+          <a:prstGeom prst="rect">
+            <a:avLst/>
+          </a:prstGeom>
+          <a:noFill/>
+        </p:spPr>
+        <p:txBody>
+          <a:bodyPr wrap="square" rtlCol="0">
+            <a:spAutoFit/>
+          </a:bodyPr>
+          <a:lstStyle/>
+          <a:p>
+            <a:pPr algn="ctr"/>
+            <a:r>
+              <a:rPr kumimoji="1" lang="en-US" altLang="zh-CN" sz="4800" dirty="0">
+                <a:latin typeface="Microsoft YaHei" panose="020B0503020204020204" pitchFamily="34" charset="-122"/>
+                <a:ea typeface="Microsoft YaHei" panose="020B0503020204020204" pitchFamily="34" charset="-122"/>
+              </a:rPr>
+              <a:t>4.3.</a:t>
+            </a:r>
+            <a:r>
+              <a:rPr kumimoji="1" lang="zh-CN" altLang="en-US" sz="4800" dirty="0">
+                <a:latin typeface="Microsoft YaHei" panose="020B0503020204020204" pitchFamily="34" charset="-122"/>
+                <a:ea typeface="Microsoft YaHei" panose="020B0503020204020204" pitchFamily="34" charset="-122"/>
+              </a:rPr>
+              <a:t>表达式计算优先级</a:t>
+            </a:r>
+          </a:p>
+        </p:txBody>
+      </p:sp>
+      <p:pic>
+        <p:nvPicPr>
+          <p:cNvPr id="4" name="图片 3">
+            <a:extLst>
+              <a:ext uri="{FF2B5EF4-FFF2-40B4-BE49-F238E27FC236}">
+                <a16:creationId xmlns:a16="http://schemas.microsoft.com/office/drawing/2014/main" id="{5C77ACF7-A5A8-CA4B-9CC5-87D9281D3BEF}"/>
+              </a:ext>
+            </a:extLst>
+          </p:cNvPr>
+          <p:cNvPicPr>
+            <a:picLocks noChangeAspect="1"/>
+          </p:cNvPicPr>
+          <p:nvPr/>
+        </p:nvPicPr>
+        <p:blipFill>
+          <a:blip r:embed="rId4"/>
+          <a:stretch>
+            <a:fillRect/>
+          </a:stretch>
+        </p:blipFill>
+        <p:spPr>
+          <a:xfrm>
+            <a:off x="2824018" y="1747982"/>
+            <a:ext cx="6943438" cy="3698136"/>
+          </a:xfrm>
+          <a:prstGeom prst="rect">
+            <a:avLst/>
+          </a:prstGeom>
+        </p:spPr>
+      </p:pic>
+      <p:sp>
+        <p:nvSpPr>
+          <p:cNvPr id="6" name="文本框 5">
+            <a:extLst>
+              <a:ext uri="{FF2B5EF4-FFF2-40B4-BE49-F238E27FC236}">
+                <a16:creationId xmlns:a16="http://schemas.microsoft.com/office/drawing/2014/main" id="{1ABE12F4-A033-504C-896E-240405C72F08}"/>
+              </a:ext>
+            </a:extLst>
+          </p:cNvPr>
+          <p:cNvSpPr txBox="1"/>
+          <p:nvPr/>
+        </p:nvSpPr>
+        <p:spPr>
+          <a:xfrm>
+            <a:off x="2618182" y="5922818"/>
+            <a:ext cx="7149274" cy="523220"/>
+          </a:xfrm>
+          <a:prstGeom prst="rect">
+            <a:avLst/>
+          </a:prstGeom>
+          <a:solidFill>
+            <a:schemeClr val="accent2"/>
+          </a:solidFill>
+        </p:spPr>
+        <p:txBody>
+          <a:bodyPr wrap="square" rtlCol="0">
+            <a:spAutoFit/>
+          </a:bodyPr>
+          <a:lstStyle/>
+          <a:p>
+            <a:r>
+              <a:rPr kumimoji="1" lang="zh-CN" altLang="en-US" sz="2800" dirty="0">
+                <a:solidFill>
+                  <a:schemeClr val="bg1"/>
+                </a:solidFill>
+                <a:latin typeface="Microsoft YaHei" panose="020B0503020204020204" pitchFamily="34" charset="-122"/>
+                <a:ea typeface="Microsoft YaHei" panose="020B0503020204020204" pitchFamily="34" charset="-122"/>
+              </a:rPr>
+              <a:t>优先级： </a:t>
+            </a:r>
+            <a:r>
+              <a:rPr kumimoji="1" lang="en-US" altLang="zh-CN" sz="2800" dirty="0">
+                <a:solidFill>
+                  <a:schemeClr val="bg1"/>
+                </a:solidFill>
+                <a:latin typeface="Microsoft YaHei" panose="020B0503020204020204" pitchFamily="34" charset="-122"/>
+                <a:ea typeface="Microsoft YaHei" panose="020B0503020204020204" pitchFamily="34" charset="-122"/>
+              </a:rPr>
+              <a:t>+</a:t>
+            </a:r>
+            <a:r>
+              <a:rPr kumimoji="1" lang="zh-CN" altLang="en-US" sz="2800" dirty="0">
+                <a:solidFill>
+                  <a:schemeClr val="bg1"/>
+                </a:solidFill>
+                <a:latin typeface="Microsoft YaHei" panose="020B0503020204020204" pitchFamily="34" charset="-122"/>
+                <a:ea typeface="Microsoft YaHei" panose="020B0503020204020204" pitchFamily="34" charset="-122"/>
+              </a:rPr>
+              <a:t>或</a:t>
+            </a:r>
+            <a:r>
+              <a:rPr kumimoji="1" lang="en-US" altLang="zh-CN" sz="2800" dirty="0">
+                <a:solidFill>
+                  <a:schemeClr val="bg1"/>
+                </a:solidFill>
+                <a:latin typeface="Microsoft YaHei" panose="020B0503020204020204" pitchFamily="34" charset="-122"/>
+                <a:ea typeface="Microsoft YaHei" panose="020B0503020204020204" pitchFamily="34" charset="-122"/>
+              </a:rPr>
+              <a:t>-</a:t>
+            </a:r>
+            <a:r>
+              <a:rPr kumimoji="1" lang="zh-CN" altLang="en-US" sz="2800" dirty="0">
+                <a:solidFill>
+                  <a:schemeClr val="bg1"/>
+                </a:solidFill>
+                <a:latin typeface="Microsoft YaHei" panose="020B0503020204020204" pitchFamily="34" charset="-122"/>
+                <a:ea typeface="Microsoft YaHei" panose="020B0503020204020204" pitchFamily="34" charset="-122"/>
+              </a:rPr>
+              <a:t>  </a:t>
+            </a:r>
+            <a:r>
+              <a:rPr kumimoji="1" lang="en-US" altLang="zh-CN" sz="2800" dirty="0">
+                <a:solidFill>
+                  <a:schemeClr val="bg1"/>
+                </a:solidFill>
+                <a:latin typeface="Microsoft YaHei" panose="020B0503020204020204" pitchFamily="34" charset="-122"/>
+                <a:ea typeface="Microsoft YaHei" panose="020B0503020204020204" pitchFamily="34" charset="-122"/>
+              </a:rPr>
+              <a:t>&lt;</a:t>
+            </a:r>
+            <a:r>
+              <a:rPr kumimoji="1" lang="zh-CN" altLang="en-US" sz="2800" dirty="0">
+                <a:solidFill>
+                  <a:schemeClr val="bg1"/>
+                </a:solidFill>
+                <a:latin typeface="Microsoft YaHei" panose="020B0503020204020204" pitchFamily="34" charset="-122"/>
+                <a:ea typeface="Microsoft YaHei" panose="020B0503020204020204" pitchFamily="34" charset="-122"/>
+              </a:rPr>
+              <a:t>  </a:t>
+            </a:r>
+            <a:r>
+              <a:rPr kumimoji="1" lang="en-US" altLang="zh-CN" sz="2800" dirty="0">
+                <a:solidFill>
+                  <a:schemeClr val="bg1"/>
+                </a:solidFill>
+                <a:latin typeface="Microsoft YaHei" panose="020B0503020204020204" pitchFamily="34" charset="-122"/>
+                <a:ea typeface="Microsoft YaHei" panose="020B0503020204020204" pitchFamily="34" charset="-122"/>
+              </a:rPr>
+              <a:t>×</a:t>
+            </a:r>
+            <a:r>
+              <a:rPr kumimoji="1" lang="zh-CN" altLang="en-US" sz="2800" dirty="0">
+                <a:solidFill>
+                  <a:schemeClr val="bg1"/>
+                </a:solidFill>
+                <a:latin typeface="Microsoft YaHei" panose="020B0503020204020204" pitchFamily="34" charset="-122"/>
+                <a:ea typeface="Microsoft YaHei" panose="020B0503020204020204" pitchFamily="34" charset="-122"/>
+              </a:rPr>
+              <a:t> </a:t>
+            </a:r>
+            <a:r>
+              <a:rPr kumimoji="1" lang="en-US" altLang="zh-CN" sz="2800" dirty="0">
+                <a:solidFill>
+                  <a:schemeClr val="bg1"/>
+                </a:solidFill>
+                <a:latin typeface="Microsoft YaHei" panose="020B0503020204020204" pitchFamily="34" charset="-122"/>
+                <a:ea typeface="Microsoft YaHei" panose="020B0503020204020204" pitchFamily="34" charset="-122"/>
+              </a:rPr>
+              <a:t>/(</a:t>
+            </a:r>
+            <a:r>
+              <a:rPr kumimoji="1" lang="zh-CN" altLang="en-US" sz="2800" dirty="0">
+                <a:solidFill>
+                  <a:schemeClr val="bg1"/>
+                </a:solidFill>
+                <a:latin typeface="Microsoft YaHei" panose="020B0503020204020204" pitchFamily="34" charset="-122"/>
+                <a:ea typeface="Microsoft YaHei" panose="020B0503020204020204" pitchFamily="34" charset="-122"/>
+              </a:rPr>
+              <a:t>除法标识</a:t>
+            </a:r>
+            <a:r>
+              <a:rPr kumimoji="1" lang="en-US" altLang="zh-CN" sz="2800" dirty="0">
+                <a:solidFill>
+                  <a:schemeClr val="bg1"/>
+                </a:solidFill>
+                <a:latin typeface="Microsoft YaHei" panose="020B0503020204020204" pitchFamily="34" charset="-122"/>
+                <a:ea typeface="Microsoft YaHei" panose="020B0503020204020204" pitchFamily="34" charset="-122"/>
+              </a:rPr>
+              <a:t>)</a:t>
+            </a:r>
+            <a:r>
+              <a:rPr kumimoji="1" lang="zh-CN" altLang="en-US" sz="2800" dirty="0">
+                <a:solidFill>
+                  <a:schemeClr val="bg1"/>
+                </a:solidFill>
+                <a:latin typeface="Microsoft YaHei" panose="020B0503020204020204" pitchFamily="34" charset="-122"/>
+                <a:ea typeface="Microsoft YaHei" panose="020B0503020204020204" pitchFamily="34" charset="-122"/>
+              </a:rPr>
+              <a:t> </a:t>
+            </a:r>
+            <a:r>
+              <a:rPr kumimoji="1" lang="en-US" altLang="zh-CN" sz="2800" dirty="0">
+                <a:solidFill>
+                  <a:schemeClr val="bg1"/>
+                </a:solidFill>
+                <a:latin typeface="Microsoft YaHei" panose="020B0503020204020204" pitchFamily="34" charset="-122"/>
+                <a:ea typeface="Microsoft YaHei" panose="020B0503020204020204" pitchFamily="34" charset="-122"/>
+              </a:rPr>
+              <a:t>&lt;</a:t>
+            </a:r>
+            <a:r>
+              <a:rPr kumimoji="1" lang="zh-CN" altLang="en-US" sz="2800" dirty="0">
+                <a:solidFill>
+                  <a:schemeClr val="bg1"/>
+                </a:solidFill>
+                <a:latin typeface="Microsoft YaHei" panose="020B0503020204020204" pitchFamily="34" charset="-122"/>
+                <a:ea typeface="Microsoft YaHei" panose="020B0503020204020204" pitchFamily="34" charset="-122"/>
+              </a:rPr>
+              <a:t> </a:t>
+            </a:r>
+            <a:r>
+              <a:rPr kumimoji="1" lang="en-US" altLang="zh-CN" sz="2800" dirty="0">
+                <a:solidFill>
+                  <a:schemeClr val="bg1"/>
+                </a:solidFill>
+                <a:latin typeface="Microsoft YaHei" panose="020B0503020204020204" pitchFamily="34" charset="-122"/>
+                <a:ea typeface="Microsoft YaHei" panose="020B0503020204020204" pitchFamily="34" charset="-122"/>
+              </a:rPr>
+              <a:t>()</a:t>
+            </a:r>
+            <a:endParaRPr kumimoji="1" lang="zh-CN" altLang="en-US" sz="2800" dirty="0">
+              <a:solidFill>
+                <a:schemeClr val="bg1"/>
+              </a:solidFill>
+              <a:latin typeface="Microsoft YaHei" panose="020B0503020204020204" pitchFamily="34" charset="-122"/>
+              <a:ea typeface="Microsoft YaHei" panose="020B0503020204020204" pitchFamily="34" charset="-122"/>
+            </a:endParaRPr>
+          </a:p>
+        </p:txBody>
+      </p:sp>
+    </p:spTree>
+    <p:extLst>
+      <p:ext uri="{BB962C8B-B14F-4D97-AF65-F5344CB8AC3E}">
+        <p14:creationId xmlns:p14="http://schemas.microsoft.com/office/powerpoint/2010/main" val="2682132560"/>
+      </p:ext>
+    </p:extLst>
+  </p:cSld>
+  <p:clrMapOvr>
+    <a:masterClrMapping/>
+  </p:clrMapOvr>
+</p:sld>
+</file>
+
+<file path=ppt/slides/slide25.xml><?xml version="1.0" encoding="utf-8"?>
+<p:sld xmlns:a="http://schemas.openxmlformats.org/drawingml/2006/main" xmlns:r="http://schemas.openxmlformats.org/officeDocument/2006/relationships" xmlns:p="http://schemas.openxmlformats.org/presentationml/2006/main">
+  <p:cSld>
+    <p:bg>
+      <p:bgPr>
+        <a:blipFill>
+          <a:blip r:embed="rId3"/>
+          <a:tile tx="0" ty="0" sx="100000" sy="100000" flip="none" algn="tl"/>
+        </a:blipFill>
+        <a:effectLst/>
+      </p:bgPr>
+    </p:bg>
+    <p:spTree>
+      <p:nvGrpSpPr>
+        <p:cNvPr id="1" name=""/>
+        <p:cNvGrpSpPr/>
+        <p:nvPr/>
+      </p:nvGrpSpPr>
+      <p:grpSpPr>
+        <a:xfrm>
+          <a:off x="0" y="0"/>
+          <a:ext cx="0" cy="0"/>
+          <a:chOff x="0" y="0"/>
+          <a:chExt cx="0" cy="0"/>
+        </a:xfrm>
+      </p:grpSpPr>
+      <p:sp>
+        <p:nvSpPr>
+          <p:cNvPr id="2" name="文本框 1">
+            <a:extLst>
+              <a:ext uri="{FF2B5EF4-FFF2-40B4-BE49-F238E27FC236}">
+                <a16:creationId xmlns:a16="http://schemas.microsoft.com/office/drawing/2014/main" id="{12AA8BCC-7B15-4842-80C2-48C079429338}"/>
+              </a:ext>
+            </a:extLst>
+          </p:cNvPr>
+          <p:cNvSpPr txBox="1"/>
+          <p:nvPr/>
+        </p:nvSpPr>
+        <p:spPr>
+          <a:xfrm>
+            <a:off x="2234234" y="597430"/>
+            <a:ext cx="9132000" cy="830997"/>
+          </a:xfrm>
+          <a:prstGeom prst="rect">
+            <a:avLst/>
+          </a:prstGeom>
+          <a:noFill/>
+        </p:spPr>
+        <p:txBody>
+          <a:bodyPr wrap="square" rtlCol="0">
+            <a:spAutoFit/>
+          </a:bodyPr>
+          <a:lstStyle/>
+          <a:p>
+            <a:pPr algn="ctr"/>
+            <a:r>
+              <a:rPr kumimoji="1" lang="en-US" altLang="zh-CN" sz="4800" dirty="0">
+                <a:latin typeface="Microsoft YaHei" panose="020B0503020204020204" pitchFamily="34" charset="-122"/>
+                <a:ea typeface="Microsoft YaHei" panose="020B0503020204020204" pitchFamily="34" charset="-122"/>
+              </a:rPr>
+              <a:t>5.</a:t>
+            </a:r>
+            <a:r>
+              <a:rPr kumimoji="1" lang="zh-CN" altLang="en-US" sz="4800" dirty="0">
+                <a:latin typeface="Microsoft YaHei" panose="020B0503020204020204" pitchFamily="34" charset="-122"/>
+                <a:ea typeface="Microsoft YaHei" panose="020B0503020204020204" pitchFamily="34" charset="-122"/>
+              </a:rPr>
+              <a:t>数值类型转换</a:t>
+            </a:r>
+          </a:p>
+        </p:txBody>
+      </p:sp>
+      <p:sp>
+        <p:nvSpPr>
+          <p:cNvPr id="3" name="文本框 2">
+            <a:extLst>
+              <a:ext uri="{FF2B5EF4-FFF2-40B4-BE49-F238E27FC236}">
+                <a16:creationId xmlns:a16="http://schemas.microsoft.com/office/drawing/2014/main" id="{C0CFBE9F-84F2-FE48-AC8E-D41196C42DBA}"/>
+              </a:ext>
+            </a:extLst>
+          </p:cNvPr>
+          <p:cNvSpPr txBox="1"/>
+          <p:nvPr/>
+        </p:nvSpPr>
+        <p:spPr>
+          <a:xfrm>
+            <a:off x="1080655" y="2576945"/>
+            <a:ext cx="10868890" cy="3108543"/>
+          </a:xfrm>
+          <a:prstGeom prst="rect">
+            <a:avLst/>
+          </a:prstGeom>
+          <a:noFill/>
+        </p:spPr>
+        <p:txBody>
+          <a:bodyPr wrap="square" rtlCol="0">
+            <a:spAutoFit/>
+          </a:bodyPr>
+          <a:lstStyle/>
+          <a:p>
+            <a:r>
+              <a:rPr lang="zh-CN" altLang="en-US" sz="2800" dirty="0"/>
+              <a:t>一种将一种数据类型的值转换成另一种数据类型的操作。</a:t>
+            </a:r>
+            <a:endParaRPr lang="en-US" altLang="zh-CN" sz="2800" dirty="0"/>
+          </a:p>
+          <a:p>
+            <a:pPr marL="514350" indent="-514350">
+              <a:buFont typeface="+mj-lt"/>
+              <a:buAutoNum type="arabicPeriod"/>
+            </a:pPr>
+            <a:r>
+              <a:rPr lang="zh-CN" altLang="en-US" sz="2800" dirty="0"/>
+              <a:t>将一个小范围类型的变 量转换为大范围类型的变量称为拓宽类型</a:t>
+            </a:r>
+            <a:r>
+              <a:rPr lang="en-US" altLang="zh-CN" sz="2800" dirty="0"/>
+              <a:t>(widening a type)</a:t>
+            </a:r>
+            <a:r>
+              <a:rPr lang="zh-CN" altLang="en-US" sz="2800" dirty="0"/>
+              <a:t>   </a:t>
+            </a:r>
+            <a:r>
+              <a:rPr lang="en-US" altLang="zh-CN" sz="2800" dirty="0"/>
+              <a:t>//</a:t>
+            </a:r>
+            <a:r>
+              <a:rPr lang="zh-CN" altLang="en-US" sz="2800" dirty="0"/>
+              <a:t> </a:t>
+            </a:r>
+            <a:r>
+              <a:rPr lang="en-US" altLang="zh-CN" sz="2800" dirty="0"/>
+              <a:t>java</a:t>
+            </a:r>
+            <a:r>
+              <a:rPr lang="zh-CN" altLang="en-US" sz="2800" dirty="0"/>
+              <a:t>会自动，比如把</a:t>
+            </a:r>
+            <a:r>
+              <a:rPr lang="en-US" altLang="zh-CN" sz="2800" dirty="0"/>
+              <a:t>int</a:t>
+            </a:r>
+            <a:r>
+              <a:rPr lang="zh-CN" altLang="en-US" sz="2800" dirty="0"/>
+              <a:t> 变量赋值给</a:t>
+            </a:r>
+            <a:r>
+              <a:rPr lang="en-US" altLang="zh-CN" sz="2800" dirty="0"/>
+              <a:t>double.</a:t>
+            </a:r>
+          </a:p>
+          <a:p>
+            <a:pPr marL="514350" indent="-514350">
+              <a:buFont typeface="+mj-lt"/>
+              <a:buAutoNum type="arabicPeriod"/>
+            </a:pPr>
+            <a:r>
+              <a:rPr lang="zh-CN" altLang="en-US" sz="2800" dirty="0"/>
+              <a:t>把大范围类型的变量转换为小 范围类型的变量称为缩窄类型</a:t>
+            </a:r>
+            <a:r>
+              <a:rPr lang="en-US" altLang="zh-CN" sz="2800" dirty="0"/>
+              <a:t>( narrowing a type)</a:t>
+            </a:r>
+            <a:r>
+              <a:rPr lang="zh-CN" altLang="en-US" sz="2800" dirty="0"/>
+              <a:t>。 </a:t>
+            </a:r>
+            <a:r>
+              <a:rPr lang="en-US" altLang="zh-CN" sz="2800" dirty="0"/>
+              <a:t>//</a:t>
+            </a:r>
+            <a:r>
+              <a:rPr lang="zh-CN" altLang="en-US" sz="2800" dirty="0"/>
+              <a:t> 需要手动，会被“截断”</a:t>
+            </a:r>
+            <a:endParaRPr lang="en-US" altLang="zh-CN" sz="2800" dirty="0"/>
+          </a:p>
+          <a:p>
+            <a:endParaRPr lang="en-US" altLang="zh-CN" sz="2800" dirty="0"/>
+          </a:p>
+          <a:p>
+            <a:r>
+              <a:rPr lang="zh-CN" altLang="en-US" sz="2800" dirty="0"/>
+              <a:t> 代码举例</a:t>
+            </a:r>
+          </a:p>
+        </p:txBody>
+      </p:sp>
+      <p:sp>
+        <p:nvSpPr>
+          <p:cNvPr id="4" name="文本框 3">
+            <a:extLst>
+              <a:ext uri="{FF2B5EF4-FFF2-40B4-BE49-F238E27FC236}">
+                <a16:creationId xmlns:a16="http://schemas.microsoft.com/office/drawing/2014/main" id="{DDC745ED-DF34-D342-B366-1489B28F4142}"/>
+              </a:ext>
+            </a:extLst>
+          </p:cNvPr>
+          <p:cNvSpPr txBox="1"/>
+          <p:nvPr/>
+        </p:nvSpPr>
+        <p:spPr>
+          <a:xfrm>
+            <a:off x="540000" y="1800000"/>
+            <a:ext cx="1070042" cy="542675"/>
+          </a:xfrm>
+          <a:prstGeom prst="rect">
+            <a:avLst/>
+          </a:prstGeom>
+          <a:solidFill>
+            <a:schemeClr val="accent2"/>
+          </a:solidFill>
+        </p:spPr>
+        <p:txBody>
+          <a:bodyPr wrap="square" rtlCol="0">
+            <a:spAutoFit/>
+          </a:bodyPr>
+          <a:lstStyle/>
+          <a:p>
+            <a:r>
+              <a:rPr kumimoji="1" lang="zh-CN" altLang="en-US" sz="2800" dirty="0">
+                <a:solidFill>
+                  <a:schemeClr val="bg1"/>
+                </a:solidFill>
+                <a:latin typeface="Microsoft YaHei" panose="020B0503020204020204" pitchFamily="34" charset="-122"/>
+                <a:ea typeface="Microsoft YaHei" panose="020B0503020204020204" pitchFamily="34" charset="-122"/>
+              </a:rPr>
+              <a:t>定义</a:t>
+            </a:r>
+          </a:p>
+        </p:txBody>
+      </p:sp>
+    </p:spTree>
+    <p:extLst>
+      <p:ext uri="{BB962C8B-B14F-4D97-AF65-F5344CB8AC3E}">
+        <p14:creationId xmlns:p14="http://schemas.microsoft.com/office/powerpoint/2010/main" val="2429563177"/>
+      </p:ext>
+    </p:extLst>
+  </p:cSld>
+  <p:clrMapOvr>
+    <a:masterClrMapping/>
+  </p:clrMapOvr>
+</p:sld>
+</file>
+
+<file path=ppt/slides/slide26.xml><?xml version="1.0" encoding="utf-8"?>
+<p:sld xmlns:a="http://schemas.openxmlformats.org/drawingml/2006/main" xmlns:r="http://schemas.openxmlformats.org/officeDocument/2006/relationships" xmlns:p="http://schemas.openxmlformats.org/presentationml/2006/main">
+  <p:cSld>
+    <p:bg>
+      <p:bgPr>
+        <a:blipFill>
+          <a:blip r:embed="rId3"/>
+          <a:tile tx="0" ty="0" sx="100000" sy="100000" flip="none" algn="tl"/>
+        </a:blipFill>
+        <a:effectLst/>
+      </p:bgPr>
+    </p:bg>
+    <p:spTree>
+      <p:nvGrpSpPr>
+        <p:cNvPr id="1" name=""/>
+        <p:cNvGrpSpPr/>
+        <p:nvPr/>
+      </p:nvGrpSpPr>
+      <p:grpSpPr>
+        <a:xfrm>
+          <a:off x="0" y="0"/>
+          <a:ext cx="0" cy="0"/>
+          <a:chOff x="0" y="0"/>
+          <a:chExt cx="0" cy="0"/>
+        </a:xfrm>
+      </p:grpSpPr>
+      <p:sp>
+        <p:nvSpPr>
+          <p:cNvPr id="2" name="文本框 1">
+            <a:extLst>
+              <a:ext uri="{FF2B5EF4-FFF2-40B4-BE49-F238E27FC236}">
+                <a16:creationId xmlns:a16="http://schemas.microsoft.com/office/drawing/2014/main" id="{12AA8BCC-7B15-4842-80C2-48C079429338}"/>
+              </a:ext>
+            </a:extLst>
+          </p:cNvPr>
+          <p:cNvSpPr txBox="1"/>
+          <p:nvPr/>
+        </p:nvSpPr>
+        <p:spPr>
+          <a:xfrm>
+            <a:off x="2520000" y="720000"/>
+            <a:ext cx="7735824" cy="830997"/>
+          </a:xfrm>
+          <a:prstGeom prst="rect">
+            <a:avLst/>
+          </a:prstGeom>
+          <a:noFill/>
+        </p:spPr>
+        <p:txBody>
+          <a:bodyPr wrap="square" rtlCol="0">
+            <a:spAutoFit/>
+          </a:bodyPr>
+          <a:lstStyle/>
+          <a:p>
+            <a:pPr algn="ctr"/>
+            <a:r>
+              <a:rPr kumimoji="1" lang="en-US" altLang="zh-CN" sz="4800" dirty="0">
+                <a:latin typeface="Microsoft YaHei" panose="020B0503020204020204" pitchFamily="34" charset="-122"/>
+                <a:ea typeface="Microsoft YaHei" panose="020B0503020204020204" pitchFamily="34" charset="-122"/>
+              </a:rPr>
+              <a:t>6.</a:t>
+            </a:r>
+            <a:r>
+              <a:rPr kumimoji="1" lang="zh-CN" altLang="en-US" sz="4800" dirty="0">
+                <a:latin typeface="Microsoft YaHei" panose="020B0503020204020204" pitchFamily="34" charset="-122"/>
+                <a:ea typeface="Microsoft YaHei" panose="020B0503020204020204" pitchFamily="34" charset="-122"/>
+              </a:rPr>
+              <a:t> 常见错误 </a:t>
+            </a:r>
+            <a:r>
+              <a:rPr kumimoji="1" lang="en-US" altLang="zh-CN" sz="4800" dirty="0">
+                <a:latin typeface="Microsoft YaHei" panose="020B0503020204020204" pitchFamily="34" charset="-122"/>
+                <a:ea typeface="Microsoft YaHei" panose="020B0503020204020204" pitchFamily="34" charset="-122"/>
+              </a:rPr>
+              <a:t>1</a:t>
+            </a:r>
+            <a:endParaRPr kumimoji="1" lang="zh-CN" altLang="en-US" sz="4800" dirty="0">
+              <a:latin typeface="Microsoft YaHei" panose="020B0503020204020204" pitchFamily="34" charset="-122"/>
+              <a:ea typeface="Microsoft YaHei" panose="020B0503020204020204" pitchFamily="34" charset="-122"/>
+            </a:endParaRPr>
+          </a:p>
+        </p:txBody>
+      </p:sp>
+      <p:sp>
+        <p:nvSpPr>
+          <p:cNvPr id="4" name="文本框 3">
+            <a:extLst>
+              <a:ext uri="{FF2B5EF4-FFF2-40B4-BE49-F238E27FC236}">
+                <a16:creationId xmlns:a16="http://schemas.microsoft.com/office/drawing/2014/main" id="{437DA9EE-0AE3-E849-9D47-C012AF08BB7C}"/>
+              </a:ext>
+            </a:extLst>
+          </p:cNvPr>
+          <p:cNvSpPr txBox="1"/>
+          <p:nvPr/>
+        </p:nvSpPr>
+        <p:spPr>
+          <a:xfrm>
+            <a:off x="875778" y="2599627"/>
+            <a:ext cx="10601640" cy="2601481"/>
+          </a:xfrm>
+          <a:prstGeom prst="rect">
+            <a:avLst/>
+          </a:prstGeom>
+          <a:noFill/>
+        </p:spPr>
+        <p:txBody>
+          <a:bodyPr wrap="square" rtlCol="0">
+            <a:spAutoFit/>
+          </a:bodyPr>
+          <a:lstStyle/>
+          <a:p>
+            <a:pPr>
+              <a:lnSpc>
+                <a:spcPct val="150000"/>
+              </a:lnSpc>
+            </a:pPr>
+            <a:r>
+              <a:rPr kumimoji="1" lang="zh-CN" altLang="en-US" sz="2800" dirty="0">
+                <a:highlight>
+                  <a:srgbClr val="FF0000"/>
+                </a:highlight>
+                <a:latin typeface="Microsoft YaHei" panose="020B0503020204020204" pitchFamily="34" charset="-122"/>
+                <a:ea typeface="Microsoft YaHei" panose="020B0503020204020204" pitchFamily="34" charset="-122"/>
+              </a:rPr>
+              <a:t>未声明、未初始化的变量和未使用的变量 </a:t>
+            </a:r>
+            <a:endParaRPr kumimoji="1" lang="en-US" altLang="zh-CN" sz="2800" dirty="0">
+              <a:highlight>
+                <a:srgbClr val="FF0000"/>
+              </a:highlight>
+              <a:latin typeface="Microsoft YaHei" panose="020B0503020204020204" pitchFamily="34" charset="-122"/>
+              <a:ea typeface="Microsoft YaHei" panose="020B0503020204020204" pitchFamily="34" charset="-122"/>
+            </a:endParaRPr>
+          </a:p>
+          <a:p>
+            <a:pPr marL="514350" indent="-514350">
+              <a:lnSpc>
+                <a:spcPct val="150000"/>
+              </a:lnSpc>
+              <a:buFont typeface="+mj-lt"/>
+              <a:buAutoNum type="arabicPeriod"/>
+            </a:pPr>
+            <a:r>
+              <a:rPr kumimoji="1" lang="zh-CN" altLang="en-US" sz="2800" dirty="0">
+                <a:latin typeface="Microsoft YaHei" panose="020B0503020204020204" pitchFamily="34" charset="-122"/>
+                <a:ea typeface="Microsoft YaHei" panose="020B0503020204020204" pitchFamily="34" charset="-122"/>
+              </a:rPr>
+              <a:t>使用未声明的变量会出错</a:t>
+            </a:r>
+            <a:endParaRPr kumimoji="1" lang="en-US" altLang="zh-CN" sz="2800" dirty="0">
+              <a:latin typeface="Microsoft YaHei" panose="020B0503020204020204" pitchFamily="34" charset="-122"/>
+              <a:ea typeface="Microsoft YaHei" panose="020B0503020204020204" pitchFamily="34" charset="-122"/>
+            </a:endParaRPr>
+          </a:p>
+          <a:p>
+            <a:pPr marL="514350" indent="-514350">
+              <a:lnSpc>
+                <a:spcPct val="150000"/>
+              </a:lnSpc>
+              <a:buFont typeface="+mj-lt"/>
+              <a:buAutoNum type="arabicPeriod"/>
+            </a:pPr>
+            <a:r>
+              <a:rPr kumimoji="1" lang="zh-CN" altLang="en-US" sz="2800" dirty="0">
+                <a:latin typeface="Microsoft YaHei" panose="020B0503020204020204" pitchFamily="34" charset="-122"/>
+                <a:ea typeface="Microsoft YaHei" panose="020B0503020204020204" pitchFamily="34" charset="-122"/>
+              </a:rPr>
+              <a:t>使用未初始化的变量有可能会产生错误</a:t>
+            </a:r>
+            <a:endParaRPr kumimoji="1" lang="en-US" altLang="zh-CN" sz="2800" dirty="0">
+              <a:latin typeface="Microsoft YaHei" panose="020B0503020204020204" pitchFamily="34" charset="-122"/>
+              <a:ea typeface="Microsoft YaHei" panose="020B0503020204020204" pitchFamily="34" charset="-122"/>
+            </a:endParaRPr>
+          </a:p>
+          <a:p>
+            <a:pPr marL="514350" indent="-514350">
+              <a:lnSpc>
+                <a:spcPct val="150000"/>
+              </a:lnSpc>
+              <a:buFont typeface="+mj-lt"/>
+              <a:buAutoNum type="arabicPeriod"/>
+            </a:pPr>
+            <a:r>
+              <a:rPr kumimoji="1" lang="zh-CN" altLang="en-US" sz="2800" dirty="0">
+                <a:latin typeface="Microsoft YaHei" panose="020B0503020204020204" pitchFamily="34" charset="-122"/>
+                <a:ea typeface="Microsoft YaHei" panose="020B0503020204020204" pitchFamily="34" charset="-122"/>
+              </a:rPr>
+              <a:t>声明变量，但不使用，一般的编译器会提示，需要删除</a:t>
+            </a:r>
+          </a:p>
+        </p:txBody>
+      </p:sp>
+    </p:spTree>
+    <p:extLst>
+      <p:ext uri="{BB962C8B-B14F-4D97-AF65-F5344CB8AC3E}">
+        <p14:creationId xmlns:p14="http://schemas.microsoft.com/office/powerpoint/2010/main" val="76332531"/>
+      </p:ext>
+    </p:extLst>
+  </p:cSld>
+  <p:clrMapOvr>
+    <a:masterClrMapping/>
+  </p:clrMapOvr>
+</p:sld>
+</file>
+
+<file path=ppt/slides/slide27.xml><?xml version="1.0" encoding="utf-8"?>
+<p:sld xmlns:a="http://schemas.openxmlformats.org/drawingml/2006/main" xmlns:r="http://schemas.openxmlformats.org/officeDocument/2006/relationships" xmlns:p="http://schemas.openxmlformats.org/presentationml/2006/main">
+  <p:cSld>
+    <p:bg>
+      <p:bgPr>
+        <a:blipFill>
+          <a:blip r:embed="rId3"/>
+          <a:tile tx="0" ty="0" sx="100000" sy="100000" flip="none" algn="tl"/>
+        </a:blipFill>
+        <a:effectLst/>
+      </p:bgPr>
+    </p:bg>
+    <p:spTree>
+      <p:nvGrpSpPr>
+        <p:cNvPr id="1" name=""/>
+        <p:cNvGrpSpPr/>
+        <p:nvPr/>
+      </p:nvGrpSpPr>
+      <p:grpSpPr>
+        <a:xfrm>
+          <a:off x="0" y="0"/>
+          <a:ext cx="0" cy="0"/>
+          <a:chOff x="0" y="0"/>
+          <a:chExt cx="0" cy="0"/>
+        </a:xfrm>
+      </p:grpSpPr>
+      <p:sp>
+        <p:nvSpPr>
+          <p:cNvPr id="2" name="文本框 1">
+            <a:extLst>
+              <a:ext uri="{FF2B5EF4-FFF2-40B4-BE49-F238E27FC236}">
+                <a16:creationId xmlns:a16="http://schemas.microsoft.com/office/drawing/2014/main" id="{12AA8BCC-7B15-4842-80C2-48C079429338}"/>
+              </a:ext>
+            </a:extLst>
+          </p:cNvPr>
+          <p:cNvSpPr txBox="1"/>
+          <p:nvPr/>
+        </p:nvSpPr>
+        <p:spPr>
+          <a:xfrm>
+            <a:off x="2520000" y="720000"/>
+            <a:ext cx="7735824" cy="830997"/>
+          </a:xfrm>
+          <a:prstGeom prst="rect">
+            <a:avLst/>
+          </a:prstGeom>
+          <a:noFill/>
+        </p:spPr>
+        <p:txBody>
+          <a:bodyPr wrap="square" rtlCol="0">
+            <a:spAutoFit/>
+          </a:bodyPr>
+          <a:lstStyle/>
+          <a:p>
+            <a:pPr algn="ctr"/>
+            <a:r>
+              <a:rPr kumimoji="1" lang="en-US" altLang="zh-CN" sz="4800" dirty="0">
+                <a:latin typeface="Microsoft YaHei" panose="020B0503020204020204" pitchFamily="34" charset="-122"/>
+                <a:ea typeface="Microsoft YaHei" panose="020B0503020204020204" pitchFamily="34" charset="-122"/>
+              </a:rPr>
+              <a:t>6.</a:t>
+            </a:r>
+            <a:r>
+              <a:rPr kumimoji="1" lang="zh-CN" altLang="en-US" sz="4800" dirty="0">
+                <a:latin typeface="Microsoft YaHei" panose="020B0503020204020204" pitchFamily="34" charset="-122"/>
+                <a:ea typeface="Microsoft YaHei" panose="020B0503020204020204" pitchFamily="34" charset="-122"/>
+              </a:rPr>
+              <a:t> 常见错误 </a:t>
+            </a:r>
+            <a:r>
+              <a:rPr kumimoji="1" lang="en-US" altLang="zh-CN" sz="4800" dirty="0">
+                <a:latin typeface="Microsoft YaHei" panose="020B0503020204020204" pitchFamily="34" charset="-122"/>
+                <a:ea typeface="Microsoft YaHei" panose="020B0503020204020204" pitchFamily="34" charset="-122"/>
+              </a:rPr>
+              <a:t>2</a:t>
+            </a:r>
+            <a:endParaRPr kumimoji="1" lang="zh-CN" altLang="en-US" sz="4800" dirty="0">
+              <a:latin typeface="Microsoft YaHei" panose="020B0503020204020204" pitchFamily="34" charset="-122"/>
+              <a:ea typeface="Microsoft YaHei" panose="020B0503020204020204" pitchFamily="34" charset="-122"/>
+            </a:endParaRPr>
+          </a:p>
+        </p:txBody>
+      </p:sp>
+      <p:sp>
+        <p:nvSpPr>
+          <p:cNvPr id="4" name="文本框 3">
+            <a:extLst>
+              <a:ext uri="{FF2B5EF4-FFF2-40B4-BE49-F238E27FC236}">
+                <a16:creationId xmlns:a16="http://schemas.microsoft.com/office/drawing/2014/main" id="{437DA9EE-0AE3-E849-9D47-C012AF08BB7C}"/>
+              </a:ext>
+            </a:extLst>
+          </p:cNvPr>
+          <p:cNvSpPr txBox="1"/>
+          <p:nvPr/>
+        </p:nvSpPr>
+        <p:spPr>
+          <a:xfrm>
+            <a:off x="875778" y="2599627"/>
+            <a:ext cx="10601640" cy="3323987"/>
+          </a:xfrm>
+          <a:prstGeom prst="rect">
+            <a:avLst/>
+          </a:prstGeom>
+          <a:noFill/>
+        </p:spPr>
+        <p:txBody>
+          <a:bodyPr wrap="square" rtlCol="0">
+            <a:spAutoFit/>
+          </a:bodyPr>
+          <a:lstStyle/>
+          <a:p>
+            <a:pPr>
+              <a:lnSpc>
+                <a:spcPct val="150000"/>
+              </a:lnSpc>
+            </a:pPr>
+            <a:r>
+              <a:rPr kumimoji="1" lang="zh-CN" altLang="en-US" sz="2800" dirty="0">
+                <a:highlight>
+                  <a:srgbClr val="FF0000"/>
+                </a:highlight>
+                <a:latin typeface="Microsoft YaHei" panose="020B0503020204020204" pitchFamily="34" charset="-122"/>
+                <a:ea typeface="Microsoft YaHei" panose="020B0503020204020204" pitchFamily="34" charset="-122"/>
+              </a:rPr>
+              <a:t>整数溢出 </a:t>
+            </a:r>
+            <a:endParaRPr kumimoji="1" lang="en-US" altLang="zh-CN" sz="2800" dirty="0">
+              <a:highlight>
+                <a:srgbClr val="FF0000"/>
+              </a:highlight>
+              <a:latin typeface="Microsoft YaHei" panose="020B0503020204020204" pitchFamily="34" charset="-122"/>
+              <a:ea typeface="Microsoft YaHei" panose="020B0503020204020204" pitchFamily="34" charset="-122"/>
+            </a:endParaRPr>
+          </a:p>
+          <a:p>
+            <a:r>
+              <a:rPr lang="zh-CN" altLang="en-US" sz="2800" dirty="0"/>
+              <a:t>数字以有限的位数存储。当一个变量被陚予一个过大</a:t>
+            </a:r>
+            <a:r>
+              <a:rPr lang="en-US" altLang="zh-CN" sz="2800" dirty="0"/>
+              <a:t>(</a:t>
+            </a:r>
+            <a:r>
+              <a:rPr lang="zh-CN" altLang="en-US" sz="2800" dirty="0"/>
+              <a:t>以存储大小而言</a:t>
+            </a:r>
+            <a:r>
+              <a:rPr lang="en-US" altLang="zh-CN" sz="2800" dirty="0"/>
+              <a:t>)</a:t>
+            </a:r>
+            <a:r>
+              <a:rPr lang="zh-CN" altLang="en-US" sz="2800" dirty="0"/>
+              <a:t>的值，以至无 法存储该值，这称为溢出。</a:t>
+            </a:r>
+            <a:endParaRPr lang="en-US" altLang="zh-CN" sz="2800" dirty="0"/>
+          </a:p>
+          <a:p>
+            <a:r>
+              <a:rPr lang="en-US" altLang="zh-CN" sz="2800" dirty="0"/>
+              <a:t>int</a:t>
+            </a:r>
+            <a:r>
+              <a:rPr lang="zh-CN" altLang="en-US" sz="2800" dirty="0"/>
+              <a:t>类型变量中可以存储的最大值是 </a:t>
+            </a:r>
+            <a:r>
+              <a:rPr lang="en-US" altLang="zh-CN" sz="2800" dirty="0"/>
+              <a:t>2147483647</a:t>
+            </a:r>
+            <a:r>
+              <a:rPr lang="zh-CN" altLang="en-US" sz="2800" dirty="0"/>
+              <a:t>。</a:t>
+            </a:r>
+            <a:r>
+              <a:rPr lang="en-US" altLang="zh-CN" sz="2800" dirty="0"/>
+              <a:t>2147483648 </a:t>
+            </a:r>
+            <a:r>
+              <a:rPr lang="zh-CN" altLang="en-US" sz="2800" dirty="0"/>
+              <a:t>将超出 </a:t>
+            </a:r>
+            <a:r>
+              <a:rPr lang="en-US" altLang="zh-CN" sz="2800" dirty="0"/>
+              <a:t>int </a:t>
+            </a:r>
+            <a:r>
+              <a:rPr lang="zh-CN" altLang="en-US" sz="2800" dirty="0"/>
+              <a:t>值的范围。 </a:t>
+            </a:r>
+          </a:p>
+          <a:p>
+            <a:r>
+              <a:rPr lang="en-US" altLang="zh-CN" sz="2800" dirty="0" err="1"/>
+              <a:t>Intvalue</a:t>
+            </a:r>
+            <a:r>
+              <a:rPr lang="en-US" altLang="zh-CN" sz="2800" dirty="0"/>
+              <a:t>= 2147483647+1; </a:t>
+            </a:r>
+            <a:r>
+              <a:rPr lang="zh-CN" altLang="en-US" sz="2800" dirty="0"/>
+              <a:t> </a:t>
+            </a:r>
+            <a:endParaRPr lang="en-US" altLang="zh-CN" sz="2800" dirty="0"/>
+          </a:p>
+          <a:p>
+            <a:r>
+              <a:rPr lang="zh-CN" altLang="en-US" sz="2800" dirty="0">
+                <a:highlight>
+                  <a:srgbClr val="00FFFF"/>
+                </a:highlight>
+              </a:rPr>
+              <a:t>思考：那</a:t>
+            </a:r>
+            <a:r>
+              <a:rPr lang="en-US" altLang="zh-CN" sz="2800" dirty="0">
+                <a:highlight>
+                  <a:srgbClr val="00FFFF"/>
+                </a:highlight>
+              </a:rPr>
+              <a:t>int</a:t>
+            </a:r>
+            <a:r>
+              <a:rPr lang="zh-CN" altLang="en-US" sz="2800" dirty="0">
+                <a:highlight>
+                  <a:srgbClr val="00FFFF"/>
+                </a:highlight>
+              </a:rPr>
+              <a:t>的最小值是多少？</a:t>
+            </a:r>
+            <a:endParaRPr lang="en-US" altLang="zh-CN" sz="2800" dirty="0">
+              <a:highlight>
+                <a:srgbClr val="00FFFF"/>
+              </a:highlight>
+            </a:endParaRPr>
+          </a:p>
+        </p:txBody>
+      </p:sp>
+    </p:spTree>
+    <p:extLst>
+      <p:ext uri="{BB962C8B-B14F-4D97-AF65-F5344CB8AC3E}">
+        <p14:creationId xmlns:p14="http://schemas.microsoft.com/office/powerpoint/2010/main" val="829273768"/>
+      </p:ext>
+    </p:extLst>
+  </p:cSld>
+  <p:clrMapOvr>
+    <a:masterClrMapping/>
+  </p:clrMapOvr>
+</p:sld>
+</file>
+
+<file path=ppt/slides/slide28.xml><?xml version="1.0" encoding="utf-8"?>
+<p:sld xmlns:a="http://schemas.openxmlformats.org/drawingml/2006/main" xmlns:r="http://schemas.openxmlformats.org/officeDocument/2006/relationships" xmlns:p="http://schemas.openxmlformats.org/presentationml/2006/main">
+  <p:cSld>
+    <p:bg>
+      <p:bgPr>
+        <a:blipFill>
+          <a:blip r:embed="rId3"/>
+          <a:tile tx="0" ty="0" sx="100000" sy="100000" flip="none" algn="tl"/>
+        </a:blipFill>
+        <a:effectLst/>
+      </p:bgPr>
+    </p:bg>
+    <p:spTree>
+      <p:nvGrpSpPr>
+        <p:cNvPr id="1" name=""/>
+        <p:cNvGrpSpPr/>
+        <p:nvPr/>
+      </p:nvGrpSpPr>
+      <p:grpSpPr>
+        <a:xfrm>
+          <a:off x="0" y="0"/>
+          <a:ext cx="0" cy="0"/>
+          <a:chOff x="0" y="0"/>
+          <a:chExt cx="0" cy="0"/>
+        </a:xfrm>
+      </p:grpSpPr>
+      <p:sp>
+        <p:nvSpPr>
+          <p:cNvPr id="2" name="文本框 1">
+            <a:extLst>
+              <a:ext uri="{FF2B5EF4-FFF2-40B4-BE49-F238E27FC236}">
+                <a16:creationId xmlns:a16="http://schemas.microsoft.com/office/drawing/2014/main" id="{12AA8BCC-7B15-4842-80C2-48C079429338}"/>
+              </a:ext>
+            </a:extLst>
+          </p:cNvPr>
+          <p:cNvSpPr txBox="1"/>
+          <p:nvPr/>
+        </p:nvSpPr>
+        <p:spPr>
+          <a:xfrm>
+            <a:off x="2520000" y="720000"/>
+            <a:ext cx="7735824" cy="830997"/>
+          </a:xfrm>
+          <a:prstGeom prst="rect">
+            <a:avLst/>
+          </a:prstGeom>
+          <a:noFill/>
+        </p:spPr>
+        <p:txBody>
+          <a:bodyPr wrap="square" rtlCol="0">
+            <a:spAutoFit/>
+          </a:bodyPr>
+          <a:lstStyle/>
+          <a:p>
+            <a:pPr algn="ctr"/>
+            <a:r>
+              <a:rPr kumimoji="1" lang="en-US" altLang="zh-CN" sz="4800" dirty="0">
+                <a:latin typeface="Microsoft YaHei" panose="020B0503020204020204" pitchFamily="34" charset="-122"/>
+                <a:ea typeface="Microsoft YaHei" panose="020B0503020204020204" pitchFamily="34" charset="-122"/>
+              </a:rPr>
+              <a:t>6.</a:t>
+            </a:r>
+            <a:r>
+              <a:rPr kumimoji="1" lang="zh-CN" altLang="en-US" sz="4800" dirty="0">
+                <a:latin typeface="Microsoft YaHei" panose="020B0503020204020204" pitchFamily="34" charset="-122"/>
+                <a:ea typeface="Microsoft YaHei" panose="020B0503020204020204" pitchFamily="34" charset="-122"/>
+              </a:rPr>
+              <a:t> 常见错误 </a:t>
+            </a:r>
+            <a:r>
+              <a:rPr kumimoji="1" lang="en-US" altLang="zh-CN" sz="4800" dirty="0">
+                <a:latin typeface="Microsoft YaHei" panose="020B0503020204020204" pitchFamily="34" charset="-122"/>
+                <a:ea typeface="Microsoft YaHei" panose="020B0503020204020204" pitchFamily="34" charset="-122"/>
+              </a:rPr>
+              <a:t>3</a:t>
+            </a:r>
+            <a:endParaRPr kumimoji="1" lang="zh-CN" altLang="en-US" sz="4800" dirty="0">
+              <a:latin typeface="Microsoft YaHei" panose="020B0503020204020204" pitchFamily="34" charset="-122"/>
+              <a:ea typeface="Microsoft YaHei" panose="020B0503020204020204" pitchFamily="34" charset="-122"/>
+            </a:endParaRPr>
+          </a:p>
+        </p:txBody>
+      </p:sp>
+      <p:sp>
+        <p:nvSpPr>
+          <p:cNvPr id="4" name="文本框 3">
+            <a:extLst>
+              <a:ext uri="{FF2B5EF4-FFF2-40B4-BE49-F238E27FC236}">
+                <a16:creationId xmlns:a16="http://schemas.microsoft.com/office/drawing/2014/main" id="{437DA9EE-0AE3-E849-9D47-C012AF08BB7C}"/>
+              </a:ext>
+            </a:extLst>
+          </p:cNvPr>
+          <p:cNvSpPr txBox="1"/>
+          <p:nvPr/>
+        </p:nvSpPr>
+        <p:spPr>
+          <a:xfrm>
+            <a:off x="875778" y="2599627"/>
+            <a:ext cx="10601640" cy="523220"/>
+          </a:xfrm>
+          <a:prstGeom prst="rect">
+            <a:avLst/>
+          </a:prstGeom>
+          <a:noFill/>
+        </p:spPr>
+        <p:txBody>
+          <a:bodyPr wrap="square" rtlCol="0">
+            <a:spAutoFit/>
+          </a:bodyPr>
+          <a:lstStyle/>
+          <a:p>
+            <a:r>
+              <a:rPr lang="zh-CN" altLang="en-US" sz="2800" dirty="0">
+                <a:highlight>
+                  <a:srgbClr val="FF0000"/>
+                </a:highlight>
+              </a:rPr>
+              <a:t>超出预期的整数除法 </a:t>
+            </a:r>
+            <a:r>
+              <a:rPr kumimoji="1" lang="zh-CN" altLang="en-US" sz="2800" dirty="0">
+                <a:highlight>
+                  <a:srgbClr val="FF0000"/>
+                </a:highlight>
+                <a:latin typeface="Microsoft YaHei" panose="020B0503020204020204" pitchFamily="34" charset="-122"/>
+                <a:ea typeface="Microsoft YaHei" panose="020B0503020204020204" pitchFamily="34" charset="-122"/>
+              </a:rPr>
+              <a:t> </a:t>
+            </a:r>
+            <a:endParaRPr kumimoji="1" lang="en-US" altLang="zh-CN" sz="2800" dirty="0">
+              <a:highlight>
+                <a:srgbClr val="FF0000"/>
+              </a:highlight>
+              <a:latin typeface="Microsoft YaHei" panose="020B0503020204020204" pitchFamily="34" charset="-122"/>
+              <a:ea typeface="Microsoft YaHei" panose="020B0503020204020204" pitchFamily="34" charset="-122"/>
+            </a:endParaRPr>
+          </a:p>
+        </p:txBody>
+      </p:sp>
+      <p:pic>
+        <p:nvPicPr>
+          <p:cNvPr id="3" name="图片 2">
+            <a:extLst>
+              <a:ext uri="{FF2B5EF4-FFF2-40B4-BE49-F238E27FC236}">
+                <a16:creationId xmlns:a16="http://schemas.microsoft.com/office/drawing/2014/main" id="{11CB5C24-8959-BE48-ADA3-7A48DDADF719}"/>
+              </a:ext>
+            </a:extLst>
+          </p:cNvPr>
+          <p:cNvPicPr>
+            <a:picLocks noChangeAspect="1"/>
+          </p:cNvPicPr>
+          <p:nvPr/>
+        </p:nvPicPr>
+        <p:blipFill>
+          <a:blip r:embed="rId4"/>
+          <a:stretch>
+            <a:fillRect/>
+          </a:stretch>
+        </p:blipFill>
+        <p:spPr>
+          <a:xfrm>
+            <a:off x="554182" y="3429000"/>
+            <a:ext cx="11637818" cy="1926120"/>
+          </a:xfrm>
+          <a:prstGeom prst="rect">
+            <a:avLst/>
+          </a:prstGeom>
+        </p:spPr>
+      </p:pic>
+      <p:sp>
+        <p:nvSpPr>
+          <p:cNvPr id="5" name="文本框 4">
+            <a:extLst>
+              <a:ext uri="{FF2B5EF4-FFF2-40B4-BE49-F238E27FC236}">
+                <a16:creationId xmlns:a16="http://schemas.microsoft.com/office/drawing/2014/main" id="{9172D58E-42F2-7841-B8A5-7E368BC93EB3}"/>
+              </a:ext>
+            </a:extLst>
+          </p:cNvPr>
+          <p:cNvSpPr txBox="1"/>
+          <p:nvPr/>
+        </p:nvSpPr>
+        <p:spPr>
+          <a:xfrm>
+            <a:off x="1641764" y="5652655"/>
+            <a:ext cx="2888672" cy="523220"/>
+          </a:xfrm>
+          <a:prstGeom prst="rect">
+            <a:avLst/>
+          </a:prstGeom>
+          <a:noFill/>
+        </p:spPr>
+        <p:txBody>
+          <a:bodyPr wrap="square" rtlCol="0">
+            <a:spAutoFit/>
+          </a:bodyPr>
+          <a:lstStyle/>
+          <a:p>
+            <a:r>
+              <a:rPr kumimoji="1" lang="zh-CN" altLang="en-US" sz="2800" dirty="0"/>
+              <a:t>结果是：</a:t>
+            </a:r>
+            <a:r>
+              <a:rPr kumimoji="1" lang="en-US" altLang="zh-CN" sz="2800" dirty="0"/>
+              <a:t>1</a:t>
+            </a:r>
+            <a:endParaRPr kumimoji="1" lang="zh-CN" altLang="en-US" sz="2800" dirty="0"/>
+          </a:p>
+        </p:txBody>
+      </p:sp>
+      <p:sp>
+        <p:nvSpPr>
+          <p:cNvPr id="6" name="文本框 5">
+            <a:extLst>
+              <a:ext uri="{FF2B5EF4-FFF2-40B4-BE49-F238E27FC236}">
+                <a16:creationId xmlns:a16="http://schemas.microsoft.com/office/drawing/2014/main" id="{8E4A7340-2E87-4148-A773-47E538E66983}"/>
+              </a:ext>
+            </a:extLst>
+          </p:cNvPr>
+          <p:cNvSpPr txBox="1"/>
+          <p:nvPr/>
+        </p:nvSpPr>
+        <p:spPr>
+          <a:xfrm>
+            <a:off x="7512624" y="5647915"/>
+            <a:ext cx="2888672" cy="523220"/>
+          </a:xfrm>
+          <a:prstGeom prst="rect">
+            <a:avLst/>
+          </a:prstGeom>
+          <a:noFill/>
+        </p:spPr>
+        <p:txBody>
+          <a:bodyPr wrap="square" rtlCol="0">
+            <a:spAutoFit/>
+          </a:bodyPr>
+          <a:lstStyle/>
+          <a:p>
+            <a:r>
+              <a:rPr kumimoji="1" lang="zh-CN" altLang="en-US" sz="2800" dirty="0"/>
+              <a:t>结果是：</a:t>
+            </a:r>
+            <a:r>
+              <a:rPr kumimoji="1" lang="en-US" altLang="zh-CN" sz="2800" dirty="0"/>
+              <a:t>1.5</a:t>
+            </a:r>
+            <a:endParaRPr kumimoji="1" lang="zh-CN" altLang="en-US" sz="2800" dirty="0"/>
+          </a:p>
+        </p:txBody>
+      </p:sp>
+    </p:spTree>
+    <p:extLst>
+      <p:ext uri="{BB962C8B-B14F-4D97-AF65-F5344CB8AC3E}">
+        <p14:creationId xmlns:p14="http://schemas.microsoft.com/office/powerpoint/2010/main" val="354188742"/>
+      </p:ext>
+    </p:extLst>
+  </p:cSld>
+  <p:clrMapOvr>
+    <a:masterClrMapping/>
+  </p:clrMapOvr>
+</p:sld>
+</file>
+
+<file path=ppt/slides/slide29.xml><?xml version="1.0" encoding="utf-8"?>
+<p:sld xmlns:a="http://schemas.openxmlformats.org/drawingml/2006/main" xmlns:r="http://schemas.openxmlformats.org/officeDocument/2006/relationships" xmlns:p="http://schemas.openxmlformats.org/presentationml/2006/main">
+  <p:cSld>
+    <p:bg>
+      <p:bgPr>
+        <a:blipFill>
+          <a:blip r:embed="rId3"/>
+          <a:tile tx="0" ty="0" sx="100000" sy="100000" flip="none" algn="tl"/>
+        </a:blipFill>
+        <a:effectLst/>
+      </p:bgPr>
+    </p:bg>
+    <p:spTree>
+      <p:nvGrpSpPr>
+        <p:cNvPr id="1" name=""/>
+        <p:cNvGrpSpPr/>
+        <p:nvPr/>
+      </p:nvGrpSpPr>
+      <p:grpSpPr>
+        <a:xfrm>
+          <a:off x="0" y="0"/>
+          <a:ext cx="0" cy="0"/>
+          <a:chOff x="0" y="0"/>
+          <a:chExt cx="0" cy="0"/>
+        </a:xfrm>
+      </p:grpSpPr>
+      <p:sp>
+        <p:nvSpPr>
+          <p:cNvPr id="2" name="文本框 1">
+            <a:extLst>
+              <a:ext uri="{FF2B5EF4-FFF2-40B4-BE49-F238E27FC236}">
+                <a16:creationId xmlns:a16="http://schemas.microsoft.com/office/drawing/2014/main" id="{12AA8BCC-7B15-4842-80C2-48C079429338}"/>
+              </a:ext>
+            </a:extLst>
+          </p:cNvPr>
+          <p:cNvSpPr txBox="1"/>
+          <p:nvPr/>
+        </p:nvSpPr>
+        <p:spPr>
+          <a:xfrm>
             <a:off x="2228088" y="2921168"/>
             <a:ext cx="7735824" cy="1015663"/>
           </a:xfrm>
@@ -6762,7 +11342,156 @@
 </p:sld>
 </file>
 
-<file path=ppt/slides/slide16.xml><?xml version="1.0" encoding="utf-8"?>
+<file path=ppt/slides/slide3.xml><?xml version="1.0" encoding="utf-8"?>
+<p:sld xmlns:a="http://schemas.openxmlformats.org/drawingml/2006/main" xmlns:r="http://schemas.openxmlformats.org/officeDocument/2006/relationships" xmlns:p="http://schemas.openxmlformats.org/presentationml/2006/main">
+  <p:cSld>
+    <p:bg>
+      <p:bgPr>
+        <a:blipFill>
+          <a:blip r:embed="rId3"/>
+          <a:tile tx="0" ty="0" sx="100000" sy="100000" flip="none" algn="tl"/>
+        </a:blipFill>
+        <a:effectLst/>
+      </p:bgPr>
+    </p:bg>
+    <p:spTree>
+      <p:nvGrpSpPr>
+        <p:cNvPr id="1" name=""/>
+        <p:cNvGrpSpPr/>
+        <p:nvPr/>
+      </p:nvGrpSpPr>
+      <p:grpSpPr>
+        <a:xfrm>
+          <a:off x="0" y="0"/>
+          <a:ext cx="0" cy="0"/>
+          <a:chOff x="0" y="0"/>
+          <a:chExt cx="0" cy="0"/>
+        </a:xfrm>
+      </p:grpSpPr>
+      <p:sp>
+        <p:nvSpPr>
+          <p:cNvPr id="2" name="文本框 1">
+            <a:extLst>
+              <a:ext uri="{FF2B5EF4-FFF2-40B4-BE49-F238E27FC236}">
+                <a16:creationId xmlns:a16="http://schemas.microsoft.com/office/drawing/2014/main" id="{12AA8BCC-7B15-4842-80C2-48C079429338}"/>
+              </a:ext>
+            </a:extLst>
+          </p:cNvPr>
+          <p:cNvSpPr txBox="1"/>
+          <p:nvPr/>
+        </p:nvSpPr>
+        <p:spPr>
+          <a:xfrm>
+            <a:off x="2520000" y="720000"/>
+            <a:ext cx="7735824" cy="830997"/>
+          </a:xfrm>
+          <a:prstGeom prst="rect">
+            <a:avLst/>
+          </a:prstGeom>
+          <a:noFill/>
+        </p:spPr>
+        <p:txBody>
+          <a:bodyPr wrap="square" rtlCol="0">
+            <a:spAutoFit/>
+          </a:bodyPr>
+          <a:lstStyle/>
+          <a:p>
+            <a:pPr algn="ctr"/>
+            <a:r>
+              <a:rPr kumimoji="1" lang="en-US" altLang="zh-CN" sz="4800" dirty="0">
+                <a:latin typeface="Microsoft YaHei" panose="020B0503020204020204" pitchFamily="34" charset="-122"/>
+                <a:ea typeface="Microsoft YaHei" panose="020B0503020204020204" pitchFamily="34" charset="-122"/>
+              </a:rPr>
+              <a:t>1.</a:t>
+            </a:r>
+            <a:r>
+              <a:rPr kumimoji="1" lang="zh-CN" altLang="en-US" sz="4800" dirty="0">
+                <a:latin typeface="Microsoft YaHei" panose="020B0503020204020204" pitchFamily="34" charset="-122"/>
+                <a:ea typeface="Microsoft YaHei" panose="020B0503020204020204" pitchFamily="34" charset="-122"/>
+              </a:rPr>
+              <a:t> 方法存在的意义</a:t>
+            </a:r>
+          </a:p>
+        </p:txBody>
+      </p:sp>
+      <p:sp>
+        <p:nvSpPr>
+          <p:cNvPr id="8" name="文本框 7">
+            <a:extLst>
+              <a:ext uri="{FF2B5EF4-FFF2-40B4-BE49-F238E27FC236}">
+                <a16:creationId xmlns:a16="http://schemas.microsoft.com/office/drawing/2014/main" id="{B294230C-E86E-7247-BAC6-5F43DED3D0AF}"/>
+              </a:ext>
+            </a:extLst>
+          </p:cNvPr>
+          <p:cNvSpPr txBox="1"/>
+          <p:nvPr/>
+        </p:nvSpPr>
+        <p:spPr>
+          <a:xfrm>
+            <a:off x="5284466" y="2776302"/>
+            <a:ext cx="7443216" cy="2304514"/>
+          </a:xfrm>
+          <a:prstGeom prst="rect">
+            <a:avLst/>
+          </a:prstGeom>
+          <a:noFill/>
+        </p:spPr>
+        <p:txBody>
+          <a:bodyPr wrap="square" tIns="360000" bIns="360000" rtlCol="0">
+            <a:spAutoFit/>
+          </a:bodyPr>
+          <a:lstStyle/>
+          <a:p>
+            <a:pPr>
+              <a:lnSpc>
+                <a:spcPct val="150000"/>
+              </a:lnSpc>
+            </a:pPr>
+            <a:r>
+              <a:rPr kumimoji="1" lang="zh-CN" altLang="en-US" sz="3600" dirty="0">
+                <a:ea typeface="Microsoft YaHei" panose="020B0503020204020204" pitchFamily="34" charset="-122"/>
+              </a:rPr>
+              <a:t>如下情景</a:t>
+            </a:r>
+            <a:endParaRPr kumimoji="1" lang="en-US" altLang="zh-CN" sz="3600" dirty="0">
+              <a:ea typeface="Microsoft YaHei" panose="020B0503020204020204" pitchFamily="34" charset="-122"/>
+            </a:endParaRPr>
+          </a:p>
+          <a:p>
+            <a:pPr>
+              <a:lnSpc>
+                <a:spcPct val="150000"/>
+              </a:lnSpc>
+            </a:pPr>
+            <a:r>
+              <a:rPr kumimoji="1" lang="zh-CN" altLang="en-US" sz="3600" dirty="0">
+                <a:ea typeface="Microsoft YaHei" panose="020B0503020204020204" pitchFamily="34" charset="-122"/>
+              </a:rPr>
+              <a:t>      </a:t>
+            </a:r>
+            <a:r>
+              <a:rPr kumimoji="1" lang="en-US" altLang="zh-CN" sz="3600" dirty="0">
+                <a:ea typeface="Microsoft YaHei" panose="020B0503020204020204" pitchFamily="34" charset="-122"/>
+              </a:rPr>
+              <a:t>…</a:t>
+            </a:r>
+          </a:p>
+        </p:txBody>
+      </p:sp>
+    </p:spTree>
+    <p:extLst>
+      <p:ext uri="{BB962C8B-B14F-4D97-AF65-F5344CB8AC3E}">
+        <p14:creationId xmlns:p14="http://schemas.microsoft.com/office/powerpoint/2010/main" val="2037433810"/>
+      </p:ext>
+    </p:extLst>
+  </p:cSld>
+  <p:clrMapOvr>
+    <a:masterClrMapping/>
+  </p:clrMapOvr>
+</p:sld>
+</file>
+
+<file path=ppt/slides/slide30.xml><?xml version="1.0" encoding="utf-8"?>
 <p:sld xmlns:a="http://schemas.openxmlformats.org/drawingml/2006/main" xmlns:r="http://schemas.openxmlformats.org/officeDocument/2006/relationships" xmlns:p="http://schemas.openxmlformats.org/presentationml/2006/main">
   <p:cSld>
     <p:bg>
@@ -6806,585 +11535,6 @@
 </p:sld>
 </file>
 
-<file path=ppt/slides/slide2.xml><?xml version="1.0" encoding="utf-8"?>
-<p:sld xmlns:a="http://schemas.openxmlformats.org/drawingml/2006/main" xmlns:r="http://schemas.openxmlformats.org/officeDocument/2006/relationships" xmlns:p="http://schemas.openxmlformats.org/presentationml/2006/main">
-  <p:cSld>
-    <p:bg>
-      <p:bgPr>
-        <a:blipFill>
-          <a:blip r:embed="rId3"/>
-          <a:tile tx="0" ty="0" sx="100000" sy="100000" flip="none" algn="tl"/>
-        </a:blipFill>
-        <a:effectLst/>
-      </p:bgPr>
-    </p:bg>
-    <p:spTree>
-      <p:nvGrpSpPr>
-        <p:cNvPr id="1" name=""/>
-        <p:cNvGrpSpPr/>
-        <p:nvPr/>
-      </p:nvGrpSpPr>
-      <p:grpSpPr>
-        <a:xfrm>
-          <a:off x="0" y="0"/>
-          <a:ext cx="0" cy="0"/>
-          <a:chOff x="0" y="0"/>
-          <a:chExt cx="0" cy="0"/>
-        </a:xfrm>
-      </p:grpSpPr>
-      <p:sp>
-        <p:nvSpPr>
-          <p:cNvPr id="2" name="文本框 1">
-            <a:extLst>
-              <a:ext uri="{FF2B5EF4-FFF2-40B4-BE49-F238E27FC236}">
-                <a16:creationId xmlns:a16="http://schemas.microsoft.com/office/drawing/2014/main" id="{12AA8BCC-7B15-4842-80C2-48C079429338}"/>
-              </a:ext>
-            </a:extLst>
-          </p:cNvPr>
-          <p:cNvSpPr txBox="1"/>
-          <p:nvPr/>
-        </p:nvSpPr>
-        <p:spPr>
-          <a:xfrm>
-            <a:off x="2520000" y="720000"/>
-            <a:ext cx="7735824" cy="830997"/>
-          </a:xfrm>
-          <a:prstGeom prst="rect">
-            <a:avLst/>
-          </a:prstGeom>
-          <a:noFill/>
-        </p:spPr>
-        <p:txBody>
-          <a:bodyPr wrap="square" rtlCol="0">
-            <a:spAutoFit/>
-          </a:bodyPr>
-          <a:lstStyle/>
-          <a:p>
-            <a:pPr algn="ctr"/>
-            <a:r>
-              <a:rPr kumimoji="1" lang="zh-CN" altLang="en-US" sz="4800" dirty="0">
-                <a:latin typeface="Microsoft YaHei" panose="020B0503020204020204" pitchFamily="34" charset="-122"/>
-                <a:ea typeface="Microsoft YaHei" panose="020B0503020204020204" pitchFamily="34" charset="-122"/>
-              </a:rPr>
-              <a:t>这节课讲啥？</a:t>
-            </a:r>
-          </a:p>
-        </p:txBody>
-      </p:sp>
-      <p:sp>
-        <p:nvSpPr>
-          <p:cNvPr id="8" name="文本框 7">
-            <a:extLst>
-              <a:ext uri="{FF2B5EF4-FFF2-40B4-BE49-F238E27FC236}">
-                <a16:creationId xmlns:a16="http://schemas.microsoft.com/office/drawing/2014/main" id="{B294230C-E86E-7247-BAC6-5F43DED3D0AF}"/>
-              </a:ext>
-            </a:extLst>
-          </p:cNvPr>
-          <p:cNvSpPr txBox="1"/>
-          <p:nvPr/>
-        </p:nvSpPr>
-        <p:spPr>
-          <a:xfrm>
-            <a:off x="3271084" y="1550997"/>
-            <a:ext cx="7443216" cy="8064937"/>
-          </a:xfrm>
-          <a:prstGeom prst="rect">
-            <a:avLst/>
-          </a:prstGeom>
-          <a:noFill/>
-        </p:spPr>
-        <p:txBody>
-          <a:bodyPr wrap="square" tIns="360000" bIns="360000" rtlCol="0">
-            <a:spAutoFit/>
-          </a:bodyPr>
-          <a:lstStyle/>
-          <a:p>
-            <a:pPr marL="571500" indent="-571500">
-              <a:buFont typeface="Wingdings" pitchFamily="2" charset="2"/>
-              <a:buChar char="Ø"/>
-            </a:pPr>
-            <a:r>
-              <a:rPr kumimoji="1" lang="zh-CN" altLang="en-US" sz="2800" dirty="0">
-                <a:latin typeface="Microsoft YaHei" panose="020B0503020204020204" pitchFamily="34" charset="-122"/>
-                <a:ea typeface="Microsoft YaHei" panose="020B0503020204020204" pitchFamily="34" charset="-122"/>
-              </a:rPr>
-              <a:t>定义方法</a:t>
-            </a:r>
-            <a:endParaRPr kumimoji="1" lang="en-US" altLang="zh-CN" sz="2800" dirty="0">
-              <a:latin typeface="Microsoft YaHei" panose="020B0503020204020204" pitchFamily="34" charset="-122"/>
-              <a:ea typeface="Microsoft YaHei" panose="020B0503020204020204" pitchFamily="34" charset="-122"/>
-            </a:endParaRPr>
-          </a:p>
-          <a:p>
-            <a:pPr marL="571500" indent="-571500">
-              <a:lnSpc>
-                <a:spcPct val="150000"/>
-              </a:lnSpc>
-              <a:spcBef>
-                <a:spcPts val="100"/>
-              </a:spcBef>
-              <a:buFont typeface="Wingdings" pitchFamily="2" charset="2"/>
-              <a:buChar char="Ø"/>
-            </a:pPr>
-            <a:r>
-              <a:rPr kumimoji="1" lang="zh-CN" altLang="en-US" sz="2800" dirty="0">
-                <a:latin typeface="Microsoft YaHei" panose="020B0503020204020204" pitchFamily="34" charset="-122"/>
-                <a:ea typeface="Microsoft YaHei" panose="020B0503020204020204" pitchFamily="34" charset="-122"/>
-              </a:rPr>
-              <a:t>调用方法</a:t>
-            </a:r>
-          </a:p>
-          <a:p>
-            <a:pPr marL="571500" indent="-571500">
-              <a:lnSpc>
-                <a:spcPct val="150000"/>
-              </a:lnSpc>
-              <a:buFont typeface="Wingdings" pitchFamily="2" charset="2"/>
-              <a:buChar char="Ø"/>
-            </a:pPr>
-            <a:r>
-              <a:rPr kumimoji="1" lang="en-US" altLang="zh-CN" sz="2800" dirty="0">
-                <a:ea typeface="Microsoft YaHei" panose="020B0503020204020204" pitchFamily="34" charset="-122"/>
-              </a:rPr>
-              <a:t>Void</a:t>
-            </a:r>
-            <a:r>
-              <a:rPr kumimoji="1" lang="zh-CN" altLang="en-US" sz="2800" dirty="0">
-                <a:ea typeface="Microsoft YaHei" panose="020B0503020204020204" pitchFamily="34" charset="-122"/>
-              </a:rPr>
-              <a:t> 方法</a:t>
-            </a:r>
-            <a:endParaRPr kumimoji="1" lang="en-US" altLang="zh-CN" sz="2800" dirty="0">
-              <a:ea typeface="Microsoft YaHei" panose="020B0503020204020204" pitchFamily="34" charset="-122"/>
-            </a:endParaRPr>
-          </a:p>
-          <a:p>
-            <a:pPr marL="571500" indent="-571500">
-              <a:lnSpc>
-                <a:spcPct val="150000"/>
-              </a:lnSpc>
-              <a:buFont typeface="Wingdings" pitchFamily="2" charset="2"/>
-              <a:buChar char="Ø"/>
-            </a:pPr>
-            <a:r>
-              <a:rPr kumimoji="1" lang="zh-CN" altLang="en-US" sz="2800" dirty="0">
-                <a:ea typeface="Microsoft YaHei" panose="020B0503020204020204" pitchFamily="34" charset="-122"/>
-              </a:rPr>
-              <a:t>按值作为参数传递</a:t>
-            </a:r>
-            <a:endParaRPr kumimoji="1" lang="en-US" altLang="zh-CN" sz="2800" dirty="0">
-              <a:ea typeface="Microsoft YaHei" panose="020B0503020204020204" pitchFamily="34" charset="-122"/>
-            </a:endParaRPr>
-          </a:p>
-          <a:p>
-            <a:pPr marL="571500" indent="-571500">
-              <a:lnSpc>
-                <a:spcPct val="150000"/>
-              </a:lnSpc>
-              <a:buFont typeface="Wingdings" pitchFamily="2" charset="2"/>
-              <a:buChar char="Ø"/>
-            </a:pPr>
-            <a:r>
-              <a:rPr kumimoji="1" lang="zh-CN" altLang="en-US" sz="2800" dirty="0">
-                <a:ea typeface="Microsoft YaHei" panose="020B0503020204020204" pitchFamily="34" charset="-122"/>
-              </a:rPr>
-              <a:t>模块化代码</a:t>
-            </a:r>
-            <a:endParaRPr kumimoji="1" lang="en-US" altLang="zh-CN" sz="2800" dirty="0">
-              <a:ea typeface="Microsoft YaHei" panose="020B0503020204020204" pitchFamily="34" charset="-122"/>
-            </a:endParaRPr>
-          </a:p>
-          <a:p>
-            <a:pPr marL="571500" indent="-571500">
-              <a:lnSpc>
-                <a:spcPct val="150000"/>
-              </a:lnSpc>
-              <a:buFont typeface="Wingdings" pitchFamily="2" charset="2"/>
-              <a:buChar char="Ø"/>
-            </a:pPr>
-            <a:r>
-              <a:rPr kumimoji="1" lang="zh-CN" altLang="en-US" sz="2800" dirty="0">
-                <a:ea typeface="Microsoft YaHei" panose="020B0503020204020204" pitchFamily="34" charset="-122"/>
-              </a:rPr>
-              <a:t>重载方法</a:t>
-            </a:r>
-            <a:endParaRPr kumimoji="1" lang="en-US" altLang="zh-CN" sz="2800" dirty="0">
-              <a:ea typeface="Microsoft YaHei" panose="020B0503020204020204" pitchFamily="34" charset="-122"/>
-            </a:endParaRPr>
-          </a:p>
-          <a:p>
-            <a:pPr marL="571500" indent="-571500">
-              <a:lnSpc>
-                <a:spcPct val="150000"/>
-              </a:lnSpc>
-              <a:buFont typeface="Wingdings" pitchFamily="2" charset="2"/>
-              <a:buChar char="Ø"/>
-            </a:pPr>
-            <a:r>
-              <a:rPr kumimoji="1" lang="zh-CN" altLang="en-US" sz="2800" dirty="0">
-                <a:ea typeface="Microsoft YaHei" panose="020B0503020204020204" pitchFamily="34" charset="-122"/>
-              </a:rPr>
-              <a:t>如何自顶</a:t>
-            </a:r>
-            <a:r>
-              <a:rPr kumimoji="1" lang="zh-CN" altLang="en-US" sz="2800">
-                <a:ea typeface="Microsoft YaHei" panose="020B0503020204020204" pitchFamily="34" charset="-122"/>
-              </a:rPr>
-              <a:t>向下地设计方法</a:t>
-            </a:r>
-            <a:endParaRPr kumimoji="1" lang="en-US" altLang="zh-CN" sz="2800" dirty="0">
-              <a:ea typeface="Microsoft YaHei" panose="020B0503020204020204" pitchFamily="34" charset="-122"/>
-            </a:endParaRPr>
-          </a:p>
-          <a:p>
-            <a:pPr>
-              <a:lnSpc>
-                <a:spcPct val="150000"/>
-              </a:lnSpc>
-            </a:pPr>
-            <a:endParaRPr kumimoji="1" lang="en-US" altLang="zh-CN" sz="2800" dirty="0">
-              <a:ea typeface="Microsoft YaHei" panose="020B0503020204020204" pitchFamily="34" charset="-122"/>
-            </a:endParaRPr>
-          </a:p>
-          <a:p>
-            <a:pPr>
-              <a:lnSpc>
-                <a:spcPct val="150000"/>
-              </a:lnSpc>
-            </a:pPr>
-            <a:endParaRPr kumimoji="1" lang="en-US" altLang="zh-CN" sz="2800" dirty="0">
-              <a:latin typeface="Microsoft YaHei" panose="020B0503020204020204" pitchFamily="34" charset="-122"/>
-              <a:ea typeface="Microsoft YaHei" panose="020B0503020204020204" pitchFamily="34" charset="-122"/>
-            </a:endParaRPr>
-          </a:p>
-          <a:p>
-            <a:endParaRPr kumimoji="1" lang="zh-CN" altLang="en-US" sz="2800" dirty="0">
-              <a:latin typeface="Microsoft YaHei" panose="020B0503020204020204" pitchFamily="34" charset="-122"/>
-              <a:ea typeface="Microsoft YaHei" panose="020B0503020204020204" pitchFamily="34" charset="-122"/>
-            </a:endParaRPr>
-          </a:p>
-          <a:p>
-            <a:endParaRPr kumimoji="1" lang="zh-CN" altLang="en-US" sz="2800" dirty="0"/>
-          </a:p>
-          <a:p>
-            <a:endParaRPr kumimoji="1" lang="en-US" altLang="zh-CN" sz="2800" dirty="0"/>
-          </a:p>
-          <a:p>
-            <a:r>
-              <a:rPr kumimoji="1" lang="en-US" altLang="zh-CN" sz="2800" dirty="0"/>
-              <a:t>	</a:t>
-            </a:r>
-            <a:endParaRPr kumimoji="1" lang="zh-CN" altLang="en-US" sz="2800" dirty="0"/>
-          </a:p>
-        </p:txBody>
-      </p:sp>
-    </p:spTree>
-    <p:extLst>
-      <p:ext uri="{BB962C8B-B14F-4D97-AF65-F5344CB8AC3E}">
-        <p14:creationId xmlns:p14="http://schemas.microsoft.com/office/powerpoint/2010/main" val="4038558307"/>
-      </p:ext>
-    </p:extLst>
-  </p:cSld>
-  <p:clrMapOvr>
-    <a:masterClrMapping/>
-  </p:clrMapOvr>
-</p:sld>
-</file>
-
-<file path=ppt/slides/slide3.xml><?xml version="1.0" encoding="utf-8"?>
-<p:sld xmlns:a="http://schemas.openxmlformats.org/drawingml/2006/main" xmlns:r="http://schemas.openxmlformats.org/officeDocument/2006/relationships" xmlns:p="http://schemas.openxmlformats.org/presentationml/2006/main">
-  <p:cSld>
-    <p:bg>
-      <p:bgPr>
-        <a:blipFill>
-          <a:blip r:embed="rId3"/>
-          <a:tile tx="0" ty="0" sx="100000" sy="100000" flip="none" algn="tl"/>
-        </a:blipFill>
-        <a:effectLst/>
-      </p:bgPr>
-    </p:bg>
-    <p:spTree>
-      <p:nvGrpSpPr>
-        <p:cNvPr id="1" name=""/>
-        <p:cNvGrpSpPr/>
-        <p:nvPr/>
-      </p:nvGrpSpPr>
-      <p:grpSpPr>
-        <a:xfrm>
-          <a:off x="0" y="0"/>
-          <a:ext cx="0" cy="0"/>
-          <a:chOff x="0" y="0"/>
-          <a:chExt cx="0" cy="0"/>
-        </a:xfrm>
-      </p:grpSpPr>
-      <p:sp>
-        <p:nvSpPr>
-          <p:cNvPr id="2" name="文本框 1">
-            <a:extLst>
-              <a:ext uri="{FF2B5EF4-FFF2-40B4-BE49-F238E27FC236}">
-                <a16:creationId xmlns:a16="http://schemas.microsoft.com/office/drawing/2014/main" id="{12AA8BCC-7B15-4842-80C2-48C079429338}"/>
-              </a:ext>
-            </a:extLst>
-          </p:cNvPr>
-          <p:cNvSpPr txBox="1"/>
-          <p:nvPr/>
-        </p:nvSpPr>
-        <p:spPr>
-          <a:xfrm>
-            <a:off x="2520000" y="720000"/>
-            <a:ext cx="7735824" cy="830997"/>
-          </a:xfrm>
-          <a:prstGeom prst="rect">
-            <a:avLst/>
-          </a:prstGeom>
-          <a:noFill/>
-        </p:spPr>
-        <p:txBody>
-          <a:bodyPr wrap="square" rtlCol="0">
-            <a:spAutoFit/>
-          </a:bodyPr>
-          <a:lstStyle/>
-          <a:p>
-            <a:pPr algn="ctr"/>
-            <a:r>
-              <a:rPr kumimoji="1" lang="en-US" altLang="zh-CN" sz="4800" dirty="0">
-                <a:latin typeface="Microsoft YaHei" panose="020B0503020204020204" pitchFamily="34" charset="-122"/>
-                <a:ea typeface="Microsoft YaHei" panose="020B0503020204020204" pitchFamily="34" charset="-122"/>
-              </a:rPr>
-              <a:t>1.</a:t>
-            </a:r>
-            <a:r>
-              <a:rPr kumimoji="1" lang="zh-CN" altLang="en-US" sz="4800" dirty="0">
-                <a:latin typeface="Microsoft YaHei" panose="020B0503020204020204" pitchFamily="34" charset="-122"/>
-                <a:ea typeface="Microsoft YaHei" panose="020B0503020204020204" pitchFamily="34" charset="-122"/>
-              </a:rPr>
-              <a:t> 如何读取控制台数据</a:t>
-            </a:r>
-          </a:p>
-        </p:txBody>
-      </p:sp>
-      <p:sp>
-        <p:nvSpPr>
-          <p:cNvPr id="8" name="文本框 7">
-            <a:extLst>
-              <a:ext uri="{FF2B5EF4-FFF2-40B4-BE49-F238E27FC236}">
-                <a16:creationId xmlns:a16="http://schemas.microsoft.com/office/drawing/2014/main" id="{B294230C-E86E-7247-BAC6-5F43DED3D0AF}"/>
-              </a:ext>
-            </a:extLst>
-          </p:cNvPr>
-          <p:cNvSpPr txBox="1"/>
-          <p:nvPr/>
-        </p:nvSpPr>
-        <p:spPr>
-          <a:xfrm>
-            <a:off x="2374392" y="1550997"/>
-            <a:ext cx="7443216" cy="4537049"/>
-          </a:xfrm>
-          <a:prstGeom prst="rect">
-            <a:avLst/>
-          </a:prstGeom>
-          <a:noFill/>
-        </p:spPr>
-        <p:txBody>
-          <a:bodyPr wrap="square" tIns="360000" bIns="360000" rtlCol="0">
-            <a:spAutoFit/>
-          </a:bodyPr>
-          <a:lstStyle/>
-          <a:p>
-            <a:pPr marL="457200" indent="-457200">
-              <a:lnSpc>
-                <a:spcPct val="150000"/>
-              </a:lnSpc>
-              <a:buFont typeface="Arial" panose="020B0604020202020204" pitchFamily="34" charset="0"/>
-              <a:buChar char="•"/>
-            </a:pPr>
-            <a:r>
-              <a:rPr kumimoji="1" lang="en-US" altLang="zh-CN" sz="2800" dirty="0">
-                <a:latin typeface="Microsoft YaHei" panose="020B0503020204020204" pitchFamily="34" charset="-122"/>
-                <a:ea typeface="Microsoft YaHei" panose="020B0503020204020204" pitchFamily="34" charset="-122"/>
-              </a:rPr>
-              <a:t>C</a:t>
-            </a:r>
-            <a:r>
-              <a:rPr kumimoji="1" lang="zh-CN" altLang="en-US" sz="2800" dirty="0">
-                <a:latin typeface="Microsoft YaHei" panose="020B0503020204020204" pitchFamily="34" charset="-122"/>
-                <a:ea typeface="Microsoft YaHei" panose="020B0503020204020204" pitchFamily="34" charset="-122"/>
-              </a:rPr>
-              <a:t> 语言： </a:t>
-            </a:r>
-            <a:r>
-              <a:rPr kumimoji="1" lang="en-US" altLang="zh-CN" sz="2800" dirty="0" err="1">
-                <a:latin typeface="Microsoft YaHei" panose="020B0503020204020204" pitchFamily="34" charset="-122"/>
-                <a:ea typeface="Microsoft YaHei" panose="020B0503020204020204" pitchFamily="34" charset="-122"/>
-              </a:rPr>
-              <a:t>scanf</a:t>
-            </a:r>
-            <a:r>
-              <a:rPr kumimoji="1" lang="en-US" altLang="zh-CN" sz="2800" dirty="0">
-                <a:latin typeface="Microsoft YaHei" panose="020B0503020204020204" pitchFamily="34" charset="-122"/>
-                <a:ea typeface="Microsoft YaHei" panose="020B0503020204020204" pitchFamily="34" charset="-122"/>
-              </a:rPr>
-              <a:t>(),</a:t>
-            </a:r>
-            <a:r>
-              <a:rPr kumimoji="1" lang="zh-CN" altLang="en-US" sz="2800" dirty="0">
-                <a:latin typeface="Microsoft YaHei" panose="020B0503020204020204" pitchFamily="34" charset="-122"/>
-                <a:ea typeface="Microsoft YaHei" panose="020B0503020204020204" pitchFamily="34" charset="-122"/>
-              </a:rPr>
-              <a:t> </a:t>
-            </a:r>
-            <a:r>
-              <a:rPr kumimoji="1" lang="en-US" altLang="zh-CN" sz="2800" dirty="0" err="1">
-                <a:latin typeface="Microsoft YaHei" panose="020B0503020204020204" pitchFamily="34" charset="-122"/>
-                <a:ea typeface="Microsoft YaHei" panose="020B0503020204020204" pitchFamily="34" charset="-122"/>
-              </a:rPr>
-              <a:t>getChar</a:t>
-            </a:r>
-            <a:r>
-              <a:rPr kumimoji="1" lang="en-US" altLang="zh-CN" sz="2800" dirty="0">
-                <a:latin typeface="Microsoft YaHei" panose="020B0503020204020204" pitchFamily="34" charset="-122"/>
-                <a:ea typeface="Microsoft YaHei" panose="020B0503020204020204" pitchFamily="34" charset="-122"/>
-              </a:rPr>
-              <a:t>()…</a:t>
-            </a:r>
-          </a:p>
-          <a:p>
-            <a:pPr marL="457200" indent="-457200">
-              <a:lnSpc>
-                <a:spcPct val="150000"/>
-              </a:lnSpc>
-              <a:buFont typeface="Arial" panose="020B0604020202020204" pitchFamily="34" charset="0"/>
-              <a:buChar char="•"/>
-            </a:pPr>
-            <a:r>
-              <a:rPr kumimoji="1" lang="en-US" altLang="zh-CN" sz="2800" dirty="0">
-                <a:latin typeface="Microsoft YaHei" panose="020B0503020204020204" pitchFamily="34" charset="-122"/>
-                <a:ea typeface="Microsoft YaHei" panose="020B0503020204020204" pitchFamily="34" charset="-122"/>
-              </a:rPr>
-              <a:t>Java:</a:t>
-            </a:r>
-          </a:p>
-          <a:p>
-            <a:pPr marL="514350" indent="-514350">
-              <a:lnSpc>
-                <a:spcPct val="150000"/>
-              </a:lnSpc>
-              <a:buFont typeface="+mj-lt"/>
-              <a:buAutoNum type="arabicPeriod"/>
-            </a:pPr>
-            <a:r>
-              <a:rPr kumimoji="1" lang="en-US" altLang="zh-CN" sz="2800" dirty="0" err="1">
-                <a:latin typeface="Microsoft YaHei" panose="020B0503020204020204" pitchFamily="34" charset="-122"/>
-                <a:ea typeface="Microsoft YaHei" panose="020B0503020204020204" pitchFamily="34" charset="-122"/>
-              </a:rPr>
-              <a:t>System.out</a:t>
-            </a:r>
-            <a:r>
-              <a:rPr kumimoji="1" lang="zh-CN" altLang="en-US" sz="2800" dirty="0">
-                <a:latin typeface="Microsoft YaHei" panose="020B0503020204020204" pitchFamily="34" charset="-122"/>
-                <a:ea typeface="Microsoft YaHei" panose="020B0503020204020204" pitchFamily="34" charset="-122"/>
-              </a:rPr>
-              <a:t>表示标准输出设备</a:t>
-            </a:r>
-            <a:endParaRPr kumimoji="1" lang="en-US" altLang="zh-CN" sz="2800" dirty="0">
-              <a:latin typeface="Microsoft YaHei" panose="020B0503020204020204" pitchFamily="34" charset="-122"/>
-              <a:ea typeface="Microsoft YaHei" panose="020B0503020204020204" pitchFamily="34" charset="-122"/>
-            </a:endParaRPr>
-          </a:p>
-          <a:p>
-            <a:pPr marL="514350" indent="-514350">
-              <a:lnSpc>
-                <a:spcPct val="150000"/>
-              </a:lnSpc>
-              <a:buFont typeface="+mj-lt"/>
-              <a:buAutoNum type="arabicPeriod"/>
-            </a:pPr>
-            <a:r>
-              <a:rPr kumimoji="1" lang="en-US" altLang="zh-CN" sz="2800" dirty="0" err="1">
-                <a:latin typeface="Microsoft YaHei" panose="020B0503020204020204" pitchFamily="34" charset="-122"/>
-                <a:ea typeface="Microsoft YaHei" panose="020B0503020204020204" pitchFamily="34" charset="-122"/>
-              </a:rPr>
-              <a:t>System.in</a:t>
-            </a:r>
-            <a:r>
-              <a:rPr kumimoji="1" lang="zh-CN" altLang="en-US" sz="2800" dirty="0">
-                <a:latin typeface="Microsoft YaHei" panose="020B0503020204020204" pitchFamily="34" charset="-122"/>
-                <a:ea typeface="Microsoft YaHei" panose="020B0503020204020204" pitchFamily="34" charset="-122"/>
-              </a:rPr>
-              <a:t>表示标准输入设备。</a:t>
-            </a:r>
-            <a:endParaRPr kumimoji="1" lang="en-US" altLang="zh-CN" sz="2800" dirty="0">
-              <a:latin typeface="Microsoft YaHei" panose="020B0503020204020204" pitchFamily="34" charset="-122"/>
-              <a:ea typeface="Microsoft YaHei" panose="020B0503020204020204" pitchFamily="34" charset="-122"/>
-            </a:endParaRPr>
-          </a:p>
-          <a:p>
-            <a:pPr>
-              <a:lnSpc>
-                <a:spcPct val="150000"/>
-              </a:lnSpc>
-            </a:pPr>
-            <a:r>
-              <a:rPr kumimoji="1" lang="en-US" altLang="zh-CN" sz="2800" dirty="0">
-                <a:latin typeface="Microsoft YaHei" panose="020B0503020204020204" pitchFamily="34" charset="-122"/>
-                <a:ea typeface="Microsoft YaHei" panose="020B0503020204020204" pitchFamily="34" charset="-122"/>
-              </a:rPr>
-              <a:t>Java</a:t>
-            </a:r>
-            <a:r>
-              <a:rPr kumimoji="1" lang="zh-CN" altLang="en-US" sz="2800" dirty="0">
-                <a:latin typeface="Microsoft YaHei" panose="020B0503020204020204" pitchFamily="34" charset="-122"/>
-                <a:ea typeface="Microsoft YaHei" panose="020B0503020204020204" pitchFamily="34" charset="-122"/>
-              </a:rPr>
-              <a:t> 不直接支持控制台输入，但可以用它提供的</a:t>
-            </a:r>
-            <a:r>
-              <a:rPr kumimoji="1" lang="en-US" altLang="zh-CN" sz="2800" dirty="0">
-                <a:latin typeface="Microsoft YaHei" panose="020B0503020204020204" pitchFamily="34" charset="-122"/>
-                <a:ea typeface="Microsoft YaHei" panose="020B0503020204020204" pitchFamily="34" charset="-122"/>
-              </a:rPr>
-              <a:t>Scanner</a:t>
-            </a:r>
-            <a:r>
-              <a:rPr kumimoji="1" lang="zh-CN" altLang="en-US" sz="2800" dirty="0">
-                <a:latin typeface="Microsoft YaHei" panose="020B0503020204020204" pitchFamily="34" charset="-122"/>
-                <a:ea typeface="Microsoft YaHei" panose="020B0503020204020204" pitchFamily="34" charset="-122"/>
-              </a:rPr>
-              <a:t>类读取来自</a:t>
-            </a:r>
-            <a:r>
-              <a:rPr kumimoji="1" lang="en-US" altLang="zh-CN" sz="2800" dirty="0" err="1">
-                <a:latin typeface="Microsoft YaHei" panose="020B0503020204020204" pitchFamily="34" charset="-122"/>
-                <a:ea typeface="Microsoft YaHei" panose="020B0503020204020204" pitchFamily="34" charset="-122"/>
-              </a:rPr>
-              <a:t>System.in</a:t>
-            </a:r>
-            <a:r>
-              <a:rPr kumimoji="1" lang="zh-CN" altLang="en-US" sz="2800" dirty="0">
-                <a:latin typeface="Microsoft YaHei" panose="020B0503020204020204" pitchFamily="34" charset="-122"/>
-                <a:ea typeface="Microsoft YaHei" panose="020B0503020204020204" pitchFamily="34" charset="-122"/>
-              </a:rPr>
-              <a:t>的输入。</a:t>
-            </a:r>
-            <a:endParaRPr kumimoji="1" lang="en-US" altLang="zh-CN" sz="2800" dirty="0">
-              <a:ea typeface="Microsoft YaHei" panose="020B0503020204020204" pitchFamily="34" charset="-122"/>
-            </a:endParaRPr>
-          </a:p>
-        </p:txBody>
-      </p:sp>
-    </p:spTree>
-    <p:extLst>
-      <p:ext uri="{BB962C8B-B14F-4D97-AF65-F5344CB8AC3E}">
-        <p14:creationId xmlns:p14="http://schemas.microsoft.com/office/powerpoint/2010/main" val="1217957394"/>
-      </p:ext>
-    </p:extLst>
-  </p:cSld>
-  <p:clrMapOvr>
-    <a:masterClrMapping/>
-  </p:clrMapOvr>
-</p:sld>
-</file>
-
 <file path=ppt/slides/slide4.xml><?xml version="1.0" encoding="utf-8"?>
 <p:sld xmlns:a="http://schemas.openxmlformats.org/drawingml/2006/main" xmlns:r="http://schemas.openxmlformats.org/officeDocument/2006/relationships" xmlns:p="http://schemas.openxmlformats.org/presentationml/2006/main">
   <p:cSld>
@@ -7411,234 +11561,40 @@
           <a:chExt cx="0" cy="0"/>
         </a:xfrm>
       </p:grpSpPr>
-      <p:sp>
-        <p:nvSpPr>
-          <p:cNvPr id="2" name="文本框 1">
+      <p:pic>
+        <p:nvPicPr>
+          <p:cNvPr id="4" name="图片 3">
             <a:extLst>
               <a:ext uri="{FF2B5EF4-FFF2-40B4-BE49-F238E27FC236}">
-                <a16:creationId xmlns:a16="http://schemas.microsoft.com/office/drawing/2014/main" id="{12AA8BCC-7B15-4842-80C2-48C079429338}"/>
+                <a16:creationId xmlns:a16="http://schemas.microsoft.com/office/drawing/2014/main" id="{8A0DE92A-3138-DD4F-A55D-9DE96C2014A9}"/>
               </a:ext>
             </a:extLst>
           </p:cNvPr>
-          <p:cNvSpPr txBox="1"/>
+          <p:cNvPicPr>
+            <a:picLocks noChangeAspect="1"/>
+          </p:cNvPicPr>
           <p:nvPr/>
-        </p:nvSpPr>
+        </p:nvPicPr>
+        <p:blipFill>
+          <a:blip r:embed="rId4"/>
+          <a:stretch>
+            <a:fillRect/>
+          </a:stretch>
+        </p:blipFill>
         <p:spPr>
           <a:xfrm>
-            <a:off x="2234234" y="597430"/>
-            <a:ext cx="9132000" cy="830997"/>
+            <a:off x="4384601" y="0"/>
+            <a:ext cx="4100181" cy="6858000"/>
           </a:xfrm>
           <a:prstGeom prst="rect">
             <a:avLst/>
           </a:prstGeom>
-          <a:noFill/>
         </p:spPr>
-        <p:txBody>
-          <a:bodyPr wrap="square" rtlCol="0">
-            <a:spAutoFit/>
-          </a:bodyPr>
-          <a:lstStyle/>
-          <a:p>
-            <a:pPr algn="ctr"/>
-            <a:r>
-              <a:rPr kumimoji="1" lang="en-US" altLang="zh-CN" sz="4800" dirty="0">
-                <a:latin typeface="Microsoft YaHei" panose="020B0503020204020204" pitchFamily="34" charset="-122"/>
-                <a:ea typeface="Microsoft YaHei" panose="020B0503020204020204" pitchFamily="34" charset="-122"/>
-              </a:rPr>
-              <a:t>2.</a:t>
-            </a:r>
-            <a:r>
-              <a:rPr kumimoji="1" lang="zh-CN" altLang="en-US" sz="4800" dirty="0">
-                <a:latin typeface="Microsoft YaHei" panose="020B0503020204020204" pitchFamily="34" charset="-122"/>
-                <a:ea typeface="Microsoft YaHei" panose="020B0503020204020204" pitchFamily="34" charset="-122"/>
-              </a:rPr>
-              <a:t>标识符</a:t>
-            </a:r>
-          </a:p>
-        </p:txBody>
-      </p:sp>
-      <p:sp>
-        <p:nvSpPr>
-          <p:cNvPr id="3" name="文本框 2">
-            <a:extLst>
-              <a:ext uri="{FF2B5EF4-FFF2-40B4-BE49-F238E27FC236}">
-                <a16:creationId xmlns:a16="http://schemas.microsoft.com/office/drawing/2014/main" id="{C0CFBE9F-84F2-FE48-AC8E-D41196C42DBA}"/>
-              </a:ext>
-            </a:extLst>
-          </p:cNvPr>
-          <p:cNvSpPr txBox="1"/>
-          <p:nvPr/>
-        </p:nvSpPr>
-        <p:spPr>
-          <a:xfrm>
-            <a:off x="1731818" y="2015173"/>
-            <a:ext cx="8728364" cy="4109587"/>
-          </a:xfrm>
-          <a:prstGeom prst="rect">
-            <a:avLst/>
-          </a:prstGeom>
-          <a:noFill/>
-        </p:spPr>
-        <p:txBody>
-          <a:bodyPr wrap="square" rtlCol="0">
-            <a:spAutoFit/>
-          </a:bodyPr>
-          <a:lstStyle/>
-          <a:p>
-            <a:pPr marL="457200" indent="-457200">
-              <a:buFont typeface="Arial" panose="020B0604020202020204" pitchFamily="34" charset="0"/>
-              <a:buChar char="•"/>
-            </a:pPr>
-            <a:r>
-              <a:rPr lang="zh-CN" altLang="en-US" sz="2800" dirty="0"/>
-              <a:t>标识符</a:t>
-            </a:r>
-            <a:r>
-              <a:rPr lang="en-US" altLang="zh-CN" sz="2800" dirty="0"/>
-              <a:t>:</a:t>
-            </a:r>
-            <a:r>
-              <a:rPr lang="zh-CN" altLang="en-US" sz="2800" dirty="0"/>
-              <a:t>  为了标识程序中的变量，函数，类而采用的命名。是由字母、数字、下划线</a:t>
-            </a:r>
-            <a:r>
-              <a:rPr lang="en-US" altLang="zh-CN" sz="2800" dirty="0"/>
-              <a:t>(_)</a:t>
-            </a:r>
-            <a:r>
-              <a:rPr lang="zh-CN" altLang="en-US" sz="2800" dirty="0"/>
-              <a:t>和美元符号</a:t>
-            </a:r>
-            <a:r>
-              <a:rPr lang="en-US" altLang="zh-CN" sz="2800" dirty="0"/>
-              <a:t>($)</a:t>
-            </a:r>
-            <a:r>
-              <a:rPr lang="zh-CN" altLang="en-US" sz="2800" dirty="0"/>
-              <a:t>构成的字符序列。 </a:t>
-            </a:r>
-          </a:p>
-          <a:p>
-            <a:pPr marL="457200" indent="-457200">
-              <a:buFont typeface="Arial" panose="020B0604020202020204" pitchFamily="34" charset="0"/>
-              <a:buChar char="•"/>
-            </a:pPr>
-            <a:r>
-              <a:rPr lang="zh-CN" altLang="en-US" sz="2800" dirty="0"/>
-              <a:t>标识符必须以字母、下划线</a:t>
-            </a:r>
-            <a:r>
-              <a:rPr lang="en-US" altLang="zh-CN" sz="2800" dirty="0"/>
-              <a:t>(_)</a:t>
-            </a:r>
-            <a:r>
-              <a:rPr lang="zh-CN" altLang="en-US" sz="2800" dirty="0"/>
-              <a:t>或美元符号</a:t>
-            </a:r>
-            <a:r>
-              <a:rPr lang="en-US" altLang="zh-CN" sz="2800" dirty="0"/>
-              <a:t>($)</a:t>
-            </a:r>
-            <a:r>
-              <a:rPr lang="zh-CN" altLang="en-US" sz="2800" dirty="0"/>
-              <a:t>开头，不能以数字开头。 </a:t>
-            </a:r>
-            <a:endParaRPr lang="en-US" altLang="zh-CN" sz="2800" dirty="0"/>
-          </a:p>
-          <a:p>
-            <a:pPr marL="457200" indent="-457200">
-              <a:buFont typeface="Arial" panose="020B0604020202020204" pitchFamily="34" charset="0"/>
-              <a:buChar char="•"/>
-            </a:pPr>
-            <a:r>
-              <a:rPr lang="zh-CN" altLang="en-US" sz="2800" dirty="0"/>
-              <a:t>标识符不能是保留字</a:t>
-            </a:r>
-            <a:r>
-              <a:rPr lang="en-US" altLang="zh-CN" sz="2800" dirty="0"/>
-              <a:t>(</a:t>
-            </a:r>
-            <a:r>
-              <a:rPr lang="zh-CN" altLang="en-US" sz="2800" dirty="0"/>
-              <a:t>参见附录</a:t>
-            </a:r>
-            <a:r>
-              <a:rPr lang="en-US" altLang="zh-CN" sz="2800" dirty="0"/>
-              <a:t>A</a:t>
-            </a:r>
-            <a:r>
-              <a:rPr lang="zh-CN" altLang="en-US" sz="2800" dirty="0"/>
-              <a:t>中的保留字列表</a:t>
-            </a:r>
-            <a:r>
-              <a:rPr lang="en-US" altLang="zh-CN" sz="2800" dirty="0"/>
-              <a:t>)</a:t>
-            </a:r>
-          </a:p>
-          <a:p>
-            <a:pPr marL="457200" indent="-457200">
-              <a:buFont typeface="Arial" panose="020B0604020202020204" pitchFamily="34" charset="0"/>
-              <a:buChar char="•"/>
-            </a:pPr>
-            <a:r>
-              <a:rPr lang="zh-CN" altLang="en-US" sz="2800" dirty="0"/>
-              <a:t>标识符不能是</a:t>
-            </a:r>
-            <a:r>
-              <a:rPr lang="en-US" altLang="zh-CN" sz="2800" dirty="0"/>
-              <a:t>true</a:t>
-            </a:r>
-            <a:r>
-              <a:rPr lang="zh-CN" altLang="en-US" sz="2800" dirty="0"/>
-              <a:t>、</a:t>
-            </a:r>
-            <a:r>
-              <a:rPr lang="en-US" altLang="zh-CN" sz="2800" dirty="0"/>
-              <a:t>false</a:t>
-            </a:r>
-            <a:r>
-              <a:rPr lang="zh-CN" altLang="en-US" sz="2800" dirty="0"/>
-              <a:t>或</a:t>
-            </a:r>
-            <a:r>
-              <a:rPr lang="en-US" altLang="zh-CN" sz="2800" dirty="0"/>
-              <a:t>null</a:t>
-            </a:r>
-            <a:r>
-              <a:rPr lang="zh-CN" altLang="en-US" sz="2800" dirty="0"/>
-              <a:t>。</a:t>
-            </a:r>
-            <a:endParaRPr lang="en-US" altLang="zh-CN" sz="2800" dirty="0"/>
-          </a:p>
-          <a:p>
-            <a:pPr marL="457200" indent="-457200">
-              <a:buFont typeface="Arial" panose="020B0604020202020204" pitchFamily="34" charset="0"/>
-              <a:buChar char="•"/>
-            </a:pPr>
-            <a:r>
-              <a:rPr lang="zh-CN" altLang="en-US" sz="2800" dirty="0"/>
-              <a:t>标识符可以为任意长度。 </a:t>
-            </a:r>
-          </a:p>
-          <a:p>
-            <a:pPr marL="571500" indent="-571500" algn="ctr">
-              <a:lnSpc>
-                <a:spcPct val="150000"/>
-              </a:lnSpc>
-              <a:buFont typeface="Wingdings" pitchFamily="2" charset="2"/>
-              <a:buChar char="Ø"/>
-            </a:pPr>
-            <a:endParaRPr kumimoji="1" lang="zh-CN" altLang="en-US" sz="2800" dirty="0">
-              <a:latin typeface="Microsoft YaHei" panose="020B0503020204020204" pitchFamily="34" charset="-122"/>
-              <a:ea typeface="Microsoft YaHei" panose="020B0503020204020204" pitchFamily="34" charset="-122"/>
-            </a:endParaRPr>
-          </a:p>
-        </p:txBody>
-      </p:sp>
+      </p:pic>
     </p:spTree>
     <p:extLst>
       <p:ext uri="{BB962C8B-B14F-4D97-AF65-F5344CB8AC3E}">
-        <p14:creationId xmlns:p14="http://schemas.microsoft.com/office/powerpoint/2010/main" val="24070890"/>
+        <p14:creationId xmlns:p14="http://schemas.microsoft.com/office/powerpoint/2010/main" val="2435530102"/>
       </p:ext>
     </p:extLst>
   </p:cSld>
@@ -7674,284 +11630,89 @@
           <a:chExt cx="0" cy="0"/>
         </a:xfrm>
       </p:grpSpPr>
-      <p:sp>
-        <p:nvSpPr>
-          <p:cNvPr id="2" name="文本框 1">
+      <p:pic>
+        <p:nvPicPr>
+          <p:cNvPr id="7" name="图片 6">
             <a:extLst>
               <a:ext uri="{FF2B5EF4-FFF2-40B4-BE49-F238E27FC236}">
-                <a16:creationId xmlns:a16="http://schemas.microsoft.com/office/drawing/2014/main" id="{12AA8BCC-7B15-4842-80C2-48C079429338}"/>
+                <a16:creationId xmlns:a16="http://schemas.microsoft.com/office/drawing/2014/main" id="{CAC61A07-A623-0548-ABC3-758087BC63D6}"/>
               </a:ext>
             </a:extLst>
           </p:cNvPr>
-          <p:cNvSpPr txBox="1"/>
+          <p:cNvPicPr>
+            <a:picLocks noChangeAspect="1"/>
+          </p:cNvPicPr>
           <p:nvPr/>
-        </p:nvSpPr>
+        </p:nvPicPr>
+        <p:blipFill>
+          <a:blip r:embed="rId4"/>
+          <a:stretch>
+            <a:fillRect/>
+          </a:stretch>
+        </p:blipFill>
         <p:spPr>
           <a:xfrm>
-            <a:off x="2234234" y="597430"/>
-            <a:ext cx="9132000" cy="830997"/>
+            <a:off x="5001083" y="0"/>
+            <a:ext cx="5382954" cy="6802120"/>
           </a:xfrm>
           <a:prstGeom prst="rect">
             <a:avLst/>
           </a:prstGeom>
-          <a:noFill/>
         </p:spPr>
-        <p:txBody>
-          <a:bodyPr wrap="square" rtlCol="0">
-            <a:spAutoFit/>
-          </a:bodyPr>
-          <a:lstStyle/>
-          <a:p>
-            <a:pPr algn="ctr"/>
-            <a:r>
-              <a:rPr kumimoji="1" lang="en-US" altLang="zh-CN" sz="4800" dirty="0">
-                <a:latin typeface="Microsoft YaHei" panose="020B0503020204020204" pitchFamily="34" charset="-122"/>
-                <a:ea typeface="Microsoft YaHei" panose="020B0503020204020204" pitchFamily="34" charset="-122"/>
-              </a:rPr>
-              <a:t>Java</a:t>
-            </a:r>
-            <a:r>
-              <a:rPr kumimoji="1" lang="zh-CN" altLang="en-US" sz="4800" dirty="0">
-                <a:latin typeface="Microsoft YaHei" panose="020B0503020204020204" pitchFamily="34" charset="-122"/>
-                <a:ea typeface="Microsoft YaHei" panose="020B0503020204020204" pitchFamily="34" charset="-122"/>
-              </a:rPr>
-              <a:t>命名的规则</a:t>
-            </a:r>
-          </a:p>
-        </p:txBody>
-      </p:sp>
-      <p:sp>
-        <p:nvSpPr>
-          <p:cNvPr id="3" name="文本框 2">
+      </p:pic>
+      <p:sp>
+        <p:nvSpPr>
+          <p:cNvPr id="9" name="五边形 8">
             <a:extLst>
               <a:ext uri="{FF2B5EF4-FFF2-40B4-BE49-F238E27FC236}">
-                <a16:creationId xmlns:a16="http://schemas.microsoft.com/office/drawing/2014/main" id="{C0CFBE9F-84F2-FE48-AC8E-D41196C42DBA}"/>
+                <a16:creationId xmlns:a16="http://schemas.microsoft.com/office/drawing/2014/main" id="{6D8126BD-2403-FC42-A08B-1971F2B1FE03}"/>
               </a:ext>
             </a:extLst>
           </p:cNvPr>
-          <p:cNvSpPr txBox="1"/>
+          <p:cNvSpPr/>
           <p:nvPr/>
         </p:nvSpPr>
         <p:spPr>
           <a:xfrm>
-            <a:off x="1731818" y="1953491"/>
-            <a:ext cx="10460182" cy="3309494"/>
+            <a:off x="1807963" y="2766450"/>
+            <a:ext cx="2377440" cy="1137920"/>
           </a:xfrm>
-          <a:prstGeom prst="rect">
+          <a:prstGeom prst="homePlate">
             <a:avLst/>
           </a:prstGeom>
-          <a:noFill/>
         </p:spPr>
-        <p:txBody>
-          <a:bodyPr wrap="square" rtlCol="0">
-            <a:spAutoFit/>
-          </a:bodyPr>
-          <a:lstStyle/>
-          <a:p>
-            <a:pPr marL="457200" indent="-457200">
-              <a:lnSpc>
-                <a:spcPct val="150000"/>
-              </a:lnSpc>
-              <a:buFont typeface="Arial" panose="020B0604020202020204" pitchFamily="34" charset="0"/>
-              <a:buChar char="•"/>
-            </a:pPr>
-            <a:r>
-              <a:rPr kumimoji="1" lang="zh-CN" altLang="en-US" sz="2800" dirty="0">
-                <a:latin typeface="Microsoft YaHei" panose="020B0503020204020204" pitchFamily="34" charset="-122"/>
-                <a:ea typeface="Microsoft YaHei" panose="020B0503020204020204" pitchFamily="34" charset="-122"/>
-              </a:rPr>
-              <a:t>包名：</a:t>
-            </a:r>
-            <a:r>
-              <a:rPr kumimoji="1" lang="en-US" altLang="zh-CN" sz="2800" dirty="0" err="1">
-                <a:latin typeface="Microsoft YaHei" panose="020B0503020204020204" pitchFamily="34" charset="-122"/>
-                <a:ea typeface="Microsoft YaHei" panose="020B0503020204020204" pitchFamily="34" charset="-122"/>
-              </a:rPr>
-              <a:t>xxxyyyzzz</a:t>
-            </a:r>
-            <a:r>
-              <a:rPr kumimoji="1" lang="zh-CN" altLang="en-US" sz="2800" dirty="0">
-                <a:latin typeface="Microsoft YaHei" panose="020B0503020204020204" pitchFamily="34" charset="-122"/>
-                <a:ea typeface="Microsoft YaHei" panose="020B0503020204020204" pitchFamily="34" charset="-122"/>
-              </a:rPr>
-              <a:t> ， 比如 </a:t>
-            </a:r>
-            <a:r>
-              <a:rPr kumimoji="1" lang="en-US" altLang="zh-CN" sz="2800" dirty="0" err="1">
-                <a:latin typeface="Microsoft YaHei" panose="020B0503020204020204" pitchFamily="34" charset="-122"/>
-                <a:ea typeface="Microsoft YaHei" panose="020B0503020204020204" pitchFamily="34" charset="-122"/>
-              </a:rPr>
-              <a:t>com.hmc.jianyan.me</a:t>
-            </a:r>
-            <a:endParaRPr kumimoji="1" lang="en-US" altLang="zh-CN" sz="2800" dirty="0">
-              <a:latin typeface="Microsoft YaHei" panose="020B0503020204020204" pitchFamily="34" charset="-122"/>
-              <a:ea typeface="Microsoft YaHei" panose="020B0503020204020204" pitchFamily="34" charset="-122"/>
-            </a:endParaRPr>
-          </a:p>
-          <a:p>
-            <a:pPr marL="457200" indent="-457200">
-              <a:lnSpc>
-                <a:spcPct val="150000"/>
-              </a:lnSpc>
-              <a:buFont typeface="Arial" panose="020B0604020202020204" pitchFamily="34" charset="0"/>
-              <a:buChar char="•"/>
-            </a:pPr>
-            <a:r>
-              <a:rPr kumimoji="1" lang="zh-CN" altLang="en-US" sz="2800" dirty="0">
-                <a:latin typeface="Microsoft YaHei" panose="020B0503020204020204" pitchFamily="34" charset="-122"/>
-                <a:ea typeface="Microsoft YaHei" panose="020B0503020204020204" pitchFamily="34" charset="-122"/>
-              </a:rPr>
-              <a:t>类名、接口名：</a:t>
-            </a:r>
-            <a:r>
-              <a:rPr kumimoji="1" lang="en-US" altLang="zh-CN" sz="2800" dirty="0" err="1">
-                <a:latin typeface="Microsoft YaHei" panose="020B0503020204020204" pitchFamily="34" charset="-122"/>
-                <a:ea typeface="Microsoft YaHei" panose="020B0503020204020204" pitchFamily="34" charset="-122"/>
-              </a:rPr>
-              <a:t>XxxYyyZzz</a:t>
-            </a:r>
-            <a:r>
-              <a:rPr kumimoji="1" lang="zh-CN" altLang="en-US" sz="2800" dirty="0">
-                <a:latin typeface="Microsoft YaHei" panose="020B0503020204020204" pitchFamily="34" charset="-122"/>
-                <a:ea typeface="Microsoft YaHei" panose="020B0503020204020204" pitchFamily="34" charset="-122"/>
-              </a:rPr>
-              <a:t>  比如：</a:t>
-            </a:r>
-            <a:r>
-              <a:rPr kumimoji="1" lang="en-US" altLang="zh-CN" sz="2800" dirty="0" err="1">
-                <a:latin typeface="Microsoft YaHei" panose="020B0503020204020204" pitchFamily="34" charset="-122"/>
-                <a:ea typeface="Microsoft YaHei" panose="020B0503020204020204" pitchFamily="34" charset="-122"/>
-              </a:rPr>
-              <a:t>HmcStudent</a:t>
-            </a:r>
-            <a:endParaRPr kumimoji="1" lang="en-US" altLang="zh-CN" sz="2800" dirty="0">
-              <a:latin typeface="Microsoft YaHei" panose="020B0503020204020204" pitchFamily="34" charset="-122"/>
-              <a:ea typeface="Microsoft YaHei" panose="020B0503020204020204" pitchFamily="34" charset="-122"/>
-            </a:endParaRPr>
-          </a:p>
-          <a:p>
-            <a:pPr marL="457200" indent="-457200">
-              <a:lnSpc>
-                <a:spcPct val="150000"/>
-              </a:lnSpc>
-              <a:buFont typeface="Arial" panose="020B0604020202020204" pitchFamily="34" charset="0"/>
-              <a:buChar char="•"/>
-            </a:pPr>
-            <a:r>
-              <a:rPr kumimoji="1" lang="zh-CN" altLang="en-US" sz="2800" dirty="0">
-                <a:latin typeface="Microsoft YaHei" panose="020B0503020204020204" pitchFamily="34" charset="-122"/>
-                <a:ea typeface="Microsoft YaHei" panose="020B0503020204020204" pitchFamily="34" charset="-122"/>
-              </a:rPr>
-              <a:t>变量名、方法名</a:t>
-            </a:r>
-            <a:r>
-              <a:rPr kumimoji="1" lang="en-US" altLang="zh-CN" sz="2800" dirty="0">
-                <a:latin typeface="Microsoft YaHei" panose="020B0503020204020204" pitchFamily="34" charset="-122"/>
-                <a:ea typeface="Microsoft YaHei" panose="020B0503020204020204" pitchFamily="34" charset="-122"/>
-              </a:rPr>
-              <a:t>(</a:t>
-            </a:r>
-            <a:r>
-              <a:rPr kumimoji="1" lang="zh-CN" altLang="en-US" sz="2800" dirty="0">
-                <a:latin typeface="Microsoft YaHei" panose="020B0503020204020204" pitchFamily="34" charset="-122"/>
-                <a:ea typeface="Microsoft YaHei" panose="020B0503020204020204" pitchFamily="34" charset="-122"/>
-              </a:rPr>
-              <a:t>驼峰法</a:t>
-            </a:r>
-            <a:r>
-              <a:rPr kumimoji="1" lang="en-US" altLang="zh-CN" sz="2800" dirty="0">
-                <a:latin typeface="Microsoft YaHei" panose="020B0503020204020204" pitchFamily="34" charset="-122"/>
-                <a:ea typeface="Microsoft YaHei" panose="020B0503020204020204" pitchFamily="34" charset="-122"/>
-              </a:rPr>
-              <a:t>)</a:t>
-            </a:r>
-            <a:r>
-              <a:rPr kumimoji="1" lang="zh-CN" altLang="en-US" sz="2800" dirty="0">
-                <a:latin typeface="Microsoft YaHei" panose="020B0503020204020204" pitchFamily="34" charset="-122"/>
-                <a:ea typeface="Microsoft YaHei" panose="020B0503020204020204" pitchFamily="34" charset="-122"/>
-              </a:rPr>
-              <a:t>：</a:t>
-            </a:r>
-            <a:r>
-              <a:rPr kumimoji="1" lang="en-US" altLang="zh-CN" sz="2800" dirty="0" err="1">
-                <a:latin typeface="Microsoft YaHei" panose="020B0503020204020204" pitchFamily="34" charset="-122"/>
-                <a:ea typeface="Microsoft YaHei" panose="020B0503020204020204" pitchFamily="34" charset="-122"/>
-              </a:rPr>
-              <a:t>xxxYyyZzz</a:t>
-            </a:r>
-            <a:r>
-              <a:rPr kumimoji="1" lang="zh-CN" altLang="en-US" sz="2800" dirty="0">
-                <a:latin typeface="Microsoft YaHei" panose="020B0503020204020204" pitchFamily="34" charset="-122"/>
-                <a:ea typeface="Microsoft YaHei" panose="020B0503020204020204" pitchFamily="34" charset="-122"/>
-              </a:rPr>
-              <a:t>    比如：  </a:t>
-            </a:r>
-            <a:r>
-              <a:rPr kumimoji="1" lang="en-US" altLang="zh-CN" sz="2800" dirty="0" err="1">
-                <a:latin typeface="Microsoft YaHei" panose="020B0503020204020204" pitchFamily="34" charset="-122"/>
-                <a:ea typeface="Microsoft YaHei" panose="020B0503020204020204" pitchFamily="34" charset="-122"/>
-              </a:rPr>
-              <a:t>lastYear</a:t>
-            </a:r>
-            <a:endParaRPr kumimoji="1" lang="en-US" altLang="zh-CN" sz="2800" dirty="0">
-              <a:latin typeface="Microsoft YaHei" panose="020B0503020204020204" pitchFamily="34" charset="-122"/>
-              <a:ea typeface="Microsoft YaHei" panose="020B0503020204020204" pitchFamily="34" charset="-122"/>
-            </a:endParaRPr>
-          </a:p>
-          <a:p>
-            <a:pPr marL="457200" indent="-457200">
-              <a:lnSpc>
-                <a:spcPct val="150000"/>
-              </a:lnSpc>
-              <a:buFont typeface="Arial" panose="020B0604020202020204" pitchFamily="34" charset="0"/>
-              <a:buChar char="•"/>
-            </a:pPr>
-            <a:r>
-              <a:rPr kumimoji="1" lang="zh-CN" altLang="en-US" sz="2800" dirty="0">
-                <a:latin typeface="Microsoft YaHei" panose="020B0503020204020204" pitchFamily="34" charset="-122"/>
-                <a:ea typeface="Microsoft YaHei" panose="020B0503020204020204" pitchFamily="34" charset="-122"/>
-              </a:rPr>
-              <a:t>常量名：</a:t>
-            </a:r>
-            <a:r>
-              <a:rPr kumimoji="1" lang="en-US" altLang="zh-CN" sz="2800" dirty="0">
-                <a:latin typeface="Microsoft YaHei" panose="020B0503020204020204" pitchFamily="34" charset="-122"/>
-                <a:ea typeface="Microsoft YaHei" panose="020B0503020204020204" pitchFamily="34" charset="-122"/>
-              </a:rPr>
-              <a:t>XXX_YYY_ZZZ,</a:t>
-            </a:r>
-            <a:r>
-              <a:rPr kumimoji="1" lang="zh-CN" altLang="en-US" sz="2800" dirty="0">
-                <a:latin typeface="Microsoft YaHei" panose="020B0503020204020204" pitchFamily="34" charset="-122"/>
-                <a:ea typeface="Microsoft YaHei" panose="020B0503020204020204" pitchFamily="34" charset="-122"/>
-              </a:rPr>
-              <a:t>  比如 </a:t>
-            </a:r>
-            <a:r>
-              <a:rPr kumimoji="1" lang="en-US" altLang="zh-CN" sz="2800" dirty="0">
-                <a:latin typeface="Microsoft YaHei" panose="020B0503020204020204" pitchFamily="34" charset="-122"/>
-                <a:ea typeface="Microsoft YaHei" panose="020B0503020204020204" pitchFamily="34" charset="-122"/>
-              </a:rPr>
-              <a:t>NUMER_OF_STUDENTS</a:t>
-            </a:r>
-          </a:p>
-          <a:p>
-            <a:pPr algn="ctr">
-              <a:lnSpc>
-                <a:spcPct val="150000"/>
-              </a:lnSpc>
-            </a:pPr>
-            <a:endParaRPr kumimoji="1" lang="zh-CN" altLang="en-US" sz="2800" dirty="0">
-              <a:latin typeface="Microsoft YaHei" panose="020B0503020204020204" pitchFamily="34" charset="-122"/>
-              <a:ea typeface="Microsoft YaHei" panose="020B0503020204020204" pitchFamily="34" charset="-122"/>
-            </a:endParaRPr>
+        <p:style>
+          <a:lnRef idx="2">
+            <a:schemeClr val="accent1">
+              <a:shade val="50000"/>
+            </a:schemeClr>
+          </a:lnRef>
+          <a:fillRef idx="1">
+            <a:schemeClr val="accent1"/>
+          </a:fillRef>
+          <a:effectRef idx="0">
+            <a:schemeClr val="accent1"/>
+          </a:effectRef>
+          <a:fontRef idx="minor">
+            <a:schemeClr val="lt1"/>
+          </a:fontRef>
+        </p:style>
+        <p:txBody>
+          <a:bodyPr rtlCol="0" anchor="ctr"/>
+          <a:lstStyle/>
+          <a:p>
+            <a:pPr algn="ctr"/>
+            <a:r>
+              <a:rPr kumimoji="1" lang="zh-CN" altLang="en-US" sz="2400" dirty="0"/>
+              <a:t>发送消息流程</a:t>
+            </a:r>
           </a:p>
         </p:txBody>
       </p:sp>
     </p:spTree>
     <p:extLst>
       <p:ext uri="{BB962C8B-B14F-4D97-AF65-F5344CB8AC3E}">
-        <p14:creationId xmlns:p14="http://schemas.microsoft.com/office/powerpoint/2010/main" val="3325809806"/>
+        <p14:creationId xmlns:p14="http://schemas.microsoft.com/office/powerpoint/2010/main" val="4020449818"/>
       </p:ext>
     </p:extLst>
   </p:cSld>
@@ -7989,10 +11750,10 @@
       </p:grpSpPr>
       <p:sp>
         <p:nvSpPr>
-          <p:cNvPr id="2" name="文本框 1">
+          <p:cNvPr id="8" name="文本框 7">
             <a:extLst>
               <a:ext uri="{FF2B5EF4-FFF2-40B4-BE49-F238E27FC236}">
-                <a16:creationId xmlns:a16="http://schemas.microsoft.com/office/drawing/2014/main" id="{12AA8BCC-7B15-4842-80C2-48C079429338}"/>
+                <a16:creationId xmlns:a16="http://schemas.microsoft.com/office/drawing/2014/main" id="{B294230C-E86E-7247-BAC6-5F43DED3D0AF}"/>
               </a:ext>
             </a:extLst>
           </p:cNvPr>
@@ -8001,8 +11762,8 @@
         </p:nvSpPr>
         <p:spPr>
           <a:xfrm>
-            <a:off x="2234234" y="597430"/>
-            <a:ext cx="9132000" cy="830997"/>
+            <a:off x="2012000" y="2278185"/>
+            <a:ext cx="9123360" cy="2301629"/>
           </a:xfrm>
           <a:prstGeom prst="rect">
             <a:avLst/>
@@ -8010,53 +11771,7 @@
           <a:noFill/>
         </p:spPr>
         <p:txBody>
-          <a:bodyPr wrap="square" rtlCol="0">
-            <a:spAutoFit/>
-          </a:bodyPr>
-          <a:lstStyle/>
-          <a:p>
-            <a:pPr algn="ctr"/>
-            <a:r>
-              <a:rPr kumimoji="1" lang="en-US" altLang="zh-CN" sz="4800" dirty="0">
-                <a:latin typeface="Microsoft YaHei" panose="020B0503020204020204" pitchFamily="34" charset="-122"/>
-                <a:ea typeface="Microsoft YaHei" panose="020B0503020204020204" pitchFamily="34" charset="-122"/>
-              </a:rPr>
-              <a:t>3.1</a:t>
-            </a:r>
-            <a:r>
-              <a:rPr kumimoji="1" lang="zh-CN" altLang="en-US" sz="4800" dirty="0">
-                <a:latin typeface="Microsoft YaHei" panose="020B0503020204020204" pitchFamily="34" charset="-122"/>
-                <a:ea typeface="Microsoft YaHei" panose="020B0503020204020204" pitchFamily="34" charset="-122"/>
-              </a:rPr>
-              <a:t> 赋值语句和表达式</a:t>
-            </a:r>
-          </a:p>
-        </p:txBody>
-      </p:sp>
-      <p:sp>
-        <p:nvSpPr>
-          <p:cNvPr id="3" name="文本框 2">
-            <a:extLst>
-              <a:ext uri="{FF2B5EF4-FFF2-40B4-BE49-F238E27FC236}">
-                <a16:creationId xmlns:a16="http://schemas.microsoft.com/office/drawing/2014/main" id="{C0CFBE9F-84F2-FE48-AC8E-D41196C42DBA}"/>
-              </a:ext>
-            </a:extLst>
-          </p:cNvPr>
-          <p:cNvSpPr txBox="1"/>
-          <p:nvPr/>
-        </p:nvSpPr>
-        <p:spPr>
-          <a:xfrm>
-            <a:off x="1246430" y="2630417"/>
-            <a:ext cx="11107608" cy="1955151"/>
-          </a:xfrm>
-          <a:prstGeom prst="rect">
-            <a:avLst/>
-          </a:prstGeom>
-          <a:noFill/>
-        </p:spPr>
-        <p:txBody>
-          <a:bodyPr wrap="square" rtlCol="0">
+          <a:bodyPr wrap="square" tIns="360000" bIns="360000" rtlCol="0">
             <a:spAutoFit/>
           </a:bodyPr>
           <a:lstStyle/>
@@ -8067,10 +11782,14 @@
               </a:lnSpc>
             </a:pPr>
             <a:r>
-              <a:rPr lang="zh-CN" altLang="en-US" sz="2800" dirty="0"/>
-              <a:t>简单赋值语句格式：</a:t>
-            </a:r>
-            <a:endParaRPr lang="en-US" altLang="zh-CN" sz="2800" dirty="0"/>
+              <a:rPr kumimoji="1" lang="zh-CN" altLang="en-US" sz="3600" dirty="0">
+                <a:ea typeface="Microsoft YaHei" panose="020B0503020204020204" pitchFamily="34" charset="-122"/>
+              </a:rPr>
+              <a:t>但是，发送消息的路径只有这一个按钮吗？</a:t>
+            </a:r>
+            <a:endParaRPr kumimoji="1" lang="en-US" altLang="zh-CN" sz="3600" dirty="0">
+              <a:ea typeface="Microsoft YaHei" panose="020B0503020204020204" pitchFamily="34" charset="-122"/>
+            </a:endParaRPr>
           </a:p>
           <a:p>
             <a:pPr>
@@ -8079,74 +11798,27 @@
               </a:lnSpc>
             </a:pPr>
             <a:r>
-              <a:rPr lang="en-US" altLang="zh-CN" sz="2800" dirty="0"/>
-              <a:t>	variable </a:t>
-            </a:r>
-            <a:r>
-              <a:rPr lang="zh-CN" altLang="en-US" sz="2800" dirty="0"/>
-              <a:t> </a:t>
-            </a:r>
-            <a:r>
-              <a:rPr lang="en-US" altLang="zh-CN" sz="2800" dirty="0"/>
-              <a:t>=</a:t>
-            </a:r>
-            <a:r>
-              <a:rPr lang="zh-CN" altLang="en-US" sz="2800" dirty="0"/>
-              <a:t> </a:t>
-            </a:r>
-            <a:r>
-              <a:rPr lang="en-US" altLang="zh-CN" sz="2800" dirty="0"/>
-              <a:t>expression; </a:t>
-            </a:r>
-            <a:endParaRPr lang="zh-CN" altLang="en-US" sz="2800" dirty="0"/>
-          </a:p>
-          <a:p>
-            <a:pPr>
-              <a:lnSpc>
-                <a:spcPct val="150000"/>
-              </a:lnSpc>
-            </a:pPr>
-            <a:endParaRPr kumimoji="1" lang="en-US" altLang="zh-CN" sz="2800" dirty="0">
-              <a:latin typeface="Microsoft YaHei" panose="020B0503020204020204" pitchFamily="34" charset="-122"/>
+              <a:rPr kumimoji="1" lang="en-US" altLang="zh-CN" sz="3600" dirty="0">
+                <a:ea typeface="Microsoft YaHei" panose="020B0503020204020204" pitchFamily="34" charset="-122"/>
+              </a:rPr>
+              <a:t>			No</a:t>
+            </a:r>
+            <a:r>
+              <a:rPr kumimoji="1" lang="zh-CN" altLang="en-US" sz="3600" dirty="0">
+                <a:ea typeface="Microsoft YaHei" panose="020B0503020204020204" pitchFamily="34" charset="-122"/>
+              </a:rPr>
+              <a:t> 啊！</a:t>
+            </a:r>
+            <a:endParaRPr kumimoji="1" lang="en-US" altLang="zh-CN" sz="3600" dirty="0">
               <a:ea typeface="Microsoft YaHei" panose="020B0503020204020204" pitchFamily="34" charset="-122"/>
             </a:endParaRPr>
           </a:p>
         </p:txBody>
       </p:sp>
-      <p:pic>
-        <p:nvPicPr>
-          <p:cNvPr id="7" name="图片 6">
-            <a:extLst>
-              <a:ext uri="{FF2B5EF4-FFF2-40B4-BE49-F238E27FC236}">
-                <a16:creationId xmlns:a16="http://schemas.microsoft.com/office/drawing/2014/main" id="{335AF768-7A27-EE49-BBA8-FBA0E73DDC94}"/>
-              </a:ext>
-            </a:extLst>
-          </p:cNvPr>
-          <p:cNvPicPr>
-            <a:picLocks noChangeAspect="1"/>
-          </p:cNvPicPr>
-          <p:nvPr/>
-        </p:nvPicPr>
-        <p:blipFill>
-          <a:blip r:embed="rId4"/>
-          <a:stretch>
-            <a:fillRect/>
-          </a:stretch>
-        </p:blipFill>
-        <p:spPr>
-          <a:xfrm>
-            <a:off x="1599721" y="4515326"/>
-            <a:ext cx="6414078" cy="2036517"/>
-          </a:xfrm>
-          <a:prstGeom prst="rect">
-            <a:avLst/>
-          </a:prstGeom>
-        </p:spPr>
-      </p:pic>
     </p:spTree>
     <p:extLst>
       <p:ext uri="{BB962C8B-B14F-4D97-AF65-F5344CB8AC3E}">
-        <p14:creationId xmlns:p14="http://schemas.microsoft.com/office/powerpoint/2010/main" val="976537066"/>
+        <p14:creationId xmlns:p14="http://schemas.microsoft.com/office/powerpoint/2010/main" val="4075965683"/>
       </p:ext>
     </p:extLst>
   </p:cSld>
@@ -8182,58 +11854,12 @@
           <a:chExt cx="0" cy="0"/>
         </a:xfrm>
       </p:grpSpPr>
-      <p:sp>
-        <p:nvSpPr>
-          <p:cNvPr id="2" name="文本框 1">
+      <p:pic>
+        <p:nvPicPr>
+          <p:cNvPr id="6" name="图片 5">
             <a:extLst>
               <a:ext uri="{FF2B5EF4-FFF2-40B4-BE49-F238E27FC236}">
-                <a16:creationId xmlns:a16="http://schemas.microsoft.com/office/drawing/2014/main" id="{12AA8BCC-7B15-4842-80C2-48C079429338}"/>
-              </a:ext>
-            </a:extLst>
-          </p:cNvPr>
-          <p:cNvSpPr txBox="1"/>
-          <p:nvPr/>
-        </p:nvSpPr>
-        <p:spPr>
-          <a:xfrm>
-            <a:off x="2234234" y="597430"/>
-            <a:ext cx="9132000" cy="830997"/>
-          </a:xfrm>
-          <a:prstGeom prst="rect">
-            <a:avLst/>
-          </a:prstGeom>
-          <a:noFill/>
-        </p:spPr>
-        <p:txBody>
-          <a:bodyPr wrap="square" rtlCol="0">
-            <a:spAutoFit/>
-          </a:bodyPr>
-          <a:lstStyle/>
-          <a:p>
-            <a:pPr algn="ctr"/>
-            <a:r>
-              <a:rPr kumimoji="1" lang="en-US" altLang="zh-CN" sz="4800" dirty="0">
-                <a:latin typeface="Microsoft YaHei" panose="020B0503020204020204" pitchFamily="34" charset="-122"/>
-                <a:ea typeface="Microsoft YaHei" panose="020B0503020204020204" pitchFamily="34" charset="-122"/>
-              </a:rPr>
-              <a:t>3.1</a:t>
-            </a:r>
-            <a:r>
-              <a:rPr kumimoji="1" lang="zh-CN" altLang="en-US" sz="4800" dirty="0">
-                <a:latin typeface="Microsoft YaHei" panose="020B0503020204020204" pitchFamily="34" charset="-122"/>
-                <a:ea typeface="Microsoft YaHei" panose="020B0503020204020204" pitchFamily="34" charset="-122"/>
-              </a:rPr>
-              <a:t> 快捷赋值操作</a:t>
-            </a:r>
-          </a:p>
-        </p:txBody>
-      </p:sp>
-      <p:pic>
-        <p:nvPicPr>
-          <p:cNvPr id="5" name="图片 4">
-            <a:extLst>
-              <a:ext uri="{FF2B5EF4-FFF2-40B4-BE49-F238E27FC236}">
-                <a16:creationId xmlns:a16="http://schemas.microsoft.com/office/drawing/2014/main" id="{9B084D0A-4BA3-1448-B6DC-D8BFB9A98346}"/>
+                <a16:creationId xmlns:a16="http://schemas.microsoft.com/office/drawing/2014/main" id="{152D3131-6AED-0E42-B0DC-C49F432A5D90}"/>
               </a:ext>
             </a:extLst>
           </p:cNvPr>
@@ -8250,208 +11876,18 @@
         </p:blipFill>
         <p:spPr>
           <a:xfrm>
-            <a:off x="1" y="2805544"/>
-            <a:ext cx="12136564" cy="2494973"/>
+            <a:off x="4513817" y="0"/>
+            <a:ext cx="3164365" cy="6858000"/>
           </a:xfrm>
           <a:prstGeom prst="rect">
             <a:avLst/>
           </a:prstGeom>
         </p:spPr>
       </p:pic>
-      <p:sp>
-        <p:nvSpPr>
-          <p:cNvPr id="8" name="文本框 7">
-            <a:extLst>
-              <a:ext uri="{FF2B5EF4-FFF2-40B4-BE49-F238E27FC236}">
-                <a16:creationId xmlns:a16="http://schemas.microsoft.com/office/drawing/2014/main" id="{466C8B27-F65E-6246-BBE8-97C9A509BA4E}"/>
-              </a:ext>
-            </a:extLst>
-          </p:cNvPr>
-          <p:cNvSpPr txBox="1"/>
-          <p:nvPr/>
-        </p:nvSpPr>
-        <p:spPr>
-          <a:xfrm>
-            <a:off x="2618182" y="5922818"/>
-            <a:ext cx="7149274" cy="523220"/>
-          </a:xfrm>
-          <a:prstGeom prst="rect">
-            <a:avLst/>
-          </a:prstGeom>
-          <a:solidFill>
-            <a:schemeClr val="accent2"/>
-          </a:solidFill>
-        </p:spPr>
-        <p:txBody>
-          <a:bodyPr wrap="square" rtlCol="0">
-            <a:spAutoFit/>
-          </a:bodyPr>
-          <a:lstStyle/>
-          <a:p>
-            <a:r>
-              <a:rPr kumimoji="1" lang="zh-CN" altLang="en-US" sz="2800" dirty="0">
-                <a:solidFill>
-                  <a:schemeClr val="bg1"/>
-                </a:solidFill>
-                <a:latin typeface="Microsoft YaHei" panose="020B0503020204020204" pitchFamily="34" charset="-122"/>
-                <a:ea typeface="Microsoft YaHei" panose="020B0503020204020204" pitchFamily="34" charset="-122"/>
-              </a:rPr>
-              <a:t>还有 自增</a:t>
-            </a:r>
-            <a:r>
-              <a:rPr kumimoji="1" lang="en-US" altLang="zh-CN" sz="2800" dirty="0">
-                <a:solidFill>
-                  <a:schemeClr val="bg1"/>
-                </a:solidFill>
-                <a:latin typeface="Microsoft YaHei" panose="020B0503020204020204" pitchFamily="34" charset="-122"/>
-                <a:ea typeface="Microsoft YaHei" panose="020B0503020204020204" pitchFamily="34" charset="-122"/>
-              </a:rPr>
-              <a:t>/</a:t>
-            </a:r>
-            <a:r>
-              <a:rPr kumimoji="1" lang="zh-CN" altLang="en-US" sz="2800" dirty="0">
-                <a:solidFill>
-                  <a:schemeClr val="bg1"/>
-                </a:solidFill>
-                <a:latin typeface="Microsoft YaHei" panose="020B0503020204020204" pitchFamily="34" charset="-122"/>
-                <a:ea typeface="Microsoft YaHei" panose="020B0503020204020204" pitchFamily="34" charset="-122"/>
-              </a:rPr>
-              <a:t>自减 ：  </a:t>
-            </a:r>
-            <a:r>
-              <a:rPr kumimoji="1" lang="en-US" altLang="zh-CN" sz="2800" dirty="0" err="1">
-                <a:solidFill>
-                  <a:schemeClr val="bg1"/>
-                </a:solidFill>
-                <a:latin typeface="Microsoft YaHei" panose="020B0503020204020204" pitchFamily="34" charset="-122"/>
-                <a:ea typeface="Microsoft YaHei" panose="020B0503020204020204" pitchFamily="34" charset="-122"/>
-              </a:rPr>
-              <a:t>i</a:t>
-            </a:r>
-            <a:r>
-              <a:rPr kumimoji="1" lang="en-US" altLang="zh-CN" sz="2800" dirty="0">
-                <a:solidFill>
-                  <a:schemeClr val="bg1"/>
-                </a:solidFill>
-                <a:latin typeface="Microsoft YaHei" panose="020B0503020204020204" pitchFamily="34" charset="-122"/>
-                <a:ea typeface="Microsoft YaHei" panose="020B0503020204020204" pitchFamily="34" charset="-122"/>
-              </a:rPr>
-              <a:t>++,</a:t>
-            </a:r>
-            <a:r>
-              <a:rPr kumimoji="1" lang="zh-CN" altLang="en-US" sz="2800" dirty="0">
-                <a:solidFill>
-                  <a:schemeClr val="bg1"/>
-                </a:solidFill>
-                <a:latin typeface="Microsoft YaHei" panose="020B0503020204020204" pitchFamily="34" charset="-122"/>
-                <a:ea typeface="Microsoft YaHei" panose="020B0503020204020204" pitchFamily="34" charset="-122"/>
-              </a:rPr>
-              <a:t> </a:t>
-            </a:r>
-            <a:r>
-              <a:rPr kumimoji="1" lang="en-US" altLang="zh-CN" sz="2800" dirty="0">
-                <a:solidFill>
-                  <a:schemeClr val="bg1"/>
-                </a:solidFill>
-                <a:latin typeface="Microsoft YaHei" panose="020B0503020204020204" pitchFamily="34" charset="-122"/>
-                <a:ea typeface="Microsoft YaHei" panose="020B0503020204020204" pitchFamily="34" charset="-122"/>
-              </a:rPr>
-              <a:t>++</a:t>
-            </a:r>
-            <a:r>
-              <a:rPr kumimoji="1" lang="en-US" altLang="zh-CN" sz="2800" dirty="0" err="1">
-                <a:solidFill>
-                  <a:schemeClr val="bg1"/>
-                </a:solidFill>
-                <a:latin typeface="Microsoft YaHei" panose="020B0503020204020204" pitchFamily="34" charset="-122"/>
-                <a:ea typeface="Microsoft YaHei" panose="020B0503020204020204" pitchFamily="34" charset="-122"/>
-              </a:rPr>
-              <a:t>i</a:t>
-            </a:r>
-            <a:r>
-              <a:rPr kumimoji="1" lang="en-US" altLang="zh-CN" sz="2800" dirty="0">
-                <a:solidFill>
-                  <a:schemeClr val="bg1"/>
-                </a:solidFill>
-                <a:latin typeface="Microsoft YaHei" panose="020B0503020204020204" pitchFamily="34" charset="-122"/>
-                <a:ea typeface="Microsoft YaHei" panose="020B0503020204020204" pitchFamily="34" charset="-122"/>
-              </a:rPr>
-              <a:t>,</a:t>
-            </a:r>
-            <a:r>
-              <a:rPr kumimoji="1" lang="zh-CN" altLang="en-US" sz="2800" dirty="0">
-                <a:solidFill>
-                  <a:schemeClr val="bg1"/>
-                </a:solidFill>
-                <a:latin typeface="Microsoft YaHei" panose="020B0503020204020204" pitchFamily="34" charset="-122"/>
-                <a:ea typeface="Microsoft YaHei" panose="020B0503020204020204" pitchFamily="34" charset="-122"/>
-              </a:rPr>
-              <a:t> </a:t>
-            </a:r>
-            <a:r>
-              <a:rPr kumimoji="1" lang="en-US" altLang="zh-CN" sz="2800" dirty="0" err="1">
-                <a:solidFill>
-                  <a:schemeClr val="bg1"/>
-                </a:solidFill>
-                <a:latin typeface="Microsoft YaHei" panose="020B0503020204020204" pitchFamily="34" charset="-122"/>
-                <a:ea typeface="Microsoft YaHei" panose="020B0503020204020204" pitchFamily="34" charset="-122"/>
-              </a:rPr>
-              <a:t>i</a:t>
-            </a:r>
-            <a:r>
-              <a:rPr kumimoji="1" lang="en-US" altLang="zh-CN" sz="2800" dirty="0">
-                <a:solidFill>
-                  <a:schemeClr val="bg1"/>
-                </a:solidFill>
-                <a:latin typeface="Microsoft YaHei" panose="020B0503020204020204" pitchFamily="34" charset="-122"/>
-                <a:ea typeface="Microsoft YaHei" panose="020B0503020204020204" pitchFamily="34" charset="-122"/>
-              </a:rPr>
-              <a:t>--,</a:t>
-            </a:r>
-            <a:r>
-              <a:rPr kumimoji="1" lang="zh-CN" altLang="en-US" sz="2800" dirty="0">
-                <a:solidFill>
-                  <a:schemeClr val="bg1"/>
-                </a:solidFill>
-                <a:latin typeface="Microsoft YaHei" panose="020B0503020204020204" pitchFamily="34" charset="-122"/>
-                <a:ea typeface="Microsoft YaHei" panose="020B0503020204020204" pitchFamily="34" charset="-122"/>
-              </a:rPr>
-              <a:t> </a:t>
-            </a:r>
-            <a:r>
-              <a:rPr kumimoji="1" lang="en-US" altLang="zh-CN" sz="2800" dirty="0">
-                <a:solidFill>
-                  <a:schemeClr val="bg1"/>
-                </a:solidFill>
-                <a:latin typeface="Microsoft YaHei" panose="020B0503020204020204" pitchFamily="34" charset="-122"/>
-                <a:ea typeface="Microsoft YaHei" panose="020B0503020204020204" pitchFamily="34" charset="-122"/>
-              </a:rPr>
-              <a:t>--</a:t>
-            </a:r>
-            <a:r>
-              <a:rPr kumimoji="1" lang="en-US" altLang="zh-CN" sz="2800" dirty="0" err="1">
-                <a:solidFill>
-                  <a:schemeClr val="bg1"/>
-                </a:solidFill>
-                <a:latin typeface="Microsoft YaHei" panose="020B0503020204020204" pitchFamily="34" charset="-122"/>
-                <a:ea typeface="Microsoft YaHei" panose="020B0503020204020204" pitchFamily="34" charset="-122"/>
-              </a:rPr>
-              <a:t>i</a:t>
-            </a:r>
-            <a:endParaRPr kumimoji="1" lang="zh-CN" altLang="en-US" sz="2800" dirty="0">
-              <a:solidFill>
-                <a:schemeClr val="bg1"/>
-              </a:solidFill>
-              <a:latin typeface="Microsoft YaHei" panose="020B0503020204020204" pitchFamily="34" charset="-122"/>
-              <a:ea typeface="Microsoft YaHei" panose="020B0503020204020204" pitchFamily="34" charset="-122"/>
-            </a:endParaRPr>
-          </a:p>
-        </p:txBody>
-      </p:sp>
     </p:spTree>
     <p:extLst>
       <p:ext uri="{BB962C8B-B14F-4D97-AF65-F5344CB8AC3E}">
-        <p14:creationId xmlns:p14="http://schemas.microsoft.com/office/powerpoint/2010/main" val="2768989737"/>
+        <p14:creationId xmlns:p14="http://schemas.microsoft.com/office/powerpoint/2010/main" val="4080403581"/>
       </p:ext>
     </p:extLst>
   </p:cSld>
@@ -8487,58 +11923,12 @@
           <a:chExt cx="0" cy="0"/>
         </a:xfrm>
       </p:grpSpPr>
-      <p:sp>
-        <p:nvSpPr>
-          <p:cNvPr id="2" name="文本框 1">
+      <p:pic>
+        <p:nvPicPr>
+          <p:cNvPr id="2" name="图片 1">
             <a:extLst>
               <a:ext uri="{FF2B5EF4-FFF2-40B4-BE49-F238E27FC236}">
-                <a16:creationId xmlns:a16="http://schemas.microsoft.com/office/drawing/2014/main" id="{12AA8BCC-7B15-4842-80C2-48C079429338}"/>
-              </a:ext>
-            </a:extLst>
-          </p:cNvPr>
-          <p:cNvSpPr txBox="1"/>
-          <p:nvPr/>
-        </p:nvSpPr>
-        <p:spPr>
-          <a:xfrm>
-            <a:off x="2234234" y="597430"/>
-            <a:ext cx="9132000" cy="830997"/>
-          </a:xfrm>
-          <a:prstGeom prst="rect">
-            <a:avLst/>
-          </a:prstGeom>
-          <a:noFill/>
-        </p:spPr>
-        <p:txBody>
-          <a:bodyPr wrap="square" rtlCol="0">
-            <a:spAutoFit/>
-          </a:bodyPr>
-          <a:lstStyle/>
-          <a:p>
-            <a:pPr algn="ctr"/>
-            <a:r>
-              <a:rPr kumimoji="1" lang="en-US" altLang="zh-CN" sz="4800" dirty="0">
-                <a:latin typeface="Microsoft YaHei" panose="020B0503020204020204" pitchFamily="34" charset="-122"/>
-                <a:ea typeface="Microsoft YaHei" panose="020B0503020204020204" pitchFamily="34" charset="-122"/>
-              </a:rPr>
-              <a:t>4.1</a:t>
-            </a:r>
-            <a:r>
-              <a:rPr kumimoji="1" lang="zh-CN" altLang="en-US" sz="4800" dirty="0">
-                <a:latin typeface="Microsoft YaHei" panose="020B0503020204020204" pitchFamily="34" charset="-122"/>
-                <a:ea typeface="Microsoft YaHei" panose="020B0503020204020204" pitchFamily="34" charset="-122"/>
-              </a:rPr>
-              <a:t> 数值类型</a:t>
-            </a:r>
-          </a:p>
-        </p:txBody>
-      </p:sp>
-      <p:pic>
-        <p:nvPicPr>
-          <p:cNvPr id="5" name="图片 4">
-            <a:extLst>
-              <a:ext uri="{FF2B5EF4-FFF2-40B4-BE49-F238E27FC236}">
-                <a16:creationId xmlns:a16="http://schemas.microsoft.com/office/drawing/2014/main" id="{79EF5976-0DD8-3A46-B211-E7A4AB2173D2}"/>
+                <a16:creationId xmlns:a16="http://schemas.microsoft.com/office/drawing/2014/main" id="{F83F5DD9-3551-A943-BC8D-16367F291D96}"/>
               </a:ext>
             </a:extLst>
           </p:cNvPr>
@@ -8555,53 +11945,18 @@
         </p:blipFill>
         <p:spPr>
           <a:xfrm>
-            <a:off x="674254" y="3021236"/>
-            <a:ext cx="11294687" cy="3052618"/>
+            <a:off x="4512031" y="0"/>
+            <a:ext cx="3167938" cy="6858000"/>
           </a:xfrm>
           <a:prstGeom prst="rect">
             <a:avLst/>
           </a:prstGeom>
         </p:spPr>
       </p:pic>
-      <p:sp>
-        <p:nvSpPr>
-          <p:cNvPr id="6" name="文本框 5">
-            <a:extLst>
-              <a:ext uri="{FF2B5EF4-FFF2-40B4-BE49-F238E27FC236}">
-                <a16:creationId xmlns:a16="http://schemas.microsoft.com/office/drawing/2014/main" id="{3BA08025-CDA1-7A46-B64A-463E93D860B9}"/>
-              </a:ext>
-            </a:extLst>
-          </p:cNvPr>
-          <p:cNvSpPr txBox="1"/>
-          <p:nvPr/>
-        </p:nvSpPr>
-        <p:spPr>
-          <a:xfrm>
-            <a:off x="1069108" y="1787236"/>
-            <a:ext cx="3502892" cy="523220"/>
-          </a:xfrm>
-          <a:prstGeom prst="rect">
-            <a:avLst/>
-          </a:prstGeom>
-          <a:noFill/>
-        </p:spPr>
-        <p:txBody>
-          <a:bodyPr wrap="square" rtlCol="0">
-            <a:spAutoFit/>
-          </a:bodyPr>
-          <a:lstStyle/>
-          <a:p>
-            <a:r>
-              <a:rPr kumimoji="1" lang="zh-CN" altLang="en-US" sz="2800" dirty="0"/>
-              <a:t>常用数据类型</a:t>
-            </a:r>
-          </a:p>
-        </p:txBody>
-      </p:sp>
     </p:spTree>
     <p:extLst>
       <p:ext uri="{BB962C8B-B14F-4D97-AF65-F5344CB8AC3E}">
-        <p14:creationId xmlns:p14="http://schemas.microsoft.com/office/powerpoint/2010/main" val="1542873552"/>
+        <p14:creationId xmlns:p14="http://schemas.microsoft.com/office/powerpoint/2010/main" val="1529587092"/>
       </p:ext>
     </p:extLst>
   </p:cSld>
@@ -8639,10 +11994,10 @@
       </p:grpSpPr>
       <p:sp>
         <p:nvSpPr>
-          <p:cNvPr id="2" name="文本框 1">
+          <p:cNvPr id="8" name="文本框 7">
             <a:extLst>
               <a:ext uri="{FF2B5EF4-FFF2-40B4-BE49-F238E27FC236}">
-                <a16:creationId xmlns:a16="http://schemas.microsoft.com/office/drawing/2014/main" id="{12AA8BCC-7B15-4842-80C2-48C079429338}"/>
+                <a16:creationId xmlns:a16="http://schemas.microsoft.com/office/drawing/2014/main" id="{B294230C-E86E-7247-BAC6-5F43DED3D0AF}"/>
               </a:ext>
             </a:extLst>
           </p:cNvPr>
@@ -8651,8 +12006,8 @@
         </p:nvSpPr>
         <p:spPr>
           <a:xfrm>
-            <a:off x="2234234" y="597430"/>
-            <a:ext cx="9132000" cy="830997"/>
+            <a:off x="2374392" y="1334415"/>
+            <a:ext cx="7443216" cy="4537049"/>
           </a:xfrm>
           <a:prstGeom prst="rect">
             <a:avLst/>
@@ -8660,70 +12015,66 @@
           <a:noFill/>
         </p:spPr>
         <p:txBody>
-          <a:bodyPr wrap="square" rtlCol="0">
+          <a:bodyPr wrap="square" tIns="360000" bIns="360000" rtlCol="0">
             <a:spAutoFit/>
           </a:bodyPr>
           <a:lstStyle/>
           <a:p>
-            <a:pPr algn="ctr"/>
-            <a:r>
-              <a:rPr kumimoji="1" lang="en-US" altLang="zh-CN" sz="4800" dirty="0">
-                <a:latin typeface="Microsoft YaHei" panose="020B0503020204020204" pitchFamily="34" charset="-122"/>
-                <a:ea typeface="Microsoft YaHei" panose="020B0503020204020204" pitchFamily="34" charset="-122"/>
-              </a:rPr>
-              <a:t>4.2</a:t>
-            </a:r>
-            <a:r>
-              <a:rPr kumimoji="1" lang="zh-CN" altLang="en-US" sz="4800" dirty="0">
-                <a:latin typeface="Microsoft YaHei" panose="020B0503020204020204" pitchFamily="34" charset="-122"/>
-                <a:ea typeface="Microsoft YaHei" panose="020B0503020204020204" pitchFamily="34" charset="-122"/>
-              </a:rPr>
-              <a:t> 数据操作</a:t>
-            </a:r>
-          </a:p>
-        </p:txBody>
-      </p:sp>
-      <p:sp>
-        <p:nvSpPr>
-          <p:cNvPr id="6" name="文本框 5">
+            <a:pPr marL="457200" indent="-457200">
+              <a:lnSpc>
+                <a:spcPct val="150000"/>
+              </a:lnSpc>
+              <a:buFont typeface="Arial" panose="020B0604020202020204" pitchFamily="34" charset="0"/>
+              <a:buChar char="•"/>
+            </a:pPr>
+            <a:r>
+              <a:rPr kumimoji="1" lang="zh-CN" altLang="en-US" sz="2800" dirty="0">
+                <a:ea typeface="Microsoft YaHei" panose="020B0503020204020204" pitchFamily="34" charset="-122"/>
+              </a:rPr>
+              <a:t>如果在不同的地方触发同样的功能，都写一遍刚才的发送消息流程，那现实中程序员哥哥姐姐叔叔阿姨的奖金就没了。 </a:t>
+            </a:r>
+            <a:endParaRPr kumimoji="1" lang="en-US" altLang="zh-CN" sz="2800" dirty="0">
+              <a:ea typeface="Microsoft YaHei" panose="020B0503020204020204" pitchFamily="34" charset="-122"/>
+            </a:endParaRPr>
+          </a:p>
+          <a:p>
+            <a:pPr marL="457200" indent="-457200">
+              <a:lnSpc>
+                <a:spcPct val="150000"/>
+              </a:lnSpc>
+              <a:buFont typeface="Arial" panose="020B0604020202020204" pitchFamily="34" charset="0"/>
+              <a:buChar char="•"/>
+            </a:pPr>
+            <a:endParaRPr kumimoji="1" lang="en-US" altLang="zh-CN" sz="2800" dirty="0">
+              <a:ea typeface="Microsoft YaHei" panose="020B0503020204020204" pitchFamily="34" charset="-122"/>
+            </a:endParaRPr>
+          </a:p>
+          <a:p>
+            <a:pPr marL="457200" indent="-457200">
+              <a:lnSpc>
+                <a:spcPct val="150000"/>
+              </a:lnSpc>
+              <a:buFont typeface="Arial" panose="020B0604020202020204" pitchFamily="34" charset="0"/>
+              <a:buChar char="•"/>
+            </a:pPr>
+            <a:r>
+              <a:rPr kumimoji="1" lang="zh-CN" altLang="en-US" sz="2800" dirty="0">
+                <a:ea typeface="Microsoft YaHei" panose="020B0503020204020204" pitchFamily="34" charset="-122"/>
+              </a:rPr>
+              <a:t>那怎么做能避免这样的窘境吗？  方法指了指自己说 “要靠我”</a:t>
+            </a:r>
+            <a:endParaRPr kumimoji="1" lang="en-US" altLang="zh-CN" sz="2800" dirty="0">
+              <a:ea typeface="Microsoft YaHei" panose="020B0503020204020204" pitchFamily="34" charset="-122"/>
+            </a:endParaRPr>
+          </a:p>
+        </p:txBody>
+      </p:sp>
+      <p:pic>
+        <p:nvPicPr>
+          <p:cNvPr id="4" name="图形 3" descr="实心填充的哭泣表情">
             <a:extLst>
               <a:ext uri="{FF2B5EF4-FFF2-40B4-BE49-F238E27FC236}">
-                <a16:creationId xmlns:a16="http://schemas.microsoft.com/office/drawing/2014/main" id="{3BA08025-CDA1-7A46-B64A-463E93D860B9}"/>
-              </a:ext>
-            </a:extLst>
-          </p:cNvPr>
-          <p:cNvSpPr txBox="1"/>
-          <p:nvPr/>
-        </p:nvSpPr>
-        <p:spPr>
-          <a:xfrm>
-            <a:off x="1069108" y="1787236"/>
-            <a:ext cx="3502892" cy="523220"/>
-          </a:xfrm>
-          <a:prstGeom prst="rect">
-            <a:avLst/>
-          </a:prstGeom>
-          <a:noFill/>
-        </p:spPr>
-        <p:txBody>
-          <a:bodyPr wrap="square" rtlCol="0">
-            <a:spAutoFit/>
-          </a:bodyPr>
-          <a:lstStyle/>
-          <a:p>
-            <a:r>
-              <a:rPr kumimoji="1" lang="zh-CN" altLang="en-US" sz="2800" dirty="0"/>
-              <a:t>常用数据类型</a:t>
-            </a:r>
-          </a:p>
-        </p:txBody>
-      </p:sp>
-      <p:pic>
-        <p:nvPicPr>
-          <p:cNvPr id="4" name="图片 3">
-            <a:extLst>
-              <a:ext uri="{FF2B5EF4-FFF2-40B4-BE49-F238E27FC236}">
-                <a16:creationId xmlns:a16="http://schemas.microsoft.com/office/drawing/2014/main" id="{01744057-0653-7A4B-A5E8-09B3124F82BD}"/>
+                <a16:creationId xmlns:a16="http://schemas.microsoft.com/office/drawing/2014/main" id="{5A4BEFB3-981F-A542-B4EE-5D80D028303D}"/>
               </a:ext>
             </a:extLst>
           </p:cNvPr>
@@ -8733,15 +12084,21 @@
           <p:nvPr/>
         </p:nvPicPr>
         <p:blipFill>
-          <a:blip r:embed="rId4"/>
+          <a:blip r:embed="rId4">
+            <a:extLst>
+              <a:ext uri="{96DAC541-7B7A-43D3-8B79-37D633B846F1}">
+                <asvg:svgBlip xmlns:asvg="http://schemas.microsoft.com/office/drawing/2016/SVG/main" r:embed="rId5"/>
+              </a:ext>
+            </a:extLst>
+          </a:blip>
           <a:stretch>
             <a:fillRect/>
           </a:stretch>
         </p:blipFill>
         <p:spPr>
           <a:xfrm>
-            <a:off x="0" y="2995439"/>
-            <a:ext cx="12192000" cy="1839495"/>
+            <a:off x="8016240" y="2981007"/>
+            <a:ext cx="680720" cy="680720"/>
           </a:xfrm>
           <a:prstGeom prst="rect">
             <a:avLst/>
@@ -8751,7 +12108,7 @@
     </p:spTree>
     <p:extLst>
       <p:ext uri="{BB962C8B-B14F-4D97-AF65-F5344CB8AC3E}">
-        <p14:creationId xmlns:p14="http://schemas.microsoft.com/office/powerpoint/2010/main" val="3554362694"/>
+        <p14:creationId xmlns:p14="http://schemas.microsoft.com/office/powerpoint/2010/main" val="1217957394"/>
       </p:ext>
     </p:extLst>
   </p:cSld>

--- a/ppt/2.3 方法.pptx
+++ b/ppt/2.3 方法.pptx
@@ -5,7 +5,7 @@
     <p:sldMasterId id="2147483648" r:id="rId1"/>
   </p:sldMasterIdLst>
   <p:notesMasterIdLst>
-    <p:notesMasterId r:id="rId32"/>
+    <p:notesMasterId r:id="rId29"/>
   </p:notesMasterIdLst>
   <p:sldIdLst>
     <p:sldId id="258" r:id="rId2"/>
@@ -23,21 +23,18 @@
     <p:sldId id="297" r:id="rId14"/>
     <p:sldId id="298" r:id="rId15"/>
     <p:sldId id="299" r:id="rId16"/>
-    <p:sldId id="300" r:id="rId17"/>
-    <p:sldId id="301" r:id="rId18"/>
-    <p:sldId id="302" r:id="rId19"/>
-    <p:sldId id="289" r:id="rId20"/>
-    <p:sldId id="282" r:id="rId21"/>
-    <p:sldId id="292" r:id="rId22"/>
-    <p:sldId id="283" r:id="rId23"/>
-    <p:sldId id="290" r:id="rId24"/>
-    <p:sldId id="291" r:id="rId25"/>
-    <p:sldId id="286" r:id="rId26"/>
-    <p:sldId id="268" r:id="rId27"/>
-    <p:sldId id="293" r:id="rId28"/>
-    <p:sldId id="294" r:id="rId29"/>
-    <p:sldId id="279" r:id="rId30"/>
-    <p:sldId id="295" r:id="rId31"/>
+    <p:sldId id="301" r:id="rId17"/>
+    <p:sldId id="311" r:id="rId18"/>
+    <p:sldId id="310" r:id="rId19"/>
+    <p:sldId id="302" r:id="rId20"/>
+    <p:sldId id="312" r:id="rId21"/>
+    <p:sldId id="313" r:id="rId22"/>
+    <p:sldId id="315" r:id="rId23"/>
+    <p:sldId id="316" r:id="rId24"/>
+    <p:sldId id="314" r:id="rId25"/>
+    <p:sldId id="317" r:id="rId26"/>
+    <p:sldId id="279" r:id="rId27"/>
+    <p:sldId id="318" r:id="rId28"/>
   </p:sldIdLst>
   <p:sldSz cx="12192000" cy="6858000"/>
   <p:notesSz cx="6858000" cy="9144000"/>
@@ -160,21 +157,18 @@
             <p14:sldId id="297"/>
             <p14:sldId id="298"/>
             <p14:sldId id="299"/>
-            <p14:sldId id="300"/>
             <p14:sldId id="301"/>
+            <p14:sldId id="311"/>
+            <p14:sldId id="310"/>
             <p14:sldId id="302"/>
-            <p14:sldId id="289"/>
-            <p14:sldId id="282"/>
-            <p14:sldId id="292"/>
-            <p14:sldId id="283"/>
-            <p14:sldId id="290"/>
-            <p14:sldId id="291"/>
-            <p14:sldId id="286"/>
-            <p14:sldId id="268"/>
-            <p14:sldId id="293"/>
-            <p14:sldId id="294"/>
+            <p14:sldId id="312"/>
+            <p14:sldId id="313"/>
+            <p14:sldId id="315"/>
+            <p14:sldId id="316"/>
+            <p14:sldId id="314"/>
+            <p14:sldId id="317"/>
             <p14:sldId id="279"/>
-            <p14:sldId id="295"/>
+            <p14:sldId id="318"/>
           </p14:sldIdLst>
         </p14:section>
       </p14:sectionLst>
@@ -1113,7 +1107,7 @@
     </p:spTree>
     <p:extLst>
       <p:ext uri="{BB962C8B-B14F-4D97-AF65-F5344CB8AC3E}">
-        <p14:creationId xmlns:p14="http://schemas.microsoft.com/office/powerpoint/2010/main" val="1740711311"/>
+        <p14:creationId xmlns:p14="http://schemas.microsoft.com/office/powerpoint/2010/main" val="1252116166"/>
       </p:ext>
     </p:extLst>
   </p:cSld>
@@ -1197,7 +1191,7 @@
     </p:spTree>
     <p:extLst>
       <p:ext uri="{BB962C8B-B14F-4D97-AF65-F5344CB8AC3E}">
-        <p14:creationId xmlns:p14="http://schemas.microsoft.com/office/powerpoint/2010/main" val="1252116166"/>
+        <p14:creationId xmlns:p14="http://schemas.microsoft.com/office/powerpoint/2010/main" val="2169802275"/>
       </p:ext>
     </p:extLst>
   </p:cSld>
@@ -1281,7 +1275,7 @@
     </p:spTree>
     <p:extLst>
       <p:ext uri="{BB962C8B-B14F-4D97-AF65-F5344CB8AC3E}">
-        <p14:creationId xmlns:p14="http://schemas.microsoft.com/office/powerpoint/2010/main" val="35050927"/>
+        <p14:creationId xmlns:p14="http://schemas.microsoft.com/office/powerpoint/2010/main" val="3896522194"/>
       </p:ext>
     </p:extLst>
   </p:cSld>
@@ -1365,7 +1359,7 @@
     </p:spTree>
     <p:extLst>
       <p:ext uri="{BB962C8B-B14F-4D97-AF65-F5344CB8AC3E}">
-        <p14:creationId xmlns:p14="http://schemas.microsoft.com/office/powerpoint/2010/main" val="1320749688"/>
+        <p14:creationId xmlns:p14="http://schemas.microsoft.com/office/powerpoint/2010/main" val="35050927"/>
       </p:ext>
     </p:extLst>
   </p:cSld>
@@ -1419,69 +1413,7 @@
           <a:bodyPr/>
           <a:lstStyle/>
           <a:p>
-            <a:pPr marL="0" marR="0" lvl="0" indent="0" algn="l" defTabSz="914400" rtl="0" eaLnBrk="1" fontAlgn="auto" latinLnBrk="0" hangingPunct="1">
-              <a:lnSpc>
-                <a:spcPct val="100000"/>
-              </a:lnSpc>
-              <a:spcBef>
-                <a:spcPts val="0"/>
-              </a:spcBef>
-              <a:spcAft>
-                <a:spcPts val="0"/>
-              </a:spcAft>
-              <a:buClrTx/>
-              <a:buSzTx/>
-              <a:buFontTx/>
-              <a:buNone/>
-              <a:tabLst/>
-              <a:defRPr/>
-            </a:pPr>
-            <a:r>
-              <a:rPr lang="zh-CN" altLang="en-US" dirty="0">
-                <a:hlinkClick r:id="rId3"/>
-              </a:rPr>
-              <a:t>如何从机器语言变成物理电平信号</a:t>
-            </a:r>
-          </a:p>
-          <a:p>
-            <a:pPr marL="0" marR="0" lvl="0" indent="0" algn="l" defTabSz="914400" rtl="0" eaLnBrk="1" fontAlgn="auto" latinLnBrk="0" hangingPunct="1">
-              <a:lnSpc>
-                <a:spcPct val="100000"/>
-              </a:lnSpc>
-              <a:spcBef>
-                <a:spcPts val="0"/>
-              </a:spcBef>
-              <a:spcAft>
-                <a:spcPts val="0"/>
-              </a:spcAft>
-              <a:buClrTx/>
-              <a:buSzTx/>
-              <a:buFontTx/>
-              <a:buNone/>
-              <a:tabLst/>
-              <a:defRPr/>
-            </a:pPr>
-            <a:endParaRPr lang="en-US" altLang="zh-CN" dirty="0">
-              <a:hlinkClick r:id="rId3"/>
-            </a:endParaRPr>
-          </a:p>
-          <a:p>
-            <a:r>
-              <a:rPr lang="en-US" altLang="zh-CN" dirty="0">
-                <a:hlinkClick r:id="rId3"/>
-              </a:rPr>
-              <a:t>https://www.zhihu.com/question/38339241</a:t>
-            </a:r>
-            <a:endParaRPr lang="en-US" altLang="zh-CN" dirty="0"/>
-          </a:p>
-          <a:p>
-            <a:endParaRPr kumimoji="1" lang="en-US" altLang="zh-CN" dirty="0"/>
-          </a:p>
-          <a:p>
-            <a:r>
-              <a:rPr kumimoji="1" lang="zh-CN" altLang="en-US" dirty="0"/>
-              <a:t>也就是 软件最重要硬件实现，而硬件都是电气电路，只认识，高，低电平</a:t>
-            </a:r>
+            <a:endParaRPr kumimoji="1" lang="zh-CN" altLang="en-US" dirty="0"/>
           </a:p>
         </p:txBody>
       </p:sp>
@@ -1511,7 +1443,7 @@
     </p:spTree>
     <p:extLst>
       <p:ext uri="{BB962C8B-B14F-4D97-AF65-F5344CB8AC3E}">
-        <p14:creationId xmlns:p14="http://schemas.microsoft.com/office/powerpoint/2010/main" val="2112939307"/>
+        <p14:creationId xmlns:p14="http://schemas.microsoft.com/office/powerpoint/2010/main" val="2192166362"/>
       </p:ext>
     </p:extLst>
   </p:cSld>
@@ -1652,69 +1584,7 @@
           <a:bodyPr/>
           <a:lstStyle/>
           <a:p>
-            <a:pPr marL="0" marR="0" lvl="0" indent="0" algn="l" defTabSz="914400" rtl="0" eaLnBrk="1" fontAlgn="auto" latinLnBrk="0" hangingPunct="1">
-              <a:lnSpc>
-                <a:spcPct val="100000"/>
-              </a:lnSpc>
-              <a:spcBef>
-                <a:spcPts val="0"/>
-              </a:spcBef>
-              <a:spcAft>
-                <a:spcPts val="0"/>
-              </a:spcAft>
-              <a:buClrTx/>
-              <a:buSzTx/>
-              <a:buFontTx/>
-              <a:buNone/>
-              <a:tabLst/>
-              <a:defRPr/>
-            </a:pPr>
-            <a:r>
-              <a:rPr lang="zh-CN" altLang="en-US" dirty="0">
-                <a:hlinkClick r:id="rId3"/>
-              </a:rPr>
-              <a:t>如何从机器语言变成物理电平信号</a:t>
-            </a:r>
-          </a:p>
-          <a:p>
-            <a:pPr marL="0" marR="0" lvl="0" indent="0" algn="l" defTabSz="914400" rtl="0" eaLnBrk="1" fontAlgn="auto" latinLnBrk="0" hangingPunct="1">
-              <a:lnSpc>
-                <a:spcPct val="100000"/>
-              </a:lnSpc>
-              <a:spcBef>
-                <a:spcPts val="0"/>
-              </a:spcBef>
-              <a:spcAft>
-                <a:spcPts val="0"/>
-              </a:spcAft>
-              <a:buClrTx/>
-              <a:buSzTx/>
-              <a:buFontTx/>
-              <a:buNone/>
-              <a:tabLst/>
-              <a:defRPr/>
-            </a:pPr>
-            <a:endParaRPr lang="en-US" altLang="zh-CN" dirty="0">
-              <a:hlinkClick r:id="rId3"/>
-            </a:endParaRPr>
-          </a:p>
-          <a:p>
-            <a:r>
-              <a:rPr lang="en-US" altLang="zh-CN" dirty="0">
-                <a:hlinkClick r:id="rId3"/>
-              </a:rPr>
-              <a:t>https://www.zhihu.com/question/38339241</a:t>
-            </a:r>
-            <a:endParaRPr lang="en-US" altLang="zh-CN" dirty="0"/>
-          </a:p>
-          <a:p>
-            <a:endParaRPr kumimoji="1" lang="en-US" altLang="zh-CN" dirty="0"/>
-          </a:p>
-          <a:p>
-            <a:r>
-              <a:rPr kumimoji="1" lang="zh-CN" altLang="en-US" dirty="0"/>
-              <a:t>也就是 软件最重要硬件实现，而硬件都是电气电路，只认识，高，低电平</a:t>
-            </a:r>
+            <a:endParaRPr kumimoji="1" lang="zh-CN" altLang="en-US" dirty="0"/>
           </a:p>
         </p:txBody>
       </p:sp>
@@ -1744,7 +1614,7 @@
     </p:spTree>
     <p:extLst>
       <p:ext uri="{BB962C8B-B14F-4D97-AF65-F5344CB8AC3E}">
-        <p14:creationId xmlns:p14="http://schemas.microsoft.com/office/powerpoint/2010/main" val="2832086500"/>
+        <p14:creationId xmlns:p14="http://schemas.microsoft.com/office/powerpoint/2010/main" val="482707892"/>
       </p:ext>
     </p:extLst>
   </p:cSld>
@@ -1828,7 +1698,7 @@
     </p:spTree>
     <p:extLst>
       <p:ext uri="{BB962C8B-B14F-4D97-AF65-F5344CB8AC3E}">
-        <p14:creationId xmlns:p14="http://schemas.microsoft.com/office/powerpoint/2010/main" val="3404415977"/>
+        <p14:creationId xmlns:p14="http://schemas.microsoft.com/office/powerpoint/2010/main" val="3238264731"/>
       </p:ext>
     </p:extLst>
   </p:cSld>
@@ -1912,7 +1782,7 @@
     </p:spTree>
     <p:extLst>
       <p:ext uri="{BB962C8B-B14F-4D97-AF65-F5344CB8AC3E}">
-        <p14:creationId xmlns:p14="http://schemas.microsoft.com/office/powerpoint/2010/main" val="1659880490"/>
+        <p14:creationId xmlns:p14="http://schemas.microsoft.com/office/powerpoint/2010/main" val="1917099924"/>
       </p:ext>
     </p:extLst>
   </p:cSld>
@@ -1966,23 +1836,6 @@
           <a:bodyPr/>
           <a:lstStyle/>
           <a:p>
-            <a:pPr marL="0" marR="0" lvl="0" indent="0" algn="l" defTabSz="914400" rtl="0" eaLnBrk="1" fontAlgn="auto" latinLnBrk="0" hangingPunct="1">
-              <a:lnSpc>
-                <a:spcPct val="100000"/>
-              </a:lnSpc>
-              <a:spcBef>
-                <a:spcPts val="0"/>
-              </a:spcBef>
-              <a:spcAft>
-                <a:spcPts val="0"/>
-              </a:spcAft>
-              <a:buClrTx/>
-              <a:buSzTx/>
-              <a:buFontTx/>
-              <a:buNone/>
-              <a:tabLst/>
-              <a:defRPr/>
-            </a:pPr>
             <a:endParaRPr kumimoji="1" lang="zh-CN" altLang="en-US" dirty="0"/>
           </a:p>
         </p:txBody>
@@ -2013,7 +1866,7 @@
     </p:spTree>
     <p:extLst>
       <p:ext uri="{BB962C8B-B14F-4D97-AF65-F5344CB8AC3E}">
-        <p14:creationId xmlns:p14="http://schemas.microsoft.com/office/powerpoint/2010/main" val="3634524704"/>
+        <p14:creationId xmlns:p14="http://schemas.microsoft.com/office/powerpoint/2010/main" val="2363907226"/>
       </p:ext>
     </p:extLst>
   </p:cSld>
@@ -2067,10 +1920,7 @@
           <a:bodyPr/>
           <a:lstStyle/>
           <a:p>
-            <a:r>
-              <a:rPr kumimoji="1" lang="zh-CN" altLang="en-US" dirty="0"/>
-              <a:t>有例子</a:t>
-            </a:r>
+            <a:endParaRPr kumimoji="1" lang="zh-CN" altLang="en-US" dirty="0"/>
           </a:p>
         </p:txBody>
       </p:sp>
@@ -2100,7 +1950,7 @@
     </p:spTree>
     <p:extLst>
       <p:ext uri="{BB962C8B-B14F-4D97-AF65-F5344CB8AC3E}">
-        <p14:creationId xmlns:p14="http://schemas.microsoft.com/office/powerpoint/2010/main" val="3991650673"/>
+        <p14:creationId xmlns:p14="http://schemas.microsoft.com/office/powerpoint/2010/main" val="1501703115"/>
       </p:ext>
     </p:extLst>
   </p:cSld>
@@ -2154,10 +2004,31 @@
           <a:bodyPr/>
           <a:lstStyle/>
           <a:p>
+            <a:pPr marL="0" marR="0" lvl="0" indent="0" algn="l" defTabSz="914400" rtl="0" eaLnBrk="1" fontAlgn="auto" latinLnBrk="0" hangingPunct="1">
+              <a:lnSpc>
+                <a:spcPct val="100000"/>
+              </a:lnSpc>
+              <a:spcBef>
+                <a:spcPts val="0"/>
+              </a:spcBef>
+              <a:spcAft>
+                <a:spcPts val="0"/>
+              </a:spcAft>
+              <a:buClrTx/>
+              <a:buSzTx/>
+              <a:buFontTx/>
+              <a:buNone/>
+              <a:tabLst/>
+              <a:defRPr/>
+            </a:pPr>
             <a:r>
               <a:rPr kumimoji="1" lang="zh-CN" altLang="en-US" dirty="0"/>
-              <a:t>在数据结构中，我们谈论的最多的是 数据元素，然后再往下谈数据项</a:t>
-            </a:r>
+              <a:t>另一个例子：狗会叫，猫会叫，鸭子也会叫，那他们可以抽象成 一个动物对象，这个动物对象有叫这个动作，但至于具体如何叫，就不是抽象数据模型的职责了，而是具体数据类型的职责</a:t>
+            </a:r>
+            <a:endParaRPr kumimoji="1" lang="en-US" altLang="zh-CN" dirty="0"/>
+          </a:p>
+          <a:p>
+            <a:endParaRPr kumimoji="1" lang="zh-CN" altLang="en-US" dirty="0"/>
           </a:p>
         </p:txBody>
       </p:sp>
@@ -2187,7 +2058,7 @@
     </p:spTree>
     <p:extLst>
       <p:ext uri="{BB962C8B-B14F-4D97-AF65-F5344CB8AC3E}">
-        <p14:creationId xmlns:p14="http://schemas.microsoft.com/office/powerpoint/2010/main" val="1568470300"/>
+        <p14:creationId xmlns:p14="http://schemas.microsoft.com/office/powerpoint/2010/main" val="4167110842"/>
       </p:ext>
     </p:extLst>
   </p:cSld>
@@ -2241,231 +2112,6 @@
           <a:bodyPr/>
           <a:lstStyle/>
           <a:p>
-            <a:r>
-              <a:rPr kumimoji="1" lang="zh-CN" altLang="en-US" dirty="0"/>
-              <a:t>在数据结构中，我们谈论的最多的是 数据元素，然后再往下谈数据项</a:t>
-            </a:r>
-          </a:p>
-        </p:txBody>
-      </p:sp>
-      <p:sp>
-        <p:nvSpPr>
-          <p:cNvPr id="4" name="灯片编号占位符 3"/>
-          <p:cNvSpPr>
-            <a:spLocks noGrp="1"/>
-          </p:cNvSpPr>
-          <p:nvPr>
-            <p:ph type="sldNum" sz="quarter" idx="5"/>
-          </p:nvPr>
-        </p:nvSpPr>
-        <p:spPr/>
-        <p:txBody>
-          <a:bodyPr/>
-          <a:lstStyle/>
-          <a:p>
-            <a:fld id="{0F8E57A1-C481-6944-857F-EAC8E932B5ED}" type="slidenum">
-              <a:rPr kumimoji="1" lang="zh-CN" altLang="en-US" smtClean="0"/>
-              <a:t>27</a:t>
-            </a:fld>
-            <a:endParaRPr kumimoji="1" lang="zh-CN" altLang="en-US"/>
-          </a:p>
-        </p:txBody>
-      </p:sp>
-    </p:spTree>
-    <p:extLst>
-      <p:ext uri="{BB962C8B-B14F-4D97-AF65-F5344CB8AC3E}">
-        <p14:creationId xmlns:p14="http://schemas.microsoft.com/office/powerpoint/2010/main" val="428244954"/>
-      </p:ext>
-    </p:extLst>
-  </p:cSld>
-  <p:clrMapOvr>
-    <a:masterClrMapping/>
-  </p:clrMapOvr>
-</p:notes>
-</file>
-
-<file path=ppt/notesSlides/notesSlide27.xml><?xml version="1.0" encoding="utf-8"?>
-<p:notes xmlns:a="http://schemas.openxmlformats.org/drawingml/2006/main" xmlns:r="http://schemas.openxmlformats.org/officeDocument/2006/relationships" xmlns:p="http://schemas.openxmlformats.org/presentationml/2006/main">
-  <p:cSld>
-    <p:spTree>
-      <p:nvGrpSpPr>
-        <p:cNvPr id="1" name=""/>
-        <p:cNvGrpSpPr/>
-        <p:nvPr/>
-      </p:nvGrpSpPr>
-      <p:grpSpPr>
-        <a:xfrm>
-          <a:off x="0" y="0"/>
-          <a:ext cx="0" cy="0"/>
-          <a:chOff x="0" y="0"/>
-          <a:chExt cx="0" cy="0"/>
-        </a:xfrm>
-      </p:grpSpPr>
-      <p:sp>
-        <p:nvSpPr>
-          <p:cNvPr id="2" name="幻灯片图像占位符 1"/>
-          <p:cNvSpPr>
-            <a:spLocks noGrp="1" noRot="1" noChangeAspect="1"/>
-          </p:cNvSpPr>
-          <p:nvPr>
-            <p:ph type="sldImg"/>
-          </p:nvPr>
-        </p:nvSpPr>
-        <p:spPr/>
-      </p:sp>
-      <p:sp>
-        <p:nvSpPr>
-          <p:cNvPr id="3" name="备注占位符 2"/>
-          <p:cNvSpPr>
-            <a:spLocks noGrp="1"/>
-          </p:cNvSpPr>
-          <p:nvPr>
-            <p:ph type="body" idx="1"/>
-          </p:nvPr>
-        </p:nvSpPr>
-        <p:spPr/>
-        <p:txBody>
-          <a:bodyPr/>
-          <a:lstStyle/>
-          <a:p>
-            <a:r>
-              <a:rPr lang="en-US" altLang="zh-CN" sz="1200" dirty="0">
-                <a:effectLst/>
-              </a:rPr>
-              <a:t>a</a:t>
-            </a:r>
-            <a:r>
-              <a:rPr lang="zh-CN" altLang="en-US" sz="1200" dirty="0">
-                <a:effectLst/>
-              </a:rPr>
-              <a:t>例子：当两个操作数是整数时，</a:t>
-            </a:r>
-            <a:r>
-              <a:rPr lang="en-US" altLang="zh-CN" sz="1200" kern="1200" dirty="0">
-                <a:solidFill>
-                  <a:schemeClr val="tx1"/>
-                </a:solidFill>
-                <a:effectLst/>
-                <a:latin typeface="+mn-lt"/>
-                <a:ea typeface="+mn-ea"/>
-                <a:cs typeface="+mn-cs"/>
-              </a:rPr>
-              <a:t>/ </a:t>
-            </a:r>
-            <a:r>
-              <a:rPr lang="zh-CN" altLang="en-US" sz="1200" dirty="0">
-                <a:effectLst/>
-              </a:rPr>
-              <a:t>操作符执行一个整数除法，操作的结果是整数，小数部分被截去。</a:t>
-            </a:r>
-            <a:endParaRPr lang="en-US" altLang="zh-CN" sz="1200" dirty="0">
-              <a:effectLst/>
-            </a:endParaRPr>
-          </a:p>
-          <a:p>
-            <a:r>
-              <a:rPr lang="en-US" altLang="zh-CN" sz="1200" dirty="0">
-                <a:effectLst/>
-              </a:rPr>
-              <a:t>b</a:t>
-            </a:r>
-            <a:r>
-              <a:rPr lang="zh-CN" altLang="en-US" sz="1200" dirty="0">
-                <a:effectLst/>
-              </a:rPr>
-              <a:t>例子：要强制两个整数执行一个浮点数除法时，将其中一个整数转换为浮点数值。</a:t>
-            </a:r>
-            <a:endParaRPr lang="en-US" altLang="zh-CN" sz="1200" dirty="0">
-              <a:effectLst/>
-            </a:endParaRPr>
-          </a:p>
-          <a:p>
-            <a:endParaRPr lang="en-US" altLang="zh-CN" sz="1200" dirty="0">
-              <a:effectLst/>
-            </a:endParaRPr>
-          </a:p>
-        </p:txBody>
-      </p:sp>
-      <p:sp>
-        <p:nvSpPr>
-          <p:cNvPr id="4" name="灯片编号占位符 3"/>
-          <p:cNvSpPr>
-            <a:spLocks noGrp="1"/>
-          </p:cNvSpPr>
-          <p:nvPr>
-            <p:ph type="sldNum" sz="quarter" idx="5"/>
-          </p:nvPr>
-        </p:nvSpPr>
-        <p:spPr/>
-        <p:txBody>
-          <a:bodyPr/>
-          <a:lstStyle/>
-          <a:p>
-            <a:fld id="{0F8E57A1-C481-6944-857F-EAC8E932B5ED}" type="slidenum">
-              <a:rPr kumimoji="1" lang="zh-CN" altLang="en-US" smtClean="0"/>
-              <a:t>28</a:t>
-            </a:fld>
-            <a:endParaRPr kumimoji="1" lang="zh-CN" altLang="en-US"/>
-          </a:p>
-        </p:txBody>
-      </p:sp>
-    </p:spTree>
-    <p:extLst>
-      <p:ext uri="{BB962C8B-B14F-4D97-AF65-F5344CB8AC3E}">
-        <p14:creationId xmlns:p14="http://schemas.microsoft.com/office/powerpoint/2010/main" val="2623026475"/>
-      </p:ext>
-    </p:extLst>
-  </p:cSld>
-  <p:clrMapOvr>
-    <a:masterClrMapping/>
-  </p:clrMapOvr>
-</p:notes>
-</file>
-
-<file path=ppt/notesSlides/notesSlide28.xml><?xml version="1.0" encoding="utf-8"?>
-<p:notes xmlns:a="http://schemas.openxmlformats.org/drawingml/2006/main" xmlns:r="http://schemas.openxmlformats.org/officeDocument/2006/relationships" xmlns:p="http://schemas.openxmlformats.org/presentationml/2006/main">
-  <p:cSld>
-    <p:spTree>
-      <p:nvGrpSpPr>
-        <p:cNvPr id="1" name=""/>
-        <p:cNvGrpSpPr/>
-        <p:nvPr/>
-      </p:nvGrpSpPr>
-      <p:grpSpPr>
-        <a:xfrm>
-          <a:off x="0" y="0"/>
-          <a:ext cx="0" cy="0"/>
-          <a:chOff x="0" y="0"/>
-          <a:chExt cx="0" cy="0"/>
-        </a:xfrm>
-      </p:grpSpPr>
-      <p:sp>
-        <p:nvSpPr>
-          <p:cNvPr id="2" name="幻灯片图像占位符 1"/>
-          <p:cNvSpPr>
-            <a:spLocks noGrp="1" noRot="1" noChangeAspect="1"/>
-          </p:cNvSpPr>
-          <p:nvPr>
-            <p:ph type="sldImg"/>
-          </p:nvPr>
-        </p:nvSpPr>
-        <p:spPr/>
-      </p:sp>
-      <p:sp>
-        <p:nvSpPr>
-          <p:cNvPr id="3" name="备注占位符 2"/>
-          <p:cNvSpPr>
-            <a:spLocks noGrp="1"/>
-          </p:cNvSpPr>
-          <p:nvPr>
-            <p:ph type="body" idx="1"/>
-          </p:nvPr>
-        </p:nvSpPr>
-        <p:spPr/>
-        <p:txBody>
-          <a:bodyPr/>
-          <a:lstStyle/>
-          <a:p>
             <a:pPr marL="0" marR="0" lvl="0" indent="0" algn="l" defTabSz="914400" rtl="0" eaLnBrk="1" fontAlgn="auto" latinLnBrk="0" hangingPunct="1">
               <a:lnSpc>
                 <a:spcPct val="100000"/>
@@ -2511,7 +2157,7 @@
           <a:p>
             <a:fld id="{0F8E57A1-C481-6944-857F-EAC8E932B5ED}" type="slidenum">
               <a:rPr kumimoji="1" lang="zh-CN" altLang="en-US" smtClean="0"/>
-              <a:t>29</a:t>
+              <a:t>27</a:t>
             </a:fld>
             <a:endParaRPr kumimoji="1" lang="zh-CN" altLang="en-US"/>
           </a:p>
@@ -2520,115 +2166,7 @@
     </p:spTree>
     <p:extLst>
       <p:ext uri="{BB962C8B-B14F-4D97-AF65-F5344CB8AC3E}">
-        <p14:creationId xmlns:p14="http://schemas.microsoft.com/office/powerpoint/2010/main" val="4167110842"/>
-      </p:ext>
-    </p:extLst>
-  </p:cSld>
-  <p:clrMapOvr>
-    <a:masterClrMapping/>
-  </p:clrMapOvr>
-</p:notes>
-</file>
-
-<file path=ppt/notesSlides/notesSlide29.xml><?xml version="1.0" encoding="utf-8"?>
-<p:notes xmlns:a="http://schemas.openxmlformats.org/drawingml/2006/main" xmlns:r="http://schemas.openxmlformats.org/officeDocument/2006/relationships" xmlns:p="http://schemas.openxmlformats.org/presentationml/2006/main">
-  <p:cSld>
-    <p:spTree>
-      <p:nvGrpSpPr>
-        <p:cNvPr id="1" name=""/>
-        <p:cNvGrpSpPr/>
-        <p:nvPr/>
-      </p:nvGrpSpPr>
-      <p:grpSpPr>
-        <a:xfrm>
-          <a:off x="0" y="0"/>
-          <a:ext cx="0" cy="0"/>
-          <a:chOff x="0" y="0"/>
-          <a:chExt cx="0" cy="0"/>
-        </a:xfrm>
-      </p:grpSpPr>
-      <p:sp>
-        <p:nvSpPr>
-          <p:cNvPr id="2" name="幻灯片图像占位符 1"/>
-          <p:cNvSpPr>
-            <a:spLocks noGrp="1" noRot="1" noChangeAspect="1"/>
-          </p:cNvSpPr>
-          <p:nvPr>
-            <p:ph type="sldImg"/>
-          </p:nvPr>
-        </p:nvSpPr>
-        <p:spPr/>
-      </p:sp>
-      <p:sp>
-        <p:nvSpPr>
-          <p:cNvPr id="3" name="备注占位符 2"/>
-          <p:cNvSpPr>
-            <a:spLocks noGrp="1"/>
-          </p:cNvSpPr>
-          <p:nvPr>
-            <p:ph type="body" idx="1"/>
-          </p:nvPr>
-        </p:nvSpPr>
-        <p:spPr/>
-        <p:txBody>
-          <a:bodyPr/>
-          <a:lstStyle/>
-          <a:p>
-            <a:pPr marL="0" marR="0" lvl="0" indent="0" algn="l" defTabSz="914400" rtl="0" eaLnBrk="1" fontAlgn="auto" latinLnBrk="0" hangingPunct="1">
-              <a:lnSpc>
-                <a:spcPct val="100000"/>
-              </a:lnSpc>
-              <a:spcBef>
-                <a:spcPts val="0"/>
-              </a:spcBef>
-              <a:spcAft>
-                <a:spcPts val="0"/>
-              </a:spcAft>
-              <a:buClrTx/>
-              <a:buSzTx/>
-              <a:buFontTx/>
-              <a:buNone/>
-              <a:tabLst/>
-              <a:defRPr/>
-            </a:pPr>
-            <a:r>
-              <a:rPr kumimoji="1" lang="zh-CN" altLang="en-US" dirty="0"/>
-              <a:t>另一个例子：狗会叫，猫会叫，鸭子也会叫，那他们可以抽象成 一个动物对象，这个动物对象有叫这个动作，但至于具体如何叫，就不是抽象数据模型的职责了，而是具体数据类型的职责</a:t>
-            </a:r>
-            <a:endParaRPr kumimoji="1" lang="en-US" altLang="zh-CN" dirty="0"/>
-          </a:p>
-          <a:p>
-            <a:endParaRPr kumimoji="1" lang="zh-CN" altLang="en-US" dirty="0"/>
-          </a:p>
-        </p:txBody>
-      </p:sp>
-      <p:sp>
-        <p:nvSpPr>
-          <p:cNvPr id="4" name="灯片编号占位符 3"/>
-          <p:cNvSpPr>
-            <a:spLocks noGrp="1"/>
-          </p:cNvSpPr>
-          <p:nvPr>
-            <p:ph type="sldNum" sz="quarter" idx="5"/>
-          </p:nvPr>
-        </p:nvSpPr>
-        <p:spPr/>
-        <p:txBody>
-          <a:bodyPr/>
-          <a:lstStyle/>
-          <a:p>
-            <a:fld id="{0F8E57A1-C481-6944-857F-EAC8E932B5ED}" type="slidenum">
-              <a:rPr kumimoji="1" lang="zh-CN" altLang="en-US" smtClean="0"/>
-              <a:t>30</a:t>
-            </a:fld>
-            <a:endParaRPr kumimoji="1" lang="zh-CN" altLang="en-US"/>
-          </a:p>
-        </p:txBody>
-      </p:sp>
-    </p:spTree>
-    <p:extLst>
-      <p:ext uri="{BB962C8B-B14F-4D97-AF65-F5344CB8AC3E}">
-        <p14:creationId xmlns:p14="http://schemas.microsoft.com/office/powerpoint/2010/main" val="3161374593"/>
+        <p14:creationId xmlns:p14="http://schemas.microsoft.com/office/powerpoint/2010/main" val="216142064"/>
       </p:ext>
     </p:extLst>
   </p:cSld>
@@ -7152,7 +6690,7 @@
         <p:spPr>
           <a:xfrm>
             <a:off x="1731818" y="2015173"/>
-            <a:ext cx="8728364" cy="1308820"/>
+            <a:ext cx="8728364" cy="3894143"/>
           </a:xfrm>
           <a:prstGeom prst="rect">
             <a:avLst/>
@@ -7165,12 +6703,10 @@
           </a:bodyPr>
           <a:lstStyle/>
           <a:p>
-            <a:pPr marL="571500" indent="-571500" algn="ctr">
+            <a:pPr>
               <a:lnSpc>
                 <a:spcPct val="150000"/>
               </a:lnSpc>
-              <a:buFont typeface="Wingdings" pitchFamily="2" charset="2"/>
-              <a:buChar char="Ø"/>
             </a:pPr>
             <a:r>
               <a:rPr kumimoji="1" lang="en-US" altLang="zh-CN" sz="2800" dirty="0">
@@ -7184,12 +6720,68 @@
                 <a:latin typeface="Microsoft YaHei" panose="020B0503020204020204" pitchFamily="34" charset="-122"/>
                 <a:ea typeface="Microsoft YaHei" panose="020B0503020204020204" pitchFamily="34" charset="-122"/>
               </a:rPr>
-              <a:t>方法是所有方法中的其中一类</a:t>
+              <a:t>方法是所有方法中的其中一类，只不过它没有返回值</a:t>
             </a:r>
             <a:endParaRPr kumimoji="1" lang="en-US" altLang="zh-CN" sz="2800" dirty="0">
               <a:latin typeface="Microsoft YaHei" panose="020B0503020204020204" pitchFamily="34" charset="-122"/>
               <a:ea typeface="Microsoft YaHei" panose="020B0503020204020204" pitchFamily="34" charset="-122"/>
             </a:endParaRPr>
+          </a:p>
+          <a:p>
+            <a:pPr>
+              <a:lnSpc>
+                <a:spcPct val="150000"/>
+              </a:lnSpc>
+            </a:pPr>
+            <a:r>
+              <a:rPr kumimoji="1" lang="en-US" altLang="zh-CN" sz="2800" dirty="0">
+                <a:latin typeface="Microsoft YaHei" panose="020B0503020204020204" pitchFamily="34" charset="-122"/>
+                <a:ea typeface="Microsoft YaHei" panose="020B0503020204020204" pitchFamily="34" charset="-122"/>
+              </a:rPr>
+              <a:t>Void</a:t>
+            </a:r>
+            <a:r>
+              <a:rPr kumimoji="1" lang="zh-CN" altLang="en-US" sz="2800" dirty="0">
+                <a:latin typeface="Microsoft YaHei" panose="020B0503020204020204" pitchFamily="34" charset="-122"/>
+                <a:ea typeface="Microsoft YaHei" panose="020B0503020204020204" pitchFamily="34" charset="-122"/>
+              </a:rPr>
+              <a:t>常用于 打印，转变全局变量，转变传入的引用</a:t>
+            </a:r>
+            <a:r>
+              <a:rPr kumimoji="1" lang="en-US" altLang="zh-CN" sz="2800" dirty="0">
+                <a:latin typeface="Microsoft YaHei" panose="020B0503020204020204" pitchFamily="34" charset="-122"/>
+                <a:ea typeface="Microsoft YaHei" panose="020B0503020204020204" pitchFamily="34" charset="-122"/>
+              </a:rPr>
+              <a:t>(</a:t>
+            </a:r>
+            <a:r>
+              <a:rPr kumimoji="1" lang="zh-CN" altLang="en-US" sz="2800" dirty="0">
+                <a:latin typeface="Microsoft YaHei" panose="020B0503020204020204" pitchFamily="34" charset="-122"/>
+                <a:ea typeface="Microsoft YaHei" panose="020B0503020204020204" pitchFamily="34" charset="-122"/>
+              </a:rPr>
+              <a:t>以引用方式传入参数，后面会讲以值的方式传入参数，这是</a:t>
+            </a:r>
+            <a:r>
+              <a:rPr kumimoji="1" lang="en-US" altLang="zh-CN" sz="2800" dirty="0">
+                <a:latin typeface="Microsoft YaHei" panose="020B0503020204020204" pitchFamily="34" charset="-122"/>
+                <a:ea typeface="Microsoft YaHei" panose="020B0503020204020204" pitchFamily="34" charset="-122"/>
+              </a:rPr>
+              <a:t>2</a:t>
+            </a:r>
+            <a:r>
+              <a:rPr kumimoji="1" lang="zh-CN" altLang="en-US" sz="2800" dirty="0">
+                <a:latin typeface="Microsoft YaHei" panose="020B0503020204020204" pitchFamily="34" charset="-122"/>
+                <a:ea typeface="Microsoft YaHei" panose="020B0503020204020204" pitchFamily="34" charset="-122"/>
+              </a:rPr>
+              <a:t>种不同的方式</a:t>
+            </a:r>
+            <a:r>
+              <a:rPr kumimoji="1" lang="en-US" altLang="zh-CN" sz="2800" dirty="0">
+                <a:latin typeface="Microsoft YaHei" panose="020B0503020204020204" pitchFamily="34" charset="-122"/>
+                <a:ea typeface="Microsoft YaHei" panose="020B0503020204020204" pitchFamily="34" charset="-122"/>
+              </a:rPr>
+              <a:t>)</a:t>
+            </a:r>
           </a:p>
           <a:p>
             <a:pPr marL="1028700" lvl="1" indent="-571500">
@@ -7203,6 +6795,47 @@
               <a:latin typeface="Microsoft YaHei" panose="020B0503020204020204" pitchFamily="34" charset="-122"/>
               <a:ea typeface="Microsoft YaHei" panose="020B0503020204020204" pitchFamily="34" charset="-122"/>
             </a:endParaRPr>
+          </a:p>
+        </p:txBody>
+      </p:sp>
+      <p:sp>
+        <p:nvSpPr>
+          <p:cNvPr id="4" name="文本框 3">
+            <a:extLst>
+              <a:ext uri="{FF2B5EF4-FFF2-40B4-BE49-F238E27FC236}">
+                <a16:creationId xmlns:a16="http://schemas.microsoft.com/office/drawing/2014/main" id="{F8CED669-7580-E546-A3A0-E4AC19AFDC77}"/>
+              </a:ext>
+            </a:extLst>
+          </p:cNvPr>
+          <p:cNvSpPr txBox="1"/>
+          <p:nvPr/>
+        </p:nvSpPr>
+        <p:spPr>
+          <a:xfrm>
+            <a:off x="2193594" y="5541955"/>
+            <a:ext cx="8143702" cy="954107"/>
+          </a:xfrm>
+          <a:prstGeom prst="rect">
+            <a:avLst/>
+          </a:prstGeom>
+          <a:solidFill>
+            <a:schemeClr val="accent2"/>
+          </a:solidFill>
+        </p:spPr>
+        <p:txBody>
+          <a:bodyPr wrap="square" rtlCol="0">
+            <a:spAutoFit/>
+          </a:bodyPr>
+          <a:lstStyle/>
+          <a:p>
+            <a:r>
+              <a:rPr kumimoji="1" lang="zh-CN" altLang="en-US" sz="2800" dirty="0"/>
+              <a:t>举例： 打印成绩</a:t>
+            </a:r>
+            <a:endParaRPr kumimoji="1" lang="en-US" altLang="zh-CN" sz="2800" dirty="0"/>
+          </a:p>
+          <a:p>
+            <a:endParaRPr kumimoji="1" lang="zh-CN" altLang="en-US" sz="2800" dirty="0"/>
           </a:p>
         </p:txBody>
       </p:sp>
@@ -7310,7 +6943,7 @@
         <p:spPr>
           <a:xfrm>
             <a:off x="1731818" y="2015173"/>
-            <a:ext cx="8728364" cy="4109587"/>
+            <a:ext cx="8728364" cy="3247812"/>
           </a:xfrm>
           <a:prstGeom prst="rect">
             <a:avLst/>
@@ -7323,139 +6956,69 @@
           </a:bodyPr>
           <a:lstStyle/>
           <a:p>
-            <a:pPr marL="457200" indent="-457200">
-              <a:buFont typeface="Arial" panose="020B0604020202020204" pitchFamily="34" charset="0"/>
-              <a:buChar char="•"/>
+            <a:pPr>
+              <a:lnSpc>
+                <a:spcPct val="150000"/>
+              </a:lnSpc>
             </a:pPr>
             <a:r>
-              <a:rPr lang="zh-CN" altLang="en-US" sz="2800" dirty="0"/>
-              <a:t>标识符</a:t>
-            </a:r>
-            <a:r>
-              <a:rPr lang="en-US" altLang="zh-CN" sz="2800" dirty="0"/>
-              <a:t>:</a:t>
-            </a:r>
-            <a:r>
-              <a:rPr lang="zh-CN" altLang="en-US" sz="2800" dirty="0"/>
-              <a:t>  为了标识程序中的变量，函数，类而采用的命名。是由字母、数字、下划线</a:t>
-            </a:r>
-            <a:r>
-              <a:rPr lang="en-US" altLang="zh-CN" sz="2800" dirty="0"/>
-              <a:t>(_)</a:t>
-            </a:r>
-            <a:r>
-              <a:rPr lang="zh-CN" altLang="en-US" sz="2800" dirty="0"/>
-              <a:t>和美元符号</a:t>
-            </a:r>
-            <a:r>
-              <a:rPr lang="en-US" altLang="zh-CN" sz="2800" dirty="0"/>
-              <a:t>($)</a:t>
-            </a:r>
-            <a:r>
-              <a:rPr lang="zh-CN" altLang="en-US" sz="2800" dirty="0"/>
-              <a:t>构成的字符序列。 </a:t>
-            </a:r>
-          </a:p>
-          <a:p>
-            <a:pPr marL="457200" indent="-457200">
-              <a:buFont typeface="Arial" panose="020B0604020202020204" pitchFamily="34" charset="0"/>
-              <a:buChar char="•"/>
+              <a:rPr kumimoji="1" lang="zh-CN" altLang="en-US" sz="2800" dirty="0">
+                <a:latin typeface="Microsoft YaHei" panose="020B0503020204020204" pitchFamily="34" charset="-122"/>
+                <a:ea typeface="Microsoft YaHei" panose="020B0503020204020204" pitchFamily="34" charset="-122"/>
+              </a:rPr>
+              <a:t>当调用带参数的方法时，实参的值传递给形参，这个过程称为按值传递</a:t>
+            </a:r>
+            <a:r>
+              <a:rPr kumimoji="1" lang="en-US" altLang="zh-CN" sz="2800" dirty="0">
+                <a:latin typeface="Microsoft YaHei" panose="020B0503020204020204" pitchFamily="34" charset="-122"/>
+                <a:ea typeface="Microsoft YaHei" panose="020B0503020204020204" pitchFamily="34" charset="-122"/>
+              </a:rPr>
+              <a:t>(pass by </a:t>
+            </a:r>
+            <a:r>
+              <a:rPr kumimoji="1" lang="en-US" altLang="zh-CN" sz="2800" dirty="0" err="1">
+                <a:latin typeface="Microsoft YaHei" panose="020B0503020204020204" pitchFamily="34" charset="-122"/>
+                <a:ea typeface="Microsoft YaHei" panose="020B0503020204020204" pitchFamily="34" charset="-122"/>
+              </a:rPr>
+              <a:t>va!ue</a:t>
+            </a:r>
+            <a:r>
+              <a:rPr kumimoji="1" lang="en-US" altLang="zh-CN" sz="2800" dirty="0">
+                <a:latin typeface="Microsoft YaHei" panose="020B0503020204020204" pitchFamily="34" charset="-122"/>
+                <a:ea typeface="Microsoft YaHei" panose="020B0503020204020204" pitchFamily="34" charset="-122"/>
+              </a:rPr>
+              <a:t>)</a:t>
+            </a:r>
+          </a:p>
+          <a:p>
+            <a:pPr>
+              <a:lnSpc>
+                <a:spcPct val="150000"/>
+              </a:lnSpc>
             </a:pPr>
             <a:r>
-              <a:rPr lang="zh-CN" altLang="en-US" sz="2800" dirty="0"/>
-              <a:t>标识符必须以字母、下划线</a:t>
-            </a:r>
-            <a:r>
-              <a:rPr lang="en-US" altLang="zh-CN" sz="2800" dirty="0"/>
-              <a:t>(_)</a:t>
-            </a:r>
-            <a:r>
-              <a:rPr lang="zh-CN" altLang="en-US" sz="2800" dirty="0"/>
-              <a:t>或美元符号</a:t>
-            </a:r>
-            <a:r>
-              <a:rPr lang="en-US" altLang="zh-CN" sz="2800" dirty="0"/>
-              <a:t>($)</a:t>
-            </a:r>
-            <a:r>
-              <a:rPr lang="zh-CN" altLang="en-US" sz="2800" dirty="0"/>
-              <a:t>开头，不能以数字开头。 </a:t>
-            </a:r>
-            <a:endParaRPr lang="en-US" altLang="zh-CN" sz="2800" dirty="0"/>
-          </a:p>
-          <a:p>
-            <a:pPr marL="457200" indent="-457200">
-              <a:buFont typeface="Arial" panose="020B0604020202020204" pitchFamily="34" charset="0"/>
-              <a:buChar char="•"/>
-            </a:pPr>
-            <a:r>
-              <a:rPr lang="zh-CN" altLang="en-US" sz="2800" dirty="0"/>
-              <a:t>标识符不能是保留字</a:t>
-            </a:r>
-            <a:r>
-              <a:rPr lang="en-US" altLang="zh-CN" sz="2800" dirty="0"/>
-              <a:t>(</a:t>
-            </a:r>
-            <a:r>
-              <a:rPr lang="zh-CN" altLang="en-US" sz="2800" dirty="0"/>
-              <a:t>参见附录</a:t>
-            </a:r>
-            <a:r>
-              <a:rPr lang="en-US" altLang="zh-CN" sz="2800" dirty="0"/>
-              <a:t>A</a:t>
-            </a:r>
-            <a:r>
-              <a:rPr lang="zh-CN" altLang="en-US" sz="2800" dirty="0"/>
-              <a:t>中的保留字列表</a:t>
-            </a:r>
-            <a:r>
-              <a:rPr lang="en-US" altLang="zh-CN" sz="2800" dirty="0"/>
-              <a:t>)</a:t>
-            </a:r>
-          </a:p>
-          <a:p>
-            <a:pPr marL="457200" indent="-457200">
-              <a:buFont typeface="Arial" panose="020B0604020202020204" pitchFamily="34" charset="0"/>
-              <a:buChar char="•"/>
-            </a:pPr>
-            <a:r>
-              <a:rPr lang="zh-CN" altLang="en-US" sz="2800" dirty="0"/>
-              <a:t>标识符不能是</a:t>
-            </a:r>
-            <a:r>
-              <a:rPr lang="en-US" altLang="zh-CN" sz="2800" dirty="0"/>
-              <a:t>true</a:t>
-            </a:r>
-            <a:r>
-              <a:rPr lang="zh-CN" altLang="en-US" sz="2800" dirty="0"/>
-              <a:t>、</a:t>
-            </a:r>
-            <a:r>
-              <a:rPr lang="en-US" altLang="zh-CN" sz="2800" dirty="0"/>
-              <a:t>false</a:t>
-            </a:r>
-            <a:r>
-              <a:rPr lang="zh-CN" altLang="en-US" sz="2800" dirty="0"/>
-              <a:t>或</a:t>
-            </a:r>
-            <a:r>
-              <a:rPr lang="en-US" altLang="zh-CN" sz="2800" dirty="0"/>
-              <a:t>null</a:t>
-            </a:r>
-            <a:r>
-              <a:rPr lang="zh-CN" altLang="en-US" sz="2800" dirty="0"/>
-              <a:t>。</a:t>
-            </a:r>
-            <a:endParaRPr lang="en-US" altLang="zh-CN" sz="2800" dirty="0"/>
-          </a:p>
-          <a:p>
-            <a:pPr marL="457200" indent="-457200">
-              <a:buFont typeface="Arial" panose="020B0604020202020204" pitchFamily="34" charset="0"/>
-              <a:buChar char="•"/>
-            </a:pPr>
-            <a:r>
-              <a:rPr lang="zh-CN" altLang="en-US" sz="2800" dirty="0"/>
-              <a:t>标识符可以为任意长度。 </a:t>
+              <a:rPr kumimoji="1" lang="en-US" altLang="zh-CN" sz="2800" dirty="0">
+                <a:latin typeface="Microsoft YaHei" panose="020B0503020204020204" pitchFamily="34" charset="-122"/>
+                <a:ea typeface="Microsoft YaHei" panose="020B0503020204020204" pitchFamily="34" charset="-122"/>
+              </a:rPr>
+              <a:t> </a:t>
+            </a:r>
+            <a:r>
+              <a:rPr kumimoji="1" lang="zh-CN" altLang="en-US" sz="2800" dirty="0">
+                <a:latin typeface="Microsoft YaHei" panose="020B0503020204020204" pitchFamily="34" charset="-122"/>
+                <a:ea typeface="Microsoft YaHei" panose="020B0503020204020204" pitchFamily="34" charset="-122"/>
+              </a:rPr>
+              <a:t>将该变童的值传递给形参。</a:t>
+            </a:r>
+            <a:r>
+              <a:rPr kumimoji="1" lang="zh-CN" altLang="en-US" sz="2800" u="sng" dirty="0">
+                <a:solidFill>
+                  <a:srgbClr val="00B050"/>
+                </a:solidFill>
+                <a:latin typeface="Microsoft YaHei" panose="020B0503020204020204" pitchFamily="34" charset="-122"/>
+                <a:ea typeface="Microsoft YaHei" panose="020B0503020204020204" pitchFamily="34" charset="-122"/>
+              </a:rPr>
+              <a:t>无论形参在方法中是 否改变，该变量都不受影响。 </a:t>
             </a:r>
           </a:p>
           <a:p>
@@ -7467,6 +7030,126 @@
               <a:buChar char="Ø"/>
             </a:pPr>
             <a:endParaRPr kumimoji="1" lang="zh-CN" altLang="en-US" sz="2800" dirty="0">
+              <a:latin typeface="Microsoft YaHei" panose="020B0503020204020204" pitchFamily="34" charset="-122"/>
+              <a:ea typeface="Microsoft YaHei" panose="020B0503020204020204" pitchFamily="34" charset="-122"/>
+            </a:endParaRPr>
+          </a:p>
+        </p:txBody>
+      </p:sp>
+      <p:sp>
+        <p:nvSpPr>
+          <p:cNvPr id="4" name="文本框 3">
+            <a:extLst>
+              <a:ext uri="{FF2B5EF4-FFF2-40B4-BE49-F238E27FC236}">
+                <a16:creationId xmlns:a16="http://schemas.microsoft.com/office/drawing/2014/main" id="{ED516FFF-C307-994E-B74D-777D7738C653}"/>
+              </a:ext>
+            </a:extLst>
+          </p:cNvPr>
+          <p:cNvSpPr txBox="1"/>
+          <p:nvPr/>
+        </p:nvSpPr>
+        <p:spPr>
+          <a:xfrm>
+            <a:off x="1889760" y="5811520"/>
+            <a:ext cx="7294880" cy="400110"/>
+          </a:xfrm>
+          <a:prstGeom prst="rect">
+            <a:avLst/>
+          </a:prstGeom>
+          <a:solidFill>
+            <a:schemeClr val="accent2"/>
+          </a:solidFill>
+        </p:spPr>
+        <p:txBody>
+          <a:bodyPr wrap="square" rtlCol="0">
+            <a:spAutoFit/>
+          </a:bodyPr>
+          <a:lstStyle/>
+          <a:p>
+            <a:r>
+              <a:rPr kumimoji="1" lang="zh-CN" altLang="en-US" sz="2000" dirty="0">
+                <a:solidFill>
+                  <a:schemeClr val="bg1"/>
+                </a:solidFill>
+                <a:latin typeface="Microsoft YaHei" panose="020B0503020204020204" pitchFamily="34" charset="-122"/>
+                <a:ea typeface="Microsoft YaHei" panose="020B0503020204020204" pitchFamily="34" charset="-122"/>
+              </a:rPr>
+              <a:t>上代码，参考书中例子 的 </a:t>
+            </a:r>
+            <a:r>
+              <a:rPr kumimoji="1" lang="en-US" altLang="zh-CN" sz="2000" dirty="0">
+                <a:solidFill>
+                  <a:schemeClr val="bg1"/>
+                </a:solidFill>
+                <a:latin typeface="Microsoft YaHei" panose="020B0503020204020204" pitchFamily="34" charset="-122"/>
+                <a:ea typeface="Microsoft YaHei" panose="020B0503020204020204" pitchFamily="34" charset="-122"/>
+              </a:rPr>
+              <a:t>swap</a:t>
+            </a:r>
+            <a:r>
+              <a:rPr kumimoji="1" lang="zh-CN" altLang="en-US" sz="2000" dirty="0">
+                <a:solidFill>
+                  <a:schemeClr val="bg1"/>
+                </a:solidFill>
+                <a:latin typeface="Microsoft YaHei" panose="020B0503020204020204" pitchFamily="34" charset="-122"/>
+                <a:ea typeface="Microsoft YaHei" panose="020B0503020204020204" pitchFamily="34" charset="-122"/>
+              </a:rPr>
+              <a:t> </a:t>
+            </a:r>
+            <a:r>
+              <a:rPr kumimoji="1" lang="en-US" altLang="zh-CN" sz="2000" dirty="0">
+                <a:solidFill>
+                  <a:schemeClr val="bg1"/>
+                </a:solidFill>
+                <a:latin typeface="Microsoft YaHei" panose="020B0503020204020204" pitchFamily="34" charset="-122"/>
+                <a:ea typeface="Microsoft YaHei" panose="020B0503020204020204" pitchFamily="34" charset="-122"/>
+              </a:rPr>
+              <a:t>(int</a:t>
+            </a:r>
+            <a:r>
+              <a:rPr kumimoji="1" lang="zh-CN" altLang="en-US" sz="2000" dirty="0">
+                <a:solidFill>
+                  <a:schemeClr val="bg1"/>
+                </a:solidFill>
+                <a:latin typeface="Microsoft YaHei" panose="020B0503020204020204" pitchFamily="34" charset="-122"/>
+                <a:ea typeface="Microsoft YaHei" panose="020B0503020204020204" pitchFamily="34" charset="-122"/>
+              </a:rPr>
+              <a:t> </a:t>
+            </a:r>
+            <a:r>
+              <a:rPr kumimoji="1" lang="en-US" altLang="zh-CN" sz="2000" dirty="0" err="1">
+                <a:solidFill>
+                  <a:schemeClr val="bg1"/>
+                </a:solidFill>
+                <a:latin typeface="Microsoft YaHei" panose="020B0503020204020204" pitchFamily="34" charset="-122"/>
+                <a:ea typeface="Microsoft YaHei" panose="020B0503020204020204" pitchFamily="34" charset="-122"/>
+              </a:rPr>
+              <a:t>a,int</a:t>
+            </a:r>
+            <a:r>
+              <a:rPr kumimoji="1" lang="zh-CN" altLang="en-US" sz="2000" dirty="0">
+                <a:solidFill>
+                  <a:schemeClr val="bg1"/>
+                </a:solidFill>
+                <a:latin typeface="Microsoft YaHei" panose="020B0503020204020204" pitchFamily="34" charset="-122"/>
+                <a:ea typeface="Microsoft YaHei" panose="020B0503020204020204" pitchFamily="34" charset="-122"/>
+              </a:rPr>
+              <a:t> </a:t>
+            </a:r>
+            <a:r>
+              <a:rPr kumimoji="1" lang="en-US" altLang="zh-CN" sz="2000" dirty="0">
+                <a:solidFill>
+                  <a:schemeClr val="bg1"/>
+                </a:solidFill>
+                <a:latin typeface="Microsoft YaHei" panose="020B0503020204020204" pitchFamily="34" charset="-122"/>
+                <a:ea typeface="Microsoft YaHei" panose="020B0503020204020204" pitchFamily="34" charset="-122"/>
+              </a:rPr>
+              <a:t>b)</a:t>
+            </a:r>
+            <a:endParaRPr kumimoji="1" lang="zh-CN" altLang="en-US" sz="2000" dirty="0">
+              <a:solidFill>
+                <a:schemeClr val="bg1"/>
+              </a:solidFill>
               <a:latin typeface="Microsoft YaHei" panose="020B0503020204020204" pitchFamily="34" charset="-122"/>
               <a:ea typeface="Microsoft YaHei" panose="020B0503020204020204" pitchFamily="34" charset="-122"/>
             </a:endParaRPr>
@@ -7820,7 +7503,7 @@
                 <a:latin typeface="Microsoft YaHei" panose="020B0503020204020204" pitchFamily="34" charset="-122"/>
                 <a:ea typeface="Microsoft YaHei" panose="020B0503020204020204" pitchFamily="34" charset="-122"/>
               </a:rPr>
-              <a:t>模块化</a:t>
+              <a:t> 重载方法</a:t>
             </a:r>
             <a:endParaRPr kumimoji="1" lang="en-US" altLang="zh-CN" sz="4800" dirty="0">
               <a:latin typeface="Microsoft YaHei" panose="020B0503020204020204" pitchFamily="34" charset="-122"/>
@@ -7844,7 +7527,7 @@
         <p:spPr>
           <a:xfrm>
             <a:off x="1731818" y="2015173"/>
-            <a:ext cx="8728364" cy="4109587"/>
+            <a:ext cx="8728364" cy="662489"/>
           </a:xfrm>
           <a:prstGeom prst="rect">
             <a:avLst/>
@@ -7857,160 +7540,59 @@
           </a:bodyPr>
           <a:lstStyle/>
           <a:p>
-            <a:pPr marL="457200" indent="-457200">
-              <a:buFont typeface="Arial" panose="020B0604020202020204" pitchFamily="34" charset="0"/>
-              <a:buChar char="•"/>
-            </a:pPr>
-            <a:r>
-              <a:rPr lang="zh-CN" altLang="en-US" sz="2800" dirty="0"/>
-              <a:t>标识符</a:t>
-            </a:r>
-            <a:r>
-              <a:rPr lang="en-US" altLang="zh-CN" sz="2800" dirty="0"/>
-              <a:t>:</a:t>
-            </a:r>
-            <a:r>
-              <a:rPr lang="zh-CN" altLang="en-US" sz="2800" dirty="0"/>
-              <a:t>  为了标识程序中的变量，函数，类而采用的命名。是由字母、数字、下划线</a:t>
-            </a:r>
-            <a:r>
-              <a:rPr lang="en-US" altLang="zh-CN" sz="2800" dirty="0"/>
-              <a:t>(_)</a:t>
-            </a:r>
-            <a:r>
-              <a:rPr lang="zh-CN" altLang="en-US" sz="2800" dirty="0"/>
-              <a:t>和美元符号</a:t>
-            </a:r>
-            <a:r>
-              <a:rPr lang="en-US" altLang="zh-CN" sz="2800" dirty="0"/>
-              <a:t>($)</a:t>
-            </a:r>
-            <a:r>
-              <a:rPr lang="zh-CN" altLang="en-US" sz="2800" dirty="0"/>
-              <a:t>构成的字符序列。 </a:t>
-            </a:r>
-          </a:p>
-          <a:p>
-            <a:pPr marL="457200" indent="-457200">
-              <a:buFont typeface="Arial" panose="020B0604020202020204" pitchFamily="34" charset="0"/>
-              <a:buChar char="•"/>
-            </a:pPr>
-            <a:r>
-              <a:rPr lang="zh-CN" altLang="en-US" sz="2800" dirty="0"/>
-              <a:t>标识符必须以字母、下划线</a:t>
-            </a:r>
-            <a:r>
-              <a:rPr lang="en-US" altLang="zh-CN" sz="2800" dirty="0"/>
-              <a:t>(_)</a:t>
-            </a:r>
-            <a:r>
-              <a:rPr lang="zh-CN" altLang="en-US" sz="2800" dirty="0"/>
-              <a:t>或美元符号</a:t>
-            </a:r>
-            <a:r>
-              <a:rPr lang="en-US" altLang="zh-CN" sz="2800" dirty="0"/>
-              <a:t>($)</a:t>
-            </a:r>
-            <a:r>
-              <a:rPr lang="zh-CN" altLang="en-US" sz="2800" dirty="0"/>
-              <a:t>开头，不能以数字开头。 </a:t>
-            </a:r>
-            <a:endParaRPr lang="en-US" altLang="zh-CN" sz="2800" dirty="0"/>
-          </a:p>
-          <a:p>
-            <a:pPr marL="457200" indent="-457200">
-              <a:buFont typeface="Arial" panose="020B0604020202020204" pitchFamily="34" charset="0"/>
-              <a:buChar char="•"/>
-            </a:pPr>
-            <a:r>
-              <a:rPr lang="zh-CN" altLang="en-US" sz="2800" dirty="0"/>
-              <a:t>标识符不能是保留字</a:t>
-            </a:r>
-            <a:r>
-              <a:rPr lang="en-US" altLang="zh-CN" sz="2800" dirty="0"/>
-              <a:t>(</a:t>
-            </a:r>
-            <a:r>
-              <a:rPr lang="zh-CN" altLang="en-US" sz="2800" dirty="0"/>
-              <a:t>参见附录</a:t>
-            </a:r>
-            <a:r>
-              <a:rPr lang="en-US" altLang="zh-CN" sz="2800" dirty="0"/>
-              <a:t>A</a:t>
-            </a:r>
-            <a:r>
-              <a:rPr lang="zh-CN" altLang="en-US" sz="2800" dirty="0"/>
-              <a:t>中的保留字列表</a:t>
-            </a:r>
-            <a:r>
-              <a:rPr lang="en-US" altLang="zh-CN" sz="2800" dirty="0"/>
-              <a:t>)</a:t>
-            </a:r>
-          </a:p>
-          <a:p>
-            <a:pPr marL="457200" indent="-457200">
-              <a:buFont typeface="Arial" panose="020B0604020202020204" pitchFamily="34" charset="0"/>
-              <a:buChar char="•"/>
-            </a:pPr>
-            <a:r>
-              <a:rPr lang="zh-CN" altLang="en-US" sz="2800" dirty="0"/>
-              <a:t>标识符不能是</a:t>
-            </a:r>
-            <a:r>
-              <a:rPr lang="en-US" altLang="zh-CN" sz="2800" dirty="0"/>
-              <a:t>true</a:t>
-            </a:r>
-            <a:r>
-              <a:rPr lang="zh-CN" altLang="en-US" sz="2800" dirty="0"/>
-              <a:t>、</a:t>
-            </a:r>
-            <a:r>
-              <a:rPr lang="en-US" altLang="zh-CN" sz="2800" dirty="0"/>
-              <a:t>false</a:t>
-            </a:r>
-            <a:r>
-              <a:rPr lang="zh-CN" altLang="en-US" sz="2800" dirty="0"/>
-              <a:t>或</a:t>
-            </a:r>
-            <a:r>
-              <a:rPr lang="en-US" altLang="zh-CN" sz="2800" dirty="0"/>
-              <a:t>null</a:t>
-            </a:r>
-            <a:r>
-              <a:rPr lang="zh-CN" altLang="en-US" sz="2800" dirty="0"/>
-              <a:t>。</a:t>
-            </a:r>
-            <a:endParaRPr lang="en-US" altLang="zh-CN" sz="2800" dirty="0"/>
-          </a:p>
-          <a:p>
-            <a:pPr marL="457200" indent="-457200">
-              <a:buFont typeface="Arial" panose="020B0604020202020204" pitchFamily="34" charset="0"/>
-              <a:buChar char="•"/>
-            </a:pPr>
-            <a:r>
-              <a:rPr lang="zh-CN" altLang="en-US" sz="2800" dirty="0"/>
-              <a:t>标识符可以为任意长度。 </a:t>
-            </a:r>
-          </a:p>
-          <a:p>
-            <a:pPr marL="571500" indent="-571500" algn="ctr">
+            <a:pPr>
               <a:lnSpc>
                 <a:spcPct val="150000"/>
               </a:lnSpc>
-              <a:buFont typeface="Wingdings" pitchFamily="2" charset="2"/>
-              <a:buChar char="Ø"/>
             </a:pPr>
-            <a:endParaRPr kumimoji="1" lang="zh-CN" altLang="en-US" sz="2800" dirty="0">
+            <a:r>
+              <a:rPr kumimoji="1" lang="zh-CN" altLang="en-US" sz="2800" dirty="0">
+                <a:latin typeface="Microsoft YaHei" panose="020B0503020204020204" pitchFamily="34" charset="-122"/>
+                <a:ea typeface="Microsoft YaHei" panose="020B0503020204020204" pitchFamily="34" charset="-122"/>
+              </a:rPr>
+              <a:t>学之前，想一想： 重载方法的存在意义是什么？</a:t>
+            </a:r>
+            <a:endParaRPr kumimoji="1" lang="en-US" altLang="zh-CN" sz="2800" dirty="0">
               <a:latin typeface="Microsoft YaHei" panose="020B0503020204020204" pitchFamily="34" charset="-122"/>
               <a:ea typeface="Microsoft YaHei" panose="020B0503020204020204" pitchFamily="34" charset="-122"/>
             </a:endParaRPr>
           </a:p>
         </p:txBody>
       </p:sp>
+      <p:pic>
+        <p:nvPicPr>
+          <p:cNvPr id="4" name="图片 3">
+            <a:extLst>
+              <a:ext uri="{FF2B5EF4-FFF2-40B4-BE49-F238E27FC236}">
+                <a16:creationId xmlns:a16="http://schemas.microsoft.com/office/drawing/2014/main" id="{E4449CF8-D1E6-FA41-8CA9-BB25CC091B51}"/>
+              </a:ext>
+            </a:extLst>
+          </p:cNvPr>
+          <p:cNvPicPr>
+            <a:picLocks noChangeAspect="1"/>
+          </p:cNvPicPr>
+          <p:nvPr/>
+        </p:nvPicPr>
+        <p:blipFill>
+          <a:blip r:embed="rId4"/>
+          <a:stretch>
+            <a:fillRect/>
+          </a:stretch>
+        </p:blipFill>
+        <p:spPr>
+          <a:xfrm>
+            <a:off x="4151630" y="2975610"/>
+            <a:ext cx="3441700" cy="3467100"/>
+          </a:xfrm>
+          <a:prstGeom prst="rect">
+            <a:avLst/>
+          </a:prstGeom>
+        </p:spPr>
+      </p:pic>
     </p:spTree>
     <p:extLst>
       <p:ext uri="{BB962C8B-B14F-4D97-AF65-F5344CB8AC3E}">
-        <p14:creationId xmlns:p14="http://schemas.microsoft.com/office/powerpoint/2010/main" val="3191610149"/>
+        <p14:creationId xmlns:p14="http://schemas.microsoft.com/office/powerpoint/2010/main" val="405832132"/>
       </p:ext>
     </p:extLst>
   </p:cSld>
@@ -8080,7 +7662,7 @@
                 <a:latin typeface="Microsoft YaHei" panose="020B0503020204020204" pitchFamily="34" charset="-122"/>
                 <a:ea typeface="Microsoft YaHei" panose="020B0503020204020204" pitchFamily="34" charset="-122"/>
               </a:rPr>
-              <a:t>8.</a:t>
+              <a:t>7.</a:t>
             </a:r>
             <a:r>
               <a:rPr kumimoji="1" lang="zh-CN" altLang="en-US" sz="4800" dirty="0">
@@ -8111,7 +7693,7 @@
         <p:spPr>
           <a:xfrm>
             <a:off x="1731818" y="2015173"/>
-            <a:ext cx="8728364" cy="4109587"/>
+            <a:ext cx="8728364" cy="3894143"/>
           </a:xfrm>
           <a:prstGeom prst="rect">
             <a:avLst/>
@@ -8124,160 +7706,199 @@
           </a:bodyPr>
           <a:lstStyle/>
           <a:p>
-            <a:pPr marL="457200" indent="-457200">
-              <a:buFont typeface="Arial" panose="020B0604020202020204" pitchFamily="34" charset="0"/>
-              <a:buChar char="•"/>
-            </a:pPr>
-            <a:r>
-              <a:rPr lang="zh-CN" altLang="en-US" sz="2800" dirty="0"/>
-              <a:t>标识符</a:t>
-            </a:r>
-            <a:r>
-              <a:rPr lang="en-US" altLang="zh-CN" sz="2800" dirty="0"/>
-              <a:t>:</a:t>
-            </a:r>
-            <a:r>
-              <a:rPr lang="zh-CN" altLang="en-US" sz="2800" dirty="0"/>
-              <a:t>  为了标识程序中的变量，函数，类而采用的命名。是由字母、数字、下划线</a:t>
-            </a:r>
-            <a:r>
-              <a:rPr lang="en-US" altLang="zh-CN" sz="2800" dirty="0"/>
-              <a:t>(_)</a:t>
-            </a:r>
-            <a:r>
-              <a:rPr lang="zh-CN" altLang="en-US" sz="2800" dirty="0"/>
-              <a:t>和美元符号</a:t>
-            </a:r>
-            <a:r>
-              <a:rPr lang="en-US" altLang="zh-CN" sz="2800" dirty="0"/>
-              <a:t>($)</a:t>
-            </a:r>
-            <a:r>
-              <a:rPr lang="zh-CN" altLang="en-US" sz="2800" dirty="0"/>
-              <a:t>构成的字符序列。 </a:t>
-            </a:r>
-          </a:p>
-          <a:p>
-            <a:pPr marL="457200" indent="-457200">
-              <a:buFont typeface="Arial" panose="020B0604020202020204" pitchFamily="34" charset="0"/>
-              <a:buChar char="•"/>
-            </a:pPr>
-            <a:r>
-              <a:rPr lang="zh-CN" altLang="en-US" sz="2800" dirty="0"/>
-              <a:t>标识符必须以字母、下划线</a:t>
-            </a:r>
-            <a:r>
-              <a:rPr lang="en-US" altLang="zh-CN" sz="2800" dirty="0"/>
-              <a:t>(_)</a:t>
-            </a:r>
-            <a:r>
-              <a:rPr lang="zh-CN" altLang="en-US" sz="2800" dirty="0"/>
-              <a:t>或美元符号</a:t>
-            </a:r>
-            <a:r>
-              <a:rPr lang="en-US" altLang="zh-CN" sz="2800" dirty="0"/>
-              <a:t>($)</a:t>
-            </a:r>
-            <a:r>
-              <a:rPr lang="zh-CN" altLang="en-US" sz="2800" dirty="0"/>
-              <a:t>开头，不能以数字开头。 </a:t>
-            </a:r>
-            <a:endParaRPr lang="en-US" altLang="zh-CN" sz="2800" dirty="0"/>
-          </a:p>
-          <a:p>
-            <a:pPr marL="457200" indent="-457200">
-              <a:buFont typeface="Arial" panose="020B0604020202020204" pitchFamily="34" charset="0"/>
-              <a:buChar char="•"/>
-            </a:pPr>
-            <a:r>
-              <a:rPr lang="zh-CN" altLang="en-US" sz="2800" dirty="0"/>
-              <a:t>标识符不能是保留字</a:t>
-            </a:r>
-            <a:r>
-              <a:rPr lang="en-US" altLang="zh-CN" sz="2800" dirty="0"/>
-              <a:t>(</a:t>
-            </a:r>
-            <a:r>
-              <a:rPr lang="zh-CN" altLang="en-US" sz="2800" dirty="0"/>
-              <a:t>参见附录</a:t>
-            </a:r>
-            <a:r>
-              <a:rPr lang="en-US" altLang="zh-CN" sz="2800" dirty="0"/>
-              <a:t>A</a:t>
-            </a:r>
-            <a:r>
-              <a:rPr lang="zh-CN" altLang="en-US" sz="2800" dirty="0"/>
-              <a:t>中的保留字列表</a:t>
-            </a:r>
-            <a:r>
-              <a:rPr lang="en-US" altLang="zh-CN" sz="2800" dirty="0"/>
-              <a:t>)</a:t>
-            </a:r>
-          </a:p>
-          <a:p>
-            <a:pPr marL="457200" indent="-457200">
-              <a:buFont typeface="Arial" panose="020B0604020202020204" pitchFamily="34" charset="0"/>
-              <a:buChar char="•"/>
-            </a:pPr>
-            <a:r>
-              <a:rPr lang="zh-CN" altLang="en-US" sz="2800" dirty="0"/>
-              <a:t>标识符不能是</a:t>
-            </a:r>
-            <a:r>
-              <a:rPr lang="en-US" altLang="zh-CN" sz="2800" dirty="0"/>
-              <a:t>true</a:t>
-            </a:r>
-            <a:r>
-              <a:rPr lang="zh-CN" altLang="en-US" sz="2800" dirty="0"/>
-              <a:t>、</a:t>
-            </a:r>
-            <a:r>
-              <a:rPr lang="en-US" altLang="zh-CN" sz="2800" dirty="0"/>
-              <a:t>false</a:t>
-            </a:r>
-            <a:r>
-              <a:rPr lang="zh-CN" altLang="en-US" sz="2800" dirty="0"/>
-              <a:t>或</a:t>
-            </a:r>
-            <a:r>
-              <a:rPr lang="en-US" altLang="zh-CN" sz="2800" dirty="0"/>
-              <a:t>null</a:t>
-            </a:r>
-            <a:r>
-              <a:rPr lang="zh-CN" altLang="en-US" sz="2800" dirty="0"/>
-              <a:t>。</a:t>
-            </a:r>
-            <a:endParaRPr lang="en-US" altLang="zh-CN" sz="2800" dirty="0"/>
-          </a:p>
-          <a:p>
-            <a:pPr marL="457200" indent="-457200">
-              <a:buFont typeface="Arial" panose="020B0604020202020204" pitchFamily="34" charset="0"/>
-              <a:buChar char="•"/>
-            </a:pPr>
-            <a:r>
-              <a:rPr lang="zh-CN" altLang="en-US" sz="2800" dirty="0"/>
-              <a:t>标识符可以为任意长度。 </a:t>
-            </a:r>
-          </a:p>
-          <a:p>
-            <a:pPr marL="571500" indent="-571500" algn="ctr">
+            <a:pPr>
               <a:lnSpc>
                 <a:spcPct val="150000"/>
               </a:lnSpc>
-              <a:buFont typeface="Wingdings" pitchFamily="2" charset="2"/>
-              <a:buChar char="Ø"/>
             </a:pPr>
-            <a:endParaRPr kumimoji="1" lang="zh-CN" altLang="en-US" sz="2800" dirty="0">
+            <a:r>
+              <a:rPr kumimoji="1" lang="zh-CN" altLang="en-US" sz="2800" dirty="0">
+                <a:latin typeface="Microsoft YaHei" panose="020B0503020204020204" pitchFamily="34" charset="-122"/>
+                <a:ea typeface="Microsoft YaHei" panose="020B0503020204020204" pitchFamily="34" charset="-122"/>
+              </a:rPr>
+              <a:t>取</a:t>
+            </a:r>
+            <a:r>
+              <a:rPr kumimoji="1" lang="en-US" altLang="zh-CN" sz="2800" dirty="0">
+                <a:latin typeface="Microsoft YaHei" panose="020B0503020204020204" pitchFamily="34" charset="-122"/>
+                <a:ea typeface="Microsoft YaHei" panose="020B0503020204020204" pitchFamily="34" charset="-122"/>
+              </a:rPr>
+              <a:t>2</a:t>
+            </a:r>
+            <a:r>
+              <a:rPr kumimoji="1" lang="zh-CN" altLang="en-US" sz="2800" dirty="0">
+                <a:latin typeface="Microsoft YaHei" panose="020B0503020204020204" pitchFamily="34" charset="-122"/>
+                <a:ea typeface="Microsoft YaHei" panose="020B0503020204020204" pitchFamily="34" charset="-122"/>
+              </a:rPr>
+              <a:t>个</a:t>
+            </a:r>
+            <a:r>
+              <a:rPr kumimoji="1" lang="en-US" altLang="zh-CN" sz="2800" dirty="0">
+                <a:latin typeface="Microsoft YaHei" panose="020B0503020204020204" pitchFamily="34" charset="-122"/>
+                <a:ea typeface="Microsoft YaHei" panose="020B0503020204020204" pitchFamily="34" charset="-122"/>
+              </a:rPr>
+              <a:t>int</a:t>
+            </a:r>
+            <a:r>
+              <a:rPr kumimoji="1" lang="zh-CN" altLang="en-US" sz="2800" dirty="0">
+                <a:latin typeface="Microsoft YaHei" panose="020B0503020204020204" pitchFamily="34" charset="-122"/>
+                <a:ea typeface="Microsoft YaHei" panose="020B0503020204020204" pitchFamily="34" charset="-122"/>
+              </a:rPr>
+              <a:t>类型最大值的函数 </a:t>
+            </a:r>
+            <a:r>
+              <a:rPr kumimoji="1" lang="en-US" altLang="zh-CN" sz="2800" dirty="0">
+                <a:latin typeface="Microsoft YaHei" panose="020B0503020204020204" pitchFamily="34" charset="-122"/>
+                <a:ea typeface="Microsoft YaHei" panose="020B0503020204020204" pitchFamily="34" charset="-122"/>
+              </a:rPr>
+              <a:t>int</a:t>
+            </a:r>
+            <a:r>
+              <a:rPr kumimoji="1" lang="zh-CN" altLang="en-US" sz="2800" dirty="0">
+                <a:latin typeface="Microsoft YaHei" panose="020B0503020204020204" pitchFamily="34" charset="-122"/>
+                <a:ea typeface="Microsoft YaHei" panose="020B0503020204020204" pitchFamily="34" charset="-122"/>
+              </a:rPr>
+              <a:t> </a:t>
+            </a:r>
+            <a:r>
+              <a:rPr kumimoji="1" lang="en-US" altLang="zh-CN" sz="2800" dirty="0">
+                <a:latin typeface="Microsoft YaHei" panose="020B0503020204020204" pitchFamily="34" charset="-122"/>
+                <a:ea typeface="Microsoft YaHei" panose="020B0503020204020204" pitchFamily="34" charset="-122"/>
+              </a:rPr>
+              <a:t>max(int</a:t>
+            </a:r>
+            <a:r>
+              <a:rPr kumimoji="1" lang="zh-CN" altLang="en-US" sz="2800" dirty="0">
+                <a:latin typeface="Microsoft YaHei" panose="020B0503020204020204" pitchFamily="34" charset="-122"/>
+                <a:ea typeface="Microsoft YaHei" panose="020B0503020204020204" pitchFamily="34" charset="-122"/>
+              </a:rPr>
+              <a:t> </a:t>
+            </a:r>
+            <a:r>
+              <a:rPr kumimoji="1" lang="en-US" altLang="zh-CN" sz="2800" dirty="0" err="1">
+                <a:latin typeface="Microsoft YaHei" panose="020B0503020204020204" pitchFamily="34" charset="-122"/>
+                <a:ea typeface="Microsoft YaHei" panose="020B0503020204020204" pitchFamily="34" charset="-122"/>
+              </a:rPr>
+              <a:t>a,int</a:t>
+            </a:r>
+            <a:r>
+              <a:rPr kumimoji="1" lang="zh-CN" altLang="en-US" sz="2800" dirty="0">
+                <a:latin typeface="Microsoft YaHei" panose="020B0503020204020204" pitchFamily="34" charset="-122"/>
+                <a:ea typeface="Microsoft YaHei" panose="020B0503020204020204" pitchFamily="34" charset="-122"/>
+              </a:rPr>
+              <a:t> </a:t>
+            </a:r>
+            <a:r>
+              <a:rPr kumimoji="1" lang="en-US" altLang="zh-CN" sz="2800" dirty="0">
+                <a:latin typeface="Microsoft YaHei" panose="020B0503020204020204" pitchFamily="34" charset="-122"/>
+                <a:ea typeface="Microsoft YaHei" panose="020B0503020204020204" pitchFamily="34" charset="-122"/>
+              </a:rPr>
+              <a:t>b),</a:t>
+            </a:r>
+            <a:r>
+              <a:rPr kumimoji="1" lang="zh-CN" altLang="en-US" sz="2800" dirty="0">
+                <a:latin typeface="Microsoft YaHei" panose="020B0503020204020204" pitchFamily="34" charset="-122"/>
+                <a:ea typeface="Microsoft YaHei" panose="020B0503020204020204" pitchFamily="34" charset="-122"/>
+              </a:rPr>
+              <a:t> </a:t>
+            </a:r>
+            <a:endParaRPr kumimoji="1" lang="en-US" altLang="zh-CN" sz="2800" dirty="0">
               <a:latin typeface="Microsoft YaHei" panose="020B0503020204020204" pitchFamily="34" charset="-122"/>
               <a:ea typeface="Microsoft YaHei" panose="020B0503020204020204" pitchFamily="34" charset="-122"/>
             </a:endParaRPr>
           </a:p>
+          <a:p>
+            <a:pPr>
+              <a:lnSpc>
+                <a:spcPct val="150000"/>
+              </a:lnSpc>
+            </a:pPr>
+            <a:endParaRPr kumimoji="1" lang="en-US" altLang="zh-CN" sz="2800" dirty="0">
+              <a:latin typeface="Microsoft YaHei" panose="020B0503020204020204" pitchFamily="34" charset="-122"/>
+              <a:ea typeface="Microsoft YaHei" panose="020B0503020204020204" pitchFamily="34" charset="-122"/>
+            </a:endParaRPr>
+          </a:p>
+          <a:p>
+            <a:pPr>
+              <a:lnSpc>
+                <a:spcPct val="150000"/>
+              </a:lnSpc>
+            </a:pPr>
+            <a:r>
+              <a:rPr kumimoji="1" lang="zh-CN" altLang="en-US" sz="2800" dirty="0">
+                <a:latin typeface="Microsoft YaHei" panose="020B0503020204020204" pitchFamily="34" charset="-122"/>
+                <a:ea typeface="Microsoft YaHei" panose="020B0503020204020204" pitchFamily="34" charset="-122"/>
+              </a:rPr>
+              <a:t>那如果我想要取 </a:t>
+            </a:r>
+            <a:r>
+              <a:rPr kumimoji="1" lang="en-US" altLang="zh-CN" sz="2800" dirty="0">
+                <a:latin typeface="Microsoft YaHei" panose="020B0503020204020204" pitchFamily="34" charset="-122"/>
+                <a:ea typeface="Microsoft YaHei" panose="020B0503020204020204" pitchFamily="34" charset="-122"/>
+              </a:rPr>
+              <a:t>2</a:t>
+            </a:r>
+            <a:r>
+              <a:rPr kumimoji="1" lang="zh-CN" altLang="en-US" sz="2800" dirty="0">
+                <a:latin typeface="Microsoft YaHei" panose="020B0503020204020204" pitchFamily="34" charset="-122"/>
+                <a:ea typeface="Microsoft YaHei" panose="020B0503020204020204" pitchFamily="34" charset="-122"/>
+              </a:rPr>
+              <a:t>个 </a:t>
+            </a:r>
+            <a:r>
+              <a:rPr kumimoji="1" lang="en-US" altLang="zh-CN" sz="2800" dirty="0">
+                <a:latin typeface="Microsoft YaHei" panose="020B0503020204020204" pitchFamily="34" charset="-122"/>
+                <a:ea typeface="Microsoft YaHei" panose="020B0503020204020204" pitchFamily="34" charset="-122"/>
+              </a:rPr>
+              <a:t>double</a:t>
+            </a:r>
+            <a:r>
+              <a:rPr kumimoji="1" lang="zh-CN" altLang="en-US" sz="2800" dirty="0">
+                <a:latin typeface="Microsoft YaHei" panose="020B0503020204020204" pitchFamily="34" charset="-122"/>
+                <a:ea typeface="Microsoft YaHei" panose="020B0503020204020204" pitchFamily="34" charset="-122"/>
+              </a:rPr>
+              <a:t>类型的函数呢，但我希望名字不要改，因为方法名字体现了方法的功能</a:t>
+            </a:r>
+            <a:endParaRPr kumimoji="1" lang="en-US" altLang="zh-CN" sz="2800" dirty="0">
+              <a:latin typeface="Microsoft YaHei" panose="020B0503020204020204" pitchFamily="34" charset="-122"/>
+              <a:ea typeface="Microsoft YaHei" panose="020B0503020204020204" pitchFamily="34" charset="-122"/>
+            </a:endParaRPr>
+          </a:p>
+          <a:p>
+            <a:pPr>
+              <a:lnSpc>
+                <a:spcPct val="150000"/>
+              </a:lnSpc>
+            </a:pPr>
+            <a:endParaRPr kumimoji="1" lang="en-US" altLang="zh-CN" sz="2800" dirty="0">
+              <a:latin typeface="Microsoft YaHei" panose="020B0503020204020204" pitchFamily="34" charset="-122"/>
+              <a:ea typeface="Microsoft YaHei" panose="020B0503020204020204" pitchFamily="34" charset="-122"/>
+            </a:endParaRPr>
+          </a:p>
+          <a:p>
+            <a:pPr>
+              <a:lnSpc>
+                <a:spcPct val="150000"/>
+              </a:lnSpc>
+            </a:pPr>
+            <a:r>
+              <a:rPr kumimoji="1" lang="zh-CN" altLang="en-US" sz="2800" dirty="0">
+                <a:latin typeface="Microsoft YaHei" panose="020B0503020204020204" pitchFamily="34" charset="-122"/>
+                <a:ea typeface="Microsoft YaHei" panose="020B0503020204020204" pitchFamily="34" charset="-122"/>
+              </a:rPr>
+              <a:t>于是 同名但不同参数的 重载函数就出现了</a:t>
+            </a:r>
+            <a:endParaRPr kumimoji="1" lang="en-US" altLang="zh-CN" sz="2800" dirty="0">
+              <a:latin typeface="Microsoft YaHei" panose="020B0503020204020204" pitchFamily="34" charset="-122"/>
+              <a:ea typeface="Microsoft YaHei" panose="020B0503020204020204" pitchFamily="34" charset="-122"/>
+            </a:endParaRPr>
+          </a:p>
         </p:txBody>
       </p:sp>
     </p:spTree>
     <p:extLst>
       <p:ext uri="{BB962C8B-B14F-4D97-AF65-F5344CB8AC3E}">
-        <p14:creationId xmlns:p14="http://schemas.microsoft.com/office/powerpoint/2010/main" val="405832132"/>
+        <p14:creationId xmlns:p14="http://schemas.microsoft.com/office/powerpoint/2010/main" val="4187786587"/>
       </p:ext>
     </p:extLst>
   </p:cSld>
@@ -8347,14 +7968,14 @@
                 <a:latin typeface="Microsoft YaHei" panose="020B0503020204020204" pitchFamily="34" charset="-122"/>
                 <a:ea typeface="Microsoft YaHei" panose="020B0503020204020204" pitchFamily="34" charset="-122"/>
               </a:rPr>
-              <a:t>9.</a:t>
+              <a:t>7.</a:t>
             </a:r>
             <a:r>
               <a:rPr kumimoji="1" lang="zh-CN" altLang="en-US" sz="4800" dirty="0">
                 <a:latin typeface="Microsoft YaHei" panose="020B0503020204020204" pitchFamily="34" charset="-122"/>
                 <a:ea typeface="Microsoft YaHei" panose="020B0503020204020204" pitchFamily="34" charset="-122"/>
               </a:rPr>
-              <a:t> 如何自顶向下地设计方法 </a:t>
+              <a:t> 重载方法</a:t>
             </a:r>
             <a:endParaRPr kumimoji="1" lang="en-US" altLang="zh-CN" sz="4800" dirty="0">
               <a:latin typeface="Microsoft YaHei" panose="020B0503020204020204" pitchFamily="34" charset="-122"/>
@@ -8377,8 +7998,8 @@
         </p:nvSpPr>
         <p:spPr>
           <a:xfrm>
-            <a:off x="1731818" y="2015173"/>
-            <a:ext cx="8728364" cy="4109587"/>
+            <a:off x="1731818" y="1671195"/>
+            <a:ext cx="8728364" cy="5186805"/>
           </a:xfrm>
           <a:prstGeom prst="rect">
             <a:avLst/>
@@ -8391,160 +8012,339 @@
           </a:bodyPr>
           <a:lstStyle/>
           <a:p>
-            <a:pPr marL="457200" indent="-457200">
-              <a:buFont typeface="Arial" panose="020B0604020202020204" pitchFamily="34" charset="0"/>
-              <a:buChar char="•"/>
-            </a:pPr>
-            <a:r>
-              <a:rPr lang="zh-CN" altLang="en-US" sz="2800" dirty="0"/>
-              <a:t>标识符</a:t>
-            </a:r>
-            <a:r>
-              <a:rPr lang="en-US" altLang="zh-CN" sz="2800" dirty="0"/>
-              <a:t>:</a:t>
-            </a:r>
-            <a:r>
-              <a:rPr lang="zh-CN" altLang="en-US" sz="2800" dirty="0"/>
-              <a:t>  为了标识程序中的变量，函数，类而采用的命名。是由字母、数字、下划线</a:t>
-            </a:r>
-            <a:r>
-              <a:rPr lang="en-US" altLang="zh-CN" sz="2800" dirty="0"/>
-              <a:t>(_)</a:t>
-            </a:r>
-            <a:r>
-              <a:rPr lang="zh-CN" altLang="en-US" sz="2800" dirty="0"/>
-              <a:t>和美元符号</a:t>
-            </a:r>
-            <a:r>
-              <a:rPr lang="en-US" altLang="zh-CN" sz="2800" dirty="0"/>
-              <a:t>($)</a:t>
-            </a:r>
-            <a:r>
-              <a:rPr lang="zh-CN" altLang="en-US" sz="2800" dirty="0"/>
-              <a:t>构成的字符序列。 </a:t>
-            </a:r>
-          </a:p>
-          <a:p>
-            <a:pPr marL="457200" indent="-457200">
-              <a:buFont typeface="Arial" panose="020B0604020202020204" pitchFamily="34" charset="0"/>
-              <a:buChar char="•"/>
-            </a:pPr>
-            <a:r>
-              <a:rPr lang="zh-CN" altLang="en-US" sz="2800" dirty="0"/>
-              <a:t>标识符必须以字母、下划线</a:t>
-            </a:r>
-            <a:r>
-              <a:rPr lang="en-US" altLang="zh-CN" sz="2800" dirty="0"/>
-              <a:t>(_)</a:t>
-            </a:r>
-            <a:r>
-              <a:rPr lang="zh-CN" altLang="en-US" sz="2800" dirty="0"/>
-              <a:t>或美元符号</a:t>
-            </a:r>
-            <a:r>
-              <a:rPr lang="en-US" altLang="zh-CN" sz="2800" dirty="0"/>
-              <a:t>($)</a:t>
-            </a:r>
-            <a:r>
-              <a:rPr lang="zh-CN" altLang="en-US" sz="2800" dirty="0"/>
-              <a:t>开头，不能以数字开头。 </a:t>
-            </a:r>
-            <a:endParaRPr lang="en-US" altLang="zh-CN" sz="2800" dirty="0"/>
-          </a:p>
-          <a:p>
-            <a:pPr marL="457200" indent="-457200">
-              <a:buFont typeface="Arial" panose="020B0604020202020204" pitchFamily="34" charset="0"/>
-              <a:buChar char="•"/>
-            </a:pPr>
-            <a:r>
-              <a:rPr lang="zh-CN" altLang="en-US" sz="2800" dirty="0"/>
-              <a:t>标识符不能是保留字</a:t>
-            </a:r>
-            <a:r>
-              <a:rPr lang="en-US" altLang="zh-CN" sz="2800" dirty="0"/>
-              <a:t>(</a:t>
-            </a:r>
-            <a:r>
-              <a:rPr lang="zh-CN" altLang="en-US" sz="2800" dirty="0"/>
-              <a:t>参见附录</a:t>
-            </a:r>
-            <a:r>
-              <a:rPr lang="en-US" altLang="zh-CN" sz="2800" dirty="0"/>
-              <a:t>A</a:t>
-            </a:r>
-            <a:r>
-              <a:rPr lang="zh-CN" altLang="en-US" sz="2800" dirty="0"/>
-              <a:t>中的保留字列表</a:t>
-            </a:r>
-            <a:r>
-              <a:rPr lang="en-US" altLang="zh-CN" sz="2800" dirty="0"/>
-              <a:t>)</a:t>
-            </a:r>
-          </a:p>
-          <a:p>
-            <a:pPr marL="457200" indent="-457200">
-              <a:buFont typeface="Arial" panose="020B0604020202020204" pitchFamily="34" charset="0"/>
-              <a:buChar char="•"/>
-            </a:pPr>
-            <a:r>
-              <a:rPr lang="zh-CN" altLang="en-US" sz="2800" dirty="0"/>
-              <a:t>标识符不能是</a:t>
-            </a:r>
-            <a:r>
-              <a:rPr lang="en-US" altLang="zh-CN" sz="2800" dirty="0"/>
-              <a:t>true</a:t>
-            </a:r>
-            <a:r>
-              <a:rPr lang="zh-CN" altLang="en-US" sz="2800" dirty="0"/>
-              <a:t>、</a:t>
-            </a:r>
-            <a:r>
-              <a:rPr lang="en-US" altLang="zh-CN" sz="2800" dirty="0"/>
-              <a:t>false</a:t>
-            </a:r>
-            <a:r>
-              <a:rPr lang="zh-CN" altLang="en-US" sz="2800" dirty="0"/>
-              <a:t>或</a:t>
-            </a:r>
-            <a:r>
-              <a:rPr lang="en-US" altLang="zh-CN" sz="2800" dirty="0"/>
-              <a:t>null</a:t>
-            </a:r>
-            <a:r>
-              <a:rPr lang="zh-CN" altLang="en-US" sz="2800" dirty="0"/>
-              <a:t>。</a:t>
-            </a:r>
-            <a:endParaRPr lang="en-US" altLang="zh-CN" sz="2800" dirty="0"/>
-          </a:p>
-          <a:p>
-            <a:pPr marL="457200" indent="-457200">
-              <a:buFont typeface="Arial" panose="020B0604020202020204" pitchFamily="34" charset="0"/>
-              <a:buChar char="•"/>
-            </a:pPr>
-            <a:r>
-              <a:rPr lang="zh-CN" altLang="en-US" sz="2800" dirty="0"/>
-              <a:t>标识符可以为任意长度。 </a:t>
-            </a:r>
-          </a:p>
-          <a:p>
-            <a:pPr marL="571500" indent="-571500" algn="ctr">
+            <a:pPr>
               <a:lnSpc>
                 <a:spcPct val="150000"/>
               </a:lnSpc>
-              <a:buFont typeface="Wingdings" pitchFamily="2" charset="2"/>
-              <a:buChar char="Ø"/>
             </a:pPr>
-            <a:endParaRPr kumimoji="1" lang="zh-CN" altLang="en-US" sz="2800" dirty="0">
+            <a:r>
+              <a:rPr kumimoji="1" lang="zh-CN" altLang="en-US" sz="2800" dirty="0">
+                <a:latin typeface="Microsoft YaHei" panose="020B0503020204020204" pitchFamily="34" charset="-122"/>
+                <a:ea typeface="Microsoft YaHei" panose="020B0503020204020204" pitchFamily="34" charset="-122"/>
+              </a:rPr>
+              <a:t>重载方法：使用同样的名字来定义不同方法，只要它们的函数签名是不 同的。</a:t>
+            </a:r>
+            <a:endParaRPr kumimoji="1" lang="en-US" altLang="zh-CN" sz="2800" dirty="0">
               <a:latin typeface="Microsoft YaHei" panose="020B0503020204020204" pitchFamily="34" charset="-122"/>
               <a:ea typeface="Microsoft YaHei" panose="020B0503020204020204" pitchFamily="34" charset="-122"/>
             </a:endParaRPr>
           </a:p>
+          <a:p>
+            <a:pPr>
+              <a:lnSpc>
+                <a:spcPct val="150000"/>
+              </a:lnSpc>
+            </a:pPr>
+            <a:r>
+              <a:rPr kumimoji="1" lang="zh-CN" altLang="en-US" sz="2800" dirty="0">
+                <a:latin typeface="Microsoft YaHei" panose="020B0503020204020204" pitchFamily="34" charset="-122"/>
+                <a:ea typeface="Microsoft YaHei" panose="020B0503020204020204" pitchFamily="34" charset="-122"/>
+              </a:rPr>
+              <a:t>函数签名：包括函数名，参数的数量、类型和顺序</a:t>
+            </a:r>
+            <a:endParaRPr kumimoji="1" lang="en-US" altLang="zh-CN" sz="2800" dirty="0">
+              <a:latin typeface="Microsoft YaHei" panose="020B0503020204020204" pitchFamily="34" charset="-122"/>
+              <a:ea typeface="Microsoft YaHei" panose="020B0503020204020204" pitchFamily="34" charset="-122"/>
+            </a:endParaRPr>
+          </a:p>
+          <a:p>
+            <a:pPr>
+              <a:lnSpc>
+                <a:spcPct val="150000"/>
+              </a:lnSpc>
+            </a:pPr>
+            <a:endParaRPr kumimoji="1" lang="en-US" altLang="zh-CN" sz="2800" dirty="0">
+              <a:latin typeface="Microsoft YaHei" panose="020B0503020204020204" pitchFamily="34" charset="-122"/>
+              <a:ea typeface="Microsoft YaHei" panose="020B0503020204020204" pitchFamily="34" charset="-122"/>
+            </a:endParaRPr>
+          </a:p>
+          <a:p>
+            <a:pPr>
+              <a:lnSpc>
+                <a:spcPct val="150000"/>
+              </a:lnSpc>
+            </a:pPr>
+            <a:r>
+              <a:rPr kumimoji="1" lang="en-US" altLang="zh-CN" sz="2800" dirty="0">
+                <a:latin typeface="Microsoft YaHei" panose="020B0503020204020204" pitchFamily="34" charset="-122"/>
+                <a:ea typeface="Microsoft YaHei" panose="020B0503020204020204" pitchFamily="34" charset="-122"/>
+              </a:rPr>
+              <a:t>Void</a:t>
+            </a:r>
+            <a:r>
+              <a:rPr kumimoji="1" lang="zh-CN" altLang="en-US" sz="2800" dirty="0">
+                <a:latin typeface="Microsoft YaHei" panose="020B0503020204020204" pitchFamily="34" charset="-122"/>
+                <a:ea typeface="Microsoft YaHei" panose="020B0503020204020204" pitchFamily="34" charset="-122"/>
+              </a:rPr>
+              <a:t> </a:t>
+            </a:r>
+            <a:r>
+              <a:rPr kumimoji="1" lang="en-US" altLang="zh-CN" sz="2800" dirty="0">
+                <a:latin typeface="Microsoft YaHei" panose="020B0503020204020204" pitchFamily="34" charset="-122"/>
+                <a:ea typeface="Microsoft YaHei" panose="020B0503020204020204" pitchFamily="34" charset="-122"/>
+              </a:rPr>
+              <a:t>print(int</a:t>
+            </a:r>
+            <a:r>
+              <a:rPr kumimoji="1" lang="zh-CN" altLang="en-US" sz="2800" dirty="0">
+                <a:latin typeface="Microsoft YaHei" panose="020B0503020204020204" pitchFamily="34" charset="-122"/>
+                <a:ea typeface="Microsoft YaHei" panose="020B0503020204020204" pitchFamily="34" charset="-122"/>
+              </a:rPr>
+              <a:t> </a:t>
+            </a:r>
+            <a:r>
+              <a:rPr kumimoji="1" lang="en-US" altLang="zh-CN" sz="2800" dirty="0" err="1">
+                <a:latin typeface="Microsoft YaHei" panose="020B0503020204020204" pitchFamily="34" charset="-122"/>
+                <a:ea typeface="Microsoft YaHei" panose="020B0503020204020204" pitchFamily="34" charset="-122"/>
+              </a:rPr>
+              <a:t>a,int</a:t>
+            </a:r>
+            <a:r>
+              <a:rPr kumimoji="1" lang="zh-CN" altLang="en-US" sz="2800" dirty="0">
+                <a:latin typeface="Microsoft YaHei" panose="020B0503020204020204" pitchFamily="34" charset="-122"/>
+                <a:ea typeface="Microsoft YaHei" panose="020B0503020204020204" pitchFamily="34" charset="-122"/>
+              </a:rPr>
+              <a:t> </a:t>
+            </a:r>
+            <a:r>
+              <a:rPr kumimoji="1" lang="en-US" altLang="zh-CN" sz="2800" dirty="0">
+                <a:latin typeface="Microsoft YaHei" panose="020B0503020204020204" pitchFamily="34" charset="-122"/>
+                <a:ea typeface="Microsoft YaHei" panose="020B0503020204020204" pitchFamily="34" charset="-122"/>
+              </a:rPr>
+              <a:t>b)</a:t>
+            </a:r>
+          </a:p>
+          <a:p>
+            <a:pPr>
+              <a:lnSpc>
+                <a:spcPct val="150000"/>
+              </a:lnSpc>
+            </a:pPr>
+            <a:r>
+              <a:rPr kumimoji="1" lang="en-US" altLang="zh-CN" sz="2800" dirty="0">
+                <a:latin typeface="Microsoft YaHei" panose="020B0503020204020204" pitchFamily="34" charset="-122"/>
+                <a:ea typeface="Microsoft YaHei" panose="020B0503020204020204" pitchFamily="34" charset="-122"/>
+              </a:rPr>
+              <a:t>Void</a:t>
+            </a:r>
+            <a:r>
+              <a:rPr kumimoji="1" lang="zh-CN" altLang="en-US" sz="2800" dirty="0">
+                <a:latin typeface="Microsoft YaHei" panose="020B0503020204020204" pitchFamily="34" charset="-122"/>
+                <a:ea typeface="Microsoft YaHei" panose="020B0503020204020204" pitchFamily="34" charset="-122"/>
+              </a:rPr>
+              <a:t> </a:t>
+            </a:r>
+            <a:r>
+              <a:rPr kumimoji="1" lang="en-US" altLang="zh-CN" sz="2800" dirty="0">
+                <a:latin typeface="Microsoft YaHei" panose="020B0503020204020204" pitchFamily="34" charset="-122"/>
+                <a:ea typeface="Microsoft YaHei" panose="020B0503020204020204" pitchFamily="34" charset="-122"/>
+              </a:rPr>
+              <a:t>print(double</a:t>
+            </a:r>
+            <a:r>
+              <a:rPr kumimoji="1" lang="zh-CN" altLang="en-US" sz="2800" dirty="0">
+                <a:latin typeface="Microsoft YaHei" panose="020B0503020204020204" pitchFamily="34" charset="-122"/>
+                <a:ea typeface="Microsoft YaHei" panose="020B0503020204020204" pitchFamily="34" charset="-122"/>
+              </a:rPr>
+              <a:t> </a:t>
+            </a:r>
+            <a:r>
+              <a:rPr kumimoji="1" lang="en-US" altLang="zh-CN" sz="2800" dirty="0" err="1">
+                <a:latin typeface="Microsoft YaHei" panose="020B0503020204020204" pitchFamily="34" charset="-122"/>
+                <a:ea typeface="Microsoft YaHei" panose="020B0503020204020204" pitchFamily="34" charset="-122"/>
+              </a:rPr>
+              <a:t>a,double</a:t>
+            </a:r>
+            <a:r>
+              <a:rPr kumimoji="1" lang="zh-CN" altLang="en-US" sz="2800" dirty="0">
+                <a:latin typeface="Microsoft YaHei" panose="020B0503020204020204" pitchFamily="34" charset="-122"/>
+                <a:ea typeface="Microsoft YaHei" panose="020B0503020204020204" pitchFamily="34" charset="-122"/>
+              </a:rPr>
+              <a:t> </a:t>
+            </a:r>
+            <a:r>
+              <a:rPr kumimoji="1" lang="en-US" altLang="zh-CN" sz="2800" dirty="0">
+                <a:latin typeface="Microsoft YaHei" panose="020B0503020204020204" pitchFamily="34" charset="-122"/>
+                <a:ea typeface="Microsoft YaHei" panose="020B0503020204020204" pitchFamily="34" charset="-122"/>
+              </a:rPr>
+              <a:t>b)</a:t>
+            </a:r>
+          </a:p>
+          <a:p>
+            <a:pPr>
+              <a:lnSpc>
+                <a:spcPct val="150000"/>
+              </a:lnSpc>
+            </a:pPr>
+            <a:r>
+              <a:rPr kumimoji="1" lang="en-US" altLang="zh-CN" sz="2800" dirty="0">
+                <a:latin typeface="Microsoft YaHei" panose="020B0503020204020204" pitchFamily="34" charset="-122"/>
+                <a:ea typeface="Microsoft YaHei" panose="020B0503020204020204" pitchFamily="34" charset="-122"/>
+              </a:rPr>
+              <a:t>int</a:t>
+            </a:r>
+            <a:r>
+              <a:rPr kumimoji="1" lang="zh-CN" altLang="en-US" sz="2800" dirty="0">
+                <a:latin typeface="Microsoft YaHei" panose="020B0503020204020204" pitchFamily="34" charset="-122"/>
+                <a:ea typeface="Microsoft YaHei" panose="020B0503020204020204" pitchFamily="34" charset="-122"/>
+              </a:rPr>
+              <a:t>  </a:t>
+            </a:r>
+            <a:r>
+              <a:rPr kumimoji="1" lang="en-US" altLang="zh-CN" sz="2800" dirty="0">
+                <a:latin typeface="Microsoft YaHei" panose="020B0503020204020204" pitchFamily="34" charset="-122"/>
+                <a:ea typeface="Microsoft YaHei" panose="020B0503020204020204" pitchFamily="34" charset="-122"/>
+              </a:rPr>
+              <a:t>print(int</a:t>
+            </a:r>
+            <a:r>
+              <a:rPr kumimoji="1" lang="zh-CN" altLang="en-US" sz="2800" dirty="0">
+                <a:latin typeface="Microsoft YaHei" panose="020B0503020204020204" pitchFamily="34" charset="-122"/>
+                <a:ea typeface="Microsoft YaHei" panose="020B0503020204020204" pitchFamily="34" charset="-122"/>
+              </a:rPr>
+              <a:t> </a:t>
+            </a:r>
+            <a:r>
+              <a:rPr kumimoji="1" lang="en-US" altLang="zh-CN" sz="2800" dirty="0">
+                <a:latin typeface="Microsoft YaHei" panose="020B0503020204020204" pitchFamily="34" charset="-122"/>
+                <a:ea typeface="Microsoft YaHei" panose="020B0503020204020204" pitchFamily="34" charset="-122"/>
+              </a:rPr>
+              <a:t>a,</a:t>
+            </a:r>
+            <a:r>
+              <a:rPr kumimoji="1" lang="zh-CN" altLang="en-US" sz="2800" dirty="0">
+                <a:latin typeface="Microsoft YaHei" panose="020B0503020204020204" pitchFamily="34" charset="-122"/>
+                <a:ea typeface="Microsoft YaHei" panose="020B0503020204020204" pitchFamily="34" charset="-122"/>
+              </a:rPr>
+              <a:t> </a:t>
+            </a:r>
+            <a:r>
+              <a:rPr kumimoji="1" lang="en-US" altLang="zh-CN" sz="2800" dirty="0">
+                <a:latin typeface="Microsoft YaHei" panose="020B0503020204020204" pitchFamily="34" charset="-122"/>
+                <a:ea typeface="Microsoft YaHei" panose="020B0503020204020204" pitchFamily="34" charset="-122"/>
+              </a:rPr>
+              <a:t>int</a:t>
+            </a:r>
+            <a:r>
+              <a:rPr kumimoji="1" lang="zh-CN" altLang="en-US" sz="2800" dirty="0">
+                <a:latin typeface="Microsoft YaHei" panose="020B0503020204020204" pitchFamily="34" charset="-122"/>
+                <a:ea typeface="Microsoft YaHei" panose="020B0503020204020204" pitchFamily="34" charset="-122"/>
+              </a:rPr>
+              <a:t> </a:t>
+            </a:r>
+            <a:r>
+              <a:rPr kumimoji="1" lang="en-US" altLang="zh-CN" sz="2800" dirty="0">
+                <a:latin typeface="Microsoft YaHei" panose="020B0503020204020204" pitchFamily="34" charset="-122"/>
+                <a:ea typeface="Microsoft YaHei" panose="020B0503020204020204" pitchFamily="34" charset="-122"/>
+              </a:rPr>
+              <a:t>b,</a:t>
+            </a:r>
+            <a:r>
+              <a:rPr kumimoji="1" lang="zh-CN" altLang="en-US" sz="2800" dirty="0">
+                <a:latin typeface="Microsoft YaHei" panose="020B0503020204020204" pitchFamily="34" charset="-122"/>
+                <a:ea typeface="Microsoft YaHei" panose="020B0503020204020204" pitchFamily="34" charset="-122"/>
+              </a:rPr>
+              <a:t> </a:t>
+            </a:r>
+            <a:r>
+              <a:rPr kumimoji="1" lang="en-US" altLang="zh-CN" sz="2800" dirty="0">
+                <a:latin typeface="Microsoft YaHei" panose="020B0503020204020204" pitchFamily="34" charset="-122"/>
+                <a:ea typeface="Microsoft YaHei" panose="020B0503020204020204" pitchFamily="34" charset="-122"/>
+              </a:rPr>
+              <a:t>int</a:t>
+            </a:r>
+            <a:r>
+              <a:rPr kumimoji="1" lang="zh-CN" altLang="en-US" sz="2800" dirty="0">
+                <a:latin typeface="Microsoft YaHei" panose="020B0503020204020204" pitchFamily="34" charset="-122"/>
+                <a:ea typeface="Microsoft YaHei" panose="020B0503020204020204" pitchFamily="34" charset="-122"/>
+              </a:rPr>
+              <a:t> </a:t>
+            </a:r>
+            <a:r>
+              <a:rPr kumimoji="1" lang="en-US" altLang="zh-CN" sz="2800" dirty="0">
+                <a:latin typeface="Microsoft YaHei" panose="020B0503020204020204" pitchFamily="34" charset="-122"/>
+                <a:ea typeface="Microsoft YaHei" panose="020B0503020204020204" pitchFamily="34" charset="-122"/>
+              </a:rPr>
+              <a:t>c)</a:t>
+            </a:r>
+          </a:p>
+          <a:p>
+            <a:pPr>
+              <a:lnSpc>
+                <a:spcPct val="150000"/>
+              </a:lnSpc>
+            </a:pPr>
+            <a:endParaRPr kumimoji="1" lang="en-US" altLang="zh-CN" sz="2800" dirty="0">
+              <a:latin typeface="Microsoft YaHei" panose="020B0503020204020204" pitchFamily="34" charset="-122"/>
+              <a:ea typeface="Microsoft YaHei" panose="020B0503020204020204" pitchFamily="34" charset="-122"/>
+            </a:endParaRPr>
+          </a:p>
+        </p:txBody>
+      </p:sp>
+      <p:sp>
+        <p:nvSpPr>
+          <p:cNvPr id="4" name="文本框 3">
+            <a:extLst>
+              <a:ext uri="{FF2B5EF4-FFF2-40B4-BE49-F238E27FC236}">
+                <a16:creationId xmlns:a16="http://schemas.microsoft.com/office/drawing/2014/main" id="{98CF86B4-74B4-0648-A212-2B011FBF298A}"/>
+              </a:ext>
+            </a:extLst>
+          </p:cNvPr>
+          <p:cNvSpPr txBox="1"/>
+          <p:nvPr/>
+        </p:nvSpPr>
+        <p:spPr>
+          <a:xfrm>
+            <a:off x="7762240" y="4771306"/>
+            <a:ext cx="4010394" cy="830997"/>
+          </a:xfrm>
+          <a:prstGeom prst="rect">
+            <a:avLst/>
+          </a:prstGeom>
+          <a:solidFill>
+            <a:schemeClr val="accent2"/>
+          </a:solidFill>
+        </p:spPr>
+        <p:txBody>
+          <a:bodyPr wrap="square" rtlCol="0">
+            <a:spAutoFit/>
+          </a:bodyPr>
+          <a:lstStyle/>
+          <a:p>
+            <a:r>
+              <a:rPr kumimoji="1" lang="zh-CN" altLang="en-US" sz="2400" dirty="0">
+                <a:solidFill>
+                  <a:schemeClr val="bg1"/>
+                </a:solidFill>
+                <a:latin typeface="Microsoft YaHei" panose="020B0503020204020204" pitchFamily="34" charset="-122"/>
+                <a:ea typeface="Microsoft YaHei" panose="020B0503020204020204" pitchFamily="34" charset="-122"/>
+              </a:rPr>
+              <a:t>例子： 书中 </a:t>
+            </a:r>
+            <a:r>
+              <a:rPr lang="en-US" altLang="zh-CN" sz="2400" dirty="0" err="1">
+                <a:solidFill>
+                  <a:schemeClr val="bg1"/>
+                </a:solidFill>
+                <a:latin typeface="Microsoft YaHei" panose="020B0503020204020204" pitchFamily="34" charset="-122"/>
+                <a:ea typeface="Microsoft YaHei" panose="020B0503020204020204" pitchFamily="34" charset="-122"/>
+              </a:rPr>
+              <a:t>TestMethodOverloading</a:t>
+            </a:r>
+            <a:endParaRPr kumimoji="1" lang="zh-CN" altLang="en-US" sz="2400" dirty="0">
+              <a:solidFill>
+                <a:schemeClr val="bg1"/>
+              </a:solidFill>
+              <a:latin typeface="Microsoft YaHei" panose="020B0503020204020204" pitchFamily="34" charset="-122"/>
+              <a:ea typeface="Microsoft YaHei" panose="020B0503020204020204" pitchFamily="34" charset="-122"/>
+            </a:endParaRPr>
+          </a:p>
         </p:txBody>
       </p:sp>
     </p:spTree>
     <p:extLst>
       <p:ext uri="{BB962C8B-B14F-4D97-AF65-F5344CB8AC3E}">
-        <p14:creationId xmlns:p14="http://schemas.microsoft.com/office/powerpoint/2010/main" val="780049352"/>
+        <p14:creationId xmlns:p14="http://schemas.microsoft.com/office/powerpoint/2010/main" val="436147118"/>
       </p:ext>
     </p:extLst>
   </p:cSld>
@@ -8614,15 +8414,33 @@
                 <a:latin typeface="Microsoft YaHei" panose="020B0503020204020204" pitchFamily="34" charset="-122"/>
                 <a:ea typeface="Microsoft YaHei" panose="020B0503020204020204" pitchFamily="34" charset="-122"/>
               </a:rPr>
-              <a:t>Java</a:t>
+              <a:t>8.</a:t>
             </a:r>
             <a:r>
               <a:rPr kumimoji="1" lang="zh-CN" altLang="en-US" sz="4800" dirty="0">
                 <a:latin typeface="Microsoft YaHei" panose="020B0503020204020204" pitchFamily="34" charset="-122"/>
                 <a:ea typeface="Microsoft YaHei" panose="020B0503020204020204" pitchFamily="34" charset="-122"/>
               </a:rPr>
-              <a:t>命名的规则</a:t>
-            </a:r>
+              <a:t> 如何自顶向下地设计系统</a:t>
+            </a:r>
+            <a:r>
+              <a:rPr kumimoji="1" lang="en-US" altLang="zh-CN" sz="4800" dirty="0">
+                <a:latin typeface="Microsoft YaHei" panose="020B0503020204020204" pitchFamily="34" charset="-122"/>
+                <a:ea typeface="Microsoft YaHei" panose="020B0503020204020204" pitchFamily="34" charset="-122"/>
+              </a:rPr>
+              <a:t>/</a:t>
+            </a:r>
+            <a:r>
+              <a:rPr kumimoji="1" lang="zh-CN" altLang="en-US" sz="4800" dirty="0">
+                <a:latin typeface="Microsoft YaHei" panose="020B0503020204020204" pitchFamily="34" charset="-122"/>
+                <a:ea typeface="Microsoft YaHei" panose="020B0503020204020204" pitchFamily="34" charset="-122"/>
+              </a:rPr>
+              <a:t>方法 </a:t>
+            </a:r>
+            <a:endParaRPr kumimoji="1" lang="en-US" altLang="zh-CN" sz="4800" dirty="0">
+              <a:latin typeface="Microsoft YaHei" panose="020B0503020204020204" pitchFamily="34" charset="-122"/>
+              <a:ea typeface="Microsoft YaHei" panose="020B0503020204020204" pitchFamily="34" charset="-122"/>
+            </a:endParaRPr>
           </a:p>
         </p:txBody>
       </p:sp>
@@ -8640,8 +8458,8 @@
         </p:nvSpPr>
         <p:spPr>
           <a:xfrm>
-            <a:off x="1731818" y="1953491"/>
-            <a:ext cx="10460182" cy="3309494"/>
+            <a:off x="1731818" y="2015173"/>
+            <a:ext cx="8728364" cy="3170099"/>
           </a:xfrm>
           <a:prstGeom prst="rect">
             <a:avLst/>
@@ -8654,199 +8472,63 @@
           </a:bodyPr>
           <a:lstStyle/>
           <a:p>
+            <a:r>
+              <a:rPr lang="zh-CN" altLang="en-US" sz="3600" dirty="0"/>
+              <a:t>两种 思维大家会受益终身</a:t>
+            </a:r>
+            <a:endParaRPr lang="en-US" altLang="zh-CN" sz="3600" dirty="0"/>
+          </a:p>
+          <a:p>
             <a:pPr marL="457200" indent="-457200">
-              <a:lnSpc>
-                <a:spcPct val="150000"/>
-              </a:lnSpc>
               <a:buFont typeface="Arial" panose="020B0604020202020204" pitchFamily="34" charset="0"/>
               <a:buChar char="•"/>
             </a:pPr>
-            <a:r>
-              <a:rPr kumimoji="1" lang="zh-CN" altLang="en-US" sz="2800" dirty="0">
-                <a:latin typeface="Microsoft YaHei" panose="020B0503020204020204" pitchFamily="34" charset="-122"/>
-                <a:ea typeface="Microsoft YaHei" panose="020B0503020204020204" pitchFamily="34" charset="-122"/>
-              </a:rPr>
-              <a:t>包名：</a:t>
-            </a:r>
-            <a:r>
-              <a:rPr kumimoji="1" lang="en-US" altLang="zh-CN" sz="2800" dirty="0" err="1">
-                <a:latin typeface="Microsoft YaHei" panose="020B0503020204020204" pitchFamily="34" charset="-122"/>
-                <a:ea typeface="Microsoft YaHei" panose="020B0503020204020204" pitchFamily="34" charset="-122"/>
-              </a:rPr>
-              <a:t>xxxyyyzzz</a:t>
-            </a:r>
-            <a:r>
-              <a:rPr kumimoji="1" lang="zh-CN" altLang="en-US" sz="2800" dirty="0">
-                <a:latin typeface="Microsoft YaHei" panose="020B0503020204020204" pitchFamily="34" charset="-122"/>
-                <a:ea typeface="Microsoft YaHei" panose="020B0503020204020204" pitchFamily="34" charset="-122"/>
-              </a:rPr>
-              <a:t> ， 比如 </a:t>
-            </a:r>
-            <a:r>
-              <a:rPr kumimoji="1" lang="en-US" altLang="zh-CN" sz="2800" dirty="0" err="1">
-                <a:latin typeface="Microsoft YaHei" panose="020B0503020204020204" pitchFamily="34" charset="-122"/>
-                <a:ea typeface="Microsoft YaHei" panose="020B0503020204020204" pitchFamily="34" charset="-122"/>
-              </a:rPr>
-              <a:t>com.hmc.jianyan.me</a:t>
-            </a:r>
+            <a:endParaRPr kumimoji="1" lang="en-US" altLang="zh-CN" sz="3600" dirty="0">
+              <a:latin typeface="Microsoft YaHei" panose="020B0503020204020204" pitchFamily="34" charset="-122"/>
+              <a:ea typeface="Microsoft YaHei" panose="020B0503020204020204" pitchFamily="34" charset="-122"/>
+            </a:endParaRPr>
+          </a:p>
+          <a:p>
+            <a:pPr marL="457200" indent="-457200">
+              <a:buFont typeface="Arial" panose="020B0604020202020204" pitchFamily="34" charset="0"/>
+              <a:buChar char="•"/>
+            </a:pPr>
+            <a:r>
+              <a:rPr kumimoji="1" lang="zh-CN" altLang="en-US" sz="3600" dirty="0">
+                <a:latin typeface="Microsoft YaHei" panose="020B0503020204020204" pitchFamily="34" charset="-122"/>
+                <a:ea typeface="Microsoft YaHei" panose="020B0503020204020204" pitchFamily="34" charset="-122"/>
+              </a:rPr>
+              <a:t>自上而下</a:t>
+            </a:r>
+            <a:endParaRPr kumimoji="1" lang="en-US" altLang="zh-CN" sz="3600" dirty="0">
+              <a:latin typeface="Microsoft YaHei" panose="020B0503020204020204" pitchFamily="34" charset="-122"/>
+              <a:ea typeface="Microsoft YaHei" panose="020B0503020204020204" pitchFamily="34" charset="-122"/>
+            </a:endParaRPr>
+          </a:p>
+          <a:p>
+            <a:pPr marL="457200" indent="-457200">
+              <a:buFont typeface="Arial" panose="020B0604020202020204" pitchFamily="34" charset="0"/>
+              <a:buChar char="•"/>
+            </a:pPr>
+            <a:r>
+              <a:rPr kumimoji="1" lang="zh-CN" altLang="en-US" sz="3600" dirty="0">
+                <a:latin typeface="Microsoft YaHei" panose="020B0503020204020204" pitchFamily="34" charset="-122"/>
+                <a:ea typeface="Microsoft YaHei" panose="020B0503020204020204" pitchFamily="34" charset="-122"/>
+              </a:rPr>
+              <a:t>自下而上</a:t>
+            </a:r>
+            <a:endParaRPr kumimoji="1" lang="en-US" altLang="zh-CN" sz="3600" dirty="0">
+              <a:latin typeface="Microsoft YaHei" panose="020B0503020204020204" pitchFamily="34" charset="-122"/>
+              <a:ea typeface="Microsoft YaHei" panose="020B0503020204020204" pitchFamily="34" charset="-122"/>
+            </a:endParaRPr>
+          </a:p>
+          <a:p>
             <a:endParaRPr kumimoji="1" lang="en-US" altLang="zh-CN" sz="2800" dirty="0">
               <a:latin typeface="Microsoft YaHei" panose="020B0503020204020204" pitchFamily="34" charset="-122"/>
               <a:ea typeface="Microsoft YaHei" panose="020B0503020204020204" pitchFamily="34" charset="-122"/>
             </a:endParaRPr>
           </a:p>
           <a:p>
-            <a:pPr marL="457200" indent="-457200">
-              <a:lnSpc>
-                <a:spcPct val="150000"/>
-              </a:lnSpc>
-              <a:buFont typeface="Arial" panose="020B0604020202020204" pitchFamily="34" charset="0"/>
-              <a:buChar char="•"/>
-            </a:pPr>
-            <a:r>
-              <a:rPr kumimoji="1" lang="zh-CN" altLang="en-US" sz="2800" dirty="0">
-                <a:latin typeface="Microsoft YaHei" panose="020B0503020204020204" pitchFamily="34" charset="-122"/>
-                <a:ea typeface="Microsoft YaHei" panose="020B0503020204020204" pitchFamily="34" charset="-122"/>
-              </a:rPr>
-              <a:t>类名、接口名：</a:t>
-            </a:r>
-            <a:r>
-              <a:rPr kumimoji="1" lang="en-US" altLang="zh-CN" sz="2800" dirty="0" err="1">
-                <a:latin typeface="Microsoft YaHei" panose="020B0503020204020204" pitchFamily="34" charset="-122"/>
-                <a:ea typeface="Microsoft YaHei" panose="020B0503020204020204" pitchFamily="34" charset="-122"/>
-              </a:rPr>
-              <a:t>XxxYyyZzz</a:t>
-            </a:r>
-            <a:r>
-              <a:rPr kumimoji="1" lang="zh-CN" altLang="en-US" sz="2800" dirty="0">
-                <a:latin typeface="Microsoft YaHei" panose="020B0503020204020204" pitchFamily="34" charset="-122"/>
-                <a:ea typeface="Microsoft YaHei" panose="020B0503020204020204" pitchFamily="34" charset="-122"/>
-              </a:rPr>
-              <a:t>  比如：</a:t>
-            </a:r>
-            <a:r>
-              <a:rPr kumimoji="1" lang="en-US" altLang="zh-CN" sz="2800" dirty="0" err="1">
-                <a:latin typeface="Microsoft YaHei" panose="020B0503020204020204" pitchFamily="34" charset="-122"/>
-                <a:ea typeface="Microsoft YaHei" panose="020B0503020204020204" pitchFamily="34" charset="-122"/>
-              </a:rPr>
-              <a:t>HmcStudent</a:t>
-            </a:r>
-            <a:endParaRPr kumimoji="1" lang="en-US" altLang="zh-CN" sz="2800" dirty="0">
-              <a:latin typeface="Microsoft YaHei" panose="020B0503020204020204" pitchFamily="34" charset="-122"/>
-              <a:ea typeface="Microsoft YaHei" panose="020B0503020204020204" pitchFamily="34" charset="-122"/>
-            </a:endParaRPr>
-          </a:p>
-          <a:p>
-            <a:pPr marL="457200" indent="-457200">
-              <a:lnSpc>
-                <a:spcPct val="150000"/>
-              </a:lnSpc>
-              <a:buFont typeface="Arial" panose="020B0604020202020204" pitchFamily="34" charset="0"/>
-              <a:buChar char="•"/>
-            </a:pPr>
-            <a:r>
-              <a:rPr kumimoji="1" lang="zh-CN" altLang="en-US" sz="2800" dirty="0">
-                <a:latin typeface="Microsoft YaHei" panose="020B0503020204020204" pitchFamily="34" charset="-122"/>
-                <a:ea typeface="Microsoft YaHei" panose="020B0503020204020204" pitchFamily="34" charset="-122"/>
-              </a:rPr>
-              <a:t>变量名、方法名</a:t>
-            </a:r>
-            <a:r>
-              <a:rPr kumimoji="1" lang="en-US" altLang="zh-CN" sz="2800" dirty="0">
-                <a:latin typeface="Microsoft YaHei" panose="020B0503020204020204" pitchFamily="34" charset="-122"/>
-                <a:ea typeface="Microsoft YaHei" panose="020B0503020204020204" pitchFamily="34" charset="-122"/>
-              </a:rPr>
-              <a:t>(</a:t>
-            </a:r>
-            <a:r>
-              <a:rPr kumimoji="1" lang="zh-CN" altLang="en-US" sz="2800" dirty="0">
-                <a:latin typeface="Microsoft YaHei" panose="020B0503020204020204" pitchFamily="34" charset="-122"/>
-                <a:ea typeface="Microsoft YaHei" panose="020B0503020204020204" pitchFamily="34" charset="-122"/>
-              </a:rPr>
-              <a:t>驼峰法</a:t>
-            </a:r>
-            <a:r>
-              <a:rPr kumimoji="1" lang="en-US" altLang="zh-CN" sz="2800" dirty="0">
-                <a:latin typeface="Microsoft YaHei" panose="020B0503020204020204" pitchFamily="34" charset="-122"/>
-                <a:ea typeface="Microsoft YaHei" panose="020B0503020204020204" pitchFamily="34" charset="-122"/>
-              </a:rPr>
-              <a:t>)</a:t>
-            </a:r>
-            <a:r>
-              <a:rPr kumimoji="1" lang="zh-CN" altLang="en-US" sz="2800" dirty="0">
-                <a:latin typeface="Microsoft YaHei" panose="020B0503020204020204" pitchFamily="34" charset="-122"/>
-                <a:ea typeface="Microsoft YaHei" panose="020B0503020204020204" pitchFamily="34" charset="-122"/>
-              </a:rPr>
-              <a:t>：</a:t>
-            </a:r>
-            <a:r>
-              <a:rPr kumimoji="1" lang="en-US" altLang="zh-CN" sz="2800" dirty="0" err="1">
-                <a:latin typeface="Microsoft YaHei" panose="020B0503020204020204" pitchFamily="34" charset="-122"/>
-                <a:ea typeface="Microsoft YaHei" panose="020B0503020204020204" pitchFamily="34" charset="-122"/>
-              </a:rPr>
-              <a:t>xxxYyyZzz</a:t>
-            </a:r>
-            <a:r>
-              <a:rPr kumimoji="1" lang="zh-CN" altLang="en-US" sz="2800" dirty="0">
-                <a:latin typeface="Microsoft YaHei" panose="020B0503020204020204" pitchFamily="34" charset="-122"/>
-                <a:ea typeface="Microsoft YaHei" panose="020B0503020204020204" pitchFamily="34" charset="-122"/>
-              </a:rPr>
-              <a:t>    比如：  </a:t>
-            </a:r>
-            <a:r>
-              <a:rPr kumimoji="1" lang="en-US" altLang="zh-CN" sz="2800" dirty="0" err="1">
-                <a:latin typeface="Microsoft YaHei" panose="020B0503020204020204" pitchFamily="34" charset="-122"/>
-                <a:ea typeface="Microsoft YaHei" panose="020B0503020204020204" pitchFamily="34" charset="-122"/>
-              </a:rPr>
-              <a:t>lastYear</a:t>
-            </a:r>
-            <a:endParaRPr kumimoji="1" lang="en-US" altLang="zh-CN" sz="2800" dirty="0">
-              <a:latin typeface="Microsoft YaHei" panose="020B0503020204020204" pitchFamily="34" charset="-122"/>
-              <a:ea typeface="Microsoft YaHei" panose="020B0503020204020204" pitchFamily="34" charset="-122"/>
-            </a:endParaRPr>
-          </a:p>
-          <a:p>
-            <a:pPr marL="457200" indent="-457200">
-              <a:lnSpc>
-                <a:spcPct val="150000"/>
-              </a:lnSpc>
-              <a:buFont typeface="Arial" panose="020B0604020202020204" pitchFamily="34" charset="0"/>
-              <a:buChar char="•"/>
-            </a:pPr>
-            <a:r>
-              <a:rPr kumimoji="1" lang="zh-CN" altLang="en-US" sz="2800" dirty="0">
-                <a:latin typeface="Microsoft YaHei" panose="020B0503020204020204" pitchFamily="34" charset="-122"/>
-                <a:ea typeface="Microsoft YaHei" panose="020B0503020204020204" pitchFamily="34" charset="-122"/>
-              </a:rPr>
-              <a:t>常量名：</a:t>
-            </a:r>
-            <a:r>
-              <a:rPr kumimoji="1" lang="en-US" altLang="zh-CN" sz="2800" dirty="0">
-                <a:latin typeface="Microsoft YaHei" panose="020B0503020204020204" pitchFamily="34" charset="-122"/>
-                <a:ea typeface="Microsoft YaHei" panose="020B0503020204020204" pitchFamily="34" charset="-122"/>
-              </a:rPr>
-              <a:t>XXX_YYY_ZZZ,</a:t>
-            </a:r>
-            <a:r>
-              <a:rPr kumimoji="1" lang="zh-CN" altLang="en-US" sz="2800" dirty="0">
-                <a:latin typeface="Microsoft YaHei" panose="020B0503020204020204" pitchFamily="34" charset="-122"/>
-                <a:ea typeface="Microsoft YaHei" panose="020B0503020204020204" pitchFamily="34" charset="-122"/>
-              </a:rPr>
-              <a:t>  比如 </a:t>
-            </a:r>
-            <a:r>
-              <a:rPr kumimoji="1" lang="en-US" altLang="zh-CN" sz="2800" dirty="0">
-                <a:latin typeface="Microsoft YaHei" panose="020B0503020204020204" pitchFamily="34" charset="-122"/>
-                <a:ea typeface="Microsoft YaHei" panose="020B0503020204020204" pitchFamily="34" charset="-122"/>
-              </a:rPr>
-              <a:t>NUMER_OF_STUDENTS</a:t>
-            </a:r>
-          </a:p>
-          <a:p>
-            <a:pPr algn="ctr">
-              <a:lnSpc>
-                <a:spcPct val="150000"/>
-              </a:lnSpc>
-            </a:pPr>
             <a:endParaRPr kumimoji="1" lang="zh-CN" altLang="en-US" sz="2800" dirty="0">
               <a:latin typeface="Microsoft YaHei" panose="020B0503020204020204" pitchFamily="34" charset="-122"/>
               <a:ea typeface="Microsoft YaHei" panose="020B0503020204020204" pitchFamily="34" charset="-122"/>
@@ -8857,7 +8539,7 @@
     </p:spTree>
     <p:extLst>
       <p:ext uri="{BB962C8B-B14F-4D97-AF65-F5344CB8AC3E}">
-        <p14:creationId xmlns:p14="http://schemas.microsoft.com/office/powerpoint/2010/main" val="3325809806"/>
+        <p14:creationId xmlns:p14="http://schemas.microsoft.com/office/powerpoint/2010/main" val="780049352"/>
       </p:ext>
     </p:extLst>
   </p:cSld>
@@ -8947,7 +8629,7 @@
         <p:spPr>
           <a:xfrm>
             <a:off x="2982729" y="1135498"/>
-            <a:ext cx="7443216" cy="8926712"/>
+            <a:ext cx="7443216" cy="7634050"/>
           </a:xfrm>
           <a:prstGeom prst="rect">
             <a:avLst/>
@@ -9082,7 +8764,7 @@
                 <a:latin typeface="Microsoft YaHei" panose="020B0503020204020204" pitchFamily="34" charset="-122"/>
                 <a:ea typeface="Microsoft YaHei" panose="020B0503020204020204" pitchFamily="34" charset="-122"/>
               </a:rPr>
-              <a:t>模块化代码</a:t>
+              <a:t>重载方法</a:t>
             </a:r>
             <a:endParaRPr kumimoji="1" lang="en-US" altLang="zh-CN" sz="2800" dirty="0">
               <a:latin typeface="Microsoft YaHei" panose="020B0503020204020204" pitchFamily="34" charset="-122"/>
@@ -9102,39 +8784,15 @@
                 <a:latin typeface="Microsoft YaHei" panose="020B0503020204020204" pitchFamily="34" charset="-122"/>
                 <a:ea typeface="Microsoft YaHei" panose="020B0503020204020204" pitchFamily="34" charset="-122"/>
               </a:rPr>
-              <a:t>重载方法</a:t>
-            </a:r>
-            <a:endParaRPr kumimoji="1" lang="en-US" altLang="zh-CN" sz="2800" dirty="0">
-              <a:latin typeface="Microsoft YaHei" panose="020B0503020204020204" pitchFamily="34" charset="-122"/>
-              <a:ea typeface="Microsoft YaHei" panose="020B0503020204020204" pitchFamily="34" charset="-122"/>
-            </a:endParaRPr>
-          </a:p>
-          <a:p>
-            <a:pPr marL="571500" indent="-571500">
-              <a:lnSpc>
-                <a:spcPct val="150000"/>
-              </a:lnSpc>
-              <a:buFont typeface="Wingdings" pitchFamily="2" charset="2"/>
-              <a:buChar char="Ø"/>
-            </a:pPr>
-            <a:r>
-              <a:rPr kumimoji="1" lang="zh-CN" altLang="en-US" sz="2800" dirty="0">
-                <a:latin typeface="Microsoft YaHei" panose="020B0503020204020204" pitchFamily="34" charset="-122"/>
-                <a:ea typeface="Microsoft YaHei" panose="020B0503020204020204" pitchFamily="34" charset="-122"/>
-              </a:rPr>
-              <a:t>如何自顶向下地设计方法</a:t>
-            </a:r>
-            <a:endParaRPr kumimoji="1" lang="en-US" altLang="zh-CN" sz="2800" dirty="0">
-              <a:latin typeface="Microsoft YaHei" panose="020B0503020204020204" pitchFamily="34" charset="-122"/>
-              <a:ea typeface="Microsoft YaHei" panose="020B0503020204020204" pitchFamily="34" charset="-122"/>
-            </a:endParaRPr>
-          </a:p>
-          <a:p>
-            <a:pPr>
-              <a:lnSpc>
-                <a:spcPct val="150000"/>
-              </a:lnSpc>
-            </a:pPr>
+              <a:t>如何自顶向下地设计系统</a:t>
+            </a:r>
+            <a:r>
+              <a:rPr kumimoji="1" lang="zh-CN" altLang="en-US" sz="2800">
+                <a:latin typeface="Microsoft YaHei" panose="020B0503020204020204" pitchFamily="34" charset="-122"/>
+                <a:ea typeface="Microsoft YaHei" panose="020B0503020204020204" pitchFamily="34" charset="-122"/>
+              </a:rPr>
+              <a:t>或方法</a:t>
+            </a:r>
             <a:endParaRPr kumimoji="1" lang="en-US" altLang="zh-CN" sz="2800" dirty="0">
               <a:ea typeface="Microsoft YaHei" panose="020B0503020204020204" pitchFamily="34" charset="-122"/>
             </a:endParaRPr>
@@ -9240,19 +8898,16 @@
           <a:p>
             <a:pPr algn="ctr"/>
             <a:r>
-              <a:rPr kumimoji="1" lang="en-US" altLang="zh-CN" sz="4800" dirty="0">
-                <a:latin typeface="Microsoft YaHei" panose="020B0503020204020204" pitchFamily="34" charset="-122"/>
-                <a:ea typeface="Microsoft YaHei" panose="020B0503020204020204" pitchFamily="34" charset="-122"/>
-              </a:rPr>
-              <a:t>3.1</a:t>
-            </a:r>
-            <a:r>
               <a:rPr kumimoji="1" lang="zh-CN" altLang="en-US" sz="4800" dirty="0">
                 <a:latin typeface="Microsoft YaHei" panose="020B0503020204020204" pitchFamily="34" charset="-122"/>
                 <a:ea typeface="Microsoft YaHei" panose="020B0503020204020204" pitchFamily="34" charset="-122"/>
               </a:rPr>
-              <a:t> 赋值语句和表达式</a:t>
-            </a:r>
+              <a:t>自上而下</a:t>
+            </a:r>
+            <a:endParaRPr kumimoji="1" lang="en-US" altLang="zh-CN" sz="4800" dirty="0">
+              <a:latin typeface="Microsoft YaHei" panose="020B0503020204020204" pitchFamily="34" charset="-122"/>
+              <a:ea typeface="Microsoft YaHei" panose="020B0503020204020204" pitchFamily="34" charset="-122"/>
+            </a:endParaRPr>
           </a:p>
         </p:txBody>
       </p:sp>
@@ -9270,8 +8925,8 @@
         </p:nvSpPr>
         <p:spPr>
           <a:xfrm>
-            <a:off x="1246430" y="2630417"/>
-            <a:ext cx="11107608" cy="1955151"/>
+            <a:off x="508000" y="2865120"/>
+            <a:ext cx="4917440" cy="3108543"/>
           </a:xfrm>
           <a:prstGeom prst="rect">
             <a:avLst/>
@@ -9284,64 +8939,85 @@
           </a:bodyPr>
           <a:lstStyle/>
           <a:p>
-            <a:pPr>
-              <a:lnSpc>
-                <a:spcPct val="150000"/>
-              </a:lnSpc>
-            </a:pPr>
-            <a:r>
-              <a:rPr lang="zh-CN" altLang="en-US" sz="2800" dirty="0"/>
-              <a:t>简单赋值语句格式：</a:t>
-            </a:r>
-            <a:endParaRPr lang="en-US" altLang="zh-CN" sz="2800" dirty="0"/>
-          </a:p>
-          <a:p>
-            <a:pPr>
-              <a:lnSpc>
-                <a:spcPct val="150000"/>
-              </a:lnSpc>
-            </a:pPr>
-            <a:r>
-              <a:rPr lang="en-US" altLang="zh-CN" sz="2800" dirty="0"/>
-              <a:t>	variable </a:t>
-            </a:r>
-            <a:r>
-              <a:rPr lang="zh-CN" altLang="en-US" sz="2800" dirty="0"/>
-              <a:t> </a:t>
-            </a:r>
-            <a:r>
-              <a:rPr lang="en-US" altLang="zh-CN" sz="2800" dirty="0"/>
-              <a:t>=</a:t>
-            </a:r>
-            <a:r>
-              <a:rPr lang="zh-CN" altLang="en-US" sz="2800" dirty="0"/>
-              <a:t> </a:t>
-            </a:r>
-            <a:r>
-              <a:rPr lang="en-US" altLang="zh-CN" sz="2800" dirty="0"/>
-              <a:t>expression; </a:t>
-            </a:r>
-            <a:endParaRPr lang="zh-CN" altLang="en-US" sz="2800" dirty="0"/>
-          </a:p>
-          <a:p>
-            <a:pPr>
-              <a:lnSpc>
-                <a:spcPct val="150000"/>
-              </a:lnSpc>
-            </a:pPr>
+            <a:r>
+              <a:rPr kumimoji="1" lang="zh-CN" altLang="en-US" sz="2800" dirty="0">
+                <a:latin typeface="Microsoft YaHei" panose="020B0503020204020204" pitchFamily="34" charset="-122"/>
+                <a:ea typeface="Microsoft YaHei" panose="020B0503020204020204" pitchFamily="34" charset="-122"/>
+              </a:rPr>
+              <a:t>定义：先从总体出发，然后逐步分解</a:t>
+            </a:r>
             <a:endParaRPr kumimoji="1" lang="en-US" altLang="zh-CN" sz="2800" dirty="0">
               <a:latin typeface="Microsoft YaHei" panose="020B0503020204020204" pitchFamily="34" charset="-122"/>
               <a:ea typeface="Microsoft YaHei" panose="020B0503020204020204" pitchFamily="34" charset="-122"/>
             </a:endParaRPr>
           </a:p>
+          <a:p>
+            <a:endParaRPr kumimoji="1" lang="en-US" altLang="zh-CN" sz="2800" dirty="0">
+              <a:latin typeface="Microsoft YaHei" panose="020B0503020204020204" pitchFamily="34" charset="-122"/>
+              <a:ea typeface="Microsoft YaHei" panose="020B0503020204020204" pitchFamily="34" charset="-122"/>
+            </a:endParaRPr>
+          </a:p>
+          <a:p>
+            <a:r>
+              <a:rPr kumimoji="1" lang="zh-CN" altLang="en-US" sz="2800" dirty="0">
+                <a:latin typeface="Microsoft YaHei" panose="020B0503020204020204" pitchFamily="34" charset="-122"/>
+                <a:ea typeface="Microsoft YaHei" panose="020B0503020204020204" pitchFamily="34" charset="-122"/>
+              </a:rPr>
+              <a:t>例子：</a:t>
+            </a:r>
+            <a:endParaRPr kumimoji="1" lang="en-US" altLang="zh-CN" sz="2800" dirty="0">
+              <a:latin typeface="Microsoft YaHei" panose="020B0503020204020204" pitchFamily="34" charset="-122"/>
+              <a:ea typeface="Microsoft YaHei" panose="020B0503020204020204" pitchFamily="34" charset="-122"/>
+            </a:endParaRPr>
+          </a:p>
+          <a:p>
+            <a:pPr marL="457200" indent="-457200">
+              <a:buFont typeface="Arial" panose="020B0604020202020204" pitchFamily="34" charset="0"/>
+              <a:buChar char="•"/>
+            </a:pPr>
+            <a:r>
+              <a:rPr kumimoji="1" lang="zh-CN" altLang="en-US" sz="2800" dirty="0">
+                <a:latin typeface="Microsoft YaHei" panose="020B0503020204020204" pitchFamily="34" charset="-122"/>
+                <a:ea typeface="Microsoft YaHei" panose="020B0503020204020204" pitchFamily="34" charset="-122"/>
+              </a:rPr>
+              <a:t>思维导图</a:t>
+            </a:r>
+            <a:endParaRPr kumimoji="1" lang="en-US" altLang="zh-CN" sz="2800" dirty="0">
+              <a:latin typeface="Microsoft YaHei" panose="020B0503020204020204" pitchFamily="34" charset="-122"/>
+              <a:ea typeface="Microsoft YaHei" panose="020B0503020204020204" pitchFamily="34" charset="-122"/>
+            </a:endParaRPr>
+          </a:p>
+          <a:p>
+            <a:pPr marL="457200" indent="-457200">
+              <a:buFont typeface="Arial" panose="020B0604020202020204" pitchFamily="34" charset="0"/>
+              <a:buChar char="•"/>
+            </a:pPr>
+            <a:r>
+              <a:rPr kumimoji="1" lang="zh-CN" altLang="en-US" sz="2800" dirty="0">
+                <a:latin typeface="Microsoft YaHei" panose="020B0503020204020204" pitchFamily="34" charset="-122"/>
+                <a:ea typeface="Microsoft YaHei" panose="020B0503020204020204" pitchFamily="34" charset="-122"/>
+              </a:rPr>
+              <a:t>金字塔思维</a:t>
+            </a:r>
+            <a:endParaRPr kumimoji="1" lang="en-US" altLang="zh-CN" sz="2800" dirty="0">
+              <a:latin typeface="Microsoft YaHei" panose="020B0503020204020204" pitchFamily="34" charset="-122"/>
+              <a:ea typeface="Microsoft YaHei" panose="020B0503020204020204" pitchFamily="34" charset="-122"/>
+            </a:endParaRPr>
+          </a:p>
+          <a:p>
+            <a:endParaRPr kumimoji="1" lang="zh-CN" altLang="en-US" sz="2800" dirty="0">
+              <a:latin typeface="Microsoft YaHei" panose="020B0503020204020204" pitchFamily="34" charset="-122"/>
+              <a:ea typeface="Microsoft YaHei" panose="020B0503020204020204" pitchFamily="34" charset="-122"/>
+            </a:endParaRPr>
+          </a:p>
         </p:txBody>
       </p:sp>
       <p:pic>
         <p:nvPicPr>
-          <p:cNvPr id="7" name="图片 6">
+          <p:cNvPr id="4" name="图片 3">
             <a:extLst>
               <a:ext uri="{FF2B5EF4-FFF2-40B4-BE49-F238E27FC236}">
-                <a16:creationId xmlns:a16="http://schemas.microsoft.com/office/drawing/2014/main" id="{335AF768-7A27-EE49-BBA8-FBA0E73DDC94}"/>
+                <a16:creationId xmlns:a16="http://schemas.microsoft.com/office/drawing/2014/main" id="{D81F4E62-9FC7-5345-91C2-B22BE1037F19}"/>
               </a:ext>
             </a:extLst>
           </p:cNvPr>
@@ -9358,8 +9034,8 @@
         </p:blipFill>
         <p:spPr>
           <a:xfrm>
-            <a:off x="1599721" y="4515326"/>
-            <a:ext cx="6414078" cy="2036517"/>
+            <a:off x="6032500" y="1651000"/>
+            <a:ext cx="6159500" cy="5207000"/>
           </a:xfrm>
           <a:prstGeom prst="rect">
             <a:avLst/>
@@ -9369,7 +9045,7 @@
     </p:spTree>
     <p:extLst>
       <p:ext uri="{BB962C8B-B14F-4D97-AF65-F5344CB8AC3E}">
-        <p14:creationId xmlns:p14="http://schemas.microsoft.com/office/powerpoint/2010/main" val="976537066"/>
+        <p14:creationId xmlns:p14="http://schemas.microsoft.com/office/powerpoint/2010/main" val="3208649552"/>
       </p:ext>
     </p:extLst>
   </p:cSld>
@@ -9435,75 +9111,40 @@
           <a:p>
             <a:pPr algn="ctr"/>
             <a:r>
-              <a:rPr kumimoji="1" lang="en-US" altLang="zh-CN" sz="4800" dirty="0">
-                <a:latin typeface="Microsoft YaHei" panose="020B0503020204020204" pitchFamily="34" charset="-122"/>
-                <a:ea typeface="Microsoft YaHei" panose="020B0503020204020204" pitchFamily="34" charset="-122"/>
-              </a:rPr>
-              <a:t>3.1</a:t>
-            </a:r>
-            <a:r>
               <a:rPr kumimoji="1" lang="zh-CN" altLang="en-US" sz="4800" dirty="0">
                 <a:latin typeface="Microsoft YaHei" panose="020B0503020204020204" pitchFamily="34" charset="-122"/>
                 <a:ea typeface="Microsoft YaHei" panose="020B0503020204020204" pitchFamily="34" charset="-122"/>
               </a:rPr>
-              <a:t> 快捷赋值操作</a:t>
-            </a:r>
-          </a:p>
-        </p:txBody>
-      </p:sp>
-      <p:pic>
-        <p:nvPicPr>
-          <p:cNvPr id="5" name="图片 4">
+              <a:t>自下而上</a:t>
+            </a:r>
+            <a:endParaRPr kumimoji="1" lang="en-US" altLang="zh-CN" sz="4800" dirty="0">
+              <a:latin typeface="Microsoft YaHei" panose="020B0503020204020204" pitchFamily="34" charset="-122"/>
+              <a:ea typeface="Microsoft YaHei" panose="020B0503020204020204" pitchFamily="34" charset="-122"/>
+            </a:endParaRPr>
+          </a:p>
+        </p:txBody>
+      </p:sp>
+      <p:sp>
+        <p:nvSpPr>
+          <p:cNvPr id="3" name="文本框 2">
             <a:extLst>
               <a:ext uri="{FF2B5EF4-FFF2-40B4-BE49-F238E27FC236}">
-                <a16:creationId xmlns:a16="http://schemas.microsoft.com/office/drawing/2014/main" id="{9B084D0A-4BA3-1448-B6DC-D8BFB9A98346}"/>
+                <a16:creationId xmlns:a16="http://schemas.microsoft.com/office/drawing/2014/main" id="{C0CFBE9F-84F2-FE48-AC8E-D41196C42DBA}"/>
               </a:ext>
             </a:extLst>
           </p:cNvPr>
-          <p:cNvPicPr>
-            <a:picLocks noChangeAspect="1"/>
-          </p:cNvPicPr>
+          <p:cNvSpPr txBox="1"/>
           <p:nvPr/>
-        </p:nvPicPr>
-        <p:blipFill>
-          <a:blip r:embed="rId4"/>
-          <a:stretch>
-            <a:fillRect/>
-          </a:stretch>
-        </p:blipFill>
+        </p:nvSpPr>
         <p:spPr>
           <a:xfrm>
-            <a:off x="1" y="2805544"/>
-            <a:ext cx="12136564" cy="2494973"/>
+            <a:off x="568960" y="2153920"/>
+            <a:ext cx="11440160" cy="4401205"/>
           </a:xfrm>
           <a:prstGeom prst="rect">
             <a:avLst/>
           </a:prstGeom>
-        </p:spPr>
-      </p:pic>
-      <p:sp>
-        <p:nvSpPr>
-          <p:cNvPr id="8" name="文本框 7">
-            <a:extLst>
-              <a:ext uri="{FF2B5EF4-FFF2-40B4-BE49-F238E27FC236}">
-                <a16:creationId xmlns:a16="http://schemas.microsoft.com/office/drawing/2014/main" id="{466C8B27-F65E-6246-BBE8-97C9A509BA4E}"/>
-              </a:ext>
-            </a:extLst>
-          </p:cNvPr>
-          <p:cNvSpPr txBox="1"/>
-          <p:nvPr/>
-        </p:nvSpPr>
-        <p:spPr>
-          <a:xfrm>
-            <a:off x="2618182" y="5922818"/>
-            <a:ext cx="7149274" cy="523220"/>
-          </a:xfrm>
-          <a:prstGeom prst="rect">
-            <a:avLst/>
-          </a:prstGeom>
-          <a:solidFill>
-            <a:schemeClr val="accent2"/>
-          </a:solidFill>
+          <a:noFill/>
         </p:spPr>
         <p:txBody>
           <a:bodyPr wrap="square" rtlCol="0">
@@ -9513,168 +9154,118 @@
           <a:p>
             <a:r>
               <a:rPr kumimoji="1" lang="zh-CN" altLang="en-US" sz="2800" dirty="0">
-                <a:solidFill>
-                  <a:schemeClr val="bg1"/>
-                </a:solidFill>
-                <a:latin typeface="Microsoft YaHei" panose="020B0503020204020204" pitchFamily="34" charset="-122"/>
-                <a:ea typeface="Microsoft YaHei" panose="020B0503020204020204" pitchFamily="34" charset="-122"/>
-              </a:rPr>
-              <a:t>还有 自增</a:t>
-            </a:r>
-            <a:r>
-              <a:rPr kumimoji="1" lang="en-US" altLang="zh-CN" sz="2800" dirty="0">
-                <a:solidFill>
-                  <a:schemeClr val="bg1"/>
-                </a:solidFill>
-                <a:latin typeface="Microsoft YaHei" panose="020B0503020204020204" pitchFamily="34" charset="-122"/>
-                <a:ea typeface="Microsoft YaHei" panose="020B0503020204020204" pitchFamily="34" charset="-122"/>
-              </a:rPr>
-              <a:t>/</a:t>
-            </a:r>
-            <a:r>
-              <a:rPr kumimoji="1" lang="zh-CN" altLang="en-US" sz="2800" dirty="0">
-                <a:solidFill>
-                  <a:schemeClr val="bg1"/>
-                </a:solidFill>
-                <a:latin typeface="Microsoft YaHei" panose="020B0503020204020204" pitchFamily="34" charset="-122"/>
-                <a:ea typeface="Microsoft YaHei" panose="020B0503020204020204" pitchFamily="34" charset="-122"/>
-              </a:rPr>
-              <a:t>自减 ：  </a:t>
-            </a:r>
-            <a:r>
-              <a:rPr kumimoji="1" lang="en-US" altLang="zh-CN" sz="2800" dirty="0" err="1">
-                <a:solidFill>
-                  <a:schemeClr val="bg1"/>
-                </a:solidFill>
-                <a:latin typeface="Microsoft YaHei" panose="020B0503020204020204" pitchFamily="34" charset="-122"/>
-                <a:ea typeface="Microsoft YaHei" panose="020B0503020204020204" pitchFamily="34" charset="-122"/>
-              </a:rPr>
-              <a:t>i</a:t>
-            </a:r>
-            <a:r>
-              <a:rPr kumimoji="1" lang="en-US" altLang="zh-CN" sz="2800" dirty="0">
-                <a:solidFill>
-                  <a:schemeClr val="bg1"/>
-                </a:solidFill>
-                <a:latin typeface="Microsoft YaHei" panose="020B0503020204020204" pitchFamily="34" charset="-122"/>
-                <a:ea typeface="Microsoft YaHei" panose="020B0503020204020204" pitchFamily="34" charset="-122"/>
-              </a:rPr>
-              <a:t>++,</a:t>
-            </a:r>
-            <a:r>
-              <a:rPr kumimoji="1" lang="zh-CN" altLang="en-US" sz="2800" dirty="0">
-                <a:solidFill>
-                  <a:schemeClr val="bg1"/>
-                </a:solidFill>
-                <a:latin typeface="Microsoft YaHei" panose="020B0503020204020204" pitchFamily="34" charset="-122"/>
-                <a:ea typeface="Microsoft YaHei" panose="020B0503020204020204" pitchFamily="34" charset="-122"/>
-              </a:rPr>
-              <a:t> </a:t>
-            </a:r>
-            <a:r>
-              <a:rPr kumimoji="1" lang="en-US" altLang="zh-CN" sz="2800" dirty="0">
-                <a:solidFill>
-                  <a:schemeClr val="bg1"/>
-                </a:solidFill>
-                <a:latin typeface="Microsoft YaHei" panose="020B0503020204020204" pitchFamily="34" charset="-122"/>
-                <a:ea typeface="Microsoft YaHei" panose="020B0503020204020204" pitchFamily="34" charset="-122"/>
-              </a:rPr>
-              <a:t>++</a:t>
-            </a:r>
-            <a:r>
-              <a:rPr kumimoji="1" lang="en-US" altLang="zh-CN" sz="2800" dirty="0" err="1">
-                <a:solidFill>
-                  <a:schemeClr val="bg1"/>
-                </a:solidFill>
-                <a:latin typeface="Microsoft YaHei" panose="020B0503020204020204" pitchFamily="34" charset="-122"/>
-                <a:ea typeface="Microsoft YaHei" panose="020B0503020204020204" pitchFamily="34" charset="-122"/>
-              </a:rPr>
-              <a:t>i</a:t>
-            </a:r>
-            <a:r>
-              <a:rPr kumimoji="1" lang="en-US" altLang="zh-CN" sz="2800" dirty="0">
-                <a:solidFill>
-                  <a:schemeClr val="bg1"/>
-                </a:solidFill>
-                <a:latin typeface="Microsoft YaHei" panose="020B0503020204020204" pitchFamily="34" charset="-122"/>
-                <a:ea typeface="Microsoft YaHei" panose="020B0503020204020204" pitchFamily="34" charset="-122"/>
-              </a:rPr>
-              <a:t>,</a:t>
-            </a:r>
-            <a:r>
-              <a:rPr kumimoji="1" lang="zh-CN" altLang="en-US" sz="2800" dirty="0">
-                <a:solidFill>
-                  <a:schemeClr val="bg1"/>
-                </a:solidFill>
-                <a:latin typeface="Microsoft YaHei" panose="020B0503020204020204" pitchFamily="34" charset="-122"/>
-                <a:ea typeface="Microsoft YaHei" panose="020B0503020204020204" pitchFamily="34" charset="-122"/>
-              </a:rPr>
-              <a:t> </a:t>
-            </a:r>
-            <a:r>
-              <a:rPr kumimoji="1" lang="en-US" altLang="zh-CN" sz="2800" dirty="0" err="1">
-                <a:solidFill>
-                  <a:schemeClr val="bg1"/>
-                </a:solidFill>
-                <a:latin typeface="Microsoft YaHei" panose="020B0503020204020204" pitchFamily="34" charset="-122"/>
-                <a:ea typeface="Microsoft YaHei" panose="020B0503020204020204" pitchFamily="34" charset="-122"/>
-              </a:rPr>
-              <a:t>i</a:t>
-            </a:r>
-            <a:r>
-              <a:rPr kumimoji="1" lang="en-US" altLang="zh-CN" sz="2800" dirty="0">
-                <a:solidFill>
-                  <a:schemeClr val="bg1"/>
-                </a:solidFill>
-                <a:latin typeface="Microsoft YaHei" panose="020B0503020204020204" pitchFamily="34" charset="-122"/>
-                <a:ea typeface="Microsoft YaHei" panose="020B0503020204020204" pitchFamily="34" charset="-122"/>
-              </a:rPr>
-              <a:t>--,</a:t>
-            </a:r>
-            <a:r>
-              <a:rPr kumimoji="1" lang="zh-CN" altLang="en-US" sz="2800" dirty="0">
-                <a:solidFill>
-                  <a:schemeClr val="bg1"/>
-                </a:solidFill>
-                <a:latin typeface="Microsoft YaHei" panose="020B0503020204020204" pitchFamily="34" charset="-122"/>
-                <a:ea typeface="Microsoft YaHei" panose="020B0503020204020204" pitchFamily="34" charset="-122"/>
-              </a:rPr>
-              <a:t> </a:t>
-            </a:r>
-            <a:r>
-              <a:rPr kumimoji="1" lang="en-US" altLang="zh-CN" sz="2800" dirty="0">
-                <a:solidFill>
-                  <a:schemeClr val="bg1"/>
-                </a:solidFill>
-                <a:latin typeface="Microsoft YaHei" panose="020B0503020204020204" pitchFamily="34" charset="-122"/>
-                <a:ea typeface="Microsoft YaHei" panose="020B0503020204020204" pitchFamily="34" charset="-122"/>
-              </a:rPr>
-              <a:t>--</a:t>
-            </a:r>
-            <a:r>
-              <a:rPr kumimoji="1" lang="en-US" altLang="zh-CN" sz="2800" dirty="0" err="1">
-                <a:solidFill>
-                  <a:schemeClr val="bg1"/>
-                </a:solidFill>
-                <a:latin typeface="Microsoft YaHei" panose="020B0503020204020204" pitchFamily="34" charset="-122"/>
-                <a:ea typeface="Microsoft YaHei" panose="020B0503020204020204" pitchFamily="34" charset="-122"/>
-              </a:rPr>
-              <a:t>i</a:t>
-            </a:r>
-            <a:endParaRPr kumimoji="1" lang="zh-CN" altLang="en-US" sz="2800" dirty="0">
-              <a:solidFill>
-                <a:schemeClr val="bg1"/>
-              </a:solidFill>
+                <a:latin typeface="Microsoft YaHei" panose="020B0503020204020204" pitchFamily="34" charset="-122"/>
+                <a:ea typeface="Microsoft YaHei" panose="020B0503020204020204" pitchFamily="34" charset="-122"/>
+              </a:rPr>
+              <a:t>定义：先从局部出发，然后逐步往上汇总，最终形成整体</a:t>
+            </a:r>
+            <a:endParaRPr kumimoji="1" lang="en-US" altLang="zh-CN" sz="2800" dirty="0">
               <a:latin typeface="Microsoft YaHei" panose="020B0503020204020204" pitchFamily="34" charset="-122"/>
               <a:ea typeface="Microsoft YaHei" panose="020B0503020204020204" pitchFamily="34" charset="-122"/>
             </a:endParaRPr>
           </a:p>
+          <a:p>
+            <a:endParaRPr kumimoji="1" lang="en-US" altLang="zh-CN" sz="2800" dirty="0">
+              <a:latin typeface="Microsoft YaHei" panose="020B0503020204020204" pitchFamily="34" charset="-122"/>
+              <a:ea typeface="Microsoft YaHei" panose="020B0503020204020204" pitchFamily="34" charset="-122"/>
+            </a:endParaRPr>
+          </a:p>
+          <a:p>
+            <a:r>
+              <a:rPr kumimoji="1" lang="zh-CN" altLang="en-US" sz="2800" dirty="0">
+                <a:latin typeface="Microsoft YaHei" panose="020B0503020204020204" pitchFamily="34" charset="-122"/>
+                <a:ea typeface="Microsoft YaHei" panose="020B0503020204020204" pitchFamily="34" charset="-122"/>
+              </a:rPr>
+              <a:t>例子：群体智能，比如蚁群</a:t>
+            </a:r>
+            <a:endParaRPr kumimoji="1" lang="en-US" altLang="zh-CN" sz="2800" dirty="0">
+              <a:latin typeface="Microsoft YaHei" panose="020B0503020204020204" pitchFamily="34" charset="-122"/>
+              <a:ea typeface="Microsoft YaHei" panose="020B0503020204020204" pitchFamily="34" charset="-122"/>
+            </a:endParaRPr>
+          </a:p>
+          <a:p>
+            <a:r>
+              <a:rPr kumimoji="1" lang="zh-CN" altLang="en-US" sz="2800" dirty="0">
+                <a:latin typeface="Microsoft YaHei" panose="020B0503020204020204" pitchFamily="34" charset="-122"/>
+                <a:ea typeface="Microsoft YaHei" panose="020B0503020204020204" pitchFamily="34" charset="-122"/>
+              </a:rPr>
+              <a:t>每个蚂蚁做好自己的事情，然后整体就自然而然好了</a:t>
+            </a:r>
+            <a:endParaRPr kumimoji="1" lang="en-US" altLang="zh-CN" sz="2800" dirty="0">
+              <a:latin typeface="Microsoft YaHei" panose="020B0503020204020204" pitchFamily="34" charset="-122"/>
+              <a:ea typeface="Microsoft YaHei" panose="020B0503020204020204" pitchFamily="34" charset="-122"/>
+            </a:endParaRPr>
+          </a:p>
+          <a:p>
+            <a:endParaRPr kumimoji="1" lang="en-US" altLang="zh-CN" sz="2800" dirty="0">
+              <a:latin typeface="Microsoft YaHei" panose="020B0503020204020204" pitchFamily="34" charset="-122"/>
+              <a:ea typeface="Microsoft YaHei" panose="020B0503020204020204" pitchFamily="34" charset="-122"/>
+            </a:endParaRPr>
+          </a:p>
+          <a:p>
+            <a:r>
+              <a:rPr kumimoji="1" lang="zh-CN" altLang="en-US" sz="2800" dirty="0">
+                <a:latin typeface="Microsoft YaHei" panose="020B0503020204020204" pitchFamily="34" charset="-122"/>
+                <a:ea typeface="Microsoft YaHei" panose="020B0503020204020204" pitchFamily="34" charset="-122"/>
+              </a:rPr>
+              <a:t>自治区： 加入区 由镇组成，镇由村组成，如果</a:t>
+            </a:r>
+            <a:endParaRPr kumimoji="1" lang="en-US" altLang="zh-CN" sz="2800" dirty="0">
+              <a:latin typeface="Microsoft YaHei" panose="020B0503020204020204" pitchFamily="34" charset="-122"/>
+              <a:ea typeface="Microsoft YaHei" panose="020B0503020204020204" pitchFamily="34" charset="-122"/>
+            </a:endParaRPr>
+          </a:p>
+          <a:p>
+            <a:r>
+              <a:rPr kumimoji="1" lang="zh-CN" altLang="en-US" sz="2800" dirty="0">
+                <a:latin typeface="Microsoft YaHei" panose="020B0503020204020204" pitchFamily="34" charset="-122"/>
+                <a:ea typeface="Microsoft YaHei" panose="020B0503020204020204" pitchFamily="34" charset="-122"/>
+              </a:rPr>
+              <a:t>村自治好了，镇管理人员就几乎没事了，镇因为村的好而好；</a:t>
+            </a:r>
+            <a:endParaRPr kumimoji="1" lang="en-US" altLang="zh-CN" sz="2800" dirty="0">
+              <a:latin typeface="Microsoft YaHei" panose="020B0503020204020204" pitchFamily="34" charset="-122"/>
+              <a:ea typeface="Microsoft YaHei" panose="020B0503020204020204" pitchFamily="34" charset="-122"/>
+            </a:endParaRPr>
+          </a:p>
+          <a:p>
+            <a:r>
+              <a:rPr kumimoji="1" lang="zh-CN" altLang="en-US" sz="2800" dirty="0">
+                <a:latin typeface="Microsoft YaHei" panose="020B0503020204020204" pitchFamily="34" charset="-122"/>
+                <a:ea typeface="Microsoft YaHei" panose="020B0503020204020204" pitchFamily="34" charset="-122"/>
+              </a:rPr>
+              <a:t>镇好了，区也好了，区的管理人员也没事了。</a:t>
+            </a:r>
+            <a:endParaRPr kumimoji="1" lang="en-US" altLang="zh-CN" sz="2800" dirty="0">
+              <a:latin typeface="Microsoft YaHei" panose="020B0503020204020204" pitchFamily="34" charset="-122"/>
+              <a:ea typeface="Microsoft YaHei" panose="020B0503020204020204" pitchFamily="34" charset="-122"/>
+            </a:endParaRPr>
+          </a:p>
+          <a:p>
+            <a:r>
+              <a:rPr kumimoji="1" lang="zh-CN" altLang="en-US" sz="2800" dirty="0">
+                <a:latin typeface="Microsoft YaHei" panose="020B0503020204020204" pitchFamily="34" charset="-122"/>
+                <a:ea typeface="Microsoft YaHei" panose="020B0503020204020204" pitchFamily="34" charset="-122"/>
+              </a:rPr>
+              <a:t>这也是世界上一些地区的管理方式。</a:t>
+            </a:r>
+            <a:endParaRPr kumimoji="1" lang="en-US" altLang="zh-CN" sz="2800" dirty="0">
+              <a:latin typeface="Microsoft YaHei" panose="020B0503020204020204" pitchFamily="34" charset="-122"/>
+              <a:ea typeface="Microsoft YaHei" panose="020B0503020204020204" pitchFamily="34" charset="-122"/>
+            </a:endParaRPr>
+          </a:p>
+          <a:p>
+            <a:endParaRPr kumimoji="1" lang="zh-CN" altLang="en-US" sz="2800" dirty="0">
+              <a:latin typeface="Microsoft YaHei" panose="020B0503020204020204" pitchFamily="34" charset="-122"/>
+              <a:ea typeface="Microsoft YaHei" panose="020B0503020204020204" pitchFamily="34" charset="-122"/>
+            </a:endParaRPr>
+          </a:p>
         </p:txBody>
       </p:sp>
     </p:spTree>
     <p:extLst>
       <p:ext uri="{BB962C8B-B14F-4D97-AF65-F5344CB8AC3E}">
-        <p14:creationId xmlns:p14="http://schemas.microsoft.com/office/powerpoint/2010/main" val="2768989737"/>
+        <p14:creationId xmlns:p14="http://schemas.microsoft.com/office/powerpoint/2010/main" val="1935372806"/>
       </p:ext>
     </p:extLst>
   </p:cSld>
@@ -9710,58 +9301,12 @@
           <a:chExt cx="0" cy="0"/>
         </a:xfrm>
       </p:grpSpPr>
-      <p:sp>
-        <p:nvSpPr>
-          <p:cNvPr id="2" name="文本框 1">
-            <a:extLst>
-              <a:ext uri="{FF2B5EF4-FFF2-40B4-BE49-F238E27FC236}">
-                <a16:creationId xmlns:a16="http://schemas.microsoft.com/office/drawing/2014/main" id="{12AA8BCC-7B15-4842-80C2-48C079429338}"/>
-              </a:ext>
-            </a:extLst>
-          </p:cNvPr>
-          <p:cNvSpPr txBox="1"/>
-          <p:nvPr/>
-        </p:nvSpPr>
-        <p:spPr>
-          <a:xfrm>
-            <a:off x="2234234" y="597430"/>
-            <a:ext cx="9132000" cy="830997"/>
-          </a:xfrm>
-          <a:prstGeom prst="rect">
-            <a:avLst/>
-          </a:prstGeom>
-          <a:noFill/>
-        </p:spPr>
-        <p:txBody>
-          <a:bodyPr wrap="square" rtlCol="0">
-            <a:spAutoFit/>
-          </a:bodyPr>
-          <a:lstStyle/>
-          <a:p>
-            <a:pPr algn="ctr"/>
-            <a:r>
-              <a:rPr kumimoji="1" lang="en-US" altLang="zh-CN" sz="4800" dirty="0">
-                <a:latin typeface="Microsoft YaHei" panose="020B0503020204020204" pitchFamily="34" charset="-122"/>
-                <a:ea typeface="Microsoft YaHei" panose="020B0503020204020204" pitchFamily="34" charset="-122"/>
-              </a:rPr>
-              <a:t>4.1</a:t>
-            </a:r>
-            <a:r>
-              <a:rPr kumimoji="1" lang="zh-CN" altLang="en-US" sz="4800" dirty="0">
-                <a:latin typeface="Microsoft YaHei" panose="020B0503020204020204" pitchFamily="34" charset="-122"/>
-                <a:ea typeface="Microsoft YaHei" panose="020B0503020204020204" pitchFamily="34" charset="-122"/>
-              </a:rPr>
-              <a:t> 数值类型</a:t>
-            </a:r>
-          </a:p>
-        </p:txBody>
-      </p:sp>
       <p:pic>
         <p:nvPicPr>
-          <p:cNvPr id="5" name="图片 4">
+          <p:cNvPr id="4" name="图片 3">
             <a:extLst>
               <a:ext uri="{FF2B5EF4-FFF2-40B4-BE49-F238E27FC236}">
-                <a16:creationId xmlns:a16="http://schemas.microsoft.com/office/drawing/2014/main" id="{79EF5976-0DD8-3A46-B211-E7A4AB2173D2}"/>
+                <a16:creationId xmlns:a16="http://schemas.microsoft.com/office/drawing/2014/main" id="{44DADF3B-9548-1542-971B-D22531D01D14}"/>
               </a:ext>
             </a:extLst>
           </p:cNvPr>
@@ -9778,53 +9323,18 @@
         </p:blipFill>
         <p:spPr>
           <a:xfrm>
-            <a:off x="674254" y="3021236"/>
-            <a:ext cx="11294687" cy="3052618"/>
+            <a:off x="4512030" y="-2145"/>
+            <a:ext cx="3168929" cy="6860145"/>
           </a:xfrm>
           <a:prstGeom prst="rect">
             <a:avLst/>
           </a:prstGeom>
         </p:spPr>
       </p:pic>
-      <p:sp>
-        <p:nvSpPr>
-          <p:cNvPr id="6" name="文本框 5">
-            <a:extLst>
-              <a:ext uri="{FF2B5EF4-FFF2-40B4-BE49-F238E27FC236}">
-                <a16:creationId xmlns:a16="http://schemas.microsoft.com/office/drawing/2014/main" id="{3BA08025-CDA1-7A46-B64A-463E93D860B9}"/>
-              </a:ext>
-            </a:extLst>
-          </p:cNvPr>
-          <p:cNvSpPr txBox="1"/>
-          <p:nvPr/>
-        </p:nvSpPr>
-        <p:spPr>
-          <a:xfrm>
-            <a:off x="1069108" y="1787236"/>
-            <a:ext cx="3502892" cy="523220"/>
-          </a:xfrm>
-          <a:prstGeom prst="rect">
-            <a:avLst/>
-          </a:prstGeom>
-          <a:noFill/>
-        </p:spPr>
-        <p:txBody>
-          <a:bodyPr wrap="square" rtlCol="0">
-            <a:spAutoFit/>
-          </a:bodyPr>
-          <a:lstStyle/>
-          <a:p>
-            <a:r>
-              <a:rPr kumimoji="1" lang="zh-CN" altLang="en-US" sz="2800" dirty="0"/>
-              <a:t>常用数据类型</a:t>
-            </a:r>
-          </a:p>
-        </p:txBody>
-      </p:sp>
     </p:spTree>
     <p:extLst>
       <p:ext uri="{BB962C8B-B14F-4D97-AF65-F5344CB8AC3E}">
-        <p14:creationId xmlns:p14="http://schemas.microsoft.com/office/powerpoint/2010/main" val="1542873552"/>
+        <p14:creationId xmlns:p14="http://schemas.microsoft.com/office/powerpoint/2010/main" val="3756737795"/>
       </p:ext>
     </p:extLst>
   </p:cSld>
@@ -9894,24 +9404,28 @@
                 <a:latin typeface="Microsoft YaHei" panose="020B0503020204020204" pitchFamily="34" charset="-122"/>
                 <a:ea typeface="Microsoft YaHei" panose="020B0503020204020204" pitchFamily="34" charset="-122"/>
               </a:rPr>
-              <a:t>4.2</a:t>
+              <a:t>8.</a:t>
             </a:r>
             <a:r>
               <a:rPr kumimoji="1" lang="zh-CN" altLang="en-US" sz="4800" dirty="0">
                 <a:latin typeface="Microsoft YaHei" panose="020B0503020204020204" pitchFamily="34" charset="-122"/>
                 <a:ea typeface="Microsoft YaHei" panose="020B0503020204020204" pitchFamily="34" charset="-122"/>
               </a:rPr>
-              <a:t> 数据操作</a:t>
-            </a:r>
-          </a:p>
-        </p:txBody>
-      </p:sp>
-      <p:sp>
-        <p:nvSpPr>
-          <p:cNvPr id="6" name="文本框 5">
+              <a:t> 微信为例</a:t>
+            </a:r>
+            <a:endParaRPr kumimoji="1" lang="en-US" altLang="zh-CN" sz="4800" dirty="0">
+              <a:latin typeface="Microsoft YaHei" panose="020B0503020204020204" pitchFamily="34" charset="-122"/>
+              <a:ea typeface="Microsoft YaHei" panose="020B0503020204020204" pitchFamily="34" charset="-122"/>
+            </a:endParaRPr>
+          </a:p>
+        </p:txBody>
+      </p:sp>
+      <p:sp>
+        <p:nvSpPr>
+          <p:cNvPr id="3" name="文本框 2">
             <a:extLst>
               <a:ext uri="{FF2B5EF4-FFF2-40B4-BE49-F238E27FC236}">
-                <a16:creationId xmlns:a16="http://schemas.microsoft.com/office/drawing/2014/main" id="{3BA08025-CDA1-7A46-B64A-463E93D860B9}"/>
+                <a16:creationId xmlns:a16="http://schemas.microsoft.com/office/drawing/2014/main" id="{5ECB8C4B-DC78-AF4A-AECC-58DCD8B236BD}"/>
               </a:ext>
             </a:extLst>
           </p:cNvPr>
@@ -9920,8 +9434,8 @@
         </p:nvSpPr>
         <p:spPr>
           <a:xfrm>
-            <a:off x="1069108" y="1787236"/>
-            <a:ext cx="3502892" cy="523220"/>
+            <a:off x="1731818" y="2015173"/>
+            <a:ext cx="8728364" cy="1384995"/>
           </a:xfrm>
           <a:prstGeom prst="rect">
             <a:avLst/>
@@ -9935,46 +9449,58 @@
           <a:lstStyle/>
           <a:p>
             <a:r>
-              <a:rPr kumimoji="1" lang="zh-CN" altLang="en-US" sz="2800" dirty="0"/>
-              <a:t>常用数据类型</a:t>
-            </a:r>
-          </a:p>
-        </p:txBody>
-      </p:sp>
-      <p:pic>
-        <p:nvPicPr>
-          <p:cNvPr id="4" name="图片 3">
-            <a:extLst>
-              <a:ext uri="{FF2B5EF4-FFF2-40B4-BE49-F238E27FC236}">
-                <a16:creationId xmlns:a16="http://schemas.microsoft.com/office/drawing/2014/main" id="{01744057-0653-7A4B-A5E8-09B3124F82BD}"/>
-              </a:ext>
-            </a:extLst>
-          </p:cNvPr>
-          <p:cNvPicPr>
-            <a:picLocks noChangeAspect="1"/>
-          </p:cNvPicPr>
-          <p:nvPr/>
-        </p:nvPicPr>
-        <p:blipFill>
-          <a:blip r:embed="rId4"/>
-          <a:stretch>
-            <a:fillRect/>
-          </a:stretch>
-        </p:blipFill>
-        <p:spPr>
-          <a:xfrm>
-            <a:off x="0" y="2995439"/>
-            <a:ext cx="12192000" cy="1839495"/>
-          </a:xfrm>
-          <a:prstGeom prst="rect">
-            <a:avLst/>
-          </a:prstGeom>
-        </p:spPr>
-      </p:pic>
+              <a:rPr kumimoji="1" lang="zh-CN" altLang="en-US" sz="2800" dirty="0">
+                <a:latin typeface="Microsoft YaHei" panose="020B0503020204020204" pitchFamily="34" charset="-122"/>
+                <a:ea typeface="Microsoft YaHei" panose="020B0503020204020204" pitchFamily="34" charset="-122"/>
+              </a:rPr>
+              <a:t>以微信为例：假设你作为腾讯 微信团队</a:t>
+            </a:r>
+            <a:r>
+              <a:rPr kumimoji="1" lang="en-US" altLang="zh-CN" sz="2800" dirty="0" err="1">
+                <a:latin typeface="Microsoft YaHei" panose="020B0503020204020204" pitchFamily="34" charset="-122"/>
+                <a:ea typeface="Microsoft YaHei" panose="020B0503020204020204" pitchFamily="34" charset="-122"/>
+              </a:rPr>
+              <a:t>ios</a:t>
+            </a:r>
+            <a:r>
+              <a:rPr kumimoji="1" lang="en-US" altLang="zh-CN" sz="2800" dirty="0">
+                <a:latin typeface="Microsoft YaHei" panose="020B0503020204020204" pitchFamily="34" charset="-122"/>
+                <a:ea typeface="Microsoft YaHei" panose="020B0503020204020204" pitchFamily="34" charset="-122"/>
+              </a:rPr>
+              <a:t>/android</a:t>
+            </a:r>
+            <a:r>
+              <a:rPr kumimoji="1" lang="zh-CN" altLang="en-US" sz="2800" dirty="0">
+                <a:latin typeface="Microsoft YaHei" panose="020B0503020204020204" pitchFamily="34" charset="-122"/>
+                <a:ea typeface="Microsoft YaHei" panose="020B0503020204020204" pitchFamily="34" charset="-122"/>
+              </a:rPr>
+              <a:t> 的负责人。你很牛逼啊，你需要实现微信这个</a:t>
+            </a:r>
+            <a:r>
+              <a:rPr kumimoji="1" lang="en-US" altLang="zh-CN" sz="2800" dirty="0">
+                <a:latin typeface="Microsoft YaHei" panose="020B0503020204020204" pitchFamily="34" charset="-122"/>
+                <a:ea typeface="Microsoft YaHei" panose="020B0503020204020204" pitchFamily="34" charset="-122"/>
+              </a:rPr>
+              <a:t>App</a:t>
+            </a:r>
+            <a:r>
+              <a:rPr kumimoji="1" lang="zh-CN" altLang="en-US" sz="2800" dirty="0">
+                <a:latin typeface="Microsoft YaHei" panose="020B0503020204020204" pitchFamily="34" charset="-122"/>
+                <a:ea typeface="Microsoft YaHei" panose="020B0503020204020204" pitchFamily="34" charset="-122"/>
+              </a:rPr>
+              <a:t> 的功能，你怎么设计呢？</a:t>
+            </a:r>
+            <a:endParaRPr kumimoji="1" lang="en-US" altLang="zh-CN" sz="2800" dirty="0">
+              <a:latin typeface="Microsoft YaHei" panose="020B0503020204020204" pitchFamily="34" charset="-122"/>
+              <a:ea typeface="Microsoft YaHei" panose="020B0503020204020204" pitchFamily="34" charset="-122"/>
+            </a:endParaRPr>
+          </a:p>
+        </p:txBody>
+      </p:sp>
     </p:spTree>
     <p:extLst>
       <p:ext uri="{BB962C8B-B14F-4D97-AF65-F5344CB8AC3E}">
-        <p14:creationId xmlns:p14="http://schemas.microsoft.com/office/powerpoint/2010/main" val="3554362694"/>
+        <p14:creationId xmlns:p14="http://schemas.microsoft.com/office/powerpoint/2010/main" val="3467722687"/>
       </p:ext>
     </p:extLst>
   </p:cSld>
@@ -9989,9 +9515,14 @@
   <p:cSld>
     <p:bg>
       <p:bgPr>
-        <a:blipFill>
-          <a:blip r:embed="rId3"/>
-          <a:tile tx="0" ty="0" sx="100000" sy="100000" flip="none" algn="tl"/>
+        <a:blipFill dpi="0" rotWithShape="1">
+          <a:blip r:embed="rId3">
+            <a:lum/>
+          </a:blip>
+          <a:srcRect/>
+          <a:stretch>
+            <a:fillRect/>
+          </a:stretch>
         </a:blipFill>
         <a:effectLst/>
       </p:bgPr>
@@ -10010,286 +9541,10 @@
           <a:chExt cx="0" cy="0"/>
         </a:xfrm>
       </p:grpSpPr>
-      <p:sp>
-        <p:nvSpPr>
-          <p:cNvPr id="2" name="文本框 1">
-            <a:extLst>
-              <a:ext uri="{FF2B5EF4-FFF2-40B4-BE49-F238E27FC236}">
-                <a16:creationId xmlns:a16="http://schemas.microsoft.com/office/drawing/2014/main" id="{12AA8BCC-7B15-4842-80C2-48C079429338}"/>
-              </a:ext>
-            </a:extLst>
-          </p:cNvPr>
-          <p:cNvSpPr txBox="1"/>
-          <p:nvPr/>
-        </p:nvSpPr>
-        <p:spPr>
-          <a:xfrm>
-            <a:off x="2234234" y="597430"/>
-            <a:ext cx="9132000" cy="830997"/>
-          </a:xfrm>
-          <a:prstGeom prst="rect">
-            <a:avLst/>
-          </a:prstGeom>
-          <a:noFill/>
-        </p:spPr>
-        <p:txBody>
-          <a:bodyPr wrap="square" rtlCol="0">
-            <a:spAutoFit/>
-          </a:bodyPr>
-          <a:lstStyle/>
-          <a:p>
-            <a:pPr algn="ctr"/>
-            <a:r>
-              <a:rPr kumimoji="1" lang="en-US" altLang="zh-CN" sz="4800" dirty="0">
-                <a:latin typeface="Microsoft YaHei" panose="020B0503020204020204" pitchFamily="34" charset="-122"/>
-                <a:ea typeface="Microsoft YaHei" panose="020B0503020204020204" pitchFamily="34" charset="-122"/>
-              </a:rPr>
-              <a:t>4.3.</a:t>
-            </a:r>
-            <a:r>
-              <a:rPr kumimoji="1" lang="zh-CN" altLang="en-US" sz="4800" dirty="0">
-                <a:latin typeface="Microsoft YaHei" panose="020B0503020204020204" pitchFamily="34" charset="-122"/>
-                <a:ea typeface="Microsoft YaHei" panose="020B0503020204020204" pitchFamily="34" charset="-122"/>
-              </a:rPr>
-              <a:t>表达式计算优先级</a:t>
-            </a:r>
-          </a:p>
-        </p:txBody>
-      </p:sp>
-      <p:pic>
-        <p:nvPicPr>
-          <p:cNvPr id="4" name="图片 3">
-            <a:extLst>
-              <a:ext uri="{FF2B5EF4-FFF2-40B4-BE49-F238E27FC236}">
-                <a16:creationId xmlns:a16="http://schemas.microsoft.com/office/drawing/2014/main" id="{5C77ACF7-A5A8-CA4B-9CC5-87D9281D3BEF}"/>
-              </a:ext>
-            </a:extLst>
-          </p:cNvPr>
-          <p:cNvPicPr>
-            <a:picLocks noChangeAspect="1"/>
-          </p:cNvPicPr>
-          <p:nvPr/>
-        </p:nvPicPr>
-        <p:blipFill>
-          <a:blip r:embed="rId4"/>
-          <a:stretch>
-            <a:fillRect/>
-          </a:stretch>
-        </p:blipFill>
-        <p:spPr>
-          <a:xfrm>
-            <a:off x="2824018" y="1747982"/>
-            <a:ext cx="6943438" cy="3698136"/>
-          </a:xfrm>
-          <a:prstGeom prst="rect">
-            <a:avLst/>
-          </a:prstGeom>
-        </p:spPr>
-      </p:pic>
-      <p:sp>
-        <p:nvSpPr>
-          <p:cNvPr id="6" name="文本框 5">
-            <a:extLst>
-              <a:ext uri="{FF2B5EF4-FFF2-40B4-BE49-F238E27FC236}">
-                <a16:creationId xmlns:a16="http://schemas.microsoft.com/office/drawing/2014/main" id="{1ABE12F4-A033-504C-896E-240405C72F08}"/>
-              </a:ext>
-            </a:extLst>
-          </p:cNvPr>
-          <p:cNvSpPr txBox="1"/>
-          <p:nvPr/>
-        </p:nvSpPr>
-        <p:spPr>
-          <a:xfrm>
-            <a:off x="2618182" y="5922818"/>
-            <a:ext cx="7149274" cy="523220"/>
-          </a:xfrm>
-          <a:prstGeom prst="rect">
-            <a:avLst/>
-          </a:prstGeom>
-          <a:solidFill>
-            <a:schemeClr val="accent2"/>
-          </a:solidFill>
-        </p:spPr>
-        <p:txBody>
-          <a:bodyPr wrap="square" rtlCol="0">
-            <a:spAutoFit/>
-          </a:bodyPr>
-          <a:lstStyle/>
-          <a:p>
-            <a:r>
-              <a:rPr kumimoji="1" lang="zh-CN" altLang="en-US" sz="2800" dirty="0">
-                <a:solidFill>
-                  <a:schemeClr val="bg1"/>
-                </a:solidFill>
-                <a:latin typeface="Microsoft YaHei" panose="020B0503020204020204" pitchFamily="34" charset="-122"/>
-                <a:ea typeface="Microsoft YaHei" panose="020B0503020204020204" pitchFamily="34" charset="-122"/>
-              </a:rPr>
-              <a:t>优先级： </a:t>
-            </a:r>
-            <a:r>
-              <a:rPr kumimoji="1" lang="en-US" altLang="zh-CN" sz="2800" dirty="0">
-                <a:solidFill>
-                  <a:schemeClr val="bg1"/>
-                </a:solidFill>
-                <a:latin typeface="Microsoft YaHei" panose="020B0503020204020204" pitchFamily="34" charset="-122"/>
-                <a:ea typeface="Microsoft YaHei" panose="020B0503020204020204" pitchFamily="34" charset="-122"/>
-              </a:rPr>
-              <a:t>+</a:t>
-            </a:r>
-            <a:r>
-              <a:rPr kumimoji="1" lang="zh-CN" altLang="en-US" sz="2800" dirty="0">
-                <a:solidFill>
-                  <a:schemeClr val="bg1"/>
-                </a:solidFill>
-                <a:latin typeface="Microsoft YaHei" panose="020B0503020204020204" pitchFamily="34" charset="-122"/>
-                <a:ea typeface="Microsoft YaHei" panose="020B0503020204020204" pitchFamily="34" charset="-122"/>
-              </a:rPr>
-              <a:t>或</a:t>
-            </a:r>
-            <a:r>
-              <a:rPr kumimoji="1" lang="en-US" altLang="zh-CN" sz="2800" dirty="0">
-                <a:solidFill>
-                  <a:schemeClr val="bg1"/>
-                </a:solidFill>
-                <a:latin typeface="Microsoft YaHei" panose="020B0503020204020204" pitchFamily="34" charset="-122"/>
-                <a:ea typeface="Microsoft YaHei" panose="020B0503020204020204" pitchFamily="34" charset="-122"/>
-              </a:rPr>
-              <a:t>-</a:t>
-            </a:r>
-            <a:r>
-              <a:rPr kumimoji="1" lang="zh-CN" altLang="en-US" sz="2800" dirty="0">
-                <a:solidFill>
-                  <a:schemeClr val="bg1"/>
-                </a:solidFill>
-                <a:latin typeface="Microsoft YaHei" panose="020B0503020204020204" pitchFamily="34" charset="-122"/>
-                <a:ea typeface="Microsoft YaHei" panose="020B0503020204020204" pitchFamily="34" charset="-122"/>
-              </a:rPr>
-              <a:t>  </a:t>
-            </a:r>
-            <a:r>
-              <a:rPr kumimoji="1" lang="en-US" altLang="zh-CN" sz="2800" dirty="0">
-                <a:solidFill>
-                  <a:schemeClr val="bg1"/>
-                </a:solidFill>
-                <a:latin typeface="Microsoft YaHei" panose="020B0503020204020204" pitchFamily="34" charset="-122"/>
-                <a:ea typeface="Microsoft YaHei" panose="020B0503020204020204" pitchFamily="34" charset="-122"/>
-              </a:rPr>
-              <a:t>&lt;</a:t>
-            </a:r>
-            <a:r>
-              <a:rPr kumimoji="1" lang="zh-CN" altLang="en-US" sz="2800" dirty="0">
-                <a:solidFill>
-                  <a:schemeClr val="bg1"/>
-                </a:solidFill>
-                <a:latin typeface="Microsoft YaHei" panose="020B0503020204020204" pitchFamily="34" charset="-122"/>
-                <a:ea typeface="Microsoft YaHei" panose="020B0503020204020204" pitchFamily="34" charset="-122"/>
-              </a:rPr>
-              <a:t>  </a:t>
-            </a:r>
-            <a:r>
-              <a:rPr kumimoji="1" lang="en-US" altLang="zh-CN" sz="2800" dirty="0">
-                <a:solidFill>
-                  <a:schemeClr val="bg1"/>
-                </a:solidFill>
-                <a:latin typeface="Microsoft YaHei" panose="020B0503020204020204" pitchFamily="34" charset="-122"/>
-                <a:ea typeface="Microsoft YaHei" panose="020B0503020204020204" pitchFamily="34" charset="-122"/>
-              </a:rPr>
-              <a:t>×</a:t>
-            </a:r>
-            <a:r>
-              <a:rPr kumimoji="1" lang="zh-CN" altLang="en-US" sz="2800" dirty="0">
-                <a:solidFill>
-                  <a:schemeClr val="bg1"/>
-                </a:solidFill>
-                <a:latin typeface="Microsoft YaHei" panose="020B0503020204020204" pitchFamily="34" charset="-122"/>
-                <a:ea typeface="Microsoft YaHei" panose="020B0503020204020204" pitchFamily="34" charset="-122"/>
-              </a:rPr>
-              <a:t> </a:t>
-            </a:r>
-            <a:r>
-              <a:rPr kumimoji="1" lang="en-US" altLang="zh-CN" sz="2800" dirty="0">
-                <a:solidFill>
-                  <a:schemeClr val="bg1"/>
-                </a:solidFill>
-                <a:latin typeface="Microsoft YaHei" panose="020B0503020204020204" pitchFamily="34" charset="-122"/>
-                <a:ea typeface="Microsoft YaHei" panose="020B0503020204020204" pitchFamily="34" charset="-122"/>
-              </a:rPr>
-              <a:t>/(</a:t>
-            </a:r>
-            <a:r>
-              <a:rPr kumimoji="1" lang="zh-CN" altLang="en-US" sz="2800" dirty="0">
-                <a:solidFill>
-                  <a:schemeClr val="bg1"/>
-                </a:solidFill>
-                <a:latin typeface="Microsoft YaHei" panose="020B0503020204020204" pitchFamily="34" charset="-122"/>
-                <a:ea typeface="Microsoft YaHei" panose="020B0503020204020204" pitchFamily="34" charset="-122"/>
-              </a:rPr>
-              <a:t>除法标识</a:t>
-            </a:r>
-            <a:r>
-              <a:rPr kumimoji="1" lang="en-US" altLang="zh-CN" sz="2800" dirty="0">
-                <a:solidFill>
-                  <a:schemeClr val="bg1"/>
-                </a:solidFill>
-                <a:latin typeface="Microsoft YaHei" panose="020B0503020204020204" pitchFamily="34" charset="-122"/>
-                <a:ea typeface="Microsoft YaHei" panose="020B0503020204020204" pitchFamily="34" charset="-122"/>
-              </a:rPr>
-              <a:t>)</a:t>
-            </a:r>
-            <a:r>
-              <a:rPr kumimoji="1" lang="zh-CN" altLang="en-US" sz="2800" dirty="0">
-                <a:solidFill>
-                  <a:schemeClr val="bg1"/>
-                </a:solidFill>
-                <a:latin typeface="Microsoft YaHei" panose="020B0503020204020204" pitchFamily="34" charset="-122"/>
-                <a:ea typeface="Microsoft YaHei" panose="020B0503020204020204" pitchFamily="34" charset="-122"/>
-              </a:rPr>
-              <a:t> </a:t>
-            </a:r>
-            <a:r>
-              <a:rPr kumimoji="1" lang="en-US" altLang="zh-CN" sz="2800" dirty="0">
-                <a:solidFill>
-                  <a:schemeClr val="bg1"/>
-                </a:solidFill>
-                <a:latin typeface="Microsoft YaHei" panose="020B0503020204020204" pitchFamily="34" charset="-122"/>
-                <a:ea typeface="Microsoft YaHei" panose="020B0503020204020204" pitchFamily="34" charset="-122"/>
-              </a:rPr>
-              <a:t>&lt;</a:t>
-            </a:r>
-            <a:r>
-              <a:rPr kumimoji="1" lang="zh-CN" altLang="en-US" sz="2800" dirty="0">
-                <a:solidFill>
-                  <a:schemeClr val="bg1"/>
-                </a:solidFill>
-                <a:latin typeface="Microsoft YaHei" panose="020B0503020204020204" pitchFamily="34" charset="-122"/>
-                <a:ea typeface="Microsoft YaHei" panose="020B0503020204020204" pitchFamily="34" charset="-122"/>
-              </a:rPr>
-              <a:t> </a:t>
-            </a:r>
-            <a:r>
-              <a:rPr kumimoji="1" lang="en-US" altLang="zh-CN" sz="2800" dirty="0">
-                <a:solidFill>
-                  <a:schemeClr val="bg1"/>
-                </a:solidFill>
-                <a:latin typeface="Microsoft YaHei" panose="020B0503020204020204" pitchFamily="34" charset="-122"/>
-                <a:ea typeface="Microsoft YaHei" panose="020B0503020204020204" pitchFamily="34" charset="-122"/>
-              </a:rPr>
-              <a:t>()</a:t>
-            </a:r>
-            <a:endParaRPr kumimoji="1" lang="zh-CN" altLang="en-US" sz="2800" dirty="0">
-              <a:solidFill>
-                <a:schemeClr val="bg1"/>
-              </a:solidFill>
-              <a:latin typeface="Microsoft YaHei" panose="020B0503020204020204" pitchFamily="34" charset="-122"/>
-              <a:ea typeface="Microsoft YaHei" panose="020B0503020204020204" pitchFamily="34" charset="-122"/>
-            </a:endParaRPr>
-          </a:p>
-        </p:txBody>
-      </p:sp>
     </p:spTree>
     <p:extLst>
       <p:ext uri="{BB962C8B-B14F-4D97-AF65-F5344CB8AC3E}">
-        <p14:creationId xmlns:p14="http://schemas.microsoft.com/office/powerpoint/2010/main" val="2682132560"/>
+        <p14:creationId xmlns:p14="http://schemas.microsoft.com/office/powerpoint/2010/main" val="1308572282"/>
       </p:ext>
     </p:extLst>
   </p:cSld>
@@ -10359,24 +9614,28 @@
                 <a:latin typeface="Microsoft YaHei" panose="020B0503020204020204" pitchFamily="34" charset="-122"/>
                 <a:ea typeface="Microsoft YaHei" panose="020B0503020204020204" pitchFamily="34" charset="-122"/>
               </a:rPr>
-              <a:t>5.</a:t>
+              <a:t>8.</a:t>
             </a:r>
             <a:r>
               <a:rPr kumimoji="1" lang="zh-CN" altLang="en-US" sz="4800" dirty="0">
                 <a:latin typeface="Microsoft YaHei" panose="020B0503020204020204" pitchFamily="34" charset="-122"/>
                 <a:ea typeface="Microsoft YaHei" panose="020B0503020204020204" pitchFamily="34" charset="-122"/>
               </a:rPr>
-              <a:t>数值类型转换</a:t>
-            </a:r>
-          </a:p>
-        </p:txBody>
-      </p:sp>
-      <p:sp>
-        <p:nvSpPr>
-          <p:cNvPr id="3" name="文本框 2">
+              <a:t> 如何自顶向下地设计方法 </a:t>
+            </a:r>
+            <a:endParaRPr kumimoji="1" lang="en-US" altLang="zh-CN" sz="4800" dirty="0">
+              <a:latin typeface="Microsoft YaHei" panose="020B0503020204020204" pitchFamily="34" charset="-122"/>
+              <a:ea typeface="Microsoft YaHei" panose="020B0503020204020204" pitchFamily="34" charset="-122"/>
+            </a:endParaRPr>
+          </a:p>
+        </p:txBody>
+      </p:sp>
+      <p:sp>
+        <p:nvSpPr>
+          <p:cNvPr id="4" name="文本框 3">
             <a:extLst>
               <a:ext uri="{FF2B5EF4-FFF2-40B4-BE49-F238E27FC236}">
-                <a16:creationId xmlns:a16="http://schemas.microsoft.com/office/drawing/2014/main" id="{C0CFBE9F-84F2-FE48-AC8E-D41196C42DBA}"/>
+                <a16:creationId xmlns:a16="http://schemas.microsoft.com/office/drawing/2014/main" id="{B447C188-B6E9-2A4B-BB19-53634D110344}"/>
               </a:ext>
             </a:extLst>
           </p:cNvPr>
@@ -10385,8 +9644,8 @@
         </p:nvSpPr>
         <p:spPr>
           <a:xfrm>
-            <a:off x="1080655" y="2576945"/>
-            <a:ext cx="10868890" cy="3108543"/>
+            <a:off x="1158240" y="2654012"/>
+            <a:ext cx="3637280" cy="2246769"/>
           </a:xfrm>
           <a:prstGeom prst="rect">
             <a:avLst/>
@@ -10400,101 +9659,65 @@
           <a:lstStyle/>
           <a:p>
             <a:r>
-              <a:rPr lang="zh-CN" altLang="en-US" sz="2800" dirty="0"/>
-              <a:t>一种将一种数据类型的值转换成另一种数据类型的操作。</a:t>
-            </a:r>
-            <a:endParaRPr lang="en-US" altLang="zh-CN" sz="2800" dirty="0"/>
-          </a:p>
-          <a:p>
-            <a:pPr marL="514350" indent="-514350">
-              <a:buFont typeface="+mj-lt"/>
-              <a:buAutoNum type="arabicPeriod"/>
-            </a:pPr>
-            <a:r>
-              <a:rPr lang="zh-CN" altLang="en-US" sz="2800" dirty="0"/>
-              <a:t>将一个小范围类型的变 量转换为大范围类型的变量称为拓宽类型</a:t>
-            </a:r>
-            <a:r>
-              <a:rPr lang="en-US" altLang="zh-CN" sz="2800" dirty="0"/>
-              <a:t>(widening a type)</a:t>
-            </a:r>
-            <a:r>
-              <a:rPr lang="zh-CN" altLang="en-US" sz="2800" dirty="0"/>
-              <a:t>   </a:t>
-            </a:r>
-            <a:r>
-              <a:rPr lang="en-US" altLang="zh-CN" sz="2800" dirty="0"/>
-              <a:t>//</a:t>
-            </a:r>
-            <a:r>
-              <a:rPr lang="zh-CN" altLang="en-US" sz="2800" dirty="0"/>
-              <a:t> </a:t>
-            </a:r>
-            <a:r>
-              <a:rPr lang="en-US" altLang="zh-CN" sz="2800" dirty="0"/>
-              <a:t>java</a:t>
-            </a:r>
-            <a:r>
-              <a:rPr lang="zh-CN" altLang="en-US" sz="2800" dirty="0"/>
-              <a:t>会自动，比如把</a:t>
-            </a:r>
-            <a:r>
-              <a:rPr lang="en-US" altLang="zh-CN" sz="2800" dirty="0"/>
-              <a:t>int</a:t>
-            </a:r>
-            <a:r>
-              <a:rPr lang="zh-CN" altLang="en-US" sz="2800" dirty="0"/>
-              <a:t> 变量赋值给</a:t>
-            </a:r>
-            <a:r>
-              <a:rPr lang="en-US" altLang="zh-CN" sz="2800" dirty="0"/>
-              <a:t>double.</a:t>
-            </a:r>
-          </a:p>
-          <a:p>
-            <a:pPr marL="514350" indent="-514350">
-              <a:buFont typeface="+mj-lt"/>
-              <a:buAutoNum type="arabicPeriod"/>
-            </a:pPr>
-            <a:r>
-              <a:rPr lang="zh-CN" altLang="en-US" sz="2800" dirty="0"/>
-              <a:t>把大范围类型的变量转换为小 范围类型的变量称为缩窄类型</a:t>
-            </a:r>
-            <a:r>
-              <a:rPr lang="en-US" altLang="zh-CN" sz="2800" dirty="0"/>
-              <a:t>( narrowing a type)</a:t>
-            </a:r>
-            <a:r>
-              <a:rPr lang="zh-CN" altLang="en-US" sz="2800" dirty="0"/>
-              <a:t>。 </a:t>
-            </a:r>
-            <a:r>
-              <a:rPr lang="en-US" altLang="zh-CN" sz="2800" dirty="0"/>
-              <a:t>//</a:t>
-            </a:r>
-            <a:r>
-              <a:rPr lang="zh-CN" altLang="en-US" sz="2800" dirty="0"/>
-              <a:t> 需要手动，会被“截断”</a:t>
-            </a:r>
-            <a:endParaRPr lang="en-US" altLang="zh-CN" sz="2800" dirty="0"/>
-          </a:p>
-          <a:p>
-            <a:endParaRPr lang="en-US" altLang="zh-CN" sz="2800" dirty="0"/>
-          </a:p>
-          <a:p>
-            <a:r>
-              <a:rPr lang="zh-CN" altLang="en-US" sz="2800" dirty="0"/>
-              <a:t> 代码举例</a:t>
-            </a:r>
-          </a:p>
-        </p:txBody>
-      </p:sp>
-      <p:sp>
-        <p:nvSpPr>
-          <p:cNvPr id="4" name="文本框 3">
+              <a:rPr kumimoji="1" lang="en-US" altLang="zh-CN" sz="2800" dirty="0"/>
+              <a:t>App{</a:t>
+            </a:r>
+          </a:p>
+          <a:p>
+            <a:r>
+              <a:rPr kumimoji="1" lang="zh-CN" altLang="en-US" sz="2800" dirty="0"/>
+              <a:t>模块</a:t>
+            </a:r>
+            <a:r>
+              <a:rPr kumimoji="1" lang="en-US" altLang="zh-CN" sz="2800" dirty="0"/>
+              <a:t>1</a:t>
+            </a:r>
+            <a:r>
+              <a:rPr kumimoji="1" lang="zh-CN" altLang="en-US" sz="2800" dirty="0"/>
+              <a:t>；</a:t>
+            </a:r>
+            <a:endParaRPr kumimoji="1" lang="en-US" altLang="zh-CN" sz="2800" dirty="0"/>
+          </a:p>
+          <a:p>
+            <a:r>
+              <a:rPr kumimoji="1" lang="zh-CN" altLang="en-US" sz="2800" dirty="0"/>
+              <a:t>模块</a:t>
+            </a:r>
+            <a:r>
+              <a:rPr kumimoji="1" lang="en-US" altLang="zh-CN" sz="2800" dirty="0"/>
+              <a:t>2</a:t>
+            </a:r>
+            <a:r>
+              <a:rPr kumimoji="1" lang="zh-CN" altLang="en-US" sz="2800" dirty="0"/>
+              <a:t>；</a:t>
+            </a:r>
+            <a:endParaRPr kumimoji="1" lang="en-US" altLang="zh-CN" sz="2800" dirty="0"/>
+          </a:p>
+          <a:p>
+            <a:r>
+              <a:rPr kumimoji="1" lang="zh-CN" altLang="en-US" sz="2800" dirty="0"/>
+              <a:t>模块</a:t>
+            </a:r>
+            <a:r>
+              <a:rPr kumimoji="1" lang="en-US" altLang="zh-CN" sz="2800" dirty="0"/>
+              <a:t>3…</a:t>
+            </a:r>
+          </a:p>
+          <a:p>
+            <a:r>
+              <a:rPr kumimoji="1" lang="en-US" altLang="zh-CN" sz="2800" dirty="0"/>
+              <a:t>}</a:t>
+            </a:r>
+            <a:endParaRPr kumimoji="1" lang="zh-CN" altLang="en-US" sz="2800" dirty="0"/>
+          </a:p>
+        </p:txBody>
+      </p:sp>
+      <p:sp>
+        <p:nvSpPr>
+          <p:cNvPr id="5" name="文本框 4">
             <a:extLst>
               <a:ext uri="{FF2B5EF4-FFF2-40B4-BE49-F238E27FC236}">
-                <a16:creationId xmlns:a16="http://schemas.microsoft.com/office/drawing/2014/main" id="{DDC745ED-DF34-D342-B366-1489B28F4142}"/>
+                <a16:creationId xmlns:a16="http://schemas.microsoft.com/office/drawing/2014/main" id="{16224FFA-36C6-7241-BCD3-35EFB4F468AA}"/>
               </a:ext>
             </a:extLst>
           </p:cNvPr>
@@ -10503,15 +9726,13 @@
         </p:nvSpPr>
         <p:spPr>
           <a:xfrm>
-            <a:off x="540000" y="1800000"/>
-            <a:ext cx="1070042" cy="542675"/>
+            <a:off x="4124960" y="2072640"/>
+            <a:ext cx="7518400" cy="4401205"/>
           </a:xfrm>
           <a:prstGeom prst="rect">
             <a:avLst/>
           </a:prstGeom>
-          <a:solidFill>
-            <a:schemeClr val="accent2"/>
-          </a:solidFill>
+          <a:noFill/>
         </p:spPr>
         <p:txBody>
           <a:bodyPr wrap="square" rtlCol="0">
@@ -10520,22 +9741,150 @@
           <a:lstStyle/>
           <a:p>
             <a:r>
-              <a:rPr kumimoji="1" lang="zh-CN" altLang="en-US" sz="2800" dirty="0">
-                <a:solidFill>
-                  <a:schemeClr val="bg1"/>
-                </a:solidFill>
-                <a:latin typeface="Microsoft YaHei" panose="020B0503020204020204" pitchFamily="34" charset="-122"/>
-                <a:ea typeface="Microsoft YaHei" panose="020B0503020204020204" pitchFamily="34" charset="-122"/>
-              </a:rPr>
-              <a:t>定义</a:t>
-            </a:r>
+              <a:rPr kumimoji="1" lang="zh-CN" altLang="en-US" sz="2800" dirty="0"/>
+              <a:t>方法的设计思路类似的</a:t>
+            </a:r>
+            <a:endParaRPr kumimoji="1" lang="en-US" altLang="zh-CN" sz="2800" dirty="0"/>
+          </a:p>
+          <a:p>
+            <a:endParaRPr kumimoji="1" lang="en-US" altLang="zh-CN" sz="2800" dirty="0"/>
+          </a:p>
+          <a:p>
+            <a:r>
+              <a:rPr kumimoji="1" lang="en-US" altLang="zh-CN" sz="2800" dirty="0"/>
+              <a:t>Void</a:t>
+            </a:r>
+            <a:r>
+              <a:rPr kumimoji="1" lang="zh-CN" altLang="en-US" sz="2800" dirty="0"/>
+              <a:t> </a:t>
+            </a:r>
+            <a:r>
+              <a:rPr kumimoji="1" lang="en-US" altLang="zh-CN" sz="2800" dirty="0" err="1"/>
+              <a:t>showImageFromWeb</a:t>
+            </a:r>
+            <a:r>
+              <a:rPr kumimoji="1" lang="en-US" altLang="zh-CN" sz="2800" dirty="0"/>
+              <a:t>(</a:t>
+            </a:r>
+            <a:r>
+              <a:rPr kumimoji="1" lang="zh-CN" altLang="en-US" sz="2800" dirty="0"/>
+              <a:t> </a:t>
+            </a:r>
+            <a:r>
+              <a:rPr kumimoji="1" lang="en-US" altLang="zh-CN" sz="2800" dirty="0"/>
+              <a:t>URL</a:t>
+            </a:r>
+            <a:r>
+              <a:rPr kumimoji="1" lang="zh-CN" altLang="en-US" sz="2800" dirty="0"/>
+              <a:t> </a:t>
+            </a:r>
+            <a:r>
+              <a:rPr kumimoji="1" lang="en-US" altLang="zh-CN" sz="2800" dirty="0" err="1"/>
+              <a:t>url</a:t>
+            </a:r>
+            <a:r>
+              <a:rPr kumimoji="1" lang="en-US" altLang="zh-CN" sz="2800" dirty="0"/>
+              <a:t>){</a:t>
+            </a:r>
+          </a:p>
+          <a:p>
+            <a:r>
+              <a:rPr kumimoji="1" lang="en-US" altLang="zh-CN" sz="2800" dirty="0"/>
+              <a:t>Validate(</a:t>
+            </a:r>
+            <a:r>
+              <a:rPr kumimoji="1" lang="en-US" altLang="zh-CN" sz="2800" dirty="0" err="1"/>
+              <a:t>url</a:t>
+            </a:r>
+            <a:r>
+              <a:rPr kumimoji="1" lang="en-US" altLang="zh-CN" sz="2800" dirty="0"/>
+              <a:t>)</a:t>
+            </a:r>
+            <a:r>
+              <a:rPr kumimoji="1" lang="zh-CN" altLang="en-US" sz="2800" dirty="0"/>
+              <a:t> </a:t>
+            </a:r>
+            <a:r>
+              <a:rPr kumimoji="1" lang="en-US" altLang="zh-CN" sz="2800" dirty="0"/>
+              <a:t>//</a:t>
+            </a:r>
+            <a:r>
+              <a:rPr kumimoji="1" lang="zh-CN" altLang="en-US" sz="2800" dirty="0"/>
+              <a:t> 首先验证网址的可靠性</a:t>
+            </a:r>
+            <a:endParaRPr kumimoji="1" lang="en-US" altLang="zh-CN" sz="2800" dirty="0"/>
+          </a:p>
+          <a:p>
+            <a:r>
+              <a:rPr kumimoji="1" lang="en-US" altLang="zh-CN" sz="2800" dirty="0" err="1"/>
+              <a:t>fetchImage</a:t>
+            </a:r>
+            <a:r>
+              <a:rPr kumimoji="1" lang="en-US" altLang="zh-CN" sz="2800" dirty="0"/>
+              <a:t>(</a:t>
+            </a:r>
+            <a:r>
+              <a:rPr kumimoji="1" lang="en-US" altLang="zh-CN" sz="2800" dirty="0" err="1"/>
+              <a:t>url</a:t>
+            </a:r>
+            <a:r>
+              <a:rPr kumimoji="1" lang="en-US" altLang="zh-CN" sz="2800" dirty="0"/>
+              <a:t>)</a:t>
+            </a:r>
+            <a:r>
+              <a:rPr kumimoji="1" lang="zh-CN" altLang="en-US" sz="2800" dirty="0"/>
+              <a:t> </a:t>
+            </a:r>
+            <a:r>
+              <a:rPr kumimoji="1" lang="en-US" altLang="zh-CN" sz="2800" dirty="0"/>
+              <a:t>//</a:t>
+            </a:r>
+            <a:r>
+              <a:rPr kumimoji="1" lang="zh-CN" altLang="en-US" sz="2800" dirty="0"/>
+              <a:t> 去服务器获取图片</a:t>
+            </a:r>
+            <a:endParaRPr kumimoji="1" lang="en-US" altLang="zh-CN" sz="2800" dirty="0"/>
+          </a:p>
+          <a:p>
+            <a:r>
+              <a:rPr kumimoji="1" lang="en-US" altLang="zh-CN" sz="2800" dirty="0" err="1"/>
+              <a:t>showOnCurrent</a:t>
+            </a:r>
+            <a:r>
+              <a:rPr kumimoji="1" lang="zh-CN" altLang="en-US" sz="2800" dirty="0"/>
+              <a:t> </a:t>
+            </a:r>
+            <a:r>
+              <a:rPr kumimoji="1" lang="en-US" altLang="zh-CN" sz="2800" dirty="0"/>
+              <a:t>//</a:t>
+            </a:r>
+            <a:r>
+              <a:rPr kumimoji="1" lang="zh-CN" altLang="en-US" sz="2800" dirty="0"/>
+              <a:t>显示在当前设备上</a:t>
+            </a:r>
+            <a:endParaRPr kumimoji="1" lang="en-US" altLang="zh-CN" sz="2800" dirty="0"/>
+          </a:p>
+          <a:p>
+            <a:r>
+              <a:rPr kumimoji="1" lang="en-US" altLang="zh-CN" sz="2800" dirty="0"/>
+              <a:t>}</a:t>
+            </a:r>
+          </a:p>
+          <a:p>
+            <a:endParaRPr kumimoji="1" lang="en-US" altLang="zh-CN" sz="2800" dirty="0"/>
+          </a:p>
+          <a:p>
+            <a:endParaRPr kumimoji="1" lang="en-US" altLang="zh-CN" sz="2800" dirty="0"/>
+          </a:p>
+          <a:p>
+            <a:endParaRPr kumimoji="1" lang="zh-CN" altLang="en-US" sz="2800" dirty="0"/>
           </a:p>
         </p:txBody>
       </p:sp>
     </p:spTree>
     <p:extLst>
       <p:ext uri="{BB962C8B-B14F-4D97-AF65-F5344CB8AC3E}">
-        <p14:creationId xmlns:p14="http://schemas.microsoft.com/office/powerpoint/2010/main" val="2429563177"/>
+        <p14:creationId xmlns:p14="http://schemas.microsoft.com/office/powerpoint/2010/main" val="3286228960"/>
       </p:ext>
     </p:extLst>
   </p:cSld>
@@ -10585,8 +9934,8 @@
         </p:nvSpPr>
         <p:spPr>
           <a:xfrm>
-            <a:off x="2520000" y="720000"/>
-            <a:ext cx="7735824" cy="830997"/>
+            <a:off x="2228088" y="2921168"/>
+            <a:ext cx="7735824" cy="1015663"/>
           </a:xfrm>
           <a:prstGeom prst="rect">
             <a:avLst/>
@@ -10601,138 +9950,11 @@
           <a:p>
             <a:pPr algn="ctr"/>
             <a:r>
-              <a:rPr kumimoji="1" lang="en-US" altLang="zh-CN" sz="4800" dirty="0">
-                <a:latin typeface="Microsoft YaHei" panose="020B0503020204020204" pitchFamily="34" charset="-122"/>
-                <a:ea typeface="Microsoft YaHei" panose="020B0503020204020204" pitchFamily="34" charset="-122"/>
-              </a:rPr>
-              <a:t>6.</a:t>
-            </a:r>
-            <a:r>
-              <a:rPr kumimoji="1" lang="zh-CN" altLang="en-US" sz="4800" dirty="0">
-                <a:latin typeface="Microsoft YaHei" panose="020B0503020204020204" pitchFamily="34" charset="-122"/>
-                <a:ea typeface="Microsoft YaHei" panose="020B0503020204020204" pitchFamily="34" charset="-122"/>
-              </a:rPr>
-              <a:t> 常见错误 </a:t>
-            </a:r>
-            <a:r>
-              <a:rPr kumimoji="1" lang="en-US" altLang="zh-CN" sz="4800" dirty="0">
-                <a:latin typeface="Microsoft YaHei" panose="020B0503020204020204" pitchFamily="34" charset="-122"/>
-                <a:ea typeface="Microsoft YaHei" panose="020B0503020204020204" pitchFamily="34" charset="-122"/>
-              </a:rPr>
-              <a:t>1</a:t>
-            </a:r>
-            <a:endParaRPr kumimoji="1" lang="zh-CN" altLang="en-US" sz="4800" dirty="0">
-              <a:latin typeface="Microsoft YaHei" panose="020B0503020204020204" pitchFamily="34" charset="-122"/>
-              <a:ea typeface="Microsoft YaHei" panose="020B0503020204020204" pitchFamily="34" charset="-122"/>
-            </a:endParaRPr>
-          </a:p>
-        </p:txBody>
-      </p:sp>
-      <p:sp>
-        <p:nvSpPr>
-          <p:cNvPr id="4" name="文本框 3">
-            <a:extLst>
-              <a:ext uri="{FF2B5EF4-FFF2-40B4-BE49-F238E27FC236}">
-                <a16:creationId xmlns:a16="http://schemas.microsoft.com/office/drawing/2014/main" id="{437DA9EE-0AE3-E849-9D47-C012AF08BB7C}"/>
-              </a:ext>
-            </a:extLst>
-          </p:cNvPr>
-          <p:cNvSpPr txBox="1"/>
-          <p:nvPr/>
-        </p:nvSpPr>
-        <p:spPr>
-          <a:xfrm>
-            <a:off x="875778" y="2599627"/>
-            <a:ext cx="10601640" cy="2601481"/>
-          </a:xfrm>
-          <a:prstGeom prst="rect">
-            <a:avLst/>
-          </a:prstGeom>
-          <a:noFill/>
-        </p:spPr>
-        <p:txBody>
-          <a:bodyPr wrap="square" rtlCol="0">
-            <a:spAutoFit/>
-          </a:bodyPr>
-          <a:lstStyle/>
-          <a:p>
-            <a:pPr>
-              <a:lnSpc>
-                <a:spcPct val="150000"/>
-              </a:lnSpc>
-            </a:pPr>
-            <a:r>
-              <a:rPr kumimoji="1" lang="zh-CN" altLang="en-US" sz="2800" dirty="0">
-                <a:highlight>
-                  <a:srgbClr val="FF0000"/>
-                </a:highlight>
-                <a:latin typeface="Microsoft YaHei" panose="020B0503020204020204" pitchFamily="34" charset="-122"/>
-                <a:ea typeface="Microsoft YaHei" panose="020B0503020204020204" pitchFamily="34" charset="-122"/>
-              </a:rPr>
-              <a:t>未声明、未初始化的变量和未使用的变量 </a:t>
-            </a:r>
-            <a:endParaRPr kumimoji="1" lang="en-US" altLang="zh-CN" sz="2800" dirty="0">
-              <a:highlight>
-                <a:srgbClr val="FF0000"/>
-              </a:highlight>
-              <a:latin typeface="Microsoft YaHei" panose="020B0503020204020204" pitchFamily="34" charset="-122"/>
-              <a:ea typeface="Microsoft YaHei" panose="020B0503020204020204" pitchFamily="34" charset="-122"/>
-            </a:endParaRPr>
-          </a:p>
-          <a:p>
-            <a:pPr marL="514350" indent="-514350">
-              <a:lnSpc>
-                <a:spcPct val="150000"/>
-              </a:lnSpc>
-              <a:buFont typeface="+mj-lt"/>
-              <a:buAutoNum type="arabicPeriod"/>
-            </a:pPr>
-            <a:r>
-              <a:rPr kumimoji="1" lang="zh-CN" altLang="en-US" sz="2800" dirty="0">
-                <a:latin typeface="Microsoft YaHei" panose="020B0503020204020204" pitchFamily="34" charset="-122"/>
-                <a:ea typeface="Microsoft YaHei" panose="020B0503020204020204" pitchFamily="34" charset="-122"/>
-              </a:rPr>
-              <a:t>使用未声明的变量会出错</a:t>
-            </a:r>
-            <a:endParaRPr kumimoji="1" lang="en-US" altLang="zh-CN" sz="2800" dirty="0">
-              <a:latin typeface="Microsoft YaHei" panose="020B0503020204020204" pitchFamily="34" charset="-122"/>
-              <a:ea typeface="Microsoft YaHei" panose="020B0503020204020204" pitchFamily="34" charset="-122"/>
-            </a:endParaRPr>
-          </a:p>
-          <a:p>
-            <a:pPr marL="514350" indent="-514350">
-              <a:lnSpc>
-                <a:spcPct val="150000"/>
-              </a:lnSpc>
-              <a:buFont typeface="+mj-lt"/>
-              <a:buAutoNum type="arabicPeriod"/>
-            </a:pPr>
-            <a:r>
-              <a:rPr kumimoji="1" lang="zh-CN" altLang="en-US" sz="2800" dirty="0">
-                <a:latin typeface="Microsoft YaHei" panose="020B0503020204020204" pitchFamily="34" charset="-122"/>
-                <a:ea typeface="Microsoft YaHei" panose="020B0503020204020204" pitchFamily="34" charset="-122"/>
-              </a:rPr>
-              <a:t>使用未初始化的变量有可能会产生错误</a:t>
-            </a:r>
-            <a:endParaRPr kumimoji="1" lang="en-US" altLang="zh-CN" sz="2800" dirty="0">
-              <a:latin typeface="Microsoft YaHei" panose="020B0503020204020204" pitchFamily="34" charset="-122"/>
-              <a:ea typeface="Microsoft YaHei" panose="020B0503020204020204" pitchFamily="34" charset="-122"/>
-            </a:endParaRPr>
-          </a:p>
-          <a:p>
-            <a:pPr marL="514350" indent="-514350">
-              <a:lnSpc>
-                <a:spcPct val="150000"/>
-              </a:lnSpc>
-              <a:buFont typeface="+mj-lt"/>
-              <a:buAutoNum type="arabicPeriod"/>
-            </a:pPr>
-            <a:r>
-              <a:rPr kumimoji="1" lang="zh-CN" altLang="en-US" sz="2800" dirty="0">
-                <a:latin typeface="Microsoft YaHei" panose="020B0503020204020204" pitchFamily="34" charset="-122"/>
-                <a:ea typeface="Microsoft YaHei" panose="020B0503020204020204" pitchFamily="34" charset="-122"/>
-              </a:rPr>
-              <a:t>声明变量，但不使用，一般的编译器会提示，需要删除</a:t>
+              <a:rPr kumimoji="1" lang="zh-CN" altLang="en-US" sz="6000" dirty="0">
+                <a:latin typeface="Microsoft YaHei" panose="020B0503020204020204" pitchFamily="34" charset="-122"/>
+                <a:ea typeface="Microsoft YaHei" panose="020B0503020204020204" pitchFamily="34" charset="-122"/>
+              </a:rPr>
+              <a:t>这堂课我们学了什么？</a:t>
             </a:r>
           </a:p>
         </p:txBody>
@@ -10740,7 +9962,7 @@
     </p:spTree>
     <p:extLst>
       <p:ext uri="{BB962C8B-B14F-4D97-AF65-F5344CB8AC3E}">
-        <p14:creationId xmlns:p14="http://schemas.microsoft.com/office/powerpoint/2010/main" val="76332531"/>
+        <p14:creationId xmlns:p14="http://schemas.microsoft.com/office/powerpoint/2010/main" val="3338372476"/>
       </p:ext>
     </p:extLst>
   </p:cSld>
@@ -10790,520 +10012,6 @@
         </p:nvSpPr>
         <p:spPr>
           <a:xfrm>
-            <a:off x="2520000" y="720000"/>
-            <a:ext cx="7735824" cy="830997"/>
-          </a:xfrm>
-          <a:prstGeom prst="rect">
-            <a:avLst/>
-          </a:prstGeom>
-          <a:noFill/>
-        </p:spPr>
-        <p:txBody>
-          <a:bodyPr wrap="square" rtlCol="0">
-            <a:spAutoFit/>
-          </a:bodyPr>
-          <a:lstStyle/>
-          <a:p>
-            <a:pPr algn="ctr"/>
-            <a:r>
-              <a:rPr kumimoji="1" lang="en-US" altLang="zh-CN" sz="4800" dirty="0">
-                <a:latin typeface="Microsoft YaHei" panose="020B0503020204020204" pitchFamily="34" charset="-122"/>
-                <a:ea typeface="Microsoft YaHei" panose="020B0503020204020204" pitchFamily="34" charset="-122"/>
-              </a:rPr>
-              <a:t>6.</a:t>
-            </a:r>
-            <a:r>
-              <a:rPr kumimoji="1" lang="zh-CN" altLang="en-US" sz="4800" dirty="0">
-                <a:latin typeface="Microsoft YaHei" panose="020B0503020204020204" pitchFamily="34" charset="-122"/>
-                <a:ea typeface="Microsoft YaHei" panose="020B0503020204020204" pitchFamily="34" charset="-122"/>
-              </a:rPr>
-              <a:t> 常见错误 </a:t>
-            </a:r>
-            <a:r>
-              <a:rPr kumimoji="1" lang="en-US" altLang="zh-CN" sz="4800" dirty="0">
-                <a:latin typeface="Microsoft YaHei" panose="020B0503020204020204" pitchFamily="34" charset="-122"/>
-                <a:ea typeface="Microsoft YaHei" panose="020B0503020204020204" pitchFamily="34" charset="-122"/>
-              </a:rPr>
-              <a:t>2</a:t>
-            </a:r>
-            <a:endParaRPr kumimoji="1" lang="zh-CN" altLang="en-US" sz="4800" dirty="0">
-              <a:latin typeface="Microsoft YaHei" panose="020B0503020204020204" pitchFamily="34" charset="-122"/>
-              <a:ea typeface="Microsoft YaHei" panose="020B0503020204020204" pitchFamily="34" charset="-122"/>
-            </a:endParaRPr>
-          </a:p>
-        </p:txBody>
-      </p:sp>
-      <p:sp>
-        <p:nvSpPr>
-          <p:cNvPr id="4" name="文本框 3">
-            <a:extLst>
-              <a:ext uri="{FF2B5EF4-FFF2-40B4-BE49-F238E27FC236}">
-                <a16:creationId xmlns:a16="http://schemas.microsoft.com/office/drawing/2014/main" id="{437DA9EE-0AE3-E849-9D47-C012AF08BB7C}"/>
-              </a:ext>
-            </a:extLst>
-          </p:cNvPr>
-          <p:cNvSpPr txBox="1"/>
-          <p:nvPr/>
-        </p:nvSpPr>
-        <p:spPr>
-          <a:xfrm>
-            <a:off x="875778" y="2599627"/>
-            <a:ext cx="10601640" cy="3323987"/>
-          </a:xfrm>
-          <a:prstGeom prst="rect">
-            <a:avLst/>
-          </a:prstGeom>
-          <a:noFill/>
-        </p:spPr>
-        <p:txBody>
-          <a:bodyPr wrap="square" rtlCol="0">
-            <a:spAutoFit/>
-          </a:bodyPr>
-          <a:lstStyle/>
-          <a:p>
-            <a:pPr>
-              <a:lnSpc>
-                <a:spcPct val="150000"/>
-              </a:lnSpc>
-            </a:pPr>
-            <a:r>
-              <a:rPr kumimoji="1" lang="zh-CN" altLang="en-US" sz="2800" dirty="0">
-                <a:highlight>
-                  <a:srgbClr val="FF0000"/>
-                </a:highlight>
-                <a:latin typeface="Microsoft YaHei" panose="020B0503020204020204" pitchFamily="34" charset="-122"/>
-                <a:ea typeface="Microsoft YaHei" panose="020B0503020204020204" pitchFamily="34" charset="-122"/>
-              </a:rPr>
-              <a:t>整数溢出 </a:t>
-            </a:r>
-            <a:endParaRPr kumimoji="1" lang="en-US" altLang="zh-CN" sz="2800" dirty="0">
-              <a:highlight>
-                <a:srgbClr val="FF0000"/>
-              </a:highlight>
-              <a:latin typeface="Microsoft YaHei" panose="020B0503020204020204" pitchFamily="34" charset="-122"/>
-              <a:ea typeface="Microsoft YaHei" panose="020B0503020204020204" pitchFamily="34" charset="-122"/>
-            </a:endParaRPr>
-          </a:p>
-          <a:p>
-            <a:r>
-              <a:rPr lang="zh-CN" altLang="en-US" sz="2800" dirty="0"/>
-              <a:t>数字以有限的位数存储。当一个变量被陚予一个过大</a:t>
-            </a:r>
-            <a:r>
-              <a:rPr lang="en-US" altLang="zh-CN" sz="2800" dirty="0"/>
-              <a:t>(</a:t>
-            </a:r>
-            <a:r>
-              <a:rPr lang="zh-CN" altLang="en-US" sz="2800" dirty="0"/>
-              <a:t>以存储大小而言</a:t>
-            </a:r>
-            <a:r>
-              <a:rPr lang="en-US" altLang="zh-CN" sz="2800" dirty="0"/>
-              <a:t>)</a:t>
-            </a:r>
-            <a:r>
-              <a:rPr lang="zh-CN" altLang="en-US" sz="2800" dirty="0"/>
-              <a:t>的值，以至无 法存储该值，这称为溢出。</a:t>
-            </a:r>
-            <a:endParaRPr lang="en-US" altLang="zh-CN" sz="2800" dirty="0"/>
-          </a:p>
-          <a:p>
-            <a:r>
-              <a:rPr lang="en-US" altLang="zh-CN" sz="2800" dirty="0"/>
-              <a:t>int</a:t>
-            </a:r>
-            <a:r>
-              <a:rPr lang="zh-CN" altLang="en-US" sz="2800" dirty="0"/>
-              <a:t>类型变量中可以存储的最大值是 </a:t>
-            </a:r>
-            <a:r>
-              <a:rPr lang="en-US" altLang="zh-CN" sz="2800" dirty="0"/>
-              <a:t>2147483647</a:t>
-            </a:r>
-            <a:r>
-              <a:rPr lang="zh-CN" altLang="en-US" sz="2800" dirty="0"/>
-              <a:t>。</a:t>
-            </a:r>
-            <a:r>
-              <a:rPr lang="en-US" altLang="zh-CN" sz="2800" dirty="0"/>
-              <a:t>2147483648 </a:t>
-            </a:r>
-            <a:r>
-              <a:rPr lang="zh-CN" altLang="en-US" sz="2800" dirty="0"/>
-              <a:t>将超出 </a:t>
-            </a:r>
-            <a:r>
-              <a:rPr lang="en-US" altLang="zh-CN" sz="2800" dirty="0"/>
-              <a:t>int </a:t>
-            </a:r>
-            <a:r>
-              <a:rPr lang="zh-CN" altLang="en-US" sz="2800" dirty="0"/>
-              <a:t>值的范围。 </a:t>
-            </a:r>
-          </a:p>
-          <a:p>
-            <a:r>
-              <a:rPr lang="en-US" altLang="zh-CN" sz="2800" dirty="0" err="1"/>
-              <a:t>Intvalue</a:t>
-            </a:r>
-            <a:r>
-              <a:rPr lang="en-US" altLang="zh-CN" sz="2800" dirty="0"/>
-              <a:t>= 2147483647+1; </a:t>
-            </a:r>
-            <a:r>
-              <a:rPr lang="zh-CN" altLang="en-US" sz="2800" dirty="0"/>
-              <a:t> </a:t>
-            </a:r>
-            <a:endParaRPr lang="en-US" altLang="zh-CN" sz="2800" dirty="0"/>
-          </a:p>
-          <a:p>
-            <a:r>
-              <a:rPr lang="zh-CN" altLang="en-US" sz="2800" dirty="0">
-                <a:highlight>
-                  <a:srgbClr val="00FFFF"/>
-                </a:highlight>
-              </a:rPr>
-              <a:t>思考：那</a:t>
-            </a:r>
-            <a:r>
-              <a:rPr lang="en-US" altLang="zh-CN" sz="2800" dirty="0">
-                <a:highlight>
-                  <a:srgbClr val="00FFFF"/>
-                </a:highlight>
-              </a:rPr>
-              <a:t>int</a:t>
-            </a:r>
-            <a:r>
-              <a:rPr lang="zh-CN" altLang="en-US" sz="2800" dirty="0">
-                <a:highlight>
-                  <a:srgbClr val="00FFFF"/>
-                </a:highlight>
-              </a:rPr>
-              <a:t>的最小值是多少？</a:t>
-            </a:r>
-            <a:endParaRPr lang="en-US" altLang="zh-CN" sz="2800" dirty="0">
-              <a:highlight>
-                <a:srgbClr val="00FFFF"/>
-              </a:highlight>
-            </a:endParaRPr>
-          </a:p>
-        </p:txBody>
-      </p:sp>
-    </p:spTree>
-    <p:extLst>
-      <p:ext uri="{BB962C8B-B14F-4D97-AF65-F5344CB8AC3E}">
-        <p14:creationId xmlns:p14="http://schemas.microsoft.com/office/powerpoint/2010/main" val="829273768"/>
-      </p:ext>
-    </p:extLst>
-  </p:cSld>
-  <p:clrMapOvr>
-    <a:masterClrMapping/>
-  </p:clrMapOvr>
-</p:sld>
-</file>
-
-<file path=ppt/slides/slide28.xml><?xml version="1.0" encoding="utf-8"?>
-<p:sld xmlns:a="http://schemas.openxmlformats.org/drawingml/2006/main" xmlns:r="http://schemas.openxmlformats.org/officeDocument/2006/relationships" xmlns:p="http://schemas.openxmlformats.org/presentationml/2006/main">
-  <p:cSld>
-    <p:bg>
-      <p:bgPr>
-        <a:blipFill>
-          <a:blip r:embed="rId3"/>
-          <a:tile tx="0" ty="0" sx="100000" sy="100000" flip="none" algn="tl"/>
-        </a:blipFill>
-        <a:effectLst/>
-      </p:bgPr>
-    </p:bg>
-    <p:spTree>
-      <p:nvGrpSpPr>
-        <p:cNvPr id="1" name=""/>
-        <p:cNvGrpSpPr/>
-        <p:nvPr/>
-      </p:nvGrpSpPr>
-      <p:grpSpPr>
-        <a:xfrm>
-          <a:off x="0" y="0"/>
-          <a:ext cx="0" cy="0"/>
-          <a:chOff x="0" y="0"/>
-          <a:chExt cx="0" cy="0"/>
-        </a:xfrm>
-      </p:grpSpPr>
-      <p:sp>
-        <p:nvSpPr>
-          <p:cNvPr id="2" name="文本框 1">
-            <a:extLst>
-              <a:ext uri="{FF2B5EF4-FFF2-40B4-BE49-F238E27FC236}">
-                <a16:creationId xmlns:a16="http://schemas.microsoft.com/office/drawing/2014/main" id="{12AA8BCC-7B15-4842-80C2-48C079429338}"/>
-              </a:ext>
-            </a:extLst>
-          </p:cNvPr>
-          <p:cNvSpPr txBox="1"/>
-          <p:nvPr/>
-        </p:nvSpPr>
-        <p:spPr>
-          <a:xfrm>
-            <a:off x="2520000" y="720000"/>
-            <a:ext cx="7735824" cy="830997"/>
-          </a:xfrm>
-          <a:prstGeom prst="rect">
-            <a:avLst/>
-          </a:prstGeom>
-          <a:noFill/>
-        </p:spPr>
-        <p:txBody>
-          <a:bodyPr wrap="square" rtlCol="0">
-            <a:spAutoFit/>
-          </a:bodyPr>
-          <a:lstStyle/>
-          <a:p>
-            <a:pPr algn="ctr"/>
-            <a:r>
-              <a:rPr kumimoji="1" lang="en-US" altLang="zh-CN" sz="4800" dirty="0">
-                <a:latin typeface="Microsoft YaHei" panose="020B0503020204020204" pitchFamily="34" charset="-122"/>
-                <a:ea typeface="Microsoft YaHei" panose="020B0503020204020204" pitchFamily="34" charset="-122"/>
-              </a:rPr>
-              <a:t>6.</a:t>
-            </a:r>
-            <a:r>
-              <a:rPr kumimoji="1" lang="zh-CN" altLang="en-US" sz="4800" dirty="0">
-                <a:latin typeface="Microsoft YaHei" panose="020B0503020204020204" pitchFamily="34" charset="-122"/>
-                <a:ea typeface="Microsoft YaHei" panose="020B0503020204020204" pitchFamily="34" charset="-122"/>
-              </a:rPr>
-              <a:t> 常见错误 </a:t>
-            </a:r>
-            <a:r>
-              <a:rPr kumimoji="1" lang="en-US" altLang="zh-CN" sz="4800" dirty="0">
-                <a:latin typeface="Microsoft YaHei" panose="020B0503020204020204" pitchFamily="34" charset="-122"/>
-                <a:ea typeface="Microsoft YaHei" panose="020B0503020204020204" pitchFamily="34" charset="-122"/>
-              </a:rPr>
-              <a:t>3</a:t>
-            </a:r>
-            <a:endParaRPr kumimoji="1" lang="zh-CN" altLang="en-US" sz="4800" dirty="0">
-              <a:latin typeface="Microsoft YaHei" panose="020B0503020204020204" pitchFamily="34" charset="-122"/>
-              <a:ea typeface="Microsoft YaHei" panose="020B0503020204020204" pitchFamily="34" charset="-122"/>
-            </a:endParaRPr>
-          </a:p>
-        </p:txBody>
-      </p:sp>
-      <p:sp>
-        <p:nvSpPr>
-          <p:cNvPr id="4" name="文本框 3">
-            <a:extLst>
-              <a:ext uri="{FF2B5EF4-FFF2-40B4-BE49-F238E27FC236}">
-                <a16:creationId xmlns:a16="http://schemas.microsoft.com/office/drawing/2014/main" id="{437DA9EE-0AE3-E849-9D47-C012AF08BB7C}"/>
-              </a:ext>
-            </a:extLst>
-          </p:cNvPr>
-          <p:cNvSpPr txBox="1"/>
-          <p:nvPr/>
-        </p:nvSpPr>
-        <p:spPr>
-          <a:xfrm>
-            <a:off x="875778" y="2599627"/>
-            <a:ext cx="10601640" cy="523220"/>
-          </a:xfrm>
-          <a:prstGeom prst="rect">
-            <a:avLst/>
-          </a:prstGeom>
-          <a:noFill/>
-        </p:spPr>
-        <p:txBody>
-          <a:bodyPr wrap="square" rtlCol="0">
-            <a:spAutoFit/>
-          </a:bodyPr>
-          <a:lstStyle/>
-          <a:p>
-            <a:r>
-              <a:rPr lang="zh-CN" altLang="en-US" sz="2800" dirty="0">
-                <a:highlight>
-                  <a:srgbClr val="FF0000"/>
-                </a:highlight>
-              </a:rPr>
-              <a:t>超出预期的整数除法 </a:t>
-            </a:r>
-            <a:r>
-              <a:rPr kumimoji="1" lang="zh-CN" altLang="en-US" sz="2800" dirty="0">
-                <a:highlight>
-                  <a:srgbClr val="FF0000"/>
-                </a:highlight>
-                <a:latin typeface="Microsoft YaHei" panose="020B0503020204020204" pitchFamily="34" charset="-122"/>
-                <a:ea typeface="Microsoft YaHei" panose="020B0503020204020204" pitchFamily="34" charset="-122"/>
-              </a:rPr>
-              <a:t> </a:t>
-            </a:r>
-            <a:endParaRPr kumimoji="1" lang="en-US" altLang="zh-CN" sz="2800" dirty="0">
-              <a:highlight>
-                <a:srgbClr val="FF0000"/>
-              </a:highlight>
-              <a:latin typeface="Microsoft YaHei" panose="020B0503020204020204" pitchFamily="34" charset="-122"/>
-              <a:ea typeface="Microsoft YaHei" panose="020B0503020204020204" pitchFamily="34" charset="-122"/>
-            </a:endParaRPr>
-          </a:p>
-        </p:txBody>
-      </p:sp>
-      <p:pic>
-        <p:nvPicPr>
-          <p:cNvPr id="3" name="图片 2">
-            <a:extLst>
-              <a:ext uri="{FF2B5EF4-FFF2-40B4-BE49-F238E27FC236}">
-                <a16:creationId xmlns:a16="http://schemas.microsoft.com/office/drawing/2014/main" id="{11CB5C24-8959-BE48-ADA3-7A48DDADF719}"/>
-              </a:ext>
-            </a:extLst>
-          </p:cNvPr>
-          <p:cNvPicPr>
-            <a:picLocks noChangeAspect="1"/>
-          </p:cNvPicPr>
-          <p:nvPr/>
-        </p:nvPicPr>
-        <p:blipFill>
-          <a:blip r:embed="rId4"/>
-          <a:stretch>
-            <a:fillRect/>
-          </a:stretch>
-        </p:blipFill>
-        <p:spPr>
-          <a:xfrm>
-            <a:off x="554182" y="3429000"/>
-            <a:ext cx="11637818" cy="1926120"/>
-          </a:xfrm>
-          <a:prstGeom prst="rect">
-            <a:avLst/>
-          </a:prstGeom>
-        </p:spPr>
-      </p:pic>
-      <p:sp>
-        <p:nvSpPr>
-          <p:cNvPr id="5" name="文本框 4">
-            <a:extLst>
-              <a:ext uri="{FF2B5EF4-FFF2-40B4-BE49-F238E27FC236}">
-                <a16:creationId xmlns:a16="http://schemas.microsoft.com/office/drawing/2014/main" id="{9172D58E-42F2-7841-B8A5-7E368BC93EB3}"/>
-              </a:ext>
-            </a:extLst>
-          </p:cNvPr>
-          <p:cNvSpPr txBox="1"/>
-          <p:nvPr/>
-        </p:nvSpPr>
-        <p:spPr>
-          <a:xfrm>
-            <a:off x="1641764" y="5652655"/>
-            <a:ext cx="2888672" cy="523220"/>
-          </a:xfrm>
-          <a:prstGeom prst="rect">
-            <a:avLst/>
-          </a:prstGeom>
-          <a:noFill/>
-        </p:spPr>
-        <p:txBody>
-          <a:bodyPr wrap="square" rtlCol="0">
-            <a:spAutoFit/>
-          </a:bodyPr>
-          <a:lstStyle/>
-          <a:p>
-            <a:r>
-              <a:rPr kumimoji="1" lang="zh-CN" altLang="en-US" sz="2800" dirty="0"/>
-              <a:t>结果是：</a:t>
-            </a:r>
-            <a:r>
-              <a:rPr kumimoji="1" lang="en-US" altLang="zh-CN" sz="2800" dirty="0"/>
-              <a:t>1</a:t>
-            </a:r>
-            <a:endParaRPr kumimoji="1" lang="zh-CN" altLang="en-US" sz="2800" dirty="0"/>
-          </a:p>
-        </p:txBody>
-      </p:sp>
-      <p:sp>
-        <p:nvSpPr>
-          <p:cNvPr id="6" name="文本框 5">
-            <a:extLst>
-              <a:ext uri="{FF2B5EF4-FFF2-40B4-BE49-F238E27FC236}">
-                <a16:creationId xmlns:a16="http://schemas.microsoft.com/office/drawing/2014/main" id="{8E4A7340-2E87-4148-A773-47E538E66983}"/>
-              </a:ext>
-            </a:extLst>
-          </p:cNvPr>
-          <p:cNvSpPr txBox="1"/>
-          <p:nvPr/>
-        </p:nvSpPr>
-        <p:spPr>
-          <a:xfrm>
-            <a:off x="7512624" y="5647915"/>
-            <a:ext cx="2888672" cy="523220"/>
-          </a:xfrm>
-          <a:prstGeom prst="rect">
-            <a:avLst/>
-          </a:prstGeom>
-          <a:noFill/>
-        </p:spPr>
-        <p:txBody>
-          <a:bodyPr wrap="square" rtlCol="0">
-            <a:spAutoFit/>
-          </a:bodyPr>
-          <a:lstStyle/>
-          <a:p>
-            <a:r>
-              <a:rPr kumimoji="1" lang="zh-CN" altLang="en-US" sz="2800" dirty="0"/>
-              <a:t>结果是：</a:t>
-            </a:r>
-            <a:r>
-              <a:rPr kumimoji="1" lang="en-US" altLang="zh-CN" sz="2800" dirty="0"/>
-              <a:t>1.5</a:t>
-            </a:r>
-            <a:endParaRPr kumimoji="1" lang="zh-CN" altLang="en-US" sz="2800" dirty="0"/>
-          </a:p>
-        </p:txBody>
-      </p:sp>
-    </p:spTree>
-    <p:extLst>
-      <p:ext uri="{BB962C8B-B14F-4D97-AF65-F5344CB8AC3E}">
-        <p14:creationId xmlns:p14="http://schemas.microsoft.com/office/powerpoint/2010/main" val="354188742"/>
-      </p:ext>
-    </p:extLst>
-  </p:cSld>
-  <p:clrMapOvr>
-    <a:masterClrMapping/>
-  </p:clrMapOvr>
-</p:sld>
-</file>
-
-<file path=ppt/slides/slide29.xml><?xml version="1.0" encoding="utf-8"?>
-<p:sld xmlns:a="http://schemas.openxmlformats.org/drawingml/2006/main" xmlns:r="http://schemas.openxmlformats.org/officeDocument/2006/relationships" xmlns:p="http://schemas.openxmlformats.org/presentationml/2006/main">
-  <p:cSld>
-    <p:bg>
-      <p:bgPr>
-        <a:blipFill>
-          <a:blip r:embed="rId3"/>
-          <a:tile tx="0" ty="0" sx="100000" sy="100000" flip="none" algn="tl"/>
-        </a:blipFill>
-        <a:effectLst/>
-      </p:bgPr>
-    </p:bg>
-    <p:spTree>
-      <p:nvGrpSpPr>
-        <p:cNvPr id="1" name=""/>
-        <p:cNvGrpSpPr/>
-        <p:nvPr/>
-      </p:nvGrpSpPr>
-      <p:grpSpPr>
-        <a:xfrm>
-          <a:off x="0" y="0"/>
-          <a:ext cx="0" cy="0"/>
-          <a:chOff x="0" y="0"/>
-          <a:chExt cx="0" cy="0"/>
-        </a:xfrm>
-      </p:grpSpPr>
-      <p:sp>
-        <p:nvSpPr>
-          <p:cNvPr id="2" name="文本框 1">
-            <a:extLst>
-              <a:ext uri="{FF2B5EF4-FFF2-40B4-BE49-F238E27FC236}">
-                <a16:creationId xmlns:a16="http://schemas.microsoft.com/office/drawing/2014/main" id="{12AA8BCC-7B15-4842-80C2-48C079429338}"/>
-              </a:ext>
-            </a:extLst>
-          </p:cNvPr>
-          <p:cNvSpPr txBox="1"/>
-          <p:nvPr/>
-        </p:nvSpPr>
-        <p:spPr>
-          <a:xfrm>
             <a:off x="2228088" y="2921168"/>
             <a:ext cx="7735824" cy="1015663"/>
           </a:xfrm>
@@ -11324,15 +10032,26 @@
                 <a:latin typeface="Microsoft YaHei" panose="020B0503020204020204" pitchFamily="34" charset="-122"/>
                 <a:ea typeface="Microsoft YaHei" panose="020B0503020204020204" pitchFamily="34" charset="-122"/>
               </a:rPr>
-              <a:t>这堂课我们学了什么？</a:t>
-            </a:r>
+              <a:t>自己总结</a:t>
+            </a:r>
+            <a:r>
+              <a:rPr kumimoji="1" lang="en-US" altLang="zh-CN" sz="6000" dirty="0">
+                <a:latin typeface="Microsoft YaHei" panose="020B0503020204020204" pitchFamily="34" charset="-122"/>
+                <a:ea typeface="Microsoft YaHei" panose="020B0503020204020204" pitchFamily="34" charset="-122"/>
+              </a:rPr>
+              <a:t>^_^</a:t>
+            </a:r>
+            <a:endParaRPr kumimoji="1" lang="zh-CN" altLang="en-US" sz="6000" dirty="0">
+              <a:latin typeface="Microsoft YaHei" panose="020B0503020204020204" pitchFamily="34" charset="-122"/>
+              <a:ea typeface="Microsoft YaHei" panose="020B0503020204020204" pitchFamily="34" charset="-122"/>
+            </a:endParaRPr>
           </a:p>
         </p:txBody>
       </p:sp>
     </p:spTree>
     <p:extLst>
       <p:ext uri="{BB962C8B-B14F-4D97-AF65-F5344CB8AC3E}">
-        <p14:creationId xmlns:p14="http://schemas.microsoft.com/office/powerpoint/2010/main" val="3338372476"/>
+        <p14:creationId xmlns:p14="http://schemas.microsoft.com/office/powerpoint/2010/main" val="327218390"/>
       </p:ext>
     </p:extLst>
   </p:cSld>
@@ -11482,50 +10201,6 @@
     <p:extLst>
       <p:ext uri="{BB962C8B-B14F-4D97-AF65-F5344CB8AC3E}">
         <p14:creationId xmlns:p14="http://schemas.microsoft.com/office/powerpoint/2010/main" val="2037433810"/>
-      </p:ext>
-    </p:extLst>
-  </p:cSld>
-  <p:clrMapOvr>
-    <a:masterClrMapping/>
-  </p:clrMapOvr>
-</p:sld>
-</file>
-
-<file path=ppt/slides/slide30.xml><?xml version="1.0" encoding="utf-8"?>
-<p:sld xmlns:a="http://schemas.openxmlformats.org/drawingml/2006/main" xmlns:r="http://schemas.openxmlformats.org/officeDocument/2006/relationships" xmlns:p="http://schemas.openxmlformats.org/presentationml/2006/main">
-  <p:cSld>
-    <p:bg>
-      <p:bgPr>
-        <a:blipFill dpi="0" rotWithShape="1">
-          <a:blip r:embed="rId3">
-            <a:lum/>
-          </a:blip>
-          <a:srcRect/>
-          <a:stretch>
-            <a:fillRect/>
-          </a:stretch>
-        </a:blipFill>
-        <a:effectLst/>
-      </p:bgPr>
-    </p:bg>
-    <p:spTree>
-      <p:nvGrpSpPr>
-        <p:cNvPr id="1" name=""/>
-        <p:cNvGrpSpPr/>
-        <p:nvPr/>
-      </p:nvGrpSpPr>
-      <p:grpSpPr>
-        <a:xfrm>
-          <a:off x="0" y="0"/>
-          <a:ext cx="0" cy="0"/>
-          <a:chOff x="0" y="0"/>
-          <a:chExt cx="0" cy="0"/>
-        </a:xfrm>
-      </p:grpSpPr>
-    </p:spTree>
-    <p:extLst>
-      <p:ext uri="{BB962C8B-B14F-4D97-AF65-F5344CB8AC3E}">
-        <p14:creationId xmlns:p14="http://schemas.microsoft.com/office/powerpoint/2010/main" val="3637025993"/>
       </p:ext>
     </p:extLst>
   </p:cSld>
